--- a/WorkEstimate/Code Gate Proposal to Eisbrennerpg for Modapts App.pptx
+++ b/WorkEstimate/Code Gate Proposal to Eisbrennerpg for Modapts App.pptx
@@ -5,26 +5,30 @@
     <p:sldMasterId id="2147483660" r:id="rId1"/>
   </p:sldMasterIdLst>
   <p:notesMasterIdLst>
-    <p:notesMasterId r:id="rId16"/>
+    <p:notesMasterId r:id="rId20"/>
   </p:notesMasterIdLst>
   <p:handoutMasterIdLst>
-    <p:handoutMasterId r:id="rId17"/>
+    <p:handoutMasterId r:id="rId21"/>
   </p:handoutMasterIdLst>
   <p:sldIdLst>
     <p:sldId id="348" r:id="rId2"/>
     <p:sldId id="455" r:id="rId3"/>
     <p:sldId id="471" r:id="rId4"/>
     <p:sldId id="502" r:id="rId5"/>
-    <p:sldId id="514" r:id="rId6"/>
-    <p:sldId id="513" r:id="rId7"/>
-    <p:sldId id="521" r:id="rId8"/>
-    <p:sldId id="522" r:id="rId9"/>
-    <p:sldId id="523" r:id="rId10"/>
-    <p:sldId id="524" r:id="rId11"/>
-    <p:sldId id="482" r:id="rId12"/>
-    <p:sldId id="506" r:id="rId13"/>
-    <p:sldId id="460" r:id="rId14"/>
-    <p:sldId id="355" r:id="rId15"/>
+    <p:sldId id="525" r:id="rId6"/>
+    <p:sldId id="526" r:id="rId7"/>
+    <p:sldId id="527" r:id="rId8"/>
+    <p:sldId id="528" r:id="rId9"/>
+    <p:sldId id="514" r:id="rId10"/>
+    <p:sldId id="513" r:id="rId11"/>
+    <p:sldId id="521" r:id="rId12"/>
+    <p:sldId id="522" r:id="rId13"/>
+    <p:sldId id="523" r:id="rId14"/>
+    <p:sldId id="524" r:id="rId15"/>
+    <p:sldId id="482" r:id="rId16"/>
+    <p:sldId id="506" r:id="rId17"/>
+    <p:sldId id="460" r:id="rId18"/>
+    <p:sldId id="355" r:id="rId19"/>
   </p:sldIdLst>
   <p:sldSz cx="9144000" cy="5143500" type="screen16x9"/>
   <p:notesSz cx="6858000" cy="9144000"/>
@@ -1587,32 +1591,32 @@
     </dgm:pt>
   </dgm:ptLst>
   <dgm:cxnLst>
+    <dgm:cxn modelId="{07885882-8A79-4DFB-B26B-F74490DEB3EB}" srcId="{DB006076-C4EE-FB43-B651-C19A4355D01D}" destId="{7789AF55-7036-4D56-A800-2D242C7F73BA}" srcOrd="1" destOrd="0" parTransId="{886A9988-3E0A-4200-A6AD-922B3497B50D}" sibTransId="{D6CF8ED4-2E10-49C7-9871-F72B54D25712}"/>
+    <dgm:cxn modelId="{D030096E-0A13-4769-BD97-AD4A97C853BF}" srcId="{15158CD5-5036-7F4F-833E-D2F3F6E94817}" destId="{BD3BD290-C72E-4177-8989-830BC6EAB69C}" srcOrd="1" destOrd="0" parTransId="{5005AB87-428E-4F8A-ADCC-BDF9ADFD9993}" sibTransId="{625A9D60-0E90-4850-8C13-D8425429B721}"/>
+    <dgm:cxn modelId="{29E89F4E-B98A-491B-9FAB-FE5524C896BD}" type="presOf" srcId="{E579A04B-2FE6-4FF0-85F0-C396C36EAB31}" destId="{28376B70-F0AD-4AB7-B686-C2B23BD8FF96}" srcOrd="0" destOrd="0" presId="urn:microsoft.com/office/officeart/2005/8/layout/lProcess2"/>
     <dgm:cxn modelId="{03C8213E-1440-4A95-B1A4-BE99B0B5FB7C}" type="presOf" srcId="{DB006076-C4EE-FB43-B651-C19A4355D01D}" destId="{DAF47AD8-C39F-42C4-B6DC-7E02A93C0B98}" srcOrd="1" destOrd="0" presId="urn:microsoft.com/office/officeart/2005/8/layout/lProcess2"/>
-    <dgm:cxn modelId="{BEA30033-8407-3C47-AB0E-AE2CAE2CA3F9}" srcId="{D7569426-2470-E543-B176-167358857A7E}" destId="{0F79B6C1-6FC8-0E49-A571-B8A4C65F941F}" srcOrd="0" destOrd="0" parTransId="{CBB58016-F00B-E041-9ABA-C1CD9A7B9120}" sibTransId="{5BE79BAF-5C6B-514B-8A9E-ED4AB1676ECF}"/>
     <dgm:cxn modelId="{84C633C6-8275-5241-B819-6CF4BEE95246}" srcId="{0F79B6C1-6FC8-0E49-A571-B8A4C65F941F}" destId="{E75835CB-F0A8-524F-811C-BE6D0347BD95}" srcOrd="0" destOrd="0" parTransId="{9BF83AA9-6CFA-F340-9D93-F4975B84C982}" sibTransId="{1C15B4A9-E1C8-6E43-A550-CF2EBA01724D}"/>
-    <dgm:cxn modelId="{6C233F44-17B8-B843-BA85-346EE44F8EEA}" type="presOf" srcId="{0F79B6C1-6FC8-0E49-A571-B8A4C65F941F}" destId="{91C72D2C-2F9D-9F40-A5F8-1992A8D4D65A}" srcOrd="0" destOrd="0" presId="urn:microsoft.com/office/officeart/2005/8/layout/lProcess2"/>
+    <dgm:cxn modelId="{704CA3C7-2065-1B45-A3CE-CD94F94C3928}" type="presOf" srcId="{B5F762A7-CA73-E24F-8C8A-83BED812B611}" destId="{025F1818-EE30-EF4C-8E2C-9B6EC72D5FDA}" srcOrd="0" destOrd="0" presId="urn:microsoft.com/office/officeart/2005/8/layout/lProcess2"/>
+    <dgm:cxn modelId="{643733B8-5DFA-D947-906F-B6B05B851D6E}" srcId="{D7569426-2470-E543-B176-167358857A7E}" destId="{DB006076-C4EE-FB43-B651-C19A4355D01D}" srcOrd="1" destOrd="0" parTransId="{FD7E9F50-57EB-404A-9A75-AE9B13F032F6}" sibTransId="{B8E9CA3C-2CFA-CA45-97BA-2328AB1EB4D3}"/>
     <dgm:cxn modelId="{6A144F32-7C26-4354-81C4-1466FB8B6AC9}" type="presOf" srcId="{BD3BD290-C72E-4177-8989-830BC6EAB69C}" destId="{D6B01CFE-C009-4AE7-92D6-25C02E80AB3E}" srcOrd="0" destOrd="0" presId="urn:microsoft.com/office/officeart/2005/8/layout/lProcess2"/>
     <dgm:cxn modelId="{D73204E9-DABD-4DF8-8391-1832797387A9}" type="presOf" srcId="{4E442D17-0831-F341-AB5B-D5D6F83154E7}" destId="{6EC4EA53-06F8-0949-8BC9-ADE8842FA5D5}" srcOrd="0" destOrd="0" presId="urn:microsoft.com/office/officeart/2005/8/layout/lProcess2"/>
-    <dgm:cxn modelId="{07885882-8A79-4DFB-B26B-F74490DEB3EB}" srcId="{DB006076-C4EE-FB43-B651-C19A4355D01D}" destId="{7789AF55-7036-4D56-A800-2D242C7F73BA}" srcOrd="1" destOrd="0" parTransId="{886A9988-3E0A-4200-A6AD-922B3497B50D}" sibTransId="{D6CF8ED4-2E10-49C7-9871-F72B54D25712}"/>
-    <dgm:cxn modelId="{643733B8-5DFA-D947-906F-B6B05B851D6E}" srcId="{D7569426-2470-E543-B176-167358857A7E}" destId="{DB006076-C4EE-FB43-B651-C19A4355D01D}" srcOrd="1" destOrd="0" parTransId="{FD7E9F50-57EB-404A-9A75-AE9B13F032F6}" sibTransId="{B8E9CA3C-2CFA-CA45-97BA-2328AB1EB4D3}"/>
+    <dgm:cxn modelId="{313C5EFD-2167-3840-84B4-3D69B53A7956}" type="presOf" srcId="{D7569426-2470-E543-B176-167358857A7E}" destId="{2F5CDB75-A159-2047-A59C-FFEAF060B73D}" srcOrd="0" destOrd="0" presId="urn:microsoft.com/office/officeart/2005/8/layout/lProcess2"/>
+    <dgm:cxn modelId="{57D2448B-1178-F049-A2CC-1418B87479E8}" srcId="{0F79B6C1-6FC8-0E49-A571-B8A4C65F941F}" destId="{5D92AF42-CCEF-A54B-80FD-AEF53107D49D}" srcOrd="2" destOrd="0" parTransId="{7633A116-919D-1542-955C-9C91DBC4142A}" sibTransId="{509D02D2-B474-6642-B194-1D8568698474}"/>
+    <dgm:cxn modelId="{E3AC7574-FD6D-49FB-9B68-3575A8078E7A}" type="presOf" srcId="{AEB670EB-E9C6-4792-B32C-E5C336500FD5}" destId="{12D9F88B-B804-4A2C-8BA3-90AA17D96FE0}" srcOrd="0" destOrd="0" presId="urn:microsoft.com/office/officeart/2005/8/layout/lProcess2"/>
     <dgm:cxn modelId="{F314B935-2040-438B-9010-48361D4CBAE4}" srcId="{DB006076-C4EE-FB43-B651-C19A4355D01D}" destId="{AEB670EB-E9C6-4792-B32C-E5C336500FD5}" srcOrd="0" destOrd="0" parTransId="{716767EA-E06E-455A-A7E9-210270045B7C}" sibTransId="{5C2F27C3-E7B1-4954-9FB3-4B6EE26E126C}"/>
-    <dgm:cxn modelId="{70700FA9-BEFB-9E4D-9FAC-F3E4BC6ECF4B}" srcId="{15158CD5-5036-7F4F-833E-D2F3F6E94817}" destId="{4E442D17-0831-F341-AB5B-D5D6F83154E7}" srcOrd="0" destOrd="0" parTransId="{929366D5-F25D-A649-9186-A5A8168BE968}" sibTransId="{E204CE1D-4681-CE4C-8863-1C7D8C6A70CB}"/>
-    <dgm:cxn modelId="{C19F1033-1C86-AB4E-89A2-2C2E1E3D8FBA}" type="presOf" srcId="{0F79B6C1-6FC8-0E49-A571-B8A4C65F941F}" destId="{E7B81BAE-61D5-BE40-A90F-A67B5E60B38D}" srcOrd="1" destOrd="0" presId="urn:microsoft.com/office/officeart/2005/8/layout/lProcess2"/>
+    <dgm:cxn modelId="{59F73B20-A287-45CB-92DA-06D65D6EC4D3}" type="presOf" srcId="{7789AF55-7036-4D56-A800-2D242C7F73BA}" destId="{D4B4B978-DB59-4E1C-A3DD-73309F1B5F60}" srcOrd="0" destOrd="0" presId="urn:microsoft.com/office/officeart/2005/8/layout/lProcess2"/>
+    <dgm:cxn modelId="{8BD1E72D-E20C-F347-90AB-22BF055D31F6}" type="presOf" srcId="{E75835CB-F0A8-524F-811C-BE6D0347BD95}" destId="{6011F80E-D04F-BD40-8DC8-C329610B98AC}" srcOrd="0" destOrd="0" presId="urn:microsoft.com/office/officeart/2005/8/layout/lProcess2"/>
+    <dgm:cxn modelId="{4F6CA3E1-318D-4602-B36D-3B36D461EA8A}" type="presOf" srcId="{15158CD5-5036-7F4F-833E-D2F3F6E94817}" destId="{FFF168A4-BFCA-4A5F-B0E3-E575E5CB6D70}" srcOrd="1" destOrd="0" presId="urn:microsoft.com/office/officeart/2005/8/layout/lProcess2"/>
+    <dgm:cxn modelId="{470EE5A6-F6FE-FD48-874E-FC2000A968B9}" srcId="{D7569426-2470-E543-B176-167358857A7E}" destId="{15158CD5-5036-7F4F-833E-D2F3F6E94817}" srcOrd="2" destOrd="0" parTransId="{DF65AE08-D937-6E44-949D-1BC6C2A3FE0E}" sibTransId="{F7A592D9-9165-284C-A051-50F2DE5015CF}"/>
     <dgm:cxn modelId="{0DCA4F47-EF86-E747-A548-CF0EEA4D73CA}" srcId="{0F79B6C1-6FC8-0E49-A571-B8A4C65F941F}" destId="{B5F762A7-CA73-E24F-8C8A-83BED812B611}" srcOrd="1" destOrd="0" parTransId="{E3FA84BD-0962-6D4C-831E-C0CA090A8B50}" sibTransId="{06D280A4-12C6-5946-B767-5F5D278F6701}"/>
     <dgm:cxn modelId="{2683D7A6-67E3-4CE6-9E67-FF0FDFAA28AA}" type="presOf" srcId="{DB006076-C4EE-FB43-B651-C19A4355D01D}" destId="{21946D00-D9DE-42FE-8C8F-FCD7D9A7BA2A}" srcOrd="0" destOrd="0" presId="urn:microsoft.com/office/officeart/2005/8/layout/lProcess2"/>
+    <dgm:cxn modelId="{70700FA9-BEFB-9E4D-9FAC-F3E4BC6ECF4B}" srcId="{15158CD5-5036-7F4F-833E-D2F3F6E94817}" destId="{4E442D17-0831-F341-AB5B-D5D6F83154E7}" srcOrd="0" destOrd="0" parTransId="{929366D5-F25D-A649-9186-A5A8168BE968}" sibTransId="{E204CE1D-4681-CE4C-8863-1C7D8C6A70CB}"/>
     <dgm:cxn modelId="{310815DE-546D-484A-8D46-3A69CA946A19}" type="presOf" srcId="{15158CD5-5036-7F4F-833E-D2F3F6E94817}" destId="{859DB472-E0EB-4137-9C97-0FB26220B085}" srcOrd="0" destOrd="0" presId="urn:microsoft.com/office/officeart/2005/8/layout/lProcess2"/>
+    <dgm:cxn modelId="{6C233F44-17B8-B843-BA85-346EE44F8EEA}" type="presOf" srcId="{0F79B6C1-6FC8-0E49-A571-B8A4C65F941F}" destId="{91C72D2C-2F9D-9F40-A5F8-1992A8D4D65A}" srcOrd="0" destOrd="0" presId="urn:microsoft.com/office/officeart/2005/8/layout/lProcess2"/>
+    <dgm:cxn modelId="{BEA30033-8407-3C47-AB0E-AE2CAE2CA3F9}" srcId="{D7569426-2470-E543-B176-167358857A7E}" destId="{0F79B6C1-6FC8-0E49-A571-B8A4C65F941F}" srcOrd="0" destOrd="0" parTransId="{CBB58016-F00B-E041-9ABA-C1CD9A7B9120}" sibTransId="{5BE79BAF-5C6B-514B-8A9E-ED4AB1676ECF}"/>
     <dgm:cxn modelId="{CCF542CA-66B4-4B98-A225-9619EF1E6B89}" srcId="{DB006076-C4EE-FB43-B651-C19A4355D01D}" destId="{E579A04B-2FE6-4FF0-85F0-C396C36EAB31}" srcOrd="2" destOrd="0" parTransId="{92F13800-BC6C-4291-AADA-934463F3D295}" sibTransId="{020B4B67-9FB2-4238-A85D-0C4EF8C14FBB}"/>
-    <dgm:cxn modelId="{4F6CA3E1-318D-4602-B36D-3B36D461EA8A}" type="presOf" srcId="{15158CD5-5036-7F4F-833E-D2F3F6E94817}" destId="{FFF168A4-BFCA-4A5F-B0E3-E575E5CB6D70}" srcOrd="1" destOrd="0" presId="urn:microsoft.com/office/officeart/2005/8/layout/lProcess2"/>
+    <dgm:cxn modelId="{C19F1033-1C86-AB4E-89A2-2C2E1E3D8FBA}" type="presOf" srcId="{0F79B6C1-6FC8-0E49-A571-B8A4C65F941F}" destId="{E7B81BAE-61D5-BE40-A90F-A67B5E60B38D}" srcOrd="1" destOrd="0" presId="urn:microsoft.com/office/officeart/2005/8/layout/lProcess2"/>
     <dgm:cxn modelId="{C938C47C-7CF5-C847-A43B-0CE11F2F4261}" type="presOf" srcId="{5D92AF42-CCEF-A54B-80FD-AEF53107D49D}" destId="{C12D1CED-58BD-7B4C-88CF-BDC94F42DE5F}" srcOrd="0" destOrd="0" presId="urn:microsoft.com/office/officeart/2005/8/layout/lProcess2"/>
-    <dgm:cxn modelId="{29E89F4E-B98A-491B-9FAB-FE5524C896BD}" type="presOf" srcId="{E579A04B-2FE6-4FF0-85F0-C396C36EAB31}" destId="{28376B70-F0AD-4AB7-B686-C2B23BD8FF96}" srcOrd="0" destOrd="0" presId="urn:microsoft.com/office/officeart/2005/8/layout/lProcess2"/>
-    <dgm:cxn modelId="{8BD1E72D-E20C-F347-90AB-22BF055D31F6}" type="presOf" srcId="{E75835CB-F0A8-524F-811C-BE6D0347BD95}" destId="{6011F80E-D04F-BD40-8DC8-C329610B98AC}" srcOrd="0" destOrd="0" presId="urn:microsoft.com/office/officeart/2005/8/layout/lProcess2"/>
-    <dgm:cxn modelId="{704CA3C7-2065-1B45-A3CE-CD94F94C3928}" type="presOf" srcId="{B5F762A7-CA73-E24F-8C8A-83BED812B611}" destId="{025F1818-EE30-EF4C-8E2C-9B6EC72D5FDA}" srcOrd="0" destOrd="0" presId="urn:microsoft.com/office/officeart/2005/8/layout/lProcess2"/>
-    <dgm:cxn modelId="{313C5EFD-2167-3840-84B4-3D69B53A7956}" type="presOf" srcId="{D7569426-2470-E543-B176-167358857A7E}" destId="{2F5CDB75-A159-2047-A59C-FFEAF060B73D}" srcOrd="0" destOrd="0" presId="urn:microsoft.com/office/officeart/2005/8/layout/lProcess2"/>
-    <dgm:cxn modelId="{E3AC7574-FD6D-49FB-9B68-3575A8078E7A}" type="presOf" srcId="{AEB670EB-E9C6-4792-B32C-E5C336500FD5}" destId="{12D9F88B-B804-4A2C-8BA3-90AA17D96FE0}" srcOrd="0" destOrd="0" presId="urn:microsoft.com/office/officeart/2005/8/layout/lProcess2"/>
-    <dgm:cxn modelId="{57D2448B-1178-F049-A2CC-1418B87479E8}" srcId="{0F79B6C1-6FC8-0E49-A571-B8A4C65F941F}" destId="{5D92AF42-CCEF-A54B-80FD-AEF53107D49D}" srcOrd="2" destOrd="0" parTransId="{7633A116-919D-1542-955C-9C91DBC4142A}" sibTransId="{509D02D2-B474-6642-B194-1D8568698474}"/>
-    <dgm:cxn modelId="{59F73B20-A287-45CB-92DA-06D65D6EC4D3}" type="presOf" srcId="{7789AF55-7036-4D56-A800-2D242C7F73BA}" destId="{D4B4B978-DB59-4E1C-A3DD-73309F1B5F60}" srcOrd="0" destOrd="0" presId="urn:microsoft.com/office/officeart/2005/8/layout/lProcess2"/>
-    <dgm:cxn modelId="{470EE5A6-F6FE-FD48-874E-FC2000A968B9}" srcId="{D7569426-2470-E543-B176-167358857A7E}" destId="{15158CD5-5036-7F4F-833E-D2F3F6E94817}" srcOrd="2" destOrd="0" parTransId="{DF65AE08-D937-6E44-949D-1BC6C2A3FE0E}" sibTransId="{F7A592D9-9165-284C-A051-50F2DE5015CF}"/>
-    <dgm:cxn modelId="{D030096E-0A13-4769-BD97-AD4A97C853BF}" srcId="{15158CD5-5036-7F4F-833E-D2F3F6E94817}" destId="{BD3BD290-C72E-4177-8989-830BC6EAB69C}" srcOrd="1" destOrd="0" parTransId="{5005AB87-428E-4F8A-ADCC-BDF9ADFD9993}" sibTransId="{625A9D60-0E90-4850-8C13-D8425429B721}"/>
     <dgm:cxn modelId="{63233EF4-0EA0-464E-A65E-6F4F025701E6}" type="presParOf" srcId="{2F5CDB75-A159-2047-A59C-FFEAF060B73D}" destId="{40BFA76C-B610-B244-87DF-6592AB1CB3E8}" srcOrd="0" destOrd="0" presId="urn:microsoft.com/office/officeart/2005/8/layout/lProcess2"/>
     <dgm:cxn modelId="{1A2B8182-7CF9-4E41-A30E-E12110D73A61}" type="presParOf" srcId="{40BFA76C-B610-B244-87DF-6592AB1CB3E8}" destId="{91C72D2C-2F9D-9F40-A5F8-1992A8D4D65A}" srcOrd="0" destOrd="0" presId="urn:microsoft.com/office/officeart/2005/8/layout/lProcess2"/>
     <dgm:cxn modelId="{D79F9042-C5F7-6B4D-B561-7AFBF42B4D36}" type="presParOf" srcId="{40BFA76C-B610-B244-87DF-6592AB1CB3E8}" destId="{E7B81BAE-61D5-BE40-A90F-A67B5E60B38D}" srcOrd="1" destOrd="0" presId="urn:microsoft.com/office/officeart/2005/8/layout/lProcess2"/>
@@ -3900,7 +3904,7 @@
           <a:p>
             <a:fld id="{DF988260-A97E-4A0F-9CFB-70FB264335D6}" type="datetimeFigureOut">
               <a:rPr lang="en-US" smtClean="0"/>
-              <a:t>9/12/2016</a:t>
+              <a:t>9/19/2016</a:t>
             </a:fld>
             <a:endParaRPr lang="en-US"/>
           </a:p>
@@ -4066,7 +4070,7 @@
           <a:p>
             <a:fld id="{5F1CBD95-E902-A149-AE90-305C920D7D58}" type="datetimeFigureOut">
               <a:rPr lang="en-US" smtClean="0"/>
-              <a:t>9/10/2016</a:t>
+              <a:t>9/19/2016</a:t>
             </a:fld>
             <a:endParaRPr lang="en-US" dirty="0"/>
           </a:p>
@@ -4556,6 +4560,470 @@
     </p:spTree>
     <p:extLst>
       <p:ext uri="{BB962C8B-B14F-4D97-AF65-F5344CB8AC3E}">
+        <p14:creationId xmlns:p14="http://schemas.microsoft.com/office/powerpoint/2010/main" val="612625155"/>
+      </p:ext>
+    </p:extLst>
+  </p:cSld>
+  <p:clrMapOvr>
+    <a:masterClrMapping/>
+  </p:clrMapOvr>
+</p:notes>
+</file>
+
+<file path=ppt/notesSlides/notesSlide11.xml><?xml version="1.0" encoding="utf-8"?>
+<p:notes xmlns:a="http://schemas.openxmlformats.org/drawingml/2006/main" xmlns:r="http://schemas.openxmlformats.org/officeDocument/2006/relationships" xmlns:p="http://schemas.openxmlformats.org/presentationml/2006/main" showMasterSp="0" showMasterPhAnim="0">
+  <p:cSld>
+    <p:spTree>
+      <p:nvGrpSpPr>
+        <p:cNvPr id="1" name="Shape 328"/>
+        <p:cNvGrpSpPr/>
+        <p:nvPr/>
+      </p:nvGrpSpPr>
+      <p:grpSpPr>
+        <a:xfrm>
+          <a:off x="0" y="0"/>
+          <a:ext cx="0" cy="0"/>
+          <a:chOff x="0" y="0"/>
+          <a:chExt cx="0" cy="0"/>
+        </a:xfrm>
+      </p:grpSpPr>
+      <p:sp>
+        <p:nvSpPr>
+          <p:cNvPr id="329" name="Shape 329"/>
+          <p:cNvSpPr>
+            <a:spLocks noGrp="1" noRot="1" noChangeAspect="1"/>
+          </p:cNvSpPr>
+          <p:nvPr>
+            <p:ph type="sldImg" idx="2"/>
+          </p:nvPr>
+        </p:nvSpPr>
+        <p:spPr>
+          <a:xfrm>
+            <a:off x="381000" y="685800"/>
+            <a:ext cx="6096000" cy="3429000"/>
+          </a:xfrm>
+          <a:custGeom>
+            <a:avLst/>
+            <a:gdLst/>
+            <a:ahLst/>
+            <a:cxnLst/>
+            <a:rect l="0" t="0" r="0" b="0"/>
+            <a:pathLst>
+              <a:path w="120000" h="120000" extrusionOk="0">
+                <a:moveTo>
+                  <a:pt x="0" y="0"/>
+                </a:moveTo>
+                <a:lnTo>
+                  <a:pt x="120000" y="0"/>
+                </a:lnTo>
+                <a:lnTo>
+                  <a:pt x="120000" y="120000"/>
+                </a:lnTo>
+                <a:lnTo>
+                  <a:pt x="0" y="120000"/>
+                </a:lnTo>
+                <a:close/>
+              </a:path>
+            </a:pathLst>
+          </a:custGeom>
+          <a:noFill/>
+          <a:ln w="9525" cap="flat">
+            <a:solidFill>
+              <a:srgbClr val="000000"/>
+            </a:solidFill>
+            <a:prstDash val="solid"/>
+            <a:round/>
+            <a:headEnd type="none" w="med" len="med"/>
+            <a:tailEnd type="none" w="med" len="med"/>
+          </a:ln>
+        </p:spPr>
+      </p:sp>
+      <p:sp>
+        <p:nvSpPr>
+          <p:cNvPr id="330" name="Shape 330"/>
+          <p:cNvSpPr txBox="1">
+            <a:spLocks noGrp="1"/>
+          </p:cNvSpPr>
+          <p:nvPr>
+            <p:ph type="body" idx="1"/>
+          </p:nvPr>
+        </p:nvSpPr>
+        <p:spPr>
+          <a:xfrm>
+            <a:off x="685800" y="4343400"/>
+            <a:ext cx="5486399" cy="4114800"/>
+          </a:xfrm>
+          <a:prstGeom prst="rect">
+            <a:avLst/>
+          </a:prstGeom>
+        </p:spPr>
+        <p:txBody>
+          <a:bodyPr lIns="91425" tIns="91425" rIns="91425" bIns="91425" anchor="t" anchorCtr="0">
+            <a:noAutofit/>
+          </a:bodyPr>
+          <a:lstStyle/>
+          <a:p>
+            <a:pPr lvl="0" rtl="0">
+              <a:spcBef>
+                <a:spcPts val="0"/>
+              </a:spcBef>
+              <a:buNone/>
+            </a:pPr>
+            <a:endParaRPr/>
+          </a:p>
+        </p:txBody>
+      </p:sp>
+    </p:spTree>
+    <p:extLst>
+      <p:ext uri="{BB962C8B-B14F-4D97-AF65-F5344CB8AC3E}">
+        <p14:creationId xmlns:p14="http://schemas.microsoft.com/office/powerpoint/2010/main" val="990423308"/>
+      </p:ext>
+    </p:extLst>
+  </p:cSld>
+  <p:clrMapOvr>
+    <a:masterClrMapping/>
+  </p:clrMapOvr>
+</p:notes>
+</file>
+
+<file path=ppt/notesSlides/notesSlide12.xml><?xml version="1.0" encoding="utf-8"?>
+<p:notes xmlns:a="http://schemas.openxmlformats.org/drawingml/2006/main" xmlns:r="http://schemas.openxmlformats.org/officeDocument/2006/relationships" xmlns:p="http://schemas.openxmlformats.org/presentationml/2006/main" showMasterSp="0" showMasterPhAnim="0">
+  <p:cSld>
+    <p:spTree>
+      <p:nvGrpSpPr>
+        <p:cNvPr id="1" name="Shape 328"/>
+        <p:cNvGrpSpPr/>
+        <p:nvPr/>
+      </p:nvGrpSpPr>
+      <p:grpSpPr>
+        <a:xfrm>
+          <a:off x="0" y="0"/>
+          <a:ext cx="0" cy="0"/>
+          <a:chOff x="0" y="0"/>
+          <a:chExt cx="0" cy="0"/>
+        </a:xfrm>
+      </p:grpSpPr>
+      <p:sp>
+        <p:nvSpPr>
+          <p:cNvPr id="329" name="Shape 329"/>
+          <p:cNvSpPr>
+            <a:spLocks noGrp="1" noRot="1" noChangeAspect="1"/>
+          </p:cNvSpPr>
+          <p:nvPr>
+            <p:ph type="sldImg" idx="2"/>
+          </p:nvPr>
+        </p:nvSpPr>
+        <p:spPr>
+          <a:xfrm>
+            <a:off x="381000" y="685800"/>
+            <a:ext cx="6096000" cy="3429000"/>
+          </a:xfrm>
+          <a:custGeom>
+            <a:avLst/>
+            <a:gdLst/>
+            <a:ahLst/>
+            <a:cxnLst/>
+            <a:rect l="0" t="0" r="0" b="0"/>
+            <a:pathLst>
+              <a:path w="120000" h="120000" extrusionOk="0">
+                <a:moveTo>
+                  <a:pt x="0" y="0"/>
+                </a:moveTo>
+                <a:lnTo>
+                  <a:pt x="120000" y="0"/>
+                </a:lnTo>
+                <a:lnTo>
+                  <a:pt x="120000" y="120000"/>
+                </a:lnTo>
+                <a:lnTo>
+                  <a:pt x="0" y="120000"/>
+                </a:lnTo>
+                <a:close/>
+              </a:path>
+            </a:pathLst>
+          </a:custGeom>
+          <a:noFill/>
+          <a:ln w="9525" cap="flat">
+            <a:solidFill>
+              <a:srgbClr val="000000"/>
+            </a:solidFill>
+            <a:prstDash val="solid"/>
+            <a:round/>
+            <a:headEnd type="none" w="med" len="med"/>
+            <a:tailEnd type="none" w="med" len="med"/>
+          </a:ln>
+        </p:spPr>
+      </p:sp>
+      <p:sp>
+        <p:nvSpPr>
+          <p:cNvPr id="330" name="Shape 330"/>
+          <p:cNvSpPr txBox="1">
+            <a:spLocks noGrp="1"/>
+          </p:cNvSpPr>
+          <p:nvPr>
+            <p:ph type="body" idx="1"/>
+          </p:nvPr>
+        </p:nvSpPr>
+        <p:spPr>
+          <a:xfrm>
+            <a:off x="685800" y="4343400"/>
+            <a:ext cx="5486399" cy="4114800"/>
+          </a:xfrm>
+          <a:prstGeom prst="rect">
+            <a:avLst/>
+          </a:prstGeom>
+        </p:spPr>
+        <p:txBody>
+          <a:bodyPr lIns="91425" tIns="91425" rIns="91425" bIns="91425" anchor="t" anchorCtr="0">
+            <a:noAutofit/>
+          </a:bodyPr>
+          <a:lstStyle/>
+          <a:p>
+            <a:pPr lvl="0" rtl="0">
+              <a:spcBef>
+                <a:spcPts val="0"/>
+              </a:spcBef>
+              <a:buNone/>
+            </a:pPr>
+            <a:endParaRPr/>
+          </a:p>
+        </p:txBody>
+      </p:sp>
+    </p:spTree>
+    <p:extLst>
+      <p:ext uri="{BB962C8B-B14F-4D97-AF65-F5344CB8AC3E}">
+        <p14:creationId xmlns:p14="http://schemas.microsoft.com/office/powerpoint/2010/main" val="2252189522"/>
+      </p:ext>
+    </p:extLst>
+  </p:cSld>
+  <p:clrMapOvr>
+    <a:masterClrMapping/>
+  </p:clrMapOvr>
+</p:notes>
+</file>
+
+<file path=ppt/notesSlides/notesSlide13.xml><?xml version="1.0" encoding="utf-8"?>
+<p:notes xmlns:a="http://schemas.openxmlformats.org/drawingml/2006/main" xmlns:r="http://schemas.openxmlformats.org/officeDocument/2006/relationships" xmlns:p="http://schemas.openxmlformats.org/presentationml/2006/main" showMasterSp="0" showMasterPhAnim="0">
+  <p:cSld>
+    <p:spTree>
+      <p:nvGrpSpPr>
+        <p:cNvPr id="1" name="Shape 328"/>
+        <p:cNvGrpSpPr/>
+        <p:nvPr/>
+      </p:nvGrpSpPr>
+      <p:grpSpPr>
+        <a:xfrm>
+          <a:off x="0" y="0"/>
+          <a:ext cx="0" cy="0"/>
+          <a:chOff x="0" y="0"/>
+          <a:chExt cx="0" cy="0"/>
+        </a:xfrm>
+      </p:grpSpPr>
+      <p:sp>
+        <p:nvSpPr>
+          <p:cNvPr id="329" name="Shape 329"/>
+          <p:cNvSpPr>
+            <a:spLocks noGrp="1" noRot="1" noChangeAspect="1"/>
+          </p:cNvSpPr>
+          <p:nvPr>
+            <p:ph type="sldImg" idx="2"/>
+          </p:nvPr>
+        </p:nvSpPr>
+        <p:spPr>
+          <a:xfrm>
+            <a:off x="381000" y="685800"/>
+            <a:ext cx="6096000" cy="3429000"/>
+          </a:xfrm>
+          <a:custGeom>
+            <a:avLst/>
+            <a:gdLst/>
+            <a:ahLst/>
+            <a:cxnLst/>
+            <a:rect l="0" t="0" r="0" b="0"/>
+            <a:pathLst>
+              <a:path w="120000" h="120000" extrusionOk="0">
+                <a:moveTo>
+                  <a:pt x="0" y="0"/>
+                </a:moveTo>
+                <a:lnTo>
+                  <a:pt x="120000" y="0"/>
+                </a:lnTo>
+                <a:lnTo>
+                  <a:pt x="120000" y="120000"/>
+                </a:lnTo>
+                <a:lnTo>
+                  <a:pt x="0" y="120000"/>
+                </a:lnTo>
+                <a:close/>
+              </a:path>
+            </a:pathLst>
+          </a:custGeom>
+          <a:noFill/>
+          <a:ln w="9525" cap="flat">
+            <a:solidFill>
+              <a:srgbClr val="000000"/>
+            </a:solidFill>
+            <a:prstDash val="solid"/>
+            <a:round/>
+            <a:headEnd type="none" w="med" len="med"/>
+            <a:tailEnd type="none" w="med" len="med"/>
+          </a:ln>
+        </p:spPr>
+      </p:sp>
+      <p:sp>
+        <p:nvSpPr>
+          <p:cNvPr id="330" name="Shape 330"/>
+          <p:cNvSpPr txBox="1">
+            <a:spLocks noGrp="1"/>
+          </p:cNvSpPr>
+          <p:nvPr>
+            <p:ph type="body" idx="1"/>
+          </p:nvPr>
+        </p:nvSpPr>
+        <p:spPr>
+          <a:xfrm>
+            <a:off x="685800" y="4343400"/>
+            <a:ext cx="5486399" cy="4114800"/>
+          </a:xfrm>
+          <a:prstGeom prst="rect">
+            <a:avLst/>
+          </a:prstGeom>
+        </p:spPr>
+        <p:txBody>
+          <a:bodyPr lIns="91425" tIns="91425" rIns="91425" bIns="91425" anchor="t" anchorCtr="0">
+            <a:noAutofit/>
+          </a:bodyPr>
+          <a:lstStyle/>
+          <a:p>
+            <a:pPr lvl="0" rtl="0">
+              <a:spcBef>
+                <a:spcPts val="0"/>
+              </a:spcBef>
+              <a:buNone/>
+            </a:pPr>
+            <a:endParaRPr/>
+          </a:p>
+        </p:txBody>
+      </p:sp>
+    </p:spTree>
+    <p:extLst>
+      <p:ext uri="{BB962C8B-B14F-4D97-AF65-F5344CB8AC3E}">
+        <p14:creationId xmlns:p14="http://schemas.microsoft.com/office/powerpoint/2010/main" val="3819561096"/>
+      </p:ext>
+    </p:extLst>
+  </p:cSld>
+  <p:clrMapOvr>
+    <a:masterClrMapping/>
+  </p:clrMapOvr>
+</p:notes>
+</file>
+
+<file path=ppt/notesSlides/notesSlide14.xml><?xml version="1.0" encoding="utf-8"?>
+<p:notes xmlns:a="http://schemas.openxmlformats.org/drawingml/2006/main" xmlns:r="http://schemas.openxmlformats.org/officeDocument/2006/relationships" xmlns:p="http://schemas.openxmlformats.org/presentationml/2006/main" showMasterSp="0" showMasterPhAnim="0">
+  <p:cSld>
+    <p:spTree>
+      <p:nvGrpSpPr>
+        <p:cNvPr id="1" name="Shape 328"/>
+        <p:cNvGrpSpPr/>
+        <p:nvPr/>
+      </p:nvGrpSpPr>
+      <p:grpSpPr>
+        <a:xfrm>
+          <a:off x="0" y="0"/>
+          <a:ext cx="0" cy="0"/>
+          <a:chOff x="0" y="0"/>
+          <a:chExt cx="0" cy="0"/>
+        </a:xfrm>
+      </p:grpSpPr>
+      <p:sp>
+        <p:nvSpPr>
+          <p:cNvPr id="329" name="Shape 329"/>
+          <p:cNvSpPr>
+            <a:spLocks noGrp="1" noRot="1" noChangeAspect="1"/>
+          </p:cNvSpPr>
+          <p:nvPr>
+            <p:ph type="sldImg" idx="2"/>
+          </p:nvPr>
+        </p:nvSpPr>
+        <p:spPr>
+          <a:xfrm>
+            <a:off x="381000" y="685800"/>
+            <a:ext cx="6096000" cy="3429000"/>
+          </a:xfrm>
+          <a:custGeom>
+            <a:avLst/>
+            <a:gdLst/>
+            <a:ahLst/>
+            <a:cxnLst/>
+            <a:rect l="0" t="0" r="0" b="0"/>
+            <a:pathLst>
+              <a:path w="120000" h="120000" extrusionOk="0">
+                <a:moveTo>
+                  <a:pt x="0" y="0"/>
+                </a:moveTo>
+                <a:lnTo>
+                  <a:pt x="120000" y="0"/>
+                </a:lnTo>
+                <a:lnTo>
+                  <a:pt x="120000" y="120000"/>
+                </a:lnTo>
+                <a:lnTo>
+                  <a:pt x="0" y="120000"/>
+                </a:lnTo>
+                <a:close/>
+              </a:path>
+            </a:pathLst>
+          </a:custGeom>
+          <a:noFill/>
+          <a:ln w="9525" cap="flat">
+            <a:solidFill>
+              <a:srgbClr val="000000"/>
+            </a:solidFill>
+            <a:prstDash val="solid"/>
+            <a:round/>
+            <a:headEnd type="none" w="med" len="med"/>
+            <a:tailEnd type="none" w="med" len="med"/>
+          </a:ln>
+        </p:spPr>
+      </p:sp>
+      <p:sp>
+        <p:nvSpPr>
+          <p:cNvPr id="330" name="Shape 330"/>
+          <p:cNvSpPr txBox="1">
+            <a:spLocks noGrp="1"/>
+          </p:cNvSpPr>
+          <p:nvPr>
+            <p:ph type="body" idx="1"/>
+          </p:nvPr>
+        </p:nvSpPr>
+        <p:spPr>
+          <a:xfrm>
+            <a:off x="685800" y="4343400"/>
+            <a:ext cx="5486399" cy="4114800"/>
+          </a:xfrm>
+          <a:prstGeom prst="rect">
+            <a:avLst/>
+          </a:prstGeom>
+        </p:spPr>
+        <p:txBody>
+          <a:bodyPr lIns="91425" tIns="91425" rIns="91425" bIns="91425" anchor="t" anchorCtr="0">
+            <a:noAutofit/>
+          </a:bodyPr>
+          <a:lstStyle/>
+          <a:p>
+            <a:pPr lvl="0" rtl="0">
+              <a:spcBef>
+                <a:spcPts val="0"/>
+              </a:spcBef>
+              <a:buNone/>
+            </a:pPr>
+            <a:endParaRPr/>
+          </a:p>
+        </p:txBody>
+      </p:sp>
+    </p:spTree>
+    <p:extLst>
+      <p:ext uri="{BB962C8B-B14F-4D97-AF65-F5344CB8AC3E}">
         <p14:creationId xmlns:p14="http://schemas.microsoft.com/office/powerpoint/2010/main" val="1829636451"/>
       </p:ext>
     </p:extLst>
@@ -4566,7 +5034,7 @@
 </p:notes>
 </file>
 
-<file path=ppt/notesSlides/notesSlide11.xml><?xml version="1.0" encoding="utf-8"?>
+<file path=ppt/notesSlides/notesSlide15.xml><?xml version="1.0" encoding="utf-8"?>
 <p:notes xmlns:a="http://schemas.openxmlformats.org/drawingml/2006/main" xmlns:r="http://schemas.openxmlformats.org/officeDocument/2006/relationships" xmlns:p="http://schemas.openxmlformats.org/presentationml/2006/main" showMasterSp="0" showMasterPhAnim="0">
   <p:cSld>
     <p:spTree>
@@ -4682,7 +5150,7 @@
 </p:notes>
 </file>
 
-<file path=ppt/notesSlides/notesSlide12.xml><?xml version="1.0" encoding="utf-8"?>
+<file path=ppt/notesSlides/notesSlide16.xml><?xml version="1.0" encoding="utf-8"?>
 <p:notes xmlns:a="http://schemas.openxmlformats.org/drawingml/2006/main" xmlns:r="http://schemas.openxmlformats.org/officeDocument/2006/relationships" xmlns:p="http://schemas.openxmlformats.org/presentationml/2006/main" showMasterSp="0" showMasterPhAnim="0">
   <p:cSld>
     <p:spTree>
@@ -4798,7 +5266,7 @@
 </p:notes>
 </file>
 
-<file path=ppt/notesSlides/notesSlide13.xml><?xml version="1.0" encoding="utf-8"?>
+<file path=ppt/notesSlides/notesSlide17.xml><?xml version="1.0" encoding="utf-8"?>
 <p:notes xmlns:a="http://schemas.openxmlformats.org/drawingml/2006/main" xmlns:r="http://schemas.openxmlformats.org/officeDocument/2006/relationships" xmlns:p="http://schemas.openxmlformats.org/presentationml/2006/main" showMasterSp="0" showMasterPhAnim="0">
   <p:cSld>
     <p:spTree>
@@ -4914,7 +5382,7 @@
 </p:notes>
 </file>
 
-<file path=ppt/notesSlides/notesSlide14.xml><?xml version="1.0" encoding="utf-8"?>
+<file path=ppt/notesSlides/notesSlide18.xml><?xml version="1.0" encoding="utf-8"?>
 <p:notes xmlns:a="http://schemas.openxmlformats.org/drawingml/2006/main" xmlns:r="http://schemas.openxmlformats.org/officeDocument/2006/relationships" xmlns:p="http://schemas.openxmlformats.org/presentationml/2006/main" showMasterSp="0" showMasterPhAnim="0">
   <p:cSld>
     <p:spTree>
@@ -5477,14 +5945,14 @@
               </a:spcBef>
               <a:buNone/>
             </a:pPr>
-            <a:endParaRPr/>
+            <a:endParaRPr dirty="0"/>
           </a:p>
         </p:txBody>
       </p:sp>
     </p:spTree>
     <p:extLst>
       <p:ext uri="{BB962C8B-B14F-4D97-AF65-F5344CB8AC3E}">
-        <p14:creationId xmlns:p14="http://schemas.microsoft.com/office/powerpoint/2010/main" val="684437560"/>
+        <p14:creationId xmlns:p14="http://schemas.microsoft.com/office/powerpoint/2010/main" val="4226566456"/>
       </p:ext>
     </p:extLst>
   </p:cSld>
@@ -5593,14 +6061,14 @@
               </a:spcBef>
               <a:buNone/>
             </a:pPr>
-            <a:endParaRPr/>
+            <a:endParaRPr dirty="0"/>
           </a:p>
         </p:txBody>
       </p:sp>
     </p:spTree>
     <p:extLst>
       <p:ext uri="{BB962C8B-B14F-4D97-AF65-F5344CB8AC3E}">
-        <p14:creationId xmlns:p14="http://schemas.microsoft.com/office/powerpoint/2010/main" val="612625155"/>
+        <p14:creationId xmlns:p14="http://schemas.microsoft.com/office/powerpoint/2010/main" val="2543811049"/>
       </p:ext>
     </p:extLst>
   </p:cSld>
@@ -5709,14 +6177,14 @@
               </a:spcBef>
               <a:buNone/>
             </a:pPr>
-            <a:endParaRPr/>
+            <a:endParaRPr dirty="0"/>
           </a:p>
         </p:txBody>
       </p:sp>
     </p:spTree>
     <p:extLst>
       <p:ext uri="{BB962C8B-B14F-4D97-AF65-F5344CB8AC3E}">
-        <p14:creationId xmlns:p14="http://schemas.microsoft.com/office/powerpoint/2010/main" val="990423308"/>
+        <p14:creationId xmlns:p14="http://schemas.microsoft.com/office/powerpoint/2010/main" val="1952929524"/>
       </p:ext>
     </p:extLst>
   </p:cSld>
@@ -5825,14 +6293,14 @@
               </a:spcBef>
               <a:buNone/>
             </a:pPr>
-            <a:endParaRPr/>
+            <a:endParaRPr dirty="0"/>
           </a:p>
         </p:txBody>
       </p:sp>
     </p:spTree>
     <p:extLst>
       <p:ext uri="{BB962C8B-B14F-4D97-AF65-F5344CB8AC3E}">
-        <p14:creationId xmlns:p14="http://schemas.microsoft.com/office/powerpoint/2010/main" val="2252189522"/>
+        <p14:creationId xmlns:p14="http://schemas.microsoft.com/office/powerpoint/2010/main" val="2802137231"/>
       </p:ext>
     </p:extLst>
   </p:cSld>
@@ -5948,7 +6416,7 @@
     </p:spTree>
     <p:extLst>
       <p:ext uri="{BB962C8B-B14F-4D97-AF65-F5344CB8AC3E}">
-        <p14:creationId xmlns:p14="http://schemas.microsoft.com/office/powerpoint/2010/main" val="3819561096"/>
+        <p14:creationId xmlns:p14="http://schemas.microsoft.com/office/powerpoint/2010/main" val="684437560"/>
       </p:ext>
     </p:extLst>
   </p:cSld>
@@ -8072,6 +8540,3042 @@
                 <a:cs typeface="Montserrat"/>
                 <a:sym typeface="Montserrat"/>
               </a:rPr>
+              <a:t>FEATURE LIST – Core app</a:t>
+            </a:r>
+          </a:p>
+        </p:txBody>
+      </p:sp>
+      <p:cxnSp>
+        <p:nvCxnSpPr>
+          <p:cNvPr id="11" name="Shape 77"/>
+          <p:cNvCxnSpPr/>
+          <p:nvPr/>
+        </p:nvCxnSpPr>
+        <p:spPr>
+          <a:xfrm>
+            <a:off x="171450" y="383240"/>
+            <a:ext cx="8801100" cy="0"/>
+          </a:xfrm>
+          <a:prstGeom prst="straightConnector1">
+            <a:avLst/>
+          </a:prstGeom>
+          <a:noFill/>
+          <a:ln w="9525" cap="flat">
+            <a:solidFill>
+              <a:srgbClr val="D9D9D9"/>
+            </a:solidFill>
+            <a:prstDash val="solid"/>
+            <a:round/>
+            <a:headEnd type="none" w="lg" len="lg"/>
+            <a:tailEnd type="none" w="lg" len="lg"/>
+          </a:ln>
+        </p:spPr>
+      </p:cxnSp>
+      <p:graphicFrame>
+        <p:nvGraphicFramePr>
+          <p:cNvPr id="6" name="Table 5"/>
+          <p:cNvGraphicFramePr>
+            <a:graphicFrameLocks noGrp="1"/>
+          </p:cNvGraphicFramePr>
+          <p:nvPr>
+            <p:extLst>
+              <p:ext uri="{D42A27DB-BD31-4B8C-83A1-F6EECF244321}">
+                <p14:modId xmlns:p14="http://schemas.microsoft.com/office/powerpoint/2010/main" val="3214023739"/>
+              </p:ext>
+            </p:extLst>
+          </p:nvPr>
+        </p:nvGraphicFramePr>
+        <p:xfrm>
+          <a:off x="171450" y="1505550"/>
+          <a:ext cx="8712967" cy="1835923"/>
+        </p:xfrm>
+        <a:graphic>
+          <a:graphicData uri="http://schemas.openxmlformats.org/drawingml/2006/table">
+            <a:tbl>
+              <a:tblPr>
+                <a:tableStyleId>{5C22544A-7EE6-4342-B048-85BDC9FD1C3A}</a:tableStyleId>
+              </a:tblPr>
+              <a:tblGrid>
+                <a:gridCol w="544165">
+                  <a:extLst>
+                    <a:ext uri="{9D8B030D-6E8A-4147-A177-3AD203B41FA5}">
+                      <a16:colId xmlns:a16="http://schemas.microsoft.com/office/drawing/2014/main" val="20000"/>
+                    </a:ext>
+                  </a:extLst>
+                </a:gridCol>
+                <a:gridCol w="1872208">
+                  <a:extLst>
+                    <a:ext uri="{9D8B030D-6E8A-4147-A177-3AD203B41FA5}">
+                      <a16:colId xmlns:a16="http://schemas.microsoft.com/office/drawing/2014/main" val="20001"/>
+                    </a:ext>
+                  </a:extLst>
+                </a:gridCol>
+                <a:gridCol w="6296594">
+                  <a:extLst>
+                    <a:ext uri="{9D8B030D-6E8A-4147-A177-3AD203B41FA5}">
+                      <a16:colId xmlns:a16="http://schemas.microsoft.com/office/drawing/2014/main" val="20002"/>
+                    </a:ext>
+                  </a:extLst>
+                </a:gridCol>
+              </a:tblGrid>
+              <a:tr h="494803">
+                <a:tc>
+                  <a:txBody>
+                    <a:bodyPr/>
+                    <a:lstStyle/>
+                    <a:p>
+                      <a:r>
+                        <a:rPr lang="en-US" sz="1100" b="1" dirty="0">
+                          <a:latin typeface="Proxima Nova" charset="0"/>
+                          <a:ea typeface="Proxima Nova" charset="0"/>
+                          <a:cs typeface="Proxima Nova" charset="0"/>
+                        </a:rPr>
+                        <a:t>R1</a:t>
+                      </a:r>
+                    </a:p>
+                  </a:txBody>
+                  <a:tcPr anchor="ctr">
+                    <a:lnL w="12700" cmpd="sng">
+                      <a:noFill/>
+                    </a:lnL>
+                    <a:lnR w="12700" cmpd="sng">
+                      <a:noFill/>
+                    </a:lnR>
+                    <a:lnT w="12700" cmpd="sng">
+                      <a:noFill/>
+                    </a:lnT>
+                    <a:lnB w="6350" cap="flat" cmpd="sng" algn="ctr">
+                      <a:solidFill>
+                        <a:srgbClr val="3A81BA"/>
+                      </a:solidFill>
+                      <a:prstDash val="sysDash"/>
+                      <a:round/>
+                      <a:headEnd type="none" w="med" len="med"/>
+                      <a:tailEnd type="none" w="med" len="med"/>
+                    </a:lnB>
+                    <a:lnTlToBr w="12700" cmpd="sng">
+                      <a:noFill/>
+                      <a:prstDash val="solid"/>
+                    </a:lnTlToBr>
+                    <a:lnBlToTr w="12700" cmpd="sng">
+                      <a:noFill/>
+                      <a:prstDash val="solid"/>
+                    </a:lnBlToTr>
+                    <a:noFill/>
+                  </a:tcPr>
+                </a:tc>
+                <a:tc>
+                  <a:txBody>
+                    <a:bodyPr/>
+                    <a:lstStyle/>
+                    <a:p>
+                      <a:pPr marL="18288" indent="-18288" algn="l"/>
+                      <a:r>
+                        <a:rPr lang="en-US" sz="1100" b="1" dirty="0">
+                          <a:latin typeface="Proxima Nova" charset="0"/>
+                          <a:ea typeface="Proxima Nova" charset="0"/>
+                          <a:cs typeface="Proxima Nova" charset="0"/>
+                        </a:rPr>
+                        <a:t>Create and edit MODAPTS study</a:t>
+                      </a:r>
+                    </a:p>
+                  </a:txBody>
+                  <a:tcPr anchor="ctr">
+                    <a:lnL w="12700" cmpd="sng">
+                      <a:noFill/>
+                    </a:lnL>
+                    <a:lnR w="12700" cmpd="sng">
+                      <a:noFill/>
+                    </a:lnR>
+                    <a:lnT w="12700" cmpd="sng">
+                      <a:noFill/>
+                    </a:lnT>
+                    <a:lnB w="6350" cap="flat" cmpd="sng" algn="ctr">
+                      <a:solidFill>
+                        <a:srgbClr val="3A81BA"/>
+                      </a:solidFill>
+                      <a:prstDash val="sysDash"/>
+                      <a:round/>
+                      <a:headEnd type="none" w="med" len="med"/>
+                      <a:tailEnd type="none" w="med" len="med"/>
+                    </a:lnB>
+                    <a:lnTlToBr w="12700" cmpd="sng">
+                      <a:noFill/>
+                      <a:prstDash val="solid"/>
+                    </a:lnTlToBr>
+                    <a:lnBlToTr w="12700" cmpd="sng">
+                      <a:noFill/>
+                      <a:prstDash val="solid"/>
+                    </a:lnBlToTr>
+                    <a:noFill/>
+                  </a:tcPr>
+                </a:tc>
+                <a:tc>
+                  <a:txBody>
+                    <a:bodyPr/>
+                    <a:lstStyle/>
+                    <a:p>
+                      <a:pPr marL="171450" indent="-171450">
+                        <a:spcAft>
+                          <a:spcPts val="300"/>
+                        </a:spcAft>
+                        <a:buFont typeface="Arial" charset="0"/>
+                        <a:buChar char="•"/>
+                      </a:pPr>
+                      <a:r>
+                        <a:rPr lang="en-US" sz="1100" b="0" i="0" u="none" strike="noStrike" cap="none" baseline="0" dirty="0">
+                          <a:solidFill>
+                            <a:schemeClr val="dk1"/>
+                          </a:solidFill>
+                          <a:latin typeface="Proxima Nova" charset="0"/>
+                          <a:ea typeface="Proxima Nova" charset="0"/>
+                          <a:cs typeface="Proxima Nova" charset="0"/>
+                          <a:sym typeface="Arial"/>
+                          <a:rtl val="0"/>
+                        </a:rPr>
+                        <a:t>Create and edit study from any device.</a:t>
+                      </a:r>
+                    </a:p>
+                    <a:p>
+                      <a:pPr marL="171450" indent="-171450">
+                        <a:spcAft>
+                          <a:spcPts val="300"/>
+                        </a:spcAft>
+                        <a:buFont typeface="Arial" charset="0"/>
+                        <a:buChar char="•"/>
+                      </a:pPr>
+                      <a:r>
+                        <a:rPr lang="en-US" sz="1100" b="0" i="0" u="none" strike="noStrike" cap="none" baseline="0" dirty="0">
+                          <a:solidFill>
+                            <a:schemeClr val="dk1"/>
+                          </a:solidFill>
+                          <a:latin typeface="Proxima Nova" charset="0"/>
+                          <a:ea typeface="Proxima Nova" charset="0"/>
+                          <a:cs typeface="Proxima Nova" charset="0"/>
+                          <a:sym typeface="Arial"/>
+                          <a:rtl val="0"/>
+                        </a:rPr>
+                        <a:t>Save completed or in process studies.</a:t>
+                      </a:r>
+                    </a:p>
+                    <a:p>
+                      <a:pPr marL="171450" indent="-171450">
+                        <a:spcAft>
+                          <a:spcPts val="300"/>
+                        </a:spcAft>
+                        <a:buFont typeface="Arial" charset="0"/>
+                        <a:buChar char="•"/>
+                      </a:pPr>
+                      <a:r>
+                        <a:rPr lang="en-US" sz="1100" b="0" i="0" u="none" strike="noStrike" cap="none" baseline="0" dirty="0">
+                          <a:solidFill>
+                            <a:schemeClr val="dk1"/>
+                          </a:solidFill>
+                          <a:latin typeface="Proxima Nova" charset="0"/>
+                          <a:ea typeface="Proxima Nova" charset="0"/>
+                          <a:cs typeface="Proxima Nova" charset="0"/>
+                          <a:sym typeface="Arial"/>
+                          <a:rtl val="0"/>
+                        </a:rPr>
+                        <a:t>Copy a study.</a:t>
+                      </a:r>
+                    </a:p>
+                  </a:txBody>
+                  <a:tcPr anchor="ctr">
+                    <a:lnL w="12700" cmpd="sng">
+                      <a:noFill/>
+                    </a:lnL>
+                    <a:lnR w="12700" cmpd="sng">
+                      <a:noFill/>
+                    </a:lnR>
+                    <a:lnT w="12700" cmpd="sng">
+                      <a:noFill/>
+                    </a:lnT>
+                    <a:lnB w="6350" cap="flat" cmpd="sng" algn="ctr">
+                      <a:solidFill>
+                        <a:srgbClr val="3A81BA"/>
+                      </a:solidFill>
+                      <a:prstDash val="sysDash"/>
+                      <a:round/>
+                      <a:headEnd type="none" w="med" len="med"/>
+                      <a:tailEnd type="none" w="med" len="med"/>
+                    </a:lnB>
+                    <a:lnTlToBr w="12700" cmpd="sng">
+                      <a:noFill/>
+                      <a:prstDash val="solid"/>
+                    </a:lnTlToBr>
+                    <a:lnBlToTr w="12700" cmpd="sng">
+                      <a:noFill/>
+                      <a:prstDash val="solid"/>
+                    </a:lnBlToTr>
+                    <a:noFill/>
+                  </a:tcPr>
+                </a:tc>
+                <a:extLst>
+                  <a:ext uri="{0D108BD9-81ED-4DB2-BD59-A6C34878D82A}">
+                    <a16:rowId xmlns:a16="http://schemas.microsoft.com/office/drawing/2014/main" val="10000"/>
+                  </a:ext>
+                </a:extLst>
+              </a:tr>
+              <a:tr h="494803">
+                <a:tc>
+                  <a:txBody>
+                    <a:bodyPr/>
+                    <a:lstStyle/>
+                    <a:p>
+                      <a:r>
+                        <a:rPr lang="en-US" sz="1100" b="1" dirty="0">
+                          <a:latin typeface="Proxima Nova" charset="0"/>
+                          <a:ea typeface="Proxima Nova" charset="0"/>
+                          <a:cs typeface="Proxima Nova" charset="0"/>
+                        </a:rPr>
+                        <a:t>R2</a:t>
+                      </a:r>
+                    </a:p>
+                  </a:txBody>
+                  <a:tcPr anchor="ctr">
+                    <a:lnL w="12700" cmpd="sng">
+                      <a:noFill/>
+                    </a:lnL>
+                    <a:lnR w="12700" cmpd="sng">
+                      <a:noFill/>
+                    </a:lnR>
+                    <a:lnT w="6350" cap="flat" cmpd="sng" algn="ctr">
+                      <a:solidFill>
+                        <a:srgbClr val="3A81BA"/>
+                      </a:solidFill>
+                      <a:prstDash val="sysDash"/>
+                      <a:round/>
+                      <a:headEnd type="none" w="med" len="med"/>
+                      <a:tailEnd type="none" w="med" len="med"/>
+                    </a:lnT>
+                    <a:lnB w="6350" cap="flat" cmpd="sng" algn="ctr">
+                      <a:solidFill>
+                        <a:srgbClr val="3A81BA"/>
+                      </a:solidFill>
+                      <a:prstDash val="sysDash"/>
+                      <a:round/>
+                      <a:headEnd type="none" w="med" len="med"/>
+                      <a:tailEnd type="none" w="med" len="med"/>
+                    </a:lnB>
+                    <a:lnTlToBr w="12700" cmpd="sng">
+                      <a:noFill/>
+                      <a:prstDash val="solid"/>
+                    </a:lnTlToBr>
+                    <a:lnBlToTr w="12700" cmpd="sng">
+                      <a:noFill/>
+                      <a:prstDash val="solid"/>
+                    </a:lnBlToTr>
+                    <a:noFill/>
+                  </a:tcPr>
+                </a:tc>
+                <a:tc>
+                  <a:txBody>
+                    <a:bodyPr/>
+                    <a:lstStyle/>
+                    <a:p>
+                      <a:pPr marL="18288" marR="0" indent="-18288" algn="l" defTabSz="914400" rtl="0" eaLnBrk="1" fontAlgn="auto" latinLnBrk="0" hangingPunct="1">
+                        <a:lnSpc>
+                          <a:spcPct val="100000"/>
+                        </a:lnSpc>
+                        <a:spcBef>
+                          <a:spcPts val="0"/>
+                        </a:spcBef>
+                        <a:spcAft>
+                          <a:spcPts val="0"/>
+                        </a:spcAft>
+                        <a:buClrTx/>
+                        <a:buSzTx/>
+                        <a:buFontTx/>
+                        <a:buNone/>
+                        <a:tabLst/>
+                        <a:defRPr/>
+                      </a:pPr>
+                      <a:r>
+                        <a:rPr lang="en-US" sz="1100" b="1" dirty="0">
+                          <a:latin typeface="Proxima Nova" charset="0"/>
+                          <a:ea typeface="Proxima Nova" charset="0"/>
+                          <a:cs typeface="Proxima Nova" charset="0"/>
+                        </a:rPr>
+                        <a:t>MODAPTS Help guide</a:t>
+                      </a:r>
+                    </a:p>
+                  </a:txBody>
+                  <a:tcPr anchor="ctr">
+                    <a:lnL w="12700" cmpd="sng">
+                      <a:noFill/>
+                    </a:lnL>
+                    <a:lnR w="12700" cmpd="sng">
+                      <a:noFill/>
+                    </a:lnR>
+                    <a:lnT w="6350" cap="flat" cmpd="sng" algn="ctr">
+                      <a:solidFill>
+                        <a:srgbClr val="3A81BA"/>
+                      </a:solidFill>
+                      <a:prstDash val="sysDash"/>
+                      <a:round/>
+                      <a:headEnd type="none" w="med" len="med"/>
+                      <a:tailEnd type="none" w="med" len="med"/>
+                    </a:lnT>
+                    <a:lnB w="6350" cap="flat" cmpd="sng" algn="ctr">
+                      <a:solidFill>
+                        <a:srgbClr val="3A81BA"/>
+                      </a:solidFill>
+                      <a:prstDash val="sysDash"/>
+                      <a:round/>
+                      <a:headEnd type="none" w="med" len="med"/>
+                      <a:tailEnd type="none" w="med" len="med"/>
+                    </a:lnB>
+                    <a:lnTlToBr w="12700" cmpd="sng">
+                      <a:noFill/>
+                      <a:prstDash val="solid"/>
+                    </a:lnTlToBr>
+                    <a:lnBlToTr w="12700" cmpd="sng">
+                      <a:noFill/>
+                      <a:prstDash val="solid"/>
+                    </a:lnBlToTr>
+                    <a:noFill/>
+                  </a:tcPr>
+                </a:tc>
+                <a:tc>
+                  <a:txBody>
+                    <a:bodyPr/>
+                    <a:lstStyle/>
+                    <a:p>
+                      <a:pPr marL="174625" marR="0" indent="-174625" algn="just" defTabSz="914400" rtl="0" eaLnBrk="1" fontAlgn="auto" latinLnBrk="0" hangingPunct="1">
+                        <a:lnSpc>
+                          <a:spcPct val="100000"/>
+                        </a:lnSpc>
+                        <a:spcBef>
+                          <a:spcPts val="0"/>
+                        </a:spcBef>
+                        <a:spcAft>
+                          <a:spcPts val="300"/>
+                        </a:spcAft>
+                        <a:buClrTx/>
+                        <a:buSzTx/>
+                        <a:buFont typeface="Arial"/>
+                        <a:buChar char="•"/>
+                        <a:tabLst/>
+                        <a:defRPr/>
+                      </a:pPr>
+                      <a:r>
+                        <a:rPr lang="en-US" sz="1100" baseline="0" dirty="0">
+                          <a:latin typeface="Proxima Nova" charset="0"/>
+                          <a:ea typeface="Proxima Nova" charset="0"/>
+                          <a:cs typeface="Proxima Nova" charset="0"/>
+                        </a:rPr>
+                        <a:t>Written description with rules and recommendations.</a:t>
+                      </a:r>
+                    </a:p>
+                    <a:p>
+                      <a:pPr marL="174625" marR="0" indent="-174625" algn="just" defTabSz="914400" rtl="0" eaLnBrk="1" fontAlgn="auto" latinLnBrk="0" hangingPunct="1">
+                        <a:lnSpc>
+                          <a:spcPct val="100000"/>
+                        </a:lnSpc>
+                        <a:spcBef>
+                          <a:spcPts val="0"/>
+                        </a:spcBef>
+                        <a:spcAft>
+                          <a:spcPts val="300"/>
+                        </a:spcAft>
+                        <a:buClrTx/>
+                        <a:buSzTx/>
+                        <a:buFont typeface="Arial"/>
+                        <a:buChar char="•"/>
+                        <a:tabLst/>
+                        <a:defRPr/>
+                      </a:pPr>
+                      <a:r>
+                        <a:rPr lang="en-US" sz="1100" baseline="0" dirty="0">
+                          <a:latin typeface="Proxima Nova" charset="0"/>
+                          <a:ea typeface="Proxima Nova" charset="0"/>
+                          <a:cs typeface="Proxima Nova" charset="0"/>
+                        </a:rPr>
+                        <a:t>Very short video for each MODAPTS code.</a:t>
+                      </a:r>
+                    </a:p>
+                  </a:txBody>
+                  <a:tcPr anchor="ctr">
+                    <a:lnL w="12700" cmpd="sng">
+                      <a:noFill/>
+                    </a:lnL>
+                    <a:lnR w="12700" cmpd="sng">
+                      <a:noFill/>
+                    </a:lnR>
+                    <a:lnT w="6350" cap="flat" cmpd="sng" algn="ctr">
+                      <a:solidFill>
+                        <a:srgbClr val="3A81BA"/>
+                      </a:solidFill>
+                      <a:prstDash val="sysDash"/>
+                      <a:round/>
+                      <a:headEnd type="none" w="med" len="med"/>
+                      <a:tailEnd type="none" w="med" len="med"/>
+                    </a:lnT>
+                    <a:lnB w="6350" cap="flat" cmpd="sng" algn="ctr">
+                      <a:solidFill>
+                        <a:srgbClr val="3A81BA"/>
+                      </a:solidFill>
+                      <a:prstDash val="sysDash"/>
+                      <a:round/>
+                      <a:headEnd type="none" w="med" len="med"/>
+                      <a:tailEnd type="none" w="med" len="med"/>
+                    </a:lnB>
+                    <a:lnTlToBr w="12700" cmpd="sng">
+                      <a:noFill/>
+                      <a:prstDash val="solid"/>
+                    </a:lnTlToBr>
+                    <a:lnBlToTr w="12700" cmpd="sng">
+                      <a:noFill/>
+                      <a:prstDash val="solid"/>
+                    </a:lnBlToTr>
+                    <a:noFill/>
+                  </a:tcPr>
+                </a:tc>
+                <a:extLst>
+                  <a:ext uri="{0D108BD9-81ED-4DB2-BD59-A6C34878D82A}">
+                    <a16:rowId xmlns:a16="http://schemas.microsoft.com/office/drawing/2014/main" val="10001"/>
+                  </a:ext>
+                </a:extLst>
+              </a:tr>
+              <a:tr h="494803">
+                <a:tc>
+                  <a:txBody>
+                    <a:bodyPr/>
+                    <a:lstStyle/>
+                    <a:p>
+                      <a:r>
+                        <a:rPr lang="en-US" sz="1100" b="1" dirty="0">
+                          <a:latin typeface="Proxima Nova" charset="0"/>
+                          <a:ea typeface="Proxima Nova" charset="0"/>
+                          <a:cs typeface="Proxima Nova" charset="0"/>
+                        </a:rPr>
+                        <a:t>R3</a:t>
+                      </a:r>
+                    </a:p>
+                  </a:txBody>
+                  <a:tcPr anchor="ctr">
+                    <a:lnL w="12700" cmpd="sng">
+                      <a:noFill/>
+                    </a:lnL>
+                    <a:lnR w="12700" cmpd="sng">
+                      <a:noFill/>
+                    </a:lnR>
+                    <a:lnT w="6350" cap="flat" cmpd="sng" algn="ctr">
+                      <a:solidFill>
+                        <a:srgbClr val="3A81BA"/>
+                      </a:solidFill>
+                      <a:prstDash val="sysDash"/>
+                      <a:round/>
+                      <a:headEnd type="none" w="med" len="med"/>
+                      <a:tailEnd type="none" w="med" len="med"/>
+                    </a:lnT>
+                    <a:lnB w="6350" cap="flat" cmpd="sng" algn="ctr">
+                      <a:solidFill>
+                        <a:srgbClr val="3A81BA"/>
+                      </a:solidFill>
+                      <a:prstDash val="sysDash"/>
+                      <a:round/>
+                      <a:headEnd type="none" w="med" len="med"/>
+                      <a:tailEnd type="none" w="med" len="med"/>
+                    </a:lnB>
+                    <a:lnTlToBr w="12700" cmpd="sng">
+                      <a:noFill/>
+                      <a:prstDash val="solid"/>
+                    </a:lnTlToBr>
+                    <a:lnBlToTr w="12700" cmpd="sng">
+                      <a:noFill/>
+                      <a:prstDash val="solid"/>
+                    </a:lnBlToTr>
+                    <a:noFill/>
+                  </a:tcPr>
+                </a:tc>
+                <a:tc>
+                  <a:txBody>
+                    <a:bodyPr/>
+                    <a:lstStyle/>
+                    <a:p>
+                      <a:pPr marL="182880" marR="0" indent="-457200" algn="l" defTabSz="914400" rtl="0" eaLnBrk="1" fontAlgn="auto" latinLnBrk="0" hangingPunct="1">
+                        <a:lnSpc>
+                          <a:spcPct val="100000"/>
+                        </a:lnSpc>
+                        <a:spcBef>
+                          <a:spcPts val="0"/>
+                        </a:spcBef>
+                        <a:spcAft>
+                          <a:spcPts val="0"/>
+                        </a:spcAft>
+                        <a:buClrTx/>
+                        <a:buSzTx/>
+                        <a:buFontTx/>
+                        <a:buNone/>
+                        <a:tabLst/>
+                        <a:defRPr/>
+                      </a:pPr>
+                      <a:r>
+                        <a:rPr lang="en-US" sz="1100" b="1" dirty="0">
+                          <a:latin typeface="Proxima Nova" charset="0"/>
+                          <a:ea typeface="Proxima Nova" charset="0"/>
+                          <a:cs typeface="Proxima Nova" charset="0"/>
+                        </a:rPr>
+                        <a:t>MODAPTS string input</a:t>
+                      </a:r>
+                    </a:p>
+                  </a:txBody>
+                  <a:tcPr anchor="ctr">
+                    <a:lnL w="12700" cmpd="sng">
+                      <a:noFill/>
+                    </a:lnL>
+                    <a:lnR w="12700" cmpd="sng">
+                      <a:noFill/>
+                    </a:lnR>
+                    <a:lnT w="6350" cap="flat" cmpd="sng" algn="ctr">
+                      <a:solidFill>
+                        <a:srgbClr val="3A81BA"/>
+                      </a:solidFill>
+                      <a:prstDash val="sysDash"/>
+                      <a:round/>
+                      <a:headEnd type="none" w="med" len="med"/>
+                      <a:tailEnd type="none" w="med" len="med"/>
+                    </a:lnT>
+                    <a:lnB w="6350" cap="flat" cmpd="sng" algn="ctr">
+                      <a:solidFill>
+                        <a:srgbClr val="3A81BA"/>
+                      </a:solidFill>
+                      <a:prstDash val="sysDash"/>
+                      <a:round/>
+                      <a:headEnd type="none" w="med" len="med"/>
+                      <a:tailEnd type="none" w="med" len="med"/>
+                    </a:lnB>
+                    <a:lnTlToBr w="12700" cmpd="sng">
+                      <a:noFill/>
+                      <a:prstDash val="solid"/>
+                    </a:lnTlToBr>
+                    <a:lnBlToTr w="12700" cmpd="sng">
+                      <a:noFill/>
+                      <a:prstDash val="solid"/>
+                    </a:lnBlToTr>
+                    <a:noFill/>
+                  </a:tcPr>
+                </a:tc>
+                <a:tc>
+                  <a:txBody>
+                    <a:bodyPr/>
+                    <a:lstStyle/>
+                    <a:p>
+                      <a:pPr marL="174625" indent="-174625" algn="just">
+                        <a:spcBef>
+                          <a:spcPts val="0"/>
+                        </a:spcBef>
+                        <a:spcAft>
+                          <a:spcPts val="300"/>
+                        </a:spcAft>
+                        <a:buFont typeface="Arial" panose="020B0604020202020204" pitchFamily="34" charset="0"/>
+                        <a:buChar char="•"/>
+                        <a:tabLst/>
+                      </a:pPr>
+                      <a:r>
+                        <a:rPr lang="en-US" sz="1100" baseline="0" dirty="0">
+                          <a:latin typeface="Proxima Nova" charset="0"/>
+                          <a:ea typeface="Proxima Nova" charset="0"/>
+                          <a:cs typeface="Proxima Nova" charset="0"/>
+                        </a:rPr>
+                        <a:t>User selects MODAPTS code in pairing mode to build MODAPTS string. </a:t>
+                      </a:r>
+                    </a:p>
+                    <a:p>
+                      <a:pPr marL="174625" indent="-174625" algn="just">
+                        <a:spcBef>
+                          <a:spcPts val="0"/>
+                        </a:spcBef>
+                        <a:spcAft>
+                          <a:spcPts val="300"/>
+                        </a:spcAft>
+                        <a:buFont typeface="Arial" panose="020B0604020202020204" pitchFamily="34" charset="0"/>
+                        <a:buChar char="•"/>
+                        <a:tabLst/>
+                      </a:pPr>
+                      <a:r>
+                        <a:rPr lang="en-US" sz="1100" baseline="0" dirty="0">
+                          <a:latin typeface="Proxima Nova" charset="0"/>
+                          <a:ea typeface="Proxima Nova" charset="0"/>
+                          <a:cs typeface="Proxima Nova" charset="0"/>
+                        </a:rPr>
+                        <a:t>Rules for low/high conscience and simultaneous motions will be enforced upon each selection.</a:t>
+                      </a:r>
+                    </a:p>
+                    <a:p>
+                      <a:pPr marL="174625" indent="-174625" algn="just">
+                        <a:spcBef>
+                          <a:spcPts val="0"/>
+                        </a:spcBef>
+                        <a:spcAft>
+                          <a:spcPts val="300"/>
+                        </a:spcAft>
+                        <a:buFont typeface="Arial" panose="020B0604020202020204" pitchFamily="34" charset="0"/>
+                        <a:buChar char="•"/>
+                        <a:tabLst/>
+                      </a:pPr>
+                      <a:r>
+                        <a:rPr lang="en-US" sz="1100" baseline="0" dirty="0">
+                          <a:latin typeface="Proxima Nova" charset="0"/>
+                          <a:ea typeface="Proxima Nova" charset="0"/>
+                          <a:cs typeface="Proxima Nova" charset="0"/>
+                        </a:rPr>
+                        <a:t>Translating MODAPTS string to modules and time.</a:t>
+                      </a:r>
+                    </a:p>
+                  </a:txBody>
+                  <a:tcPr anchor="ctr">
+                    <a:lnL w="12700" cmpd="sng">
+                      <a:noFill/>
+                    </a:lnL>
+                    <a:lnR w="12700" cmpd="sng">
+                      <a:noFill/>
+                    </a:lnR>
+                    <a:lnT w="6350" cap="flat" cmpd="sng" algn="ctr">
+                      <a:solidFill>
+                        <a:srgbClr val="3A81BA"/>
+                      </a:solidFill>
+                      <a:prstDash val="sysDash"/>
+                      <a:round/>
+                      <a:headEnd type="none" w="med" len="med"/>
+                      <a:tailEnd type="none" w="med" len="med"/>
+                    </a:lnT>
+                    <a:lnB w="6350" cap="flat" cmpd="sng" algn="ctr">
+                      <a:solidFill>
+                        <a:srgbClr val="3A81BA"/>
+                      </a:solidFill>
+                      <a:prstDash val="sysDash"/>
+                      <a:round/>
+                      <a:headEnd type="none" w="med" len="med"/>
+                      <a:tailEnd type="none" w="med" len="med"/>
+                    </a:lnB>
+                    <a:lnTlToBr w="12700" cmpd="sng">
+                      <a:noFill/>
+                      <a:prstDash val="solid"/>
+                    </a:lnTlToBr>
+                    <a:lnBlToTr w="12700" cmpd="sng">
+                      <a:noFill/>
+                      <a:prstDash val="solid"/>
+                    </a:lnBlToTr>
+                    <a:noFill/>
+                  </a:tcPr>
+                </a:tc>
+                <a:extLst>
+                  <a:ext uri="{0D108BD9-81ED-4DB2-BD59-A6C34878D82A}">
+                    <a16:rowId xmlns:a16="http://schemas.microsoft.com/office/drawing/2014/main" val="10002"/>
+                  </a:ext>
+                </a:extLst>
+              </a:tr>
+            </a:tbl>
+          </a:graphicData>
+        </a:graphic>
+      </p:graphicFrame>
+      <p:pic>
+        <p:nvPicPr>
+          <p:cNvPr id="7" name="Picture 6"/>
+          <p:cNvPicPr>
+            <a:picLocks noChangeAspect="1"/>
+          </p:cNvPicPr>
+          <p:nvPr/>
+        </p:nvPicPr>
+        <p:blipFill>
+          <a:blip r:embed="rId3" cstate="print">
+            <a:extLst>
+              <a:ext uri="{28A0092B-C50C-407E-A947-70E740481C1C}">
+                <a14:useLocalDpi xmlns:a14="http://schemas.microsoft.com/office/drawing/2010/main" val="0"/>
+              </a:ext>
+            </a:extLst>
+          </a:blip>
+          <a:stretch>
+            <a:fillRect/>
+          </a:stretch>
+        </p:blipFill>
+        <p:spPr>
+          <a:xfrm>
+            <a:off x="7376038" y="-17104"/>
+            <a:ext cx="1596512" cy="414480"/>
+          </a:xfrm>
+          <a:prstGeom prst="rect">
+            <a:avLst/>
+          </a:prstGeom>
+        </p:spPr>
+      </p:pic>
+      <p:sp>
+        <p:nvSpPr>
+          <p:cNvPr id="9" name="TextBox 8"/>
+          <p:cNvSpPr txBox="1"/>
+          <p:nvPr/>
+        </p:nvSpPr>
+        <p:spPr>
+          <a:xfrm>
+            <a:off x="-1" y="1009060"/>
+            <a:ext cx="9143999" cy="338554"/>
+          </a:xfrm>
+          <a:prstGeom prst="rect">
+            <a:avLst/>
+          </a:prstGeom>
+          <a:noFill/>
+        </p:spPr>
+        <p:txBody>
+          <a:bodyPr wrap="square" rtlCol="0">
+            <a:spAutoFit/>
+          </a:bodyPr>
+          <a:lstStyle/>
+          <a:p>
+            <a:pPr algn="ctr"/>
+            <a:r>
+              <a:rPr lang="en-US" sz="1600" dirty="0">
+                <a:latin typeface="Proxima Nova" charset="0"/>
+                <a:ea typeface="Proxima Nova" charset="0"/>
+                <a:cs typeface="Proxima Nova" charset="0"/>
+              </a:rPr>
+              <a:t>Study Management </a:t>
+            </a:r>
+          </a:p>
+        </p:txBody>
+      </p:sp>
+    </p:spTree>
+    <p:extLst>
+      <p:ext uri="{BB962C8B-B14F-4D97-AF65-F5344CB8AC3E}">
+        <p14:creationId xmlns:p14="http://schemas.microsoft.com/office/powerpoint/2010/main" val="610664424"/>
+      </p:ext>
+    </p:extLst>
+  </p:cSld>
+  <p:clrMapOvr>
+    <a:masterClrMapping/>
+  </p:clrMapOvr>
+  <p:transition spd="slow">
+    <p:cut/>
+  </p:transition>
+</p:sld>
+</file>
+
+<file path=ppt/slides/slide11.xml><?xml version="1.0" encoding="utf-8"?>
+<p:sld xmlns:a="http://schemas.openxmlformats.org/drawingml/2006/main" xmlns:r="http://schemas.openxmlformats.org/officeDocument/2006/relationships" xmlns:p="http://schemas.openxmlformats.org/presentationml/2006/main">
+  <p:cSld>
+    <p:spTree>
+      <p:nvGrpSpPr>
+        <p:cNvPr id="1" name="Shape 312"/>
+        <p:cNvGrpSpPr/>
+        <p:nvPr/>
+      </p:nvGrpSpPr>
+      <p:grpSpPr>
+        <a:xfrm>
+          <a:off x="0" y="0"/>
+          <a:ext cx="0" cy="0"/>
+          <a:chOff x="0" y="0"/>
+          <a:chExt cx="0" cy="0"/>
+        </a:xfrm>
+      </p:grpSpPr>
+      <p:sp>
+        <p:nvSpPr>
+          <p:cNvPr id="18" name="Shape 115"/>
+          <p:cNvSpPr txBox="1">
+            <a:spLocks noGrp="1"/>
+          </p:cNvSpPr>
+          <p:nvPr>
+            <p:ph type="ctrTitle"/>
+          </p:nvPr>
+        </p:nvSpPr>
+        <p:spPr>
+          <a:xfrm>
+            <a:off x="0" y="380067"/>
+            <a:ext cx="9143999" cy="535499"/>
+          </a:xfrm>
+          <a:prstGeom prst="rect">
+            <a:avLst/>
+          </a:prstGeom>
+        </p:spPr>
+        <p:txBody>
+          <a:bodyPr lIns="91425" tIns="91425" rIns="91425" bIns="91425" anchor="ctr" anchorCtr="0">
+            <a:noAutofit/>
+          </a:bodyPr>
+          <a:lstStyle/>
+          <a:p>
+            <a:pPr lvl="0"/>
+            <a:r>
+              <a:rPr lang="en-US" sz="3000" dirty="0">
+                <a:solidFill>
+                  <a:srgbClr val="000000"/>
+                </a:solidFill>
+                <a:latin typeface="Montserrat"/>
+                <a:ea typeface="Montserrat"/>
+                <a:cs typeface="Montserrat"/>
+                <a:sym typeface="Montserrat"/>
+              </a:rPr>
+              <a:t>FEATURE LIST – Core app</a:t>
+            </a:r>
+          </a:p>
+        </p:txBody>
+      </p:sp>
+      <p:cxnSp>
+        <p:nvCxnSpPr>
+          <p:cNvPr id="11" name="Shape 77"/>
+          <p:cNvCxnSpPr/>
+          <p:nvPr/>
+        </p:nvCxnSpPr>
+        <p:spPr>
+          <a:xfrm>
+            <a:off x="171450" y="383240"/>
+            <a:ext cx="8801100" cy="0"/>
+          </a:xfrm>
+          <a:prstGeom prst="straightConnector1">
+            <a:avLst/>
+          </a:prstGeom>
+          <a:noFill/>
+          <a:ln w="9525" cap="flat">
+            <a:solidFill>
+              <a:srgbClr val="D9D9D9"/>
+            </a:solidFill>
+            <a:prstDash val="solid"/>
+            <a:round/>
+            <a:headEnd type="none" w="lg" len="lg"/>
+            <a:tailEnd type="none" w="lg" len="lg"/>
+          </a:ln>
+        </p:spPr>
+      </p:cxnSp>
+      <p:graphicFrame>
+        <p:nvGraphicFramePr>
+          <p:cNvPr id="6" name="Table 5"/>
+          <p:cNvGraphicFramePr>
+            <a:graphicFrameLocks noGrp="1"/>
+          </p:cNvGraphicFramePr>
+          <p:nvPr>
+            <p:extLst>
+              <p:ext uri="{D42A27DB-BD31-4B8C-83A1-F6EECF244321}">
+                <p14:modId xmlns:p14="http://schemas.microsoft.com/office/powerpoint/2010/main" val="2790852012"/>
+              </p:ext>
+            </p:extLst>
+          </p:nvPr>
+        </p:nvGraphicFramePr>
+        <p:xfrm>
+          <a:off x="171450" y="1505550"/>
+          <a:ext cx="8712967" cy="989606"/>
+        </p:xfrm>
+        <a:graphic>
+          <a:graphicData uri="http://schemas.openxmlformats.org/drawingml/2006/table">
+            <a:tbl>
+              <a:tblPr>
+                <a:tableStyleId>{5C22544A-7EE6-4342-B048-85BDC9FD1C3A}</a:tableStyleId>
+              </a:tblPr>
+              <a:tblGrid>
+                <a:gridCol w="544165">
+                  <a:extLst>
+                    <a:ext uri="{9D8B030D-6E8A-4147-A177-3AD203B41FA5}">
+                      <a16:colId xmlns:a16="http://schemas.microsoft.com/office/drawing/2014/main" val="20000"/>
+                    </a:ext>
+                  </a:extLst>
+                </a:gridCol>
+                <a:gridCol w="1872208">
+                  <a:extLst>
+                    <a:ext uri="{9D8B030D-6E8A-4147-A177-3AD203B41FA5}">
+                      <a16:colId xmlns:a16="http://schemas.microsoft.com/office/drawing/2014/main" val="20001"/>
+                    </a:ext>
+                  </a:extLst>
+                </a:gridCol>
+                <a:gridCol w="6296594">
+                  <a:extLst>
+                    <a:ext uri="{9D8B030D-6E8A-4147-A177-3AD203B41FA5}">
+                      <a16:colId xmlns:a16="http://schemas.microsoft.com/office/drawing/2014/main" val="20002"/>
+                    </a:ext>
+                  </a:extLst>
+                </a:gridCol>
+              </a:tblGrid>
+              <a:tr h="494803">
+                <a:tc>
+                  <a:txBody>
+                    <a:bodyPr/>
+                    <a:lstStyle/>
+                    <a:p>
+                      <a:r>
+                        <a:rPr lang="en-US" sz="1100" b="1" dirty="0">
+                          <a:latin typeface="Proxima Nova" charset="0"/>
+                          <a:ea typeface="Proxima Nova" charset="0"/>
+                          <a:cs typeface="Proxima Nova" charset="0"/>
+                        </a:rPr>
+                        <a:t>R4</a:t>
+                      </a:r>
+                    </a:p>
+                  </a:txBody>
+                  <a:tcPr anchor="ctr">
+                    <a:lnL w="12700" cmpd="sng">
+                      <a:noFill/>
+                    </a:lnL>
+                    <a:lnR w="12700" cmpd="sng">
+                      <a:noFill/>
+                    </a:lnR>
+                    <a:lnT w="12700" cmpd="sng">
+                      <a:noFill/>
+                    </a:lnT>
+                    <a:lnB w="6350" cap="flat" cmpd="sng" algn="ctr">
+                      <a:solidFill>
+                        <a:srgbClr val="3A81BA"/>
+                      </a:solidFill>
+                      <a:prstDash val="sysDash"/>
+                      <a:round/>
+                      <a:headEnd type="none" w="med" len="med"/>
+                      <a:tailEnd type="none" w="med" len="med"/>
+                    </a:lnB>
+                    <a:lnTlToBr w="12700" cmpd="sng">
+                      <a:noFill/>
+                      <a:prstDash val="solid"/>
+                    </a:lnTlToBr>
+                    <a:lnBlToTr w="12700" cmpd="sng">
+                      <a:noFill/>
+                      <a:prstDash val="solid"/>
+                    </a:lnBlToTr>
+                    <a:noFill/>
+                  </a:tcPr>
+                </a:tc>
+                <a:tc>
+                  <a:txBody>
+                    <a:bodyPr/>
+                    <a:lstStyle/>
+                    <a:p>
+                      <a:pPr marL="18288" indent="-18288" algn="l"/>
+                      <a:r>
+                        <a:rPr lang="en-US" sz="1100" b="1" dirty="0">
+                          <a:latin typeface="Proxima Nova" charset="0"/>
+                          <a:ea typeface="Proxima Nova" charset="0"/>
+                          <a:cs typeface="Proxima Nova" charset="0"/>
+                        </a:rPr>
+                        <a:t>Work elements &amp; steps</a:t>
+                      </a:r>
+                    </a:p>
+                  </a:txBody>
+                  <a:tcPr anchor="ctr">
+                    <a:lnL w="12700" cmpd="sng">
+                      <a:noFill/>
+                    </a:lnL>
+                    <a:lnR w="12700" cmpd="sng">
+                      <a:noFill/>
+                    </a:lnR>
+                    <a:lnT w="12700" cmpd="sng">
+                      <a:noFill/>
+                    </a:lnT>
+                    <a:lnB w="6350" cap="flat" cmpd="sng" algn="ctr">
+                      <a:solidFill>
+                        <a:srgbClr val="3A81BA"/>
+                      </a:solidFill>
+                      <a:prstDash val="sysDash"/>
+                      <a:round/>
+                      <a:headEnd type="none" w="med" len="med"/>
+                      <a:tailEnd type="none" w="med" len="med"/>
+                    </a:lnB>
+                    <a:lnTlToBr w="12700" cmpd="sng">
+                      <a:noFill/>
+                      <a:prstDash val="solid"/>
+                    </a:lnTlToBr>
+                    <a:lnBlToTr w="12700" cmpd="sng">
+                      <a:noFill/>
+                      <a:prstDash val="solid"/>
+                    </a:lnBlToTr>
+                    <a:noFill/>
+                  </a:tcPr>
+                </a:tc>
+                <a:tc>
+                  <a:txBody>
+                    <a:bodyPr/>
+                    <a:lstStyle/>
+                    <a:p>
+                      <a:pPr marL="171450" indent="-171450">
+                        <a:spcAft>
+                          <a:spcPts val="300"/>
+                        </a:spcAft>
+                        <a:buFont typeface="Arial" charset="0"/>
+                        <a:buChar char="•"/>
+                      </a:pPr>
+                      <a:r>
+                        <a:rPr lang="en-US" sz="1100" b="0" i="0" u="none" strike="noStrike" cap="none" baseline="0" dirty="0">
+                          <a:solidFill>
+                            <a:schemeClr val="dk1"/>
+                          </a:solidFill>
+                          <a:latin typeface="Proxima Nova" charset="0"/>
+                          <a:ea typeface="Proxima Nova" charset="0"/>
+                          <a:cs typeface="Proxima Nova" charset="0"/>
+                          <a:sym typeface="Arial"/>
+                          <a:rtl val="0"/>
+                        </a:rPr>
+                        <a:t>Order work elements and work steps by drag and drop operations.</a:t>
+                      </a:r>
+                    </a:p>
+                  </a:txBody>
+                  <a:tcPr anchor="ctr">
+                    <a:lnL w="12700" cmpd="sng">
+                      <a:noFill/>
+                    </a:lnL>
+                    <a:lnR w="12700" cmpd="sng">
+                      <a:noFill/>
+                    </a:lnR>
+                    <a:lnT w="12700" cmpd="sng">
+                      <a:noFill/>
+                    </a:lnT>
+                    <a:lnB w="6350" cap="flat" cmpd="sng" algn="ctr">
+                      <a:solidFill>
+                        <a:srgbClr val="3A81BA"/>
+                      </a:solidFill>
+                      <a:prstDash val="sysDash"/>
+                      <a:round/>
+                      <a:headEnd type="none" w="med" len="med"/>
+                      <a:tailEnd type="none" w="med" len="med"/>
+                    </a:lnB>
+                    <a:lnTlToBr w="12700" cmpd="sng">
+                      <a:noFill/>
+                      <a:prstDash val="solid"/>
+                    </a:lnTlToBr>
+                    <a:lnBlToTr w="12700" cmpd="sng">
+                      <a:noFill/>
+                      <a:prstDash val="solid"/>
+                    </a:lnBlToTr>
+                    <a:noFill/>
+                  </a:tcPr>
+                </a:tc>
+                <a:extLst>
+                  <a:ext uri="{0D108BD9-81ED-4DB2-BD59-A6C34878D82A}">
+                    <a16:rowId xmlns:a16="http://schemas.microsoft.com/office/drawing/2014/main" val="10000"/>
+                  </a:ext>
+                </a:extLst>
+              </a:tr>
+              <a:tr h="494803">
+                <a:tc>
+                  <a:txBody>
+                    <a:bodyPr/>
+                    <a:lstStyle/>
+                    <a:p>
+                      <a:r>
+                        <a:rPr lang="en-US" sz="1100" b="1" dirty="0">
+                          <a:latin typeface="Proxima Nova" charset="0"/>
+                          <a:ea typeface="Proxima Nova" charset="0"/>
+                          <a:cs typeface="Proxima Nova" charset="0"/>
+                        </a:rPr>
+                        <a:t>R5</a:t>
+                      </a:r>
+                    </a:p>
+                  </a:txBody>
+                  <a:tcPr anchor="ctr">
+                    <a:lnL w="12700" cmpd="sng">
+                      <a:noFill/>
+                    </a:lnL>
+                    <a:lnR w="12700" cmpd="sng">
+                      <a:noFill/>
+                    </a:lnR>
+                    <a:lnT w="6350" cap="flat" cmpd="sng" algn="ctr">
+                      <a:solidFill>
+                        <a:srgbClr val="3A81BA"/>
+                      </a:solidFill>
+                      <a:prstDash val="sysDash"/>
+                      <a:round/>
+                      <a:headEnd type="none" w="med" len="med"/>
+                      <a:tailEnd type="none" w="med" len="med"/>
+                    </a:lnT>
+                    <a:lnB w="6350" cap="flat" cmpd="sng" algn="ctr">
+                      <a:solidFill>
+                        <a:srgbClr val="3A81BA"/>
+                      </a:solidFill>
+                      <a:prstDash val="sysDash"/>
+                      <a:round/>
+                      <a:headEnd type="none" w="med" len="med"/>
+                      <a:tailEnd type="none" w="med" len="med"/>
+                    </a:lnB>
+                    <a:lnTlToBr w="12700" cmpd="sng">
+                      <a:noFill/>
+                      <a:prstDash val="solid"/>
+                    </a:lnTlToBr>
+                    <a:lnBlToTr w="12700" cmpd="sng">
+                      <a:noFill/>
+                      <a:prstDash val="solid"/>
+                    </a:lnBlToTr>
+                    <a:noFill/>
+                  </a:tcPr>
+                </a:tc>
+                <a:tc>
+                  <a:txBody>
+                    <a:bodyPr/>
+                    <a:lstStyle/>
+                    <a:p>
+                      <a:pPr marL="18288" marR="0" indent="-18288" algn="l" defTabSz="914400" rtl="0" eaLnBrk="1" fontAlgn="auto" latinLnBrk="0" hangingPunct="1">
+                        <a:lnSpc>
+                          <a:spcPct val="100000"/>
+                        </a:lnSpc>
+                        <a:spcBef>
+                          <a:spcPts val="0"/>
+                        </a:spcBef>
+                        <a:spcAft>
+                          <a:spcPts val="0"/>
+                        </a:spcAft>
+                        <a:buClrTx/>
+                        <a:buSzTx/>
+                        <a:buFontTx/>
+                        <a:buNone/>
+                        <a:tabLst/>
+                        <a:defRPr/>
+                      </a:pPr>
+                      <a:r>
+                        <a:rPr lang="en-US" sz="1100" b="1" dirty="0">
+                          <a:latin typeface="Proxima Nova" charset="0"/>
+                          <a:ea typeface="Proxima Nova" charset="0"/>
+                          <a:cs typeface="Proxima Nova" charset="0"/>
+                        </a:rPr>
+                        <a:t>MODAPTS Study</a:t>
+                      </a:r>
+                      <a:r>
+                        <a:rPr lang="en-US" sz="1100" b="1" baseline="0" dirty="0">
+                          <a:latin typeface="Proxima Nova" charset="0"/>
+                          <a:ea typeface="Proxima Nova" charset="0"/>
+                          <a:cs typeface="Proxima Nova" charset="0"/>
+                        </a:rPr>
+                        <a:t> storage</a:t>
+                      </a:r>
+                      <a:endParaRPr lang="en-US" sz="1100" b="1" dirty="0">
+                        <a:latin typeface="Proxima Nova" charset="0"/>
+                        <a:ea typeface="Proxima Nova" charset="0"/>
+                        <a:cs typeface="Proxima Nova" charset="0"/>
+                      </a:endParaRPr>
+                    </a:p>
+                  </a:txBody>
+                  <a:tcPr anchor="ctr">
+                    <a:lnL w="12700" cmpd="sng">
+                      <a:noFill/>
+                    </a:lnL>
+                    <a:lnR w="12700" cmpd="sng">
+                      <a:noFill/>
+                    </a:lnR>
+                    <a:lnT w="6350" cap="flat" cmpd="sng" algn="ctr">
+                      <a:solidFill>
+                        <a:srgbClr val="3A81BA"/>
+                      </a:solidFill>
+                      <a:prstDash val="sysDash"/>
+                      <a:round/>
+                      <a:headEnd type="none" w="med" len="med"/>
+                      <a:tailEnd type="none" w="med" len="med"/>
+                    </a:lnT>
+                    <a:lnB w="6350" cap="flat" cmpd="sng" algn="ctr">
+                      <a:solidFill>
+                        <a:srgbClr val="3A81BA"/>
+                      </a:solidFill>
+                      <a:prstDash val="sysDash"/>
+                      <a:round/>
+                      <a:headEnd type="none" w="med" len="med"/>
+                      <a:tailEnd type="none" w="med" len="med"/>
+                    </a:lnB>
+                    <a:lnTlToBr w="12700" cmpd="sng">
+                      <a:noFill/>
+                      <a:prstDash val="solid"/>
+                    </a:lnTlToBr>
+                    <a:lnBlToTr w="12700" cmpd="sng">
+                      <a:noFill/>
+                      <a:prstDash val="solid"/>
+                    </a:lnBlToTr>
+                    <a:noFill/>
+                  </a:tcPr>
+                </a:tc>
+                <a:tc>
+                  <a:txBody>
+                    <a:bodyPr/>
+                    <a:lstStyle/>
+                    <a:p>
+                      <a:pPr marL="174625" marR="0" indent="-174625" algn="just" defTabSz="914400" rtl="0" eaLnBrk="1" fontAlgn="auto" latinLnBrk="0" hangingPunct="1">
+                        <a:lnSpc>
+                          <a:spcPct val="100000"/>
+                        </a:lnSpc>
+                        <a:spcBef>
+                          <a:spcPts val="0"/>
+                        </a:spcBef>
+                        <a:spcAft>
+                          <a:spcPts val="300"/>
+                        </a:spcAft>
+                        <a:buClrTx/>
+                        <a:buSzTx/>
+                        <a:buFont typeface="Arial"/>
+                        <a:buChar char="•"/>
+                        <a:tabLst/>
+                        <a:defRPr/>
+                      </a:pPr>
+                      <a:r>
+                        <a:rPr lang="en-US" sz="1100" baseline="0" dirty="0">
+                          <a:latin typeface="Proxima Nova" charset="0"/>
+                          <a:ea typeface="Proxima Nova" charset="0"/>
+                          <a:cs typeface="Proxima Nova" charset="0"/>
+                        </a:rPr>
+                        <a:t>Store MODAPTS studies by plant, department/area, team/zone, station/operation.</a:t>
+                      </a:r>
+                    </a:p>
+                  </a:txBody>
+                  <a:tcPr anchor="ctr">
+                    <a:lnL w="12700" cmpd="sng">
+                      <a:noFill/>
+                    </a:lnL>
+                    <a:lnR w="12700" cmpd="sng">
+                      <a:noFill/>
+                    </a:lnR>
+                    <a:lnT w="6350" cap="flat" cmpd="sng" algn="ctr">
+                      <a:solidFill>
+                        <a:srgbClr val="3A81BA"/>
+                      </a:solidFill>
+                      <a:prstDash val="sysDash"/>
+                      <a:round/>
+                      <a:headEnd type="none" w="med" len="med"/>
+                      <a:tailEnd type="none" w="med" len="med"/>
+                    </a:lnT>
+                    <a:lnB w="6350" cap="flat" cmpd="sng" algn="ctr">
+                      <a:solidFill>
+                        <a:srgbClr val="3A81BA"/>
+                      </a:solidFill>
+                      <a:prstDash val="sysDash"/>
+                      <a:round/>
+                      <a:headEnd type="none" w="med" len="med"/>
+                      <a:tailEnd type="none" w="med" len="med"/>
+                    </a:lnB>
+                    <a:lnTlToBr w="12700" cmpd="sng">
+                      <a:noFill/>
+                      <a:prstDash val="solid"/>
+                    </a:lnTlToBr>
+                    <a:lnBlToTr w="12700" cmpd="sng">
+                      <a:noFill/>
+                      <a:prstDash val="solid"/>
+                    </a:lnBlToTr>
+                    <a:noFill/>
+                  </a:tcPr>
+                </a:tc>
+                <a:extLst>
+                  <a:ext uri="{0D108BD9-81ED-4DB2-BD59-A6C34878D82A}">
+                    <a16:rowId xmlns:a16="http://schemas.microsoft.com/office/drawing/2014/main" val="10001"/>
+                  </a:ext>
+                </a:extLst>
+              </a:tr>
+            </a:tbl>
+          </a:graphicData>
+        </a:graphic>
+      </p:graphicFrame>
+      <p:pic>
+        <p:nvPicPr>
+          <p:cNvPr id="7" name="Picture 6"/>
+          <p:cNvPicPr>
+            <a:picLocks noChangeAspect="1"/>
+          </p:cNvPicPr>
+          <p:nvPr/>
+        </p:nvPicPr>
+        <p:blipFill>
+          <a:blip r:embed="rId3" cstate="print">
+            <a:extLst>
+              <a:ext uri="{28A0092B-C50C-407E-A947-70E740481C1C}">
+                <a14:useLocalDpi xmlns:a14="http://schemas.microsoft.com/office/drawing/2010/main" val="0"/>
+              </a:ext>
+            </a:extLst>
+          </a:blip>
+          <a:stretch>
+            <a:fillRect/>
+          </a:stretch>
+        </p:blipFill>
+        <p:spPr>
+          <a:xfrm>
+            <a:off x="7376038" y="-17104"/>
+            <a:ext cx="1596512" cy="414480"/>
+          </a:xfrm>
+          <a:prstGeom prst="rect">
+            <a:avLst/>
+          </a:prstGeom>
+        </p:spPr>
+      </p:pic>
+      <p:sp>
+        <p:nvSpPr>
+          <p:cNvPr id="9" name="TextBox 8"/>
+          <p:cNvSpPr txBox="1"/>
+          <p:nvPr/>
+        </p:nvSpPr>
+        <p:spPr>
+          <a:xfrm>
+            <a:off x="-1" y="1009060"/>
+            <a:ext cx="9143999" cy="338554"/>
+          </a:xfrm>
+          <a:prstGeom prst="rect">
+            <a:avLst/>
+          </a:prstGeom>
+          <a:noFill/>
+        </p:spPr>
+        <p:txBody>
+          <a:bodyPr wrap="square" rtlCol="0">
+            <a:spAutoFit/>
+          </a:bodyPr>
+          <a:lstStyle/>
+          <a:p>
+            <a:pPr algn="ctr"/>
+            <a:r>
+              <a:rPr lang="en-US" sz="1600" dirty="0">
+                <a:latin typeface="Proxima Nova" charset="0"/>
+                <a:ea typeface="Proxima Nova" charset="0"/>
+                <a:cs typeface="Proxima Nova" charset="0"/>
+              </a:rPr>
+              <a:t>Studies Organization </a:t>
+            </a:r>
+          </a:p>
+        </p:txBody>
+      </p:sp>
+    </p:spTree>
+    <p:extLst>
+      <p:ext uri="{BB962C8B-B14F-4D97-AF65-F5344CB8AC3E}">
+        <p14:creationId xmlns:p14="http://schemas.microsoft.com/office/powerpoint/2010/main" val="3953802187"/>
+      </p:ext>
+    </p:extLst>
+  </p:cSld>
+  <p:clrMapOvr>
+    <a:masterClrMapping/>
+  </p:clrMapOvr>
+  <p:transition spd="slow">
+    <p:cut/>
+  </p:transition>
+</p:sld>
+</file>
+
+<file path=ppt/slides/slide12.xml><?xml version="1.0" encoding="utf-8"?>
+<p:sld xmlns:a="http://schemas.openxmlformats.org/drawingml/2006/main" xmlns:r="http://schemas.openxmlformats.org/officeDocument/2006/relationships" xmlns:p="http://schemas.openxmlformats.org/presentationml/2006/main">
+  <p:cSld>
+    <p:spTree>
+      <p:nvGrpSpPr>
+        <p:cNvPr id="1" name="Shape 312"/>
+        <p:cNvGrpSpPr/>
+        <p:nvPr/>
+      </p:nvGrpSpPr>
+      <p:grpSpPr>
+        <a:xfrm>
+          <a:off x="0" y="0"/>
+          <a:ext cx="0" cy="0"/>
+          <a:chOff x="0" y="0"/>
+          <a:chExt cx="0" cy="0"/>
+        </a:xfrm>
+      </p:grpSpPr>
+      <p:sp>
+        <p:nvSpPr>
+          <p:cNvPr id="18" name="Shape 115"/>
+          <p:cNvSpPr txBox="1">
+            <a:spLocks noGrp="1"/>
+          </p:cNvSpPr>
+          <p:nvPr>
+            <p:ph type="ctrTitle"/>
+          </p:nvPr>
+        </p:nvSpPr>
+        <p:spPr>
+          <a:xfrm>
+            <a:off x="0" y="380067"/>
+            <a:ext cx="9143999" cy="535499"/>
+          </a:xfrm>
+          <a:prstGeom prst="rect">
+            <a:avLst/>
+          </a:prstGeom>
+        </p:spPr>
+        <p:txBody>
+          <a:bodyPr lIns="91425" tIns="91425" rIns="91425" bIns="91425" anchor="ctr" anchorCtr="0">
+            <a:noAutofit/>
+          </a:bodyPr>
+          <a:lstStyle/>
+          <a:p>
+            <a:pPr lvl="0"/>
+            <a:r>
+              <a:rPr lang="en-US" sz="3000" dirty="0">
+                <a:solidFill>
+                  <a:srgbClr val="000000"/>
+                </a:solidFill>
+                <a:latin typeface="Montserrat"/>
+                <a:ea typeface="Montserrat"/>
+                <a:cs typeface="Montserrat"/>
+                <a:sym typeface="Montserrat"/>
+              </a:rPr>
+              <a:t>FEATURE LIST – Core app</a:t>
+            </a:r>
+          </a:p>
+        </p:txBody>
+      </p:sp>
+      <p:cxnSp>
+        <p:nvCxnSpPr>
+          <p:cNvPr id="11" name="Shape 77"/>
+          <p:cNvCxnSpPr/>
+          <p:nvPr/>
+        </p:nvCxnSpPr>
+        <p:spPr>
+          <a:xfrm>
+            <a:off x="171450" y="383240"/>
+            <a:ext cx="8801100" cy="0"/>
+          </a:xfrm>
+          <a:prstGeom prst="straightConnector1">
+            <a:avLst/>
+          </a:prstGeom>
+          <a:noFill/>
+          <a:ln w="9525" cap="flat">
+            <a:solidFill>
+              <a:srgbClr val="D9D9D9"/>
+            </a:solidFill>
+            <a:prstDash val="solid"/>
+            <a:round/>
+            <a:headEnd type="none" w="lg" len="lg"/>
+            <a:tailEnd type="none" w="lg" len="lg"/>
+          </a:ln>
+        </p:spPr>
+      </p:cxnSp>
+      <p:graphicFrame>
+        <p:nvGraphicFramePr>
+          <p:cNvPr id="6" name="Table 5"/>
+          <p:cNvGraphicFramePr>
+            <a:graphicFrameLocks noGrp="1"/>
+          </p:cNvGraphicFramePr>
+          <p:nvPr>
+            <p:extLst>
+              <p:ext uri="{D42A27DB-BD31-4B8C-83A1-F6EECF244321}">
+                <p14:modId xmlns:p14="http://schemas.microsoft.com/office/powerpoint/2010/main" val="681479539"/>
+              </p:ext>
+            </p:extLst>
+          </p:nvPr>
+        </p:nvGraphicFramePr>
+        <p:xfrm>
+          <a:off x="171450" y="1505550"/>
+          <a:ext cx="8712967" cy="1498248"/>
+        </p:xfrm>
+        <a:graphic>
+          <a:graphicData uri="http://schemas.openxmlformats.org/drawingml/2006/table">
+            <a:tbl>
+              <a:tblPr>
+                <a:tableStyleId>{5C22544A-7EE6-4342-B048-85BDC9FD1C3A}</a:tableStyleId>
+              </a:tblPr>
+              <a:tblGrid>
+                <a:gridCol w="544165">
+                  <a:extLst>
+                    <a:ext uri="{9D8B030D-6E8A-4147-A177-3AD203B41FA5}">
+                      <a16:colId xmlns:a16="http://schemas.microsoft.com/office/drawing/2014/main" val="20000"/>
+                    </a:ext>
+                  </a:extLst>
+                </a:gridCol>
+                <a:gridCol w="1872208">
+                  <a:extLst>
+                    <a:ext uri="{9D8B030D-6E8A-4147-A177-3AD203B41FA5}">
+                      <a16:colId xmlns:a16="http://schemas.microsoft.com/office/drawing/2014/main" val="20001"/>
+                    </a:ext>
+                  </a:extLst>
+                </a:gridCol>
+                <a:gridCol w="6296594">
+                  <a:extLst>
+                    <a:ext uri="{9D8B030D-6E8A-4147-A177-3AD203B41FA5}">
+                      <a16:colId xmlns:a16="http://schemas.microsoft.com/office/drawing/2014/main" val="20002"/>
+                    </a:ext>
+                  </a:extLst>
+                </a:gridCol>
+              </a:tblGrid>
+              <a:tr h="494803">
+                <a:tc>
+                  <a:txBody>
+                    <a:bodyPr/>
+                    <a:lstStyle/>
+                    <a:p>
+                      <a:r>
+                        <a:rPr lang="en-US" sz="1100" b="1" dirty="0">
+                          <a:latin typeface="Proxima Nova" charset="0"/>
+                          <a:ea typeface="Proxima Nova" charset="0"/>
+                          <a:cs typeface="Proxima Nova" charset="0"/>
+                        </a:rPr>
+                        <a:t>R6</a:t>
+                      </a:r>
+                    </a:p>
+                  </a:txBody>
+                  <a:tcPr anchor="ctr">
+                    <a:lnL w="12700" cmpd="sng">
+                      <a:noFill/>
+                    </a:lnL>
+                    <a:lnR w="12700" cmpd="sng">
+                      <a:noFill/>
+                    </a:lnR>
+                    <a:lnT w="12700" cmpd="sng">
+                      <a:noFill/>
+                    </a:lnT>
+                    <a:lnB w="6350" cap="flat" cmpd="sng" algn="ctr">
+                      <a:solidFill>
+                        <a:srgbClr val="3A81BA"/>
+                      </a:solidFill>
+                      <a:prstDash val="sysDash"/>
+                      <a:round/>
+                      <a:headEnd type="none" w="med" len="med"/>
+                      <a:tailEnd type="none" w="med" len="med"/>
+                    </a:lnB>
+                    <a:lnTlToBr w="12700" cmpd="sng">
+                      <a:noFill/>
+                      <a:prstDash val="solid"/>
+                    </a:lnTlToBr>
+                    <a:lnBlToTr w="12700" cmpd="sng">
+                      <a:noFill/>
+                      <a:prstDash val="solid"/>
+                    </a:lnBlToTr>
+                    <a:noFill/>
+                  </a:tcPr>
+                </a:tc>
+                <a:tc>
+                  <a:txBody>
+                    <a:bodyPr/>
+                    <a:lstStyle/>
+                    <a:p>
+                      <a:pPr marL="18288" indent="-18288" algn="l"/>
+                      <a:r>
+                        <a:rPr lang="en-US" sz="1100" b="1" dirty="0">
+                          <a:latin typeface="Proxima Nova" charset="0"/>
+                          <a:ea typeface="Proxima Nova" charset="0"/>
+                          <a:cs typeface="Proxima Nova" charset="0"/>
+                        </a:rPr>
+                        <a:t>OIS report</a:t>
+                      </a:r>
+                    </a:p>
+                  </a:txBody>
+                  <a:tcPr anchor="ctr">
+                    <a:lnL w="12700" cmpd="sng">
+                      <a:noFill/>
+                    </a:lnL>
+                    <a:lnR w="12700" cmpd="sng">
+                      <a:noFill/>
+                    </a:lnR>
+                    <a:lnT w="12700" cmpd="sng">
+                      <a:noFill/>
+                    </a:lnT>
+                    <a:lnB w="6350" cap="flat" cmpd="sng" algn="ctr">
+                      <a:solidFill>
+                        <a:srgbClr val="3A81BA"/>
+                      </a:solidFill>
+                      <a:prstDash val="sysDash"/>
+                      <a:round/>
+                      <a:headEnd type="none" w="med" len="med"/>
+                      <a:tailEnd type="none" w="med" len="med"/>
+                    </a:lnB>
+                    <a:lnTlToBr w="12700" cmpd="sng">
+                      <a:noFill/>
+                      <a:prstDash val="solid"/>
+                    </a:lnTlToBr>
+                    <a:lnBlToTr w="12700" cmpd="sng">
+                      <a:noFill/>
+                      <a:prstDash val="solid"/>
+                    </a:lnBlToTr>
+                    <a:noFill/>
+                  </a:tcPr>
+                </a:tc>
+                <a:tc>
+                  <a:txBody>
+                    <a:bodyPr/>
+                    <a:lstStyle/>
+                    <a:p>
+                      <a:pPr marL="171450" indent="-171450">
+                        <a:spcAft>
+                          <a:spcPts val="300"/>
+                        </a:spcAft>
+                        <a:buFont typeface="Arial" charset="0"/>
+                        <a:buChar char="•"/>
+                      </a:pPr>
+                      <a:r>
+                        <a:rPr lang="en-US" sz="1100" b="0" i="0" u="none" strike="noStrike" cap="none" baseline="0" dirty="0">
+                          <a:solidFill>
+                            <a:schemeClr val="dk1"/>
+                          </a:solidFill>
+                          <a:latin typeface="Proxima Nova" charset="0"/>
+                          <a:ea typeface="Proxima Nova" charset="0"/>
+                          <a:cs typeface="Proxima Nova" charset="0"/>
+                          <a:sym typeface="Arial"/>
+                          <a:rtl val="0"/>
+                        </a:rPr>
+                        <a:t>Operator Instruction Sheet generated from the element description fields.</a:t>
+                      </a:r>
+                    </a:p>
+                  </a:txBody>
+                  <a:tcPr anchor="ctr">
+                    <a:lnL w="12700" cmpd="sng">
+                      <a:noFill/>
+                    </a:lnL>
+                    <a:lnR w="12700" cmpd="sng">
+                      <a:noFill/>
+                    </a:lnR>
+                    <a:lnT w="12700" cmpd="sng">
+                      <a:noFill/>
+                    </a:lnT>
+                    <a:lnB w="6350" cap="flat" cmpd="sng" algn="ctr">
+                      <a:solidFill>
+                        <a:srgbClr val="3A81BA"/>
+                      </a:solidFill>
+                      <a:prstDash val="sysDash"/>
+                      <a:round/>
+                      <a:headEnd type="none" w="med" len="med"/>
+                      <a:tailEnd type="none" w="med" len="med"/>
+                    </a:lnB>
+                    <a:lnTlToBr w="12700" cmpd="sng">
+                      <a:noFill/>
+                      <a:prstDash val="solid"/>
+                    </a:lnTlToBr>
+                    <a:lnBlToTr w="12700" cmpd="sng">
+                      <a:noFill/>
+                      <a:prstDash val="solid"/>
+                    </a:lnBlToTr>
+                    <a:noFill/>
+                  </a:tcPr>
+                </a:tc>
+                <a:extLst>
+                  <a:ext uri="{0D108BD9-81ED-4DB2-BD59-A6C34878D82A}">
+                    <a16:rowId xmlns:a16="http://schemas.microsoft.com/office/drawing/2014/main" val="10000"/>
+                  </a:ext>
+                </a:extLst>
+              </a:tr>
+              <a:tr h="499389">
+                <a:tc>
+                  <a:txBody>
+                    <a:bodyPr/>
+                    <a:lstStyle/>
+                    <a:p>
+                      <a:r>
+                        <a:rPr lang="en-US" sz="1100" b="1" i="0" u="none" strike="noStrike" cap="none" baseline="0" dirty="0">
+                          <a:solidFill>
+                            <a:schemeClr val="dk1"/>
+                          </a:solidFill>
+                          <a:latin typeface="Proxima Nova" charset="0"/>
+                          <a:ea typeface="Proxima Nova" charset="0"/>
+                          <a:cs typeface="Proxima Nova" charset="0"/>
+                          <a:sym typeface="Arial"/>
+                          <a:rtl val="0"/>
+                        </a:rPr>
+                        <a:t>R7</a:t>
+                      </a:r>
+                    </a:p>
+                  </a:txBody>
+                  <a:tcPr anchor="ctr">
+                    <a:lnL w="12700" cmpd="sng">
+                      <a:noFill/>
+                    </a:lnL>
+                    <a:lnR w="12700" cmpd="sng">
+                      <a:noFill/>
+                    </a:lnR>
+                    <a:lnT w="6350" cap="flat" cmpd="sng" algn="ctr">
+                      <a:solidFill>
+                        <a:srgbClr val="3A81BA"/>
+                      </a:solidFill>
+                      <a:prstDash val="sysDash"/>
+                      <a:round/>
+                      <a:headEnd type="none" w="med" len="med"/>
+                      <a:tailEnd type="none" w="med" len="med"/>
+                    </a:lnT>
+                    <a:lnB w="6350" cap="flat" cmpd="sng" algn="ctr">
+                      <a:solidFill>
+                        <a:srgbClr val="3A81BA"/>
+                      </a:solidFill>
+                      <a:prstDash val="sysDash"/>
+                      <a:round/>
+                      <a:headEnd type="none" w="med" len="med"/>
+                      <a:tailEnd type="none" w="med" len="med"/>
+                    </a:lnB>
+                    <a:lnTlToBr w="12700" cmpd="sng">
+                      <a:noFill/>
+                      <a:prstDash val="solid"/>
+                    </a:lnTlToBr>
+                    <a:lnBlToTr w="12700" cmpd="sng">
+                      <a:noFill/>
+                      <a:prstDash val="solid"/>
+                    </a:lnBlToTr>
+                    <a:noFill/>
+                  </a:tcPr>
+                </a:tc>
+                <a:tc>
+                  <a:txBody>
+                    <a:bodyPr/>
+                    <a:lstStyle/>
+                    <a:p>
+                      <a:pPr marL="18288" marR="0" indent="-18288" algn="l" defTabSz="914400" rtl="0" eaLnBrk="1" fontAlgn="auto" latinLnBrk="0" hangingPunct="1">
+                        <a:lnSpc>
+                          <a:spcPct val="100000"/>
+                        </a:lnSpc>
+                        <a:spcBef>
+                          <a:spcPts val="0"/>
+                        </a:spcBef>
+                        <a:spcAft>
+                          <a:spcPts val="0"/>
+                        </a:spcAft>
+                        <a:buClrTx/>
+                        <a:buSzTx/>
+                        <a:buFontTx/>
+                        <a:buNone/>
+                        <a:tabLst/>
+                        <a:defRPr/>
+                      </a:pPr>
+                      <a:r>
+                        <a:rPr lang="en-US" sz="1100" b="1" dirty="0">
+                          <a:latin typeface="Proxima Nova" charset="0"/>
+                          <a:ea typeface="Proxima Nova" charset="0"/>
+                          <a:cs typeface="Proxima Nova" charset="0"/>
+                        </a:rPr>
+                        <a:t>Operator Utilization %</a:t>
+                      </a:r>
+                    </a:p>
+                  </a:txBody>
+                  <a:tcPr anchor="ctr">
+                    <a:lnL w="12700" cmpd="sng">
+                      <a:noFill/>
+                    </a:lnL>
+                    <a:lnR w="12700" cmpd="sng">
+                      <a:noFill/>
+                    </a:lnR>
+                    <a:lnT w="6350" cap="flat" cmpd="sng" algn="ctr">
+                      <a:solidFill>
+                        <a:srgbClr val="3A81BA"/>
+                      </a:solidFill>
+                      <a:prstDash val="sysDash"/>
+                      <a:round/>
+                      <a:headEnd type="none" w="med" len="med"/>
+                      <a:tailEnd type="none" w="med" len="med"/>
+                    </a:lnT>
+                    <a:lnB w="6350" cap="flat" cmpd="sng" algn="ctr">
+                      <a:solidFill>
+                        <a:srgbClr val="3A81BA"/>
+                      </a:solidFill>
+                      <a:prstDash val="sysDash"/>
+                      <a:round/>
+                      <a:headEnd type="none" w="med" len="med"/>
+                      <a:tailEnd type="none" w="med" len="med"/>
+                    </a:lnB>
+                    <a:lnTlToBr w="12700" cmpd="sng">
+                      <a:noFill/>
+                      <a:prstDash val="solid"/>
+                    </a:lnTlToBr>
+                    <a:lnBlToTr w="12700" cmpd="sng">
+                      <a:noFill/>
+                      <a:prstDash val="solid"/>
+                    </a:lnBlToTr>
+                    <a:noFill/>
+                  </a:tcPr>
+                </a:tc>
+                <a:tc>
+                  <a:txBody>
+                    <a:bodyPr/>
+                    <a:lstStyle/>
+                    <a:p>
+                      <a:pPr marL="171450" indent="-171450">
+                        <a:spcAft>
+                          <a:spcPts val="300"/>
+                        </a:spcAft>
+                        <a:buFont typeface="Arial" charset="0"/>
+                        <a:buChar char="•"/>
+                      </a:pPr>
+                      <a:r>
+                        <a:rPr lang="en-US" sz="1100" b="0" i="0" u="none" strike="noStrike" cap="none" baseline="0" dirty="0">
+                          <a:solidFill>
+                            <a:schemeClr val="dk1"/>
+                          </a:solidFill>
+                          <a:latin typeface="Proxima Nova" charset="0"/>
+                          <a:ea typeface="Proxima Nova" charset="0"/>
+                          <a:cs typeface="Proxima Nova" charset="0"/>
+                          <a:sym typeface="Arial"/>
+                          <a:rtl val="0"/>
+                        </a:rPr>
+                        <a:t>Unit Cycle Time, Cost Per Piece.</a:t>
+                      </a:r>
+                    </a:p>
+                  </a:txBody>
+                  <a:tcPr anchor="ctr">
+                    <a:lnL w="12700" cmpd="sng">
+                      <a:noFill/>
+                    </a:lnL>
+                    <a:lnR w="12700" cmpd="sng">
+                      <a:noFill/>
+                    </a:lnR>
+                    <a:lnT w="6350" cap="flat" cmpd="sng" algn="ctr">
+                      <a:solidFill>
+                        <a:srgbClr val="3A81BA"/>
+                      </a:solidFill>
+                      <a:prstDash val="sysDash"/>
+                      <a:round/>
+                      <a:headEnd type="none" w="med" len="med"/>
+                      <a:tailEnd type="none" w="med" len="med"/>
+                    </a:lnT>
+                    <a:lnB w="6350" cap="flat" cmpd="sng" algn="ctr">
+                      <a:solidFill>
+                        <a:srgbClr val="3A81BA"/>
+                      </a:solidFill>
+                      <a:prstDash val="sysDash"/>
+                      <a:round/>
+                      <a:headEnd type="none" w="med" len="med"/>
+                      <a:tailEnd type="none" w="med" len="med"/>
+                    </a:lnB>
+                    <a:lnTlToBr w="12700" cmpd="sng">
+                      <a:noFill/>
+                      <a:prstDash val="solid"/>
+                    </a:lnTlToBr>
+                    <a:lnBlToTr w="12700" cmpd="sng">
+                      <a:noFill/>
+                      <a:prstDash val="solid"/>
+                    </a:lnBlToTr>
+                    <a:noFill/>
+                  </a:tcPr>
+                </a:tc>
+                <a:extLst>
+                  <a:ext uri="{0D108BD9-81ED-4DB2-BD59-A6C34878D82A}">
+                    <a16:rowId xmlns:a16="http://schemas.microsoft.com/office/drawing/2014/main" val="10001"/>
+                  </a:ext>
+                </a:extLst>
+              </a:tr>
+              <a:tr h="504056">
+                <a:tc>
+                  <a:txBody>
+                    <a:bodyPr/>
+                    <a:lstStyle/>
+                    <a:p>
+                      <a:r>
+                        <a:rPr lang="en-US" sz="1100" b="1" dirty="0">
+                          <a:latin typeface="Proxima Nova" charset="0"/>
+                          <a:ea typeface="Proxima Nova" charset="0"/>
+                          <a:cs typeface="Proxima Nova" charset="0"/>
+                        </a:rPr>
+                        <a:t>R8</a:t>
+                      </a:r>
+                    </a:p>
+                  </a:txBody>
+                  <a:tcPr anchor="ctr">
+                    <a:lnL w="12700" cmpd="sng">
+                      <a:noFill/>
+                    </a:lnL>
+                    <a:lnR w="12700" cmpd="sng">
+                      <a:noFill/>
+                    </a:lnR>
+                    <a:lnT w="6350" cap="flat" cmpd="sng" algn="ctr">
+                      <a:solidFill>
+                        <a:srgbClr val="3A81BA"/>
+                      </a:solidFill>
+                      <a:prstDash val="sysDash"/>
+                      <a:round/>
+                      <a:headEnd type="none" w="med" len="med"/>
+                      <a:tailEnd type="none" w="med" len="med"/>
+                    </a:lnT>
+                    <a:lnB w="6350" cap="flat" cmpd="sng" algn="ctr">
+                      <a:solidFill>
+                        <a:srgbClr val="3A81BA"/>
+                      </a:solidFill>
+                      <a:prstDash val="sysDash"/>
+                      <a:round/>
+                      <a:headEnd type="none" w="med" len="med"/>
+                      <a:tailEnd type="none" w="med" len="med"/>
+                    </a:lnB>
+                    <a:lnTlToBr w="12700" cmpd="sng">
+                      <a:noFill/>
+                      <a:prstDash val="solid"/>
+                    </a:lnTlToBr>
+                    <a:lnBlToTr w="12700" cmpd="sng">
+                      <a:noFill/>
+                      <a:prstDash val="solid"/>
+                    </a:lnBlToTr>
+                    <a:noFill/>
+                  </a:tcPr>
+                </a:tc>
+                <a:tc>
+                  <a:txBody>
+                    <a:bodyPr/>
+                    <a:lstStyle/>
+                    <a:p>
+                      <a:pPr marL="18288" marR="0" indent="-18288" algn="l" defTabSz="914400" rtl="0" eaLnBrk="1" fontAlgn="auto" latinLnBrk="0" hangingPunct="1">
+                        <a:lnSpc>
+                          <a:spcPct val="100000"/>
+                        </a:lnSpc>
+                        <a:spcBef>
+                          <a:spcPts val="0"/>
+                        </a:spcBef>
+                        <a:spcAft>
+                          <a:spcPts val="0"/>
+                        </a:spcAft>
+                        <a:buClrTx/>
+                        <a:buSzTx/>
+                        <a:buFontTx/>
+                        <a:buNone/>
+                        <a:tabLst/>
+                        <a:defRPr/>
+                      </a:pPr>
+                      <a:r>
+                        <a:rPr lang="en-US" sz="1100" b="1" dirty="0">
+                          <a:latin typeface="Proxima Nova" charset="0"/>
+                          <a:ea typeface="Proxima Nova" charset="0"/>
+                          <a:cs typeface="Proxima Nova" charset="0"/>
+                        </a:rPr>
+                        <a:t>Work Balance Board</a:t>
+                      </a:r>
+                    </a:p>
+                  </a:txBody>
+                  <a:tcPr anchor="ctr">
+                    <a:lnL w="12700" cmpd="sng">
+                      <a:noFill/>
+                    </a:lnL>
+                    <a:lnR w="12700" cmpd="sng">
+                      <a:noFill/>
+                    </a:lnR>
+                    <a:lnT w="6350" cap="flat" cmpd="sng" algn="ctr">
+                      <a:solidFill>
+                        <a:srgbClr val="3A81BA"/>
+                      </a:solidFill>
+                      <a:prstDash val="sysDash"/>
+                      <a:round/>
+                      <a:headEnd type="none" w="med" len="med"/>
+                      <a:tailEnd type="none" w="med" len="med"/>
+                    </a:lnT>
+                    <a:lnB w="6350" cap="flat" cmpd="sng" algn="ctr">
+                      <a:solidFill>
+                        <a:srgbClr val="3A81BA"/>
+                      </a:solidFill>
+                      <a:prstDash val="sysDash"/>
+                      <a:round/>
+                      <a:headEnd type="none" w="med" len="med"/>
+                      <a:tailEnd type="none" w="med" len="med"/>
+                    </a:lnB>
+                    <a:lnTlToBr w="12700" cmpd="sng">
+                      <a:noFill/>
+                      <a:prstDash val="solid"/>
+                    </a:lnTlToBr>
+                    <a:lnBlToTr w="12700" cmpd="sng">
+                      <a:noFill/>
+                      <a:prstDash val="solid"/>
+                    </a:lnBlToTr>
+                    <a:noFill/>
+                  </a:tcPr>
+                </a:tc>
+                <a:tc>
+                  <a:txBody>
+                    <a:bodyPr/>
+                    <a:lstStyle/>
+                    <a:p>
+                      <a:pPr marL="171450" indent="-171450">
+                        <a:spcAft>
+                          <a:spcPts val="300"/>
+                        </a:spcAft>
+                        <a:buFont typeface="Arial" charset="0"/>
+                        <a:buChar char="•"/>
+                      </a:pPr>
+                      <a:r>
+                        <a:rPr lang="en-US" sz="1100" b="0" i="0" u="none" strike="noStrike" cap="none" baseline="0" dirty="0">
+                          <a:solidFill>
+                            <a:schemeClr val="dk1"/>
+                          </a:solidFill>
+                          <a:latin typeface="Proxima Nova" charset="0"/>
+                          <a:ea typeface="Proxima Nova" charset="0"/>
+                          <a:cs typeface="Proxima Nova" charset="0"/>
+                          <a:sym typeface="Arial"/>
+                          <a:rtl val="0"/>
+                        </a:rPr>
+                        <a:t>Bar chart for each station showing VA, NVA, NVABN.</a:t>
+                      </a:r>
+                    </a:p>
+                    <a:p>
+                      <a:pPr marL="171450" indent="-171450">
+                        <a:spcAft>
+                          <a:spcPts val="300"/>
+                        </a:spcAft>
+                        <a:buFont typeface="Arial" charset="0"/>
+                        <a:buChar char="•"/>
+                      </a:pPr>
+                      <a:r>
+                        <a:rPr lang="en-US" sz="1100" b="0" i="0" u="none" strike="noStrike" cap="none" baseline="0" dirty="0">
+                          <a:solidFill>
+                            <a:schemeClr val="dk1"/>
+                          </a:solidFill>
+                          <a:latin typeface="Proxima Nova" charset="0"/>
+                          <a:ea typeface="Proxima Nova" charset="0"/>
+                          <a:cs typeface="Proxima Nova" charset="0"/>
+                          <a:sym typeface="Arial"/>
+                          <a:rtl val="0"/>
+                        </a:rPr>
+                        <a:t>Bar chart with the element description and time.</a:t>
+                      </a:r>
+                    </a:p>
+                  </a:txBody>
+                  <a:tcPr anchor="ctr">
+                    <a:lnL w="12700" cmpd="sng">
+                      <a:noFill/>
+                    </a:lnL>
+                    <a:lnR w="12700" cmpd="sng">
+                      <a:noFill/>
+                    </a:lnR>
+                    <a:lnT w="6350" cap="flat" cmpd="sng" algn="ctr">
+                      <a:solidFill>
+                        <a:srgbClr val="3A81BA"/>
+                      </a:solidFill>
+                      <a:prstDash val="sysDash"/>
+                      <a:round/>
+                      <a:headEnd type="none" w="med" len="med"/>
+                      <a:tailEnd type="none" w="med" len="med"/>
+                    </a:lnT>
+                    <a:lnB w="6350" cap="flat" cmpd="sng" algn="ctr">
+                      <a:solidFill>
+                        <a:srgbClr val="3A81BA"/>
+                      </a:solidFill>
+                      <a:prstDash val="sysDash"/>
+                      <a:round/>
+                      <a:headEnd type="none" w="med" len="med"/>
+                      <a:tailEnd type="none" w="med" len="med"/>
+                    </a:lnB>
+                    <a:lnTlToBr w="12700" cmpd="sng">
+                      <a:noFill/>
+                      <a:prstDash val="solid"/>
+                    </a:lnTlToBr>
+                    <a:lnBlToTr w="12700" cmpd="sng">
+                      <a:noFill/>
+                      <a:prstDash val="solid"/>
+                    </a:lnBlToTr>
+                    <a:noFill/>
+                  </a:tcPr>
+                </a:tc>
+                <a:extLst>
+                  <a:ext uri="{0D108BD9-81ED-4DB2-BD59-A6C34878D82A}">
+                    <a16:rowId xmlns:a16="http://schemas.microsoft.com/office/drawing/2014/main" val="3674994167"/>
+                  </a:ext>
+                </a:extLst>
+              </a:tr>
+            </a:tbl>
+          </a:graphicData>
+        </a:graphic>
+      </p:graphicFrame>
+      <p:pic>
+        <p:nvPicPr>
+          <p:cNvPr id="7" name="Picture 6"/>
+          <p:cNvPicPr>
+            <a:picLocks noChangeAspect="1"/>
+          </p:cNvPicPr>
+          <p:nvPr/>
+        </p:nvPicPr>
+        <p:blipFill>
+          <a:blip r:embed="rId3" cstate="print">
+            <a:extLst>
+              <a:ext uri="{28A0092B-C50C-407E-A947-70E740481C1C}">
+                <a14:useLocalDpi xmlns:a14="http://schemas.microsoft.com/office/drawing/2010/main" val="0"/>
+              </a:ext>
+            </a:extLst>
+          </a:blip>
+          <a:stretch>
+            <a:fillRect/>
+          </a:stretch>
+        </p:blipFill>
+        <p:spPr>
+          <a:xfrm>
+            <a:off x="7376038" y="-17104"/>
+            <a:ext cx="1596512" cy="414480"/>
+          </a:xfrm>
+          <a:prstGeom prst="rect">
+            <a:avLst/>
+          </a:prstGeom>
+        </p:spPr>
+      </p:pic>
+      <p:sp>
+        <p:nvSpPr>
+          <p:cNvPr id="9" name="TextBox 8"/>
+          <p:cNvSpPr txBox="1"/>
+          <p:nvPr/>
+        </p:nvSpPr>
+        <p:spPr>
+          <a:xfrm>
+            <a:off x="-1" y="1009060"/>
+            <a:ext cx="9143999" cy="338554"/>
+          </a:xfrm>
+          <a:prstGeom prst="rect">
+            <a:avLst/>
+          </a:prstGeom>
+          <a:noFill/>
+        </p:spPr>
+        <p:txBody>
+          <a:bodyPr wrap="square" rtlCol="0">
+            <a:spAutoFit/>
+          </a:bodyPr>
+          <a:lstStyle/>
+          <a:p>
+            <a:pPr algn="ctr"/>
+            <a:r>
+              <a:rPr lang="en-US" sz="1600" dirty="0">
+                <a:latin typeface="Proxima Nova" charset="0"/>
+                <a:ea typeface="Proxima Nova" charset="0"/>
+                <a:cs typeface="Proxima Nova" charset="0"/>
+              </a:rPr>
+              <a:t>Productivity reports </a:t>
+            </a:r>
+          </a:p>
+        </p:txBody>
+      </p:sp>
+    </p:spTree>
+    <p:extLst>
+      <p:ext uri="{BB962C8B-B14F-4D97-AF65-F5344CB8AC3E}">
+        <p14:creationId xmlns:p14="http://schemas.microsoft.com/office/powerpoint/2010/main" val="2902144735"/>
+      </p:ext>
+    </p:extLst>
+  </p:cSld>
+  <p:clrMapOvr>
+    <a:masterClrMapping/>
+  </p:clrMapOvr>
+  <p:transition spd="slow">
+    <p:cut/>
+  </p:transition>
+</p:sld>
+</file>
+
+<file path=ppt/slides/slide13.xml><?xml version="1.0" encoding="utf-8"?>
+<p:sld xmlns:a="http://schemas.openxmlformats.org/drawingml/2006/main" xmlns:r="http://schemas.openxmlformats.org/officeDocument/2006/relationships" xmlns:p="http://schemas.openxmlformats.org/presentationml/2006/main">
+  <p:cSld>
+    <p:spTree>
+      <p:nvGrpSpPr>
+        <p:cNvPr id="1" name="Shape 312"/>
+        <p:cNvGrpSpPr/>
+        <p:nvPr/>
+      </p:nvGrpSpPr>
+      <p:grpSpPr>
+        <a:xfrm>
+          <a:off x="0" y="0"/>
+          <a:ext cx="0" cy="0"/>
+          <a:chOff x="0" y="0"/>
+          <a:chExt cx="0" cy="0"/>
+        </a:xfrm>
+      </p:grpSpPr>
+      <p:sp>
+        <p:nvSpPr>
+          <p:cNvPr id="18" name="Shape 115"/>
+          <p:cNvSpPr txBox="1">
+            <a:spLocks noGrp="1"/>
+          </p:cNvSpPr>
+          <p:nvPr>
+            <p:ph type="ctrTitle"/>
+          </p:nvPr>
+        </p:nvSpPr>
+        <p:spPr>
+          <a:xfrm>
+            <a:off x="0" y="380067"/>
+            <a:ext cx="9143999" cy="535499"/>
+          </a:xfrm>
+          <a:prstGeom prst="rect">
+            <a:avLst/>
+          </a:prstGeom>
+        </p:spPr>
+        <p:txBody>
+          <a:bodyPr lIns="91425" tIns="91425" rIns="91425" bIns="91425" anchor="ctr" anchorCtr="0">
+            <a:noAutofit/>
+          </a:bodyPr>
+          <a:lstStyle/>
+          <a:p>
+            <a:pPr lvl="0"/>
+            <a:r>
+              <a:rPr lang="en-US" sz="3000" dirty="0">
+                <a:solidFill>
+                  <a:srgbClr val="000000"/>
+                </a:solidFill>
+                <a:latin typeface="Montserrat"/>
+                <a:ea typeface="Montserrat"/>
+                <a:cs typeface="Montserrat"/>
+                <a:sym typeface="Montserrat"/>
+              </a:rPr>
+              <a:t>FEATURE LIST – Payments</a:t>
+            </a:r>
+          </a:p>
+        </p:txBody>
+      </p:sp>
+      <p:cxnSp>
+        <p:nvCxnSpPr>
+          <p:cNvPr id="11" name="Shape 77"/>
+          <p:cNvCxnSpPr/>
+          <p:nvPr/>
+        </p:nvCxnSpPr>
+        <p:spPr>
+          <a:xfrm>
+            <a:off x="171450" y="383240"/>
+            <a:ext cx="8801100" cy="0"/>
+          </a:xfrm>
+          <a:prstGeom prst="straightConnector1">
+            <a:avLst/>
+          </a:prstGeom>
+          <a:noFill/>
+          <a:ln w="9525" cap="flat">
+            <a:solidFill>
+              <a:srgbClr val="D9D9D9"/>
+            </a:solidFill>
+            <a:prstDash val="solid"/>
+            <a:round/>
+            <a:headEnd type="none" w="lg" len="lg"/>
+            <a:tailEnd type="none" w="lg" len="lg"/>
+          </a:ln>
+        </p:spPr>
+      </p:cxnSp>
+      <p:graphicFrame>
+        <p:nvGraphicFramePr>
+          <p:cNvPr id="6" name="Table 5"/>
+          <p:cNvGraphicFramePr>
+            <a:graphicFrameLocks noGrp="1"/>
+          </p:cNvGraphicFramePr>
+          <p:nvPr>
+            <p:extLst>
+              <p:ext uri="{D42A27DB-BD31-4B8C-83A1-F6EECF244321}">
+                <p14:modId xmlns:p14="http://schemas.microsoft.com/office/powerpoint/2010/main" val="2428122490"/>
+              </p:ext>
+            </p:extLst>
+          </p:nvPr>
+        </p:nvGraphicFramePr>
+        <p:xfrm>
+          <a:off x="171450" y="1505550"/>
+          <a:ext cx="8712967" cy="1664752"/>
+        </p:xfrm>
+        <a:graphic>
+          <a:graphicData uri="http://schemas.openxmlformats.org/drawingml/2006/table">
+            <a:tbl>
+              <a:tblPr>
+                <a:tableStyleId>{5C22544A-7EE6-4342-B048-85BDC9FD1C3A}</a:tableStyleId>
+              </a:tblPr>
+              <a:tblGrid>
+                <a:gridCol w="544165">
+                  <a:extLst>
+                    <a:ext uri="{9D8B030D-6E8A-4147-A177-3AD203B41FA5}">
+                      <a16:colId xmlns:a16="http://schemas.microsoft.com/office/drawing/2014/main" val="20000"/>
+                    </a:ext>
+                  </a:extLst>
+                </a:gridCol>
+                <a:gridCol w="1872208">
+                  <a:extLst>
+                    <a:ext uri="{9D8B030D-6E8A-4147-A177-3AD203B41FA5}">
+                      <a16:colId xmlns:a16="http://schemas.microsoft.com/office/drawing/2014/main" val="20001"/>
+                    </a:ext>
+                  </a:extLst>
+                </a:gridCol>
+                <a:gridCol w="6296594">
+                  <a:extLst>
+                    <a:ext uri="{9D8B030D-6E8A-4147-A177-3AD203B41FA5}">
+                      <a16:colId xmlns:a16="http://schemas.microsoft.com/office/drawing/2014/main" val="20002"/>
+                    </a:ext>
+                  </a:extLst>
+                </a:gridCol>
+              </a:tblGrid>
+              <a:tr h="494803">
+                <a:tc>
+                  <a:txBody>
+                    <a:bodyPr/>
+                    <a:lstStyle/>
+                    <a:p>
+                      <a:r>
+                        <a:rPr lang="en-US" sz="1100" b="1" dirty="0">
+                          <a:latin typeface="Proxima Nova" charset="0"/>
+                          <a:ea typeface="Proxima Nova" charset="0"/>
+                          <a:cs typeface="Proxima Nova" charset="0"/>
+                        </a:rPr>
+                        <a:t>R9</a:t>
+                      </a:r>
+                    </a:p>
+                  </a:txBody>
+                  <a:tcPr anchor="ctr">
+                    <a:lnL w="12700" cmpd="sng">
+                      <a:noFill/>
+                    </a:lnL>
+                    <a:lnR w="12700" cmpd="sng">
+                      <a:noFill/>
+                    </a:lnR>
+                    <a:lnT w="12700" cmpd="sng">
+                      <a:noFill/>
+                    </a:lnT>
+                    <a:lnB w="6350" cap="flat" cmpd="sng" algn="ctr">
+                      <a:solidFill>
+                        <a:srgbClr val="3A81BA"/>
+                      </a:solidFill>
+                      <a:prstDash val="sysDash"/>
+                      <a:round/>
+                      <a:headEnd type="none" w="med" len="med"/>
+                      <a:tailEnd type="none" w="med" len="med"/>
+                    </a:lnB>
+                    <a:lnTlToBr w="12700" cmpd="sng">
+                      <a:noFill/>
+                      <a:prstDash val="solid"/>
+                    </a:lnTlToBr>
+                    <a:lnBlToTr w="12700" cmpd="sng">
+                      <a:noFill/>
+                      <a:prstDash val="solid"/>
+                    </a:lnBlToTr>
+                    <a:noFill/>
+                  </a:tcPr>
+                </a:tc>
+                <a:tc>
+                  <a:txBody>
+                    <a:bodyPr/>
+                    <a:lstStyle/>
+                    <a:p>
+                      <a:pPr marL="18288" indent="-18288" algn="l"/>
+                      <a:r>
+                        <a:rPr lang="en-US" sz="1100" b="1" dirty="0">
+                          <a:latin typeface="Proxima Nova" charset="0"/>
+                          <a:ea typeface="Proxima Nova" charset="0"/>
+                          <a:cs typeface="Proxima Nova" charset="0"/>
+                        </a:rPr>
+                        <a:t>Subscription billing</a:t>
+                      </a:r>
+                    </a:p>
+                  </a:txBody>
+                  <a:tcPr anchor="ctr">
+                    <a:lnL w="12700" cmpd="sng">
+                      <a:noFill/>
+                    </a:lnL>
+                    <a:lnR w="12700" cmpd="sng">
+                      <a:noFill/>
+                    </a:lnR>
+                    <a:lnT w="12700" cmpd="sng">
+                      <a:noFill/>
+                    </a:lnT>
+                    <a:lnB w="6350" cap="flat" cmpd="sng" algn="ctr">
+                      <a:solidFill>
+                        <a:srgbClr val="3A81BA"/>
+                      </a:solidFill>
+                      <a:prstDash val="sysDash"/>
+                      <a:round/>
+                      <a:headEnd type="none" w="med" len="med"/>
+                      <a:tailEnd type="none" w="med" len="med"/>
+                    </a:lnB>
+                    <a:lnTlToBr w="12700" cmpd="sng">
+                      <a:noFill/>
+                      <a:prstDash val="solid"/>
+                    </a:lnTlToBr>
+                    <a:lnBlToTr w="12700" cmpd="sng">
+                      <a:noFill/>
+                      <a:prstDash val="solid"/>
+                    </a:lnBlToTr>
+                    <a:noFill/>
+                  </a:tcPr>
+                </a:tc>
+                <a:tc>
+                  <a:txBody>
+                    <a:bodyPr/>
+                    <a:lstStyle/>
+                    <a:p>
+                      <a:pPr marL="171450" indent="-171450">
+                        <a:spcAft>
+                          <a:spcPts val="300"/>
+                        </a:spcAft>
+                        <a:buFont typeface="Arial" charset="0"/>
+                        <a:buChar char="•"/>
+                      </a:pPr>
+                      <a:r>
+                        <a:rPr lang="en-US" sz="1100" b="0" i="0" u="none" strike="noStrike" cap="none" baseline="0" dirty="0">
+                          <a:solidFill>
+                            <a:schemeClr val="dk1"/>
+                          </a:solidFill>
+                          <a:latin typeface="Proxima Nova" charset="0"/>
+                          <a:ea typeface="Proxima Nova" charset="0"/>
+                          <a:cs typeface="Proxima Nova" charset="0"/>
+                          <a:sym typeface="Arial"/>
+                          <a:rtl val="0"/>
+                        </a:rPr>
+                        <a:t>Plans management.</a:t>
+                      </a:r>
+                    </a:p>
+                    <a:p>
+                      <a:pPr marL="171450" indent="-171450">
+                        <a:spcAft>
+                          <a:spcPts val="300"/>
+                        </a:spcAft>
+                        <a:buFont typeface="Arial" charset="0"/>
+                        <a:buChar char="•"/>
+                      </a:pPr>
+                      <a:r>
+                        <a:rPr lang="en-US" sz="1100" b="0" i="0" u="none" strike="noStrike" cap="none" baseline="0" dirty="0">
+                          <a:solidFill>
+                            <a:schemeClr val="dk1"/>
+                          </a:solidFill>
+                          <a:latin typeface="Proxima Nova" charset="0"/>
+                          <a:ea typeface="Proxima Nova" charset="0"/>
+                          <a:cs typeface="Proxima Nova" charset="0"/>
+                          <a:sym typeface="Arial"/>
+                          <a:rtl val="0"/>
+                        </a:rPr>
+                        <a:t>Collect billing information.</a:t>
+                      </a:r>
+                    </a:p>
+                  </a:txBody>
+                  <a:tcPr anchor="ctr">
+                    <a:lnL w="12700" cmpd="sng">
+                      <a:noFill/>
+                    </a:lnL>
+                    <a:lnR w="12700" cmpd="sng">
+                      <a:noFill/>
+                    </a:lnR>
+                    <a:lnT w="12700" cmpd="sng">
+                      <a:noFill/>
+                    </a:lnT>
+                    <a:lnB w="6350" cap="flat" cmpd="sng" algn="ctr">
+                      <a:solidFill>
+                        <a:srgbClr val="3A81BA"/>
+                      </a:solidFill>
+                      <a:prstDash val="sysDash"/>
+                      <a:round/>
+                      <a:headEnd type="none" w="med" len="med"/>
+                      <a:tailEnd type="none" w="med" len="med"/>
+                    </a:lnB>
+                    <a:lnTlToBr w="12700" cmpd="sng">
+                      <a:noFill/>
+                      <a:prstDash val="solid"/>
+                    </a:lnTlToBr>
+                    <a:lnBlToTr w="12700" cmpd="sng">
+                      <a:noFill/>
+                      <a:prstDash val="solid"/>
+                    </a:lnBlToTr>
+                    <a:noFill/>
+                  </a:tcPr>
+                </a:tc>
+                <a:extLst>
+                  <a:ext uri="{0D108BD9-81ED-4DB2-BD59-A6C34878D82A}">
+                    <a16:rowId xmlns:a16="http://schemas.microsoft.com/office/drawing/2014/main" val="10000"/>
+                  </a:ext>
+                </a:extLst>
+              </a:tr>
+              <a:tr h="499389">
+                <a:tc>
+                  <a:txBody>
+                    <a:bodyPr/>
+                    <a:lstStyle/>
+                    <a:p>
+                      <a:r>
+                        <a:rPr lang="en-US" sz="1100" b="1" i="0" u="none" strike="noStrike" cap="none" baseline="0" dirty="0">
+                          <a:solidFill>
+                            <a:schemeClr val="dk1"/>
+                          </a:solidFill>
+                          <a:latin typeface="Proxima Nova" charset="0"/>
+                          <a:ea typeface="Proxima Nova" charset="0"/>
+                          <a:cs typeface="Proxima Nova" charset="0"/>
+                          <a:sym typeface="Arial"/>
+                          <a:rtl val="0"/>
+                        </a:rPr>
+                        <a:t>R10</a:t>
+                      </a:r>
+                    </a:p>
+                  </a:txBody>
+                  <a:tcPr anchor="ctr">
+                    <a:lnL w="12700" cmpd="sng">
+                      <a:noFill/>
+                    </a:lnL>
+                    <a:lnR w="12700" cmpd="sng">
+                      <a:noFill/>
+                    </a:lnR>
+                    <a:lnT w="6350" cap="flat" cmpd="sng" algn="ctr">
+                      <a:solidFill>
+                        <a:srgbClr val="3A81BA"/>
+                      </a:solidFill>
+                      <a:prstDash val="sysDash"/>
+                      <a:round/>
+                      <a:headEnd type="none" w="med" len="med"/>
+                      <a:tailEnd type="none" w="med" len="med"/>
+                    </a:lnT>
+                    <a:lnB w="6350" cap="flat" cmpd="sng" algn="ctr">
+                      <a:solidFill>
+                        <a:srgbClr val="3A81BA"/>
+                      </a:solidFill>
+                      <a:prstDash val="sysDash"/>
+                      <a:round/>
+                      <a:headEnd type="none" w="med" len="med"/>
+                      <a:tailEnd type="none" w="med" len="med"/>
+                    </a:lnB>
+                    <a:lnTlToBr w="12700" cmpd="sng">
+                      <a:noFill/>
+                      <a:prstDash val="solid"/>
+                    </a:lnTlToBr>
+                    <a:lnBlToTr w="12700" cmpd="sng">
+                      <a:noFill/>
+                      <a:prstDash val="solid"/>
+                    </a:lnBlToTr>
+                    <a:noFill/>
+                  </a:tcPr>
+                </a:tc>
+                <a:tc>
+                  <a:txBody>
+                    <a:bodyPr/>
+                    <a:lstStyle/>
+                    <a:p>
+                      <a:pPr marL="18288" marR="0" indent="-18288" algn="l" defTabSz="914400" rtl="0" eaLnBrk="1" fontAlgn="auto" latinLnBrk="0" hangingPunct="1">
+                        <a:lnSpc>
+                          <a:spcPct val="100000"/>
+                        </a:lnSpc>
+                        <a:spcBef>
+                          <a:spcPts val="0"/>
+                        </a:spcBef>
+                        <a:spcAft>
+                          <a:spcPts val="0"/>
+                        </a:spcAft>
+                        <a:buClrTx/>
+                        <a:buSzTx/>
+                        <a:buFontTx/>
+                        <a:buNone/>
+                        <a:tabLst/>
+                        <a:defRPr/>
+                      </a:pPr>
+                      <a:r>
+                        <a:rPr lang="en-US" sz="1100" b="1" dirty="0">
+                          <a:latin typeface="Proxima Nova" charset="0"/>
+                          <a:ea typeface="Proxima Nova" charset="0"/>
+                          <a:cs typeface="Proxima Nova" charset="0"/>
+                        </a:rPr>
+                        <a:t>Process payment</a:t>
+                      </a:r>
+                    </a:p>
+                  </a:txBody>
+                  <a:tcPr anchor="ctr">
+                    <a:lnL w="12700" cmpd="sng">
+                      <a:noFill/>
+                    </a:lnL>
+                    <a:lnR w="12700" cmpd="sng">
+                      <a:noFill/>
+                    </a:lnR>
+                    <a:lnT w="6350" cap="flat" cmpd="sng" algn="ctr">
+                      <a:solidFill>
+                        <a:srgbClr val="3A81BA"/>
+                      </a:solidFill>
+                      <a:prstDash val="sysDash"/>
+                      <a:round/>
+                      <a:headEnd type="none" w="med" len="med"/>
+                      <a:tailEnd type="none" w="med" len="med"/>
+                    </a:lnT>
+                    <a:lnB w="6350" cap="flat" cmpd="sng" algn="ctr">
+                      <a:solidFill>
+                        <a:srgbClr val="3A81BA"/>
+                      </a:solidFill>
+                      <a:prstDash val="sysDash"/>
+                      <a:round/>
+                      <a:headEnd type="none" w="med" len="med"/>
+                      <a:tailEnd type="none" w="med" len="med"/>
+                    </a:lnB>
+                    <a:lnTlToBr w="12700" cmpd="sng">
+                      <a:noFill/>
+                      <a:prstDash val="solid"/>
+                    </a:lnTlToBr>
+                    <a:lnBlToTr w="12700" cmpd="sng">
+                      <a:noFill/>
+                      <a:prstDash val="solid"/>
+                    </a:lnBlToTr>
+                    <a:noFill/>
+                  </a:tcPr>
+                </a:tc>
+                <a:tc>
+                  <a:txBody>
+                    <a:bodyPr/>
+                    <a:lstStyle/>
+                    <a:p>
+                      <a:pPr marL="171450" indent="-171450">
+                        <a:spcAft>
+                          <a:spcPts val="300"/>
+                        </a:spcAft>
+                        <a:buFont typeface="Arial" charset="0"/>
+                        <a:buChar char="•"/>
+                      </a:pPr>
+                      <a:r>
+                        <a:rPr lang="en-US" sz="1100" b="0" i="0" u="none" strike="noStrike" cap="none" baseline="0" dirty="0">
+                          <a:solidFill>
+                            <a:schemeClr val="dk1"/>
+                          </a:solidFill>
+                          <a:latin typeface="Proxima Nova" charset="0"/>
+                          <a:ea typeface="Proxima Nova" charset="0"/>
+                          <a:cs typeface="Proxima Nova" charset="0"/>
+                          <a:sym typeface="Arial"/>
+                          <a:rtl val="0"/>
+                        </a:rPr>
+                        <a:t>Invoice payment succeeded or failed.</a:t>
+                      </a:r>
+                    </a:p>
+                  </a:txBody>
+                  <a:tcPr anchor="ctr">
+                    <a:lnL w="12700" cmpd="sng">
+                      <a:noFill/>
+                    </a:lnL>
+                    <a:lnR w="12700" cmpd="sng">
+                      <a:noFill/>
+                    </a:lnR>
+                    <a:lnT w="6350" cap="flat" cmpd="sng" algn="ctr">
+                      <a:solidFill>
+                        <a:srgbClr val="3A81BA"/>
+                      </a:solidFill>
+                      <a:prstDash val="sysDash"/>
+                      <a:round/>
+                      <a:headEnd type="none" w="med" len="med"/>
+                      <a:tailEnd type="none" w="med" len="med"/>
+                    </a:lnT>
+                    <a:lnB w="6350" cap="flat" cmpd="sng" algn="ctr">
+                      <a:solidFill>
+                        <a:srgbClr val="3A81BA"/>
+                      </a:solidFill>
+                      <a:prstDash val="sysDash"/>
+                      <a:round/>
+                      <a:headEnd type="none" w="med" len="med"/>
+                      <a:tailEnd type="none" w="med" len="med"/>
+                    </a:lnB>
+                    <a:lnTlToBr w="12700" cmpd="sng">
+                      <a:noFill/>
+                      <a:prstDash val="solid"/>
+                    </a:lnTlToBr>
+                    <a:lnBlToTr w="12700" cmpd="sng">
+                      <a:noFill/>
+                      <a:prstDash val="solid"/>
+                    </a:lnBlToTr>
+                    <a:noFill/>
+                  </a:tcPr>
+                </a:tc>
+                <a:extLst>
+                  <a:ext uri="{0D108BD9-81ED-4DB2-BD59-A6C34878D82A}">
+                    <a16:rowId xmlns:a16="http://schemas.microsoft.com/office/drawing/2014/main" val="10001"/>
+                  </a:ext>
+                </a:extLst>
+              </a:tr>
+              <a:tr h="504056">
+                <a:tc>
+                  <a:txBody>
+                    <a:bodyPr/>
+                    <a:lstStyle/>
+                    <a:p>
+                      <a:r>
+                        <a:rPr lang="en-US" sz="1100" b="1" dirty="0">
+                          <a:latin typeface="Proxima Nova" charset="0"/>
+                          <a:ea typeface="Proxima Nova" charset="0"/>
+                          <a:cs typeface="Proxima Nova" charset="0"/>
+                        </a:rPr>
+                        <a:t>R11</a:t>
+                      </a:r>
+                    </a:p>
+                  </a:txBody>
+                  <a:tcPr anchor="ctr">
+                    <a:lnL w="12700" cmpd="sng">
+                      <a:noFill/>
+                    </a:lnL>
+                    <a:lnR w="12700" cmpd="sng">
+                      <a:noFill/>
+                    </a:lnR>
+                    <a:lnT w="6350" cap="flat" cmpd="sng" algn="ctr">
+                      <a:solidFill>
+                        <a:srgbClr val="3A81BA"/>
+                      </a:solidFill>
+                      <a:prstDash val="sysDash"/>
+                      <a:round/>
+                      <a:headEnd type="none" w="med" len="med"/>
+                      <a:tailEnd type="none" w="med" len="med"/>
+                    </a:lnT>
+                    <a:lnB w="6350" cap="flat" cmpd="sng" algn="ctr">
+                      <a:solidFill>
+                        <a:srgbClr val="3A81BA"/>
+                      </a:solidFill>
+                      <a:prstDash val="sysDash"/>
+                      <a:round/>
+                      <a:headEnd type="none" w="med" len="med"/>
+                      <a:tailEnd type="none" w="med" len="med"/>
+                    </a:lnB>
+                    <a:lnTlToBr w="12700" cmpd="sng">
+                      <a:noFill/>
+                      <a:prstDash val="solid"/>
+                    </a:lnTlToBr>
+                    <a:lnBlToTr w="12700" cmpd="sng">
+                      <a:noFill/>
+                      <a:prstDash val="solid"/>
+                    </a:lnBlToTr>
+                    <a:noFill/>
+                  </a:tcPr>
+                </a:tc>
+                <a:tc>
+                  <a:txBody>
+                    <a:bodyPr/>
+                    <a:lstStyle/>
+                    <a:p>
+                      <a:pPr marL="18288" marR="0" indent="-18288" algn="l" defTabSz="914400" rtl="0" eaLnBrk="1" fontAlgn="auto" latinLnBrk="0" hangingPunct="1">
+                        <a:lnSpc>
+                          <a:spcPct val="100000"/>
+                        </a:lnSpc>
+                        <a:spcBef>
+                          <a:spcPts val="0"/>
+                        </a:spcBef>
+                        <a:spcAft>
+                          <a:spcPts val="0"/>
+                        </a:spcAft>
+                        <a:buClrTx/>
+                        <a:buSzTx/>
+                        <a:buFontTx/>
+                        <a:buNone/>
+                        <a:tabLst/>
+                        <a:defRPr/>
+                      </a:pPr>
+                      <a:r>
+                        <a:rPr lang="en-US" sz="1100" b="1" dirty="0">
+                          <a:latin typeface="Proxima Nova" charset="0"/>
+                          <a:ea typeface="Proxima Nova" charset="0"/>
+                          <a:cs typeface="Proxima Nova" charset="0"/>
+                        </a:rPr>
+                        <a:t>Subscription events</a:t>
+                      </a:r>
+                    </a:p>
+                  </a:txBody>
+                  <a:tcPr anchor="ctr">
+                    <a:lnL w="12700" cmpd="sng">
+                      <a:noFill/>
+                    </a:lnL>
+                    <a:lnR w="12700" cmpd="sng">
+                      <a:noFill/>
+                    </a:lnR>
+                    <a:lnT w="6350" cap="flat" cmpd="sng" algn="ctr">
+                      <a:solidFill>
+                        <a:srgbClr val="3A81BA"/>
+                      </a:solidFill>
+                      <a:prstDash val="sysDash"/>
+                      <a:round/>
+                      <a:headEnd type="none" w="med" len="med"/>
+                      <a:tailEnd type="none" w="med" len="med"/>
+                    </a:lnT>
+                    <a:lnB w="6350" cap="flat" cmpd="sng" algn="ctr">
+                      <a:solidFill>
+                        <a:srgbClr val="3A81BA"/>
+                      </a:solidFill>
+                      <a:prstDash val="sysDash"/>
+                      <a:round/>
+                      <a:headEnd type="none" w="med" len="med"/>
+                      <a:tailEnd type="none" w="med" len="med"/>
+                    </a:lnB>
+                    <a:lnTlToBr w="12700" cmpd="sng">
+                      <a:noFill/>
+                      <a:prstDash val="solid"/>
+                    </a:lnTlToBr>
+                    <a:lnBlToTr w="12700" cmpd="sng">
+                      <a:noFill/>
+                      <a:prstDash val="solid"/>
+                    </a:lnBlToTr>
+                    <a:noFill/>
+                  </a:tcPr>
+                </a:tc>
+                <a:tc>
+                  <a:txBody>
+                    <a:bodyPr/>
+                    <a:lstStyle/>
+                    <a:p>
+                      <a:pPr marL="171450" indent="-171450">
+                        <a:spcAft>
+                          <a:spcPts val="300"/>
+                        </a:spcAft>
+                        <a:buFont typeface="Arial" charset="0"/>
+                        <a:buChar char="•"/>
+                      </a:pPr>
+                      <a:r>
+                        <a:rPr lang="en-US" sz="1100" b="0" i="0" u="none" strike="noStrike" cap="none" baseline="0" dirty="0">
+                          <a:solidFill>
+                            <a:schemeClr val="dk1"/>
+                          </a:solidFill>
+                          <a:latin typeface="Proxima Nova" charset="0"/>
+                          <a:ea typeface="Proxima Nova" charset="0"/>
+                          <a:cs typeface="Proxima Nova" charset="0"/>
+                          <a:sym typeface="Arial"/>
+                          <a:rtl val="0"/>
+                        </a:rPr>
+                        <a:t>Subscription trial.</a:t>
+                      </a:r>
+                    </a:p>
+                    <a:p>
+                      <a:pPr marL="171450" indent="-171450">
+                        <a:spcAft>
+                          <a:spcPts val="300"/>
+                        </a:spcAft>
+                        <a:buFont typeface="Arial" charset="0"/>
+                        <a:buChar char="•"/>
+                      </a:pPr>
+                      <a:r>
+                        <a:rPr lang="en-US" sz="1100" b="0" i="0" u="none" strike="noStrike" cap="none" baseline="0" dirty="0">
+                          <a:solidFill>
+                            <a:schemeClr val="dk1"/>
+                          </a:solidFill>
+                          <a:latin typeface="Proxima Nova" charset="0"/>
+                          <a:ea typeface="Proxima Nova" charset="0"/>
+                          <a:cs typeface="Proxima Nova" charset="0"/>
+                          <a:sym typeface="Arial"/>
+                          <a:rtl val="0"/>
+                        </a:rPr>
+                        <a:t>Change plan.</a:t>
+                      </a:r>
+                    </a:p>
+                    <a:p>
+                      <a:pPr marL="171450" indent="-171450">
+                        <a:spcAft>
+                          <a:spcPts val="300"/>
+                        </a:spcAft>
+                        <a:buFont typeface="Arial" charset="0"/>
+                        <a:buChar char="•"/>
+                      </a:pPr>
+                      <a:r>
+                        <a:rPr lang="en-US" sz="1100" b="0" i="0" u="none" strike="noStrike" cap="none" baseline="0" dirty="0">
+                          <a:solidFill>
+                            <a:schemeClr val="dk1"/>
+                          </a:solidFill>
+                          <a:latin typeface="Proxima Nova" charset="0"/>
+                          <a:ea typeface="Proxima Nova" charset="0"/>
+                          <a:cs typeface="Proxima Nova" charset="0"/>
+                          <a:sym typeface="Arial"/>
+                          <a:rtl val="0"/>
+                        </a:rPr>
+                        <a:t>Cancel plan.</a:t>
+                      </a:r>
+                    </a:p>
+                  </a:txBody>
+                  <a:tcPr anchor="ctr">
+                    <a:lnL w="12700" cmpd="sng">
+                      <a:noFill/>
+                    </a:lnL>
+                    <a:lnR w="12700" cmpd="sng">
+                      <a:noFill/>
+                    </a:lnR>
+                    <a:lnT w="6350" cap="flat" cmpd="sng" algn="ctr">
+                      <a:solidFill>
+                        <a:srgbClr val="3A81BA"/>
+                      </a:solidFill>
+                      <a:prstDash val="sysDash"/>
+                      <a:round/>
+                      <a:headEnd type="none" w="med" len="med"/>
+                      <a:tailEnd type="none" w="med" len="med"/>
+                    </a:lnT>
+                    <a:lnB w="6350" cap="flat" cmpd="sng" algn="ctr">
+                      <a:solidFill>
+                        <a:srgbClr val="3A81BA"/>
+                      </a:solidFill>
+                      <a:prstDash val="sysDash"/>
+                      <a:round/>
+                      <a:headEnd type="none" w="med" len="med"/>
+                      <a:tailEnd type="none" w="med" len="med"/>
+                    </a:lnB>
+                    <a:lnTlToBr w="12700" cmpd="sng">
+                      <a:noFill/>
+                      <a:prstDash val="solid"/>
+                    </a:lnTlToBr>
+                    <a:lnBlToTr w="12700" cmpd="sng">
+                      <a:noFill/>
+                      <a:prstDash val="solid"/>
+                    </a:lnBlToTr>
+                    <a:noFill/>
+                  </a:tcPr>
+                </a:tc>
+                <a:extLst>
+                  <a:ext uri="{0D108BD9-81ED-4DB2-BD59-A6C34878D82A}">
+                    <a16:rowId xmlns:a16="http://schemas.microsoft.com/office/drawing/2014/main" val="3674994167"/>
+                  </a:ext>
+                </a:extLst>
+              </a:tr>
+            </a:tbl>
+          </a:graphicData>
+        </a:graphic>
+      </p:graphicFrame>
+      <p:pic>
+        <p:nvPicPr>
+          <p:cNvPr id="7" name="Picture 6"/>
+          <p:cNvPicPr>
+            <a:picLocks noChangeAspect="1"/>
+          </p:cNvPicPr>
+          <p:nvPr/>
+        </p:nvPicPr>
+        <p:blipFill>
+          <a:blip r:embed="rId3" cstate="print">
+            <a:extLst>
+              <a:ext uri="{28A0092B-C50C-407E-A947-70E740481C1C}">
+                <a14:useLocalDpi xmlns:a14="http://schemas.microsoft.com/office/drawing/2010/main" val="0"/>
+              </a:ext>
+            </a:extLst>
+          </a:blip>
+          <a:stretch>
+            <a:fillRect/>
+          </a:stretch>
+        </p:blipFill>
+        <p:spPr>
+          <a:xfrm>
+            <a:off x="7376038" y="-17104"/>
+            <a:ext cx="1596512" cy="414480"/>
+          </a:xfrm>
+          <a:prstGeom prst="rect">
+            <a:avLst/>
+          </a:prstGeom>
+        </p:spPr>
+      </p:pic>
+      <p:sp>
+        <p:nvSpPr>
+          <p:cNvPr id="9" name="TextBox 8"/>
+          <p:cNvSpPr txBox="1"/>
+          <p:nvPr/>
+        </p:nvSpPr>
+        <p:spPr>
+          <a:xfrm>
+            <a:off x="-1" y="1009060"/>
+            <a:ext cx="9143999" cy="338554"/>
+          </a:xfrm>
+          <a:prstGeom prst="rect">
+            <a:avLst/>
+          </a:prstGeom>
+          <a:noFill/>
+        </p:spPr>
+        <p:txBody>
+          <a:bodyPr wrap="square" rtlCol="0">
+            <a:spAutoFit/>
+          </a:bodyPr>
+          <a:lstStyle/>
+          <a:p>
+            <a:pPr algn="ctr"/>
+            <a:r>
+              <a:rPr lang="en-US" sz="1600" dirty="0">
+                <a:latin typeface="Proxima Nova" charset="0"/>
+                <a:ea typeface="Proxima Nova" charset="0"/>
+                <a:cs typeface="Proxima Nova" charset="0"/>
+              </a:rPr>
+              <a:t>Subscription Billing </a:t>
+            </a:r>
+          </a:p>
+        </p:txBody>
+      </p:sp>
+    </p:spTree>
+    <p:extLst>
+      <p:ext uri="{BB962C8B-B14F-4D97-AF65-F5344CB8AC3E}">
+        <p14:creationId xmlns:p14="http://schemas.microsoft.com/office/powerpoint/2010/main" val="1382403587"/>
+      </p:ext>
+    </p:extLst>
+  </p:cSld>
+  <p:clrMapOvr>
+    <a:masterClrMapping/>
+  </p:clrMapOvr>
+  <p:transition spd="slow">
+    <p:cut/>
+  </p:transition>
+</p:sld>
+</file>
+
+<file path=ppt/slides/slide14.xml><?xml version="1.0" encoding="utf-8"?>
+<p:sld xmlns:a="http://schemas.openxmlformats.org/drawingml/2006/main" xmlns:r="http://schemas.openxmlformats.org/officeDocument/2006/relationships" xmlns:p="http://schemas.openxmlformats.org/presentationml/2006/main">
+  <p:cSld>
+    <p:spTree>
+      <p:nvGrpSpPr>
+        <p:cNvPr id="1" name="Shape 312"/>
+        <p:cNvGrpSpPr/>
+        <p:nvPr/>
+      </p:nvGrpSpPr>
+      <p:grpSpPr>
+        <a:xfrm>
+          <a:off x="0" y="0"/>
+          <a:ext cx="0" cy="0"/>
+          <a:chOff x="0" y="0"/>
+          <a:chExt cx="0" cy="0"/>
+        </a:xfrm>
+      </p:grpSpPr>
+      <p:sp>
+        <p:nvSpPr>
+          <p:cNvPr id="18" name="Shape 115"/>
+          <p:cNvSpPr txBox="1">
+            <a:spLocks noGrp="1"/>
+          </p:cNvSpPr>
+          <p:nvPr>
+            <p:ph type="ctrTitle"/>
+          </p:nvPr>
+        </p:nvSpPr>
+        <p:spPr>
+          <a:xfrm>
+            <a:off x="0" y="380067"/>
+            <a:ext cx="9143999" cy="535499"/>
+          </a:xfrm>
+          <a:prstGeom prst="rect">
+            <a:avLst/>
+          </a:prstGeom>
+        </p:spPr>
+        <p:txBody>
+          <a:bodyPr lIns="91425" tIns="91425" rIns="91425" bIns="91425" anchor="ctr" anchorCtr="0">
+            <a:noAutofit/>
+          </a:bodyPr>
+          <a:lstStyle/>
+          <a:p>
+            <a:pPr lvl="0"/>
+            <a:r>
+              <a:rPr lang="en-US" sz="3000" dirty="0">
+                <a:solidFill>
+                  <a:srgbClr val="000000"/>
+                </a:solidFill>
+                <a:latin typeface="Montserrat"/>
+                <a:ea typeface="Montserrat"/>
+                <a:cs typeface="Montserrat"/>
+                <a:sym typeface="Montserrat"/>
+              </a:rPr>
               <a:t>FEATURE LIST – Payments</a:t>
             </a:r>
           </a:p>
@@ -8583,7 +12087,7 @@
 </p:sld>
 </file>
 
-<file path=ppt/slides/slide11.xml><?xml version="1.0" encoding="utf-8"?>
+<file path=ppt/slides/slide15.xml><?xml version="1.0" encoding="utf-8"?>
 <p:sld xmlns:a="http://schemas.openxmlformats.org/drawingml/2006/main" xmlns:r="http://schemas.openxmlformats.org/officeDocument/2006/relationships" xmlns:p="http://schemas.openxmlformats.org/presentationml/2006/main">
   <p:cSld>
     <p:spTree>
@@ -8687,7 +12191,7 @@
                 <a:rtl val="0"/>
               </a:rPr>
               <a:pPr algn="ctr"/>
-              <a:t>11</a:t>
+              <a:t>15</a:t>
             </a:fld>
             <a:r>
               <a:rPr lang="en-US" sz="1000" kern="0" dirty="0">
@@ -9157,7 +12661,7 @@
 </p:sld>
 </file>
 
-<file path=ppt/slides/slide12.xml><?xml version="1.0" encoding="utf-8"?>
+<file path=ppt/slides/slide16.xml><?xml version="1.0" encoding="utf-8"?>
 <p:sld xmlns:a="http://schemas.openxmlformats.org/drawingml/2006/main" xmlns:r="http://schemas.openxmlformats.org/officeDocument/2006/relationships" xmlns:p="http://schemas.openxmlformats.org/presentationml/2006/main">
   <p:cSld>
     <p:spTree>
@@ -9481,7 +12985,7 @@
 </p:sld>
 </file>
 
-<file path=ppt/slides/slide13.xml><?xml version="1.0" encoding="utf-8"?>
+<file path=ppt/slides/slide17.xml><?xml version="1.0" encoding="utf-8"?>
 <p:sld xmlns:a="http://schemas.openxmlformats.org/drawingml/2006/main" xmlns:r="http://schemas.openxmlformats.org/officeDocument/2006/relationships" xmlns:p="http://schemas.openxmlformats.org/presentationml/2006/main">
   <p:cSld>
     <p:spTree>
@@ -10060,7 +13564,7 @@
 </p:sld>
 </file>
 
-<file path=ppt/slides/slide14.xml><?xml version="1.0" encoding="utf-8"?>
+<file path=ppt/slides/slide18.xml><?xml version="1.0" encoding="utf-8"?>
 <p:sld xmlns:a="http://schemas.openxmlformats.org/drawingml/2006/main" xmlns:r="http://schemas.openxmlformats.org/officeDocument/2006/relationships" xmlns:p="http://schemas.openxmlformats.org/presentationml/2006/main">
   <p:cSld>
     <p:bg>
@@ -11345,6 +14849,31 @@
                 <a:sym typeface="Proxima Nova"/>
                 <a:rtl val="0"/>
               </a:rPr>
+              <a:t>Taskmaster 2020 will be built from scratch to assure the objectives listed above.</a:t>
+            </a:r>
+          </a:p>
+          <a:p>
+            <a:pPr marL="400050" indent="-293688">
+              <a:lnSpc>
+                <a:spcPct val="110000"/>
+              </a:lnSpc>
+              <a:spcAft>
+                <a:spcPts val="600"/>
+              </a:spcAft>
+              <a:buFont typeface="Wingdings" charset="2"/>
+              <a:buChar char="§"/>
+            </a:pPr>
+            <a:r>
+              <a:rPr lang="en-US" sz="1400" dirty="0">
+                <a:solidFill>
+                  <a:schemeClr val="dk1"/>
+                </a:solidFill>
+                <a:latin typeface="Proxima Nova" charset="0"/>
+                <a:ea typeface="Proxima Nova" charset="0"/>
+                <a:cs typeface="Proxima Nova" charset="0"/>
+                <a:sym typeface="Proxima Nova"/>
+                <a:rtl val="0"/>
+              </a:rPr>
               <a:t>Code Gate also provides a timeline and a budgetary estimate for implementing the 3 packages as a solution to Taskmaster 2020.</a:t>
             </a:r>
           </a:p>
@@ -11397,6 +14926,1248 @@
 </file>
 
 <file path=ppt/slides/slide5.xml><?xml version="1.0" encoding="utf-8"?>
+<p:sld xmlns:a="http://schemas.openxmlformats.org/drawingml/2006/main" xmlns:r="http://schemas.openxmlformats.org/officeDocument/2006/relationships" xmlns:p="http://schemas.openxmlformats.org/presentationml/2006/main">
+  <p:cSld>
+    <p:spTree>
+      <p:nvGrpSpPr>
+        <p:cNvPr id="1" name="Shape 312"/>
+        <p:cNvGrpSpPr/>
+        <p:nvPr/>
+      </p:nvGrpSpPr>
+      <p:grpSpPr>
+        <a:xfrm>
+          <a:off x="0" y="0"/>
+          <a:ext cx="0" cy="0"/>
+          <a:chOff x="0" y="0"/>
+          <a:chExt cx="0" cy="0"/>
+        </a:xfrm>
+      </p:grpSpPr>
+      <p:sp>
+        <p:nvSpPr>
+          <p:cNvPr id="314" name="Shape 314"/>
+          <p:cNvSpPr txBox="1">
+            <a:spLocks noGrp="1"/>
+          </p:cNvSpPr>
+          <p:nvPr>
+            <p:ph type="ctrTitle"/>
+          </p:nvPr>
+        </p:nvSpPr>
+        <p:spPr>
+          <a:xfrm>
+            <a:off x="0" y="380067"/>
+            <a:ext cx="9144000" cy="535499"/>
+          </a:xfrm>
+          <a:prstGeom prst="rect">
+            <a:avLst/>
+          </a:prstGeom>
+          <a:noFill/>
+          <a:ln>
+            <a:noFill/>
+          </a:ln>
+        </p:spPr>
+        <p:txBody>
+          <a:bodyPr lIns="91425" tIns="91425" rIns="91425" bIns="91425" anchor="ctr" anchorCtr="0">
+            <a:noAutofit/>
+          </a:bodyPr>
+          <a:lstStyle/>
+          <a:p>
+            <a:pPr>
+              <a:buClr>
+                <a:srgbClr val="000000"/>
+              </a:buClr>
+            </a:pPr>
+            <a:r>
+              <a:rPr lang="en-US" sz="3000" dirty="0">
+                <a:solidFill>
+                  <a:srgbClr val="000000"/>
+                </a:solidFill>
+                <a:latin typeface="Montserrat"/>
+                <a:ea typeface="Montserrat"/>
+                <a:cs typeface="Montserrat"/>
+                <a:sym typeface="Montserrat"/>
+              </a:rPr>
+              <a:t>Why rebuild Taskmaster?</a:t>
+            </a:r>
+            <a:endParaRPr lang="en" sz="3000" dirty="0">
+              <a:solidFill>
+                <a:srgbClr val="000000"/>
+              </a:solidFill>
+              <a:latin typeface="Montserrat"/>
+              <a:ea typeface="Montserrat"/>
+              <a:cs typeface="Montserrat"/>
+              <a:sym typeface="Montserrat"/>
+            </a:endParaRPr>
+          </a:p>
+        </p:txBody>
+      </p:sp>
+      <p:cxnSp>
+        <p:nvCxnSpPr>
+          <p:cNvPr id="9" name="Shape 77"/>
+          <p:cNvCxnSpPr/>
+          <p:nvPr/>
+        </p:nvCxnSpPr>
+        <p:spPr>
+          <a:xfrm>
+            <a:off x="171450" y="348637"/>
+            <a:ext cx="8801100" cy="0"/>
+          </a:xfrm>
+          <a:prstGeom prst="straightConnector1">
+            <a:avLst/>
+          </a:prstGeom>
+          <a:noFill/>
+          <a:ln w="9525" cap="flat">
+            <a:solidFill>
+              <a:srgbClr val="D9D9D9"/>
+            </a:solidFill>
+            <a:prstDash val="solid"/>
+            <a:round/>
+            <a:headEnd type="none" w="lg" len="lg"/>
+            <a:tailEnd type="none" w="lg" len="lg"/>
+          </a:ln>
+        </p:spPr>
+      </p:cxnSp>
+      <p:sp>
+        <p:nvSpPr>
+          <p:cNvPr id="10" name="Shape 153"/>
+          <p:cNvSpPr txBox="1"/>
+          <p:nvPr/>
+        </p:nvSpPr>
+        <p:spPr>
+          <a:xfrm>
+            <a:off x="171450" y="1059582"/>
+            <a:ext cx="8801099" cy="3528392"/>
+          </a:xfrm>
+          <a:prstGeom prst="rect">
+            <a:avLst/>
+          </a:prstGeom>
+          <a:noFill/>
+          <a:ln>
+            <a:noFill/>
+          </a:ln>
+        </p:spPr>
+        <p:txBody>
+          <a:bodyPr lIns="91425" tIns="91425" rIns="91425" bIns="91425" anchor="t" anchorCtr="0">
+            <a:noAutofit/>
+          </a:bodyPr>
+          <a:lstStyle/>
+          <a:p>
+            <a:pPr marL="400050" indent="-293688">
+              <a:lnSpc>
+                <a:spcPct val="110000"/>
+              </a:lnSpc>
+              <a:spcAft>
+                <a:spcPts val="600"/>
+              </a:spcAft>
+              <a:buFont typeface="Wingdings" charset="2"/>
+              <a:buChar char="§"/>
+            </a:pPr>
+            <a:r>
+              <a:rPr lang="en-US" sz="1400" dirty="0">
+                <a:solidFill>
+                  <a:schemeClr val="dk1"/>
+                </a:solidFill>
+                <a:latin typeface="Proxima Nova" charset="0"/>
+                <a:ea typeface="Proxima Nova" charset="0"/>
+                <a:cs typeface="Proxima Nova" charset="0"/>
+                <a:sym typeface="Proxima Nova"/>
+                <a:rtl val="0"/>
+              </a:rPr>
+              <a:t>Organize studies in structured way.</a:t>
+            </a:r>
+          </a:p>
+          <a:p>
+            <a:pPr marL="400050" indent="-293688">
+              <a:lnSpc>
+                <a:spcPct val="110000"/>
+              </a:lnSpc>
+              <a:spcAft>
+                <a:spcPts val="600"/>
+              </a:spcAft>
+              <a:buFont typeface="Wingdings" charset="2"/>
+              <a:buChar char="§"/>
+            </a:pPr>
+            <a:r>
+              <a:rPr lang="en-US" sz="1400" dirty="0">
+                <a:solidFill>
+                  <a:schemeClr val="dk1"/>
+                </a:solidFill>
+                <a:latin typeface="Proxima Nova" charset="0"/>
+                <a:ea typeface="Proxima Nova" charset="0"/>
+                <a:cs typeface="Proxima Nova" charset="0"/>
+                <a:sym typeface="Proxima Nova"/>
+                <a:rtl val="0"/>
+              </a:rPr>
+              <a:t>Display study detail in read mode.</a:t>
+            </a:r>
+          </a:p>
+          <a:p>
+            <a:pPr marL="400050" indent="-293688">
+              <a:lnSpc>
+                <a:spcPct val="110000"/>
+              </a:lnSpc>
+              <a:spcAft>
+                <a:spcPts val="600"/>
+              </a:spcAft>
+              <a:buFont typeface="Wingdings" charset="2"/>
+              <a:buChar char="§"/>
+            </a:pPr>
+            <a:r>
+              <a:rPr lang="en-US" sz="1400" dirty="0">
+                <a:solidFill>
+                  <a:schemeClr val="dk1"/>
+                </a:solidFill>
+                <a:latin typeface="Proxima Nova" charset="0"/>
+                <a:ea typeface="Proxima Nova" charset="0"/>
+                <a:cs typeface="Proxima Nova" charset="0"/>
+                <a:sym typeface="Proxima Nova"/>
+                <a:rtl val="0"/>
+              </a:rPr>
+              <a:t>Implement edit and copy actions for each study.</a:t>
+            </a:r>
+          </a:p>
+          <a:p>
+            <a:pPr marL="400050" indent="-293688">
+              <a:lnSpc>
+                <a:spcPct val="110000"/>
+              </a:lnSpc>
+              <a:spcAft>
+                <a:spcPts val="600"/>
+              </a:spcAft>
+              <a:buFont typeface="Wingdings" charset="2"/>
+              <a:buChar char="§"/>
+            </a:pPr>
+            <a:r>
+              <a:rPr lang="en-US" sz="1400" dirty="0">
+                <a:solidFill>
+                  <a:schemeClr val="dk1"/>
+                </a:solidFill>
+                <a:latin typeface="Proxima Nova" charset="0"/>
+                <a:ea typeface="Proxima Nova" charset="0"/>
+                <a:cs typeface="Proxima Nova" charset="0"/>
+                <a:sym typeface="Proxima Nova"/>
+                <a:rtl val="0"/>
+              </a:rPr>
+              <a:t>Implement selectable MODAPS code in pairing mode to build MODAPTS string instead of typing it out manually.</a:t>
+            </a:r>
+          </a:p>
+          <a:p>
+            <a:pPr marL="400050" indent="-293688">
+              <a:lnSpc>
+                <a:spcPct val="110000"/>
+              </a:lnSpc>
+              <a:spcAft>
+                <a:spcPts val="600"/>
+              </a:spcAft>
+              <a:buFont typeface="Wingdings" charset="2"/>
+              <a:buChar char="§"/>
+            </a:pPr>
+            <a:r>
+              <a:rPr lang="en-US" sz="1400" dirty="0">
+                <a:solidFill>
+                  <a:schemeClr val="dk1"/>
+                </a:solidFill>
+                <a:latin typeface="Proxima Nova" charset="0"/>
+                <a:ea typeface="Proxima Nova" charset="0"/>
+                <a:cs typeface="Proxima Nova" charset="0"/>
+                <a:sym typeface="Proxima Nova"/>
+                <a:rtl val="0"/>
+              </a:rPr>
+              <a:t>Display detail for each MODAPTS code while selecting it such as:</a:t>
+            </a:r>
+          </a:p>
+          <a:p>
+            <a:pPr marL="857250" lvl="1" indent="-293688">
+              <a:lnSpc>
+                <a:spcPct val="110000"/>
+              </a:lnSpc>
+              <a:spcAft>
+                <a:spcPts val="600"/>
+              </a:spcAft>
+              <a:buFont typeface="Wingdings" charset="2"/>
+              <a:buChar char="§"/>
+            </a:pPr>
+            <a:r>
+              <a:rPr lang="en-US" sz="1400" dirty="0">
+                <a:solidFill>
+                  <a:schemeClr val="dk1"/>
+                </a:solidFill>
+                <a:latin typeface="Proxima Nova" charset="0"/>
+                <a:ea typeface="Proxima Nova" charset="0"/>
+                <a:cs typeface="Proxima Nova" charset="0"/>
+                <a:sym typeface="Proxima Nova"/>
+                <a:rtl val="0"/>
+              </a:rPr>
+              <a:t>Element class: Movement, Terminal, and Auxiliary. </a:t>
+            </a:r>
+          </a:p>
+          <a:p>
+            <a:pPr marL="857250" lvl="1" indent="-293688">
+              <a:lnSpc>
+                <a:spcPct val="110000"/>
+              </a:lnSpc>
+              <a:spcAft>
+                <a:spcPts val="600"/>
+              </a:spcAft>
+              <a:buFont typeface="Wingdings" charset="2"/>
+              <a:buChar char="§"/>
+            </a:pPr>
+            <a:r>
+              <a:rPr lang="en-US" sz="1400" dirty="0">
+                <a:solidFill>
+                  <a:schemeClr val="dk1"/>
+                </a:solidFill>
+                <a:latin typeface="Proxima Nova" charset="0"/>
+                <a:ea typeface="Proxima Nova" charset="0"/>
+                <a:cs typeface="Proxima Nova" charset="0"/>
+                <a:sym typeface="Proxima Nova"/>
+                <a:rtl val="0"/>
+              </a:rPr>
+              <a:t>Movement class such as finger, hand, arm, shoulder, trunk with it usual distance.</a:t>
+            </a:r>
+          </a:p>
+          <a:p>
+            <a:pPr marL="857250" lvl="1" indent="-293688">
+              <a:lnSpc>
+                <a:spcPct val="110000"/>
+              </a:lnSpc>
+              <a:spcAft>
+                <a:spcPts val="600"/>
+              </a:spcAft>
+              <a:buFont typeface="Wingdings" charset="2"/>
+              <a:buChar char="§"/>
+            </a:pPr>
+            <a:r>
+              <a:rPr lang="en-US" sz="1400" dirty="0">
+                <a:solidFill>
+                  <a:schemeClr val="dk1"/>
+                </a:solidFill>
+                <a:latin typeface="Proxima Nova" charset="0"/>
+                <a:ea typeface="Proxima Nova" charset="0"/>
+                <a:cs typeface="Proxima Nova" charset="0"/>
+                <a:sym typeface="Proxima Nova"/>
+                <a:rtl val="0"/>
+              </a:rPr>
+              <a:t>The following slide shows the summary of new MODAPTS string builder: </a:t>
+            </a:r>
+          </a:p>
+          <a:p>
+            <a:pPr marL="857250" lvl="1" indent="-293688">
+              <a:lnSpc>
+                <a:spcPct val="110000"/>
+              </a:lnSpc>
+              <a:spcAft>
+                <a:spcPts val="600"/>
+              </a:spcAft>
+              <a:buFont typeface="Wingdings" charset="2"/>
+              <a:buChar char="§"/>
+            </a:pPr>
+            <a:endParaRPr lang="en-US" sz="1400" dirty="0">
+              <a:solidFill>
+                <a:schemeClr val="dk1"/>
+              </a:solidFill>
+              <a:latin typeface="Proxima Nova" charset="0"/>
+              <a:ea typeface="Proxima Nova" charset="0"/>
+              <a:cs typeface="Proxima Nova" charset="0"/>
+              <a:sym typeface="Proxima Nova"/>
+              <a:rtl val="0"/>
+            </a:endParaRPr>
+          </a:p>
+        </p:txBody>
+      </p:sp>
+      <p:pic>
+        <p:nvPicPr>
+          <p:cNvPr id="6" name="Picture 5"/>
+          <p:cNvPicPr>
+            <a:picLocks noChangeAspect="1"/>
+          </p:cNvPicPr>
+          <p:nvPr/>
+        </p:nvPicPr>
+        <p:blipFill>
+          <a:blip r:embed="rId3" cstate="print">
+            <a:extLst>
+              <a:ext uri="{28A0092B-C50C-407E-A947-70E740481C1C}">
+                <a14:useLocalDpi xmlns:a14="http://schemas.microsoft.com/office/drawing/2010/main" val="0"/>
+              </a:ext>
+            </a:extLst>
+          </a:blip>
+          <a:stretch>
+            <a:fillRect/>
+          </a:stretch>
+        </p:blipFill>
+        <p:spPr>
+          <a:xfrm>
+            <a:off x="7376038" y="-17104"/>
+            <a:ext cx="1596512" cy="414480"/>
+          </a:xfrm>
+          <a:prstGeom prst="rect">
+            <a:avLst/>
+          </a:prstGeom>
+        </p:spPr>
+      </p:pic>
+    </p:spTree>
+    <p:extLst>
+      <p:ext uri="{BB962C8B-B14F-4D97-AF65-F5344CB8AC3E}">
+        <p14:creationId xmlns:p14="http://schemas.microsoft.com/office/powerpoint/2010/main" val="1146905400"/>
+      </p:ext>
+    </p:extLst>
+  </p:cSld>
+  <p:clrMapOvr>
+    <a:masterClrMapping/>
+  </p:clrMapOvr>
+  <p:transition spd="slow">
+    <p:cut/>
+  </p:transition>
+</p:sld>
+</file>
+
+<file path=ppt/slides/slide6.xml><?xml version="1.0" encoding="utf-8"?>
+<p:sld xmlns:a="http://schemas.openxmlformats.org/drawingml/2006/main" xmlns:r="http://schemas.openxmlformats.org/officeDocument/2006/relationships" xmlns:p="http://schemas.openxmlformats.org/presentationml/2006/main">
+  <p:cSld>
+    <p:spTree>
+      <p:nvGrpSpPr>
+        <p:cNvPr id="1" name="Shape 312"/>
+        <p:cNvGrpSpPr/>
+        <p:nvPr/>
+      </p:nvGrpSpPr>
+      <p:grpSpPr>
+        <a:xfrm>
+          <a:off x="0" y="0"/>
+          <a:ext cx="0" cy="0"/>
+          <a:chOff x="0" y="0"/>
+          <a:chExt cx="0" cy="0"/>
+        </a:xfrm>
+      </p:grpSpPr>
+      <p:cxnSp>
+        <p:nvCxnSpPr>
+          <p:cNvPr id="9" name="Shape 77"/>
+          <p:cNvCxnSpPr/>
+          <p:nvPr/>
+        </p:nvCxnSpPr>
+        <p:spPr>
+          <a:xfrm>
+            <a:off x="171450" y="348637"/>
+            <a:ext cx="8801100" cy="0"/>
+          </a:xfrm>
+          <a:prstGeom prst="straightConnector1">
+            <a:avLst/>
+          </a:prstGeom>
+          <a:noFill/>
+          <a:ln w="9525" cap="flat">
+            <a:solidFill>
+              <a:srgbClr val="D9D9D9"/>
+            </a:solidFill>
+            <a:prstDash val="solid"/>
+            <a:round/>
+            <a:headEnd type="none" w="lg" len="lg"/>
+            <a:tailEnd type="none" w="lg" len="lg"/>
+          </a:ln>
+        </p:spPr>
+      </p:cxnSp>
+      <p:pic>
+        <p:nvPicPr>
+          <p:cNvPr id="6" name="Picture 5"/>
+          <p:cNvPicPr>
+            <a:picLocks noChangeAspect="1"/>
+          </p:cNvPicPr>
+          <p:nvPr/>
+        </p:nvPicPr>
+        <p:blipFill>
+          <a:blip r:embed="rId3" cstate="print">
+            <a:extLst>
+              <a:ext uri="{28A0092B-C50C-407E-A947-70E740481C1C}">
+                <a14:useLocalDpi xmlns:a14="http://schemas.microsoft.com/office/drawing/2010/main" val="0"/>
+              </a:ext>
+            </a:extLst>
+          </a:blip>
+          <a:stretch>
+            <a:fillRect/>
+          </a:stretch>
+        </p:blipFill>
+        <p:spPr>
+          <a:xfrm>
+            <a:off x="7376038" y="-17104"/>
+            <a:ext cx="1596512" cy="414480"/>
+          </a:xfrm>
+          <a:prstGeom prst="rect">
+            <a:avLst/>
+          </a:prstGeom>
+        </p:spPr>
+      </p:pic>
+      <p:pic>
+        <p:nvPicPr>
+          <p:cNvPr id="8" name="Picture 7"/>
+          <p:cNvPicPr>
+            <a:picLocks noChangeAspect="1"/>
+          </p:cNvPicPr>
+          <p:nvPr/>
+        </p:nvPicPr>
+        <p:blipFill>
+          <a:blip r:embed="rId4"/>
+          <a:stretch>
+            <a:fillRect/>
+          </a:stretch>
+        </p:blipFill>
+        <p:spPr>
+          <a:xfrm>
+            <a:off x="107504" y="397376"/>
+            <a:ext cx="8928992" cy="4746124"/>
+          </a:xfrm>
+          <a:prstGeom prst="rect">
+            <a:avLst/>
+          </a:prstGeom>
+        </p:spPr>
+      </p:pic>
+    </p:spTree>
+    <p:extLst>
+      <p:ext uri="{BB962C8B-B14F-4D97-AF65-F5344CB8AC3E}">
+        <p14:creationId xmlns:p14="http://schemas.microsoft.com/office/powerpoint/2010/main" val="437220129"/>
+      </p:ext>
+    </p:extLst>
+  </p:cSld>
+  <p:clrMapOvr>
+    <a:masterClrMapping/>
+  </p:clrMapOvr>
+  <p:transition spd="slow">
+    <p:cut/>
+  </p:transition>
+</p:sld>
+</file>
+
+<file path=ppt/slides/slide7.xml><?xml version="1.0" encoding="utf-8"?>
+<p:sld xmlns:a="http://schemas.openxmlformats.org/drawingml/2006/main" xmlns:r="http://schemas.openxmlformats.org/officeDocument/2006/relationships" xmlns:p="http://schemas.openxmlformats.org/presentationml/2006/main">
+  <p:cSld>
+    <p:spTree>
+      <p:nvGrpSpPr>
+        <p:cNvPr id="1" name="Shape 312"/>
+        <p:cNvGrpSpPr/>
+        <p:nvPr/>
+      </p:nvGrpSpPr>
+      <p:grpSpPr>
+        <a:xfrm>
+          <a:off x="0" y="0"/>
+          <a:ext cx="0" cy="0"/>
+          <a:chOff x="0" y="0"/>
+          <a:chExt cx="0" cy="0"/>
+        </a:xfrm>
+      </p:grpSpPr>
+      <p:sp>
+        <p:nvSpPr>
+          <p:cNvPr id="314" name="Shape 314"/>
+          <p:cNvSpPr txBox="1">
+            <a:spLocks noGrp="1"/>
+          </p:cNvSpPr>
+          <p:nvPr>
+            <p:ph type="ctrTitle"/>
+          </p:nvPr>
+        </p:nvSpPr>
+        <p:spPr>
+          <a:xfrm>
+            <a:off x="0" y="380067"/>
+            <a:ext cx="9144000" cy="535499"/>
+          </a:xfrm>
+          <a:prstGeom prst="rect">
+            <a:avLst/>
+          </a:prstGeom>
+          <a:noFill/>
+          <a:ln>
+            <a:noFill/>
+          </a:ln>
+        </p:spPr>
+        <p:txBody>
+          <a:bodyPr lIns="91425" tIns="91425" rIns="91425" bIns="91425" anchor="ctr" anchorCtr="0">
+            <a:noAutofit/>
+          </a:bodyPr>
+          <a:lstStyle/>
+          <a:p>
+            <a:pPr>
+              <a:buClr>
+                <a:srgbClr val="000000"/>
+              </a:buClr>
+            </a:pPr>
+            <a:r>
+              <a:rPr lang="en-US" sz="3000" dirty="0">
+                <a:solidFill>
+                  <a:srgbClr val="000000"/>
+                </a:solidFill>
+                <a:latin typeface="Montserrat"/>
+                <a:ea typeface="Montserrat"/>
+                <a:cs typeface="Montserrat"/>
+                <a:sym typeface="Montserrat"/>
+              </a:rPr>
+              <a:t>Why rebuild Taskmaster?</a:t>
+            </a:r>
+            <a:endParaRPr lang="en" sz="3000" dirty="0">
+              <a:solidFill>
+                <a:srgbClr val="000000"/>
+              </a:solidFill>
+              <a:latin typeface="Montserrat"/>
+              <a:ea typeface="Montserrat"/>
+              <a:cs typeface="Montserrat"/>
+              <a:sym typeface="Montserrat"/>
+            </a:endParaRPr>
+          </a:p>
+        </p:txBody>
+      </p:sp>
+      <p:cxnSp>
+        <p:nvCxnSpPr>
+          <p:cNvPr id="9" name="Shape 77"/>
+          <p:cNvCxnSpPr/>
+          <p:nvPr/>
+        </p:nvCxnSpPr>
+        <p:spPr>
+          <a:xfrm>
+            <a:off x="171450" y="348637"/>
+            <a:ext cx="8801100" cy="0"/>
+          </a:xfrm>
+          <a:prstGeom prst="straightConnector1">
+            <a:avLst/>
+          </a:prstGeom>
+          <a:noFill/>
+          <a:ln w="9525" cap="flat">
+            <a:solidFill>
+              <a:srgbClr val="D9D9D9"/>
+            </a:solidFill>
+            <a:prstDash val="solid"/>
+            <a:round/>
+            <a:headEnd type="none" w="lg" len="lg"/>
+            <a:tailEnd type="none" w="lg" len="lg"/>
+          </a:ln>
+        </p:spPr>
+      </p:cxnSp>
+      <p:sp>
+        <p:nvSpPr>
+          <p:cNvPr id="10" name="Shape 153"/>
+          <p:cNvSpPr txBox="1"/>
+          <p:nvPr/>
+        </p:nvSpPr>
+        <p:spPr>
+          <a:xfrm>
+            <a:off x="171451" y="1059581"/>
+            <a:ext cx="5624686" cy="3878413"/>
+          </a:xfrm>
+          <a:prstGeom prst="rect">
+            <a:avLst/>
+          </a:prstGeom>
+          <a:noFill/>
+          <a:ln>
+            <a:noFill/>
+          </a:ln>
+        </p:spPr>
+        <p:txBody>
+          <a:bodyPr lIns="91425" tIns="91425" rIns="91425" bIns="91425" anchor="t" anchorCtr="0">
+            <a:noAutofit/>
+          </a:bodyPr>
+          <a:lstStyle/>
+          <a:p>
+            <a:pPr marL="400050" indent="-293688">
+              <a:lnSpc>
+                <a:spcPct val="110000"/>
+              </a:lnSpc>
+              <a:spcAft>
+                <a:spcPts val="600"/>
+              </a:spcAft>
+              <a:buFont typeface="Wingdings" charset="2"/>
+              <a:buChar char="§"/>
+            </a:pPr>
+            <a:r>
+              <a:rPr lang="en-US" sz="1400" dirty="0">
+                <a:solidFill>
+                  <a:schemeClr val="dk1"/>
+                </a:solidFill>
+                <a:latin typeface="Proxima Nova" charset="0"/>
+                <a:ea typeface="Proxima Nova" charset="0"/>
+                <a:cs typeface="Proxima Nova" charset="0"/>
+                <a:sym typeface="Proxima Nova"/>
+                <a:rtl val="0"/>
+              </a:rPr>
+              <a:t>Implement MODAPTS code for right and left hands.</a:t>
+            </a:r>
+          </a:p>
+          <a:p>
+            <a:pPr marL="400050" indent="-293688">
+              <a:lnSpc>
+                <a:spcPct val="110000"/>
+              </a:lnSpc>
+              <a:spcAft>
+                <a:spcPts val="600"/>
+              </a:spcAft>
+              <a:buFont typeface="Wingdings" charset="2"/>
+              <a:buChar char="§"/>
+            </a:pPr>
+            <a:r>
+              <a:rPr lang="en-US" sz="1400" dirty="0">
+                <a:solidFill>
+                  <a:schemeClr val="dk1"/>
+                </a:solidFill>
+                <a:latin typeface="Proxima Nova" charset="0"/>
+                <a:ea typeface="Proxima Nova" charset="0"/>
+                <a:cs typeface="Proxima Nova" charset="0"/>
+                <a:sym typeface="Proxima Nova"/>
+                <a:rtl val="0"/>
+              </a:rPr>
+              <a:t>Implement rules for low vs. high conscious control.</a:t>
+            </a:r>
+          </a:p>
+          <a:p>
+            <a:pPr marL="400050" indent="-293688">
+              <a:lnSpc>
+                <a:spcPct val="110000"/>
+              </a:lnSpc>
+              <a:spcAft>
+                <a:spcPts val="600"/>
+              </a:spcAft>
+              <a:buFont typeface="Wingdings" charset="2"/>
+              <a:buChar char="§"/>
+            </a:pPr>
+            <a:r>
+              <a:rPr lang="en-US" sz="1400" dirty="0">
+                <a:solidFill>
+                  <a:schemeClr val="dk1"/>
+                </a:solidFill>
+                <a:latin typeface="Proxima Nova" charset="0"/>
+                <a:ea typeface="Proxima Nova" charset="0"/>
+                <a:cs typeface="Proxima Nova" charset="0"/>
+                <a:sym typeface="Proxima Nova"/>
+                <a:rtl val="0"/>
+              </a:rPr>
+              <a:t>Implement MODAPTS simultaneous rules.</a:t>
+            </a:r>
+          </a:p>
+          <a:p>
+            <a:pPr marL="400050" indent="-293688">
+              <a:lnSpc>
+                <a:spcPct val="110000"/>
+              </a:lnSpc>
+              <a:spcAft>
+                <a:spcPts val="600"/>
+              </a:spcAft>
+              <a:buFont typeface="Wingdings" charset="2"/>
+              <a:buChar char="§"/>
+            </a:pPr>
+            <a:r>
+              <a:rPr lang="en-US" sz="1400" dirty="0">
+                <a:solidFill>
+                  <a:schemeClr val="dk1"/>
+                </a:solidFill>
+                <a:latin typeface="Proxima Nova" charset="0"/>
+                <a:ea typeface="Proxima Nova" charset="0"/>
+                <a:cs typeface="Proxima Nova" charset="0"/>
+                <a:sym typeface="Proxima Nova"/>
+                <a:rtl val="0"/>
+              </a:rPr>
+              <a:t>Build a multi-client supported API (Application Programming Interface).</a:t>
+            </a:r>
+          </a:p>
+          <a:p>
+            <a:pPr marL="400050" indent="-293688">
+              <a:lnSpc>
+                <a:spcPct val="110000"/>
+              </a:lnSpc>
+              <a:spcAft>
+                <a:spcPts val="600"/>
+              </a:spcAft>
+              <a:buFont typeface="Wingdings" charset="2"/>
+              <a:buChar char="§"/>
+            </a:pPr>
+            <a:r>
+              <a:rPr lang="en-US" sz="1400" dirty="0">
+                <a:solidFill>
+                  <a:schemeClr val="dk1"/>
+                </a:solidFill>
+                <a:latin typeface="Proxima Nova" charset="0"/>
+                <a:ea typeface="Proxima Nova" charset="0"/>
+                <a:cs typeface="Proxima Nova" charset="0"/>
+                <a:sym typeface="Proxima Nova"/>
+                <a:rtl val="0"/>
+              </a:rPr>
+              <a:t>Use Taskmaster from a mobile oriented website and a desktop application.</a:t>
+            </a:r>
+          </a:p>
+          <a:p>
+            <a:pPr marL="400050" indent="-293688">
+              <a:lnSpc>
+                <a:spcPct val="110000"/>
+              </a:lnSpc>
+              <a:spcAft>
+                <a:spcPts val="600"/>
+              </a:spcAft>
+              <a:buFont typeface="Wingdings" charset="2"/>
+              <a:buChar char="§"/>
+            </a:pPr>
+            <a:r>
+              <a:rPr lang="en-US" sz="1400" dirty="0">
+                <a:solidFill>
+                  <a:schemeClr val="dk1"/>
+                </a:solidFill>
+                <a:latin typeface="Proxima Nova" charset="0"/>
+                <a:ea typeface="Proxima Nova" charset="0"/>
+                <a:cs typeface="Proxima Nova" charset="0"/>
+                <a:sym typeface="Proxima Nova"/>
+                <a:rtl val="0"/>
+              </a:rPr>
+              <a:t>Implement recurring subscription billing payments:</a:t>
+            </a:r>
+          </a:p>
+          <a:p>
+            <a:pPr marL="857250" lvl="1" indent="-293688">
+              <a:lnSpc>
+                <a:spcPct val="110000"/>
+              </a:lnSpc>
+              <a:spcAft>
+                <a:spcPts val="600"/>
+              </a:spcAft>
+              <a:buFont typeface="Wingdings" charset="2"/>
+              <a:buChar char="§"/>
+            </a:pPr>
+            <a:r>
+              <a:rPr lang="en-US" sz="1400" dirty="0">
+                <a:solidFill>
+                  <a:schemeClr val="dk1"/>
+                </a:solidFill>
+                <a:latin typeface="Proxima Nova" charset="0"/>
+                <a:ea typeface="Proxima Nova" charset="0"/>
+                <a:cs typeface="Proxima Nova" charset="0"/>
+                <a:sym typeface="Proxima Nova"/>
+                <a:rtl val="0"/>
+              </a:rPr>
+              <a:t>Plans management, Collect billing information. </a:t>
+            </a:r>
+          </a:p>
+          <a:p>
+            <a:pPr marL="857250" lvl="1" indent="-293688">
+              <a:lnSpc>
+                <a:spcPct val="110000"/>
+              </a:lnSpc>
+              <a:spcAft>
+                <a:spcPts val="600"/>
+              </a:spcAft>
+              <a:buFont typeface="Wingdings" charset="2"/>
+              <a:buChar char="§"/>
+            </a:pPr>
+            <a:r>
+              <a:rPr lang="en-US" sz="1400" dirty="0">
+                <a:solidFill>
+                  <a:schemeClr val="dk1"/>
+                </a:solidFill>
+                <a:latin typeface="Proxima Nova" charset="0"/>
+                <a:ea typeface="Proxima Nova" charset="0"/>
+                <a:cs typeface="Proxima Nova" charset="0"/>
+                <a:sym typeface="Proxima Nova"/>
+                <a:rtl val="0"/>
+              </a:rPr>
+              <a:t>Create subscription and handling its events: subscription trial will end, Invoice payment succeeded or failed.</a:t>
+            </a:r>
+          </a:p>
+          <a:p>
+            <a:pPr marL="857250" lvl="1" indent="-293688">
+              <a:lnSpc>
+                <a:spcPct val="110000"/>
+              </a:lnSpc>
+              <a:spcAft>
+                <a:spcPts val="600"/>
+              </a:spcAft>
+              <a:buFont typeface="Wingdings" charset="2"/>
+              <a:buChar char="§"/>
+            </a:pPr>
+            <a:r>
+              <a:rPr lang="en-US" sz="1400" dirty="0">
+                <a:solidFill>
+                  <a:schemeClr val="dk1"/>
+                </a:solidFill>
+                <a:latin typeface="Proxima Nova" charset="0"/>
+                <a:ea typeface="Proxima Nova" charset="0"/>
+                <a:cs typeface="Proxima Nova" charset="0"/>
+                <a:sym typeface="Proxima Nova"/>
+                <a:rtl val="0"/>
+              </a:rPr>
+              <a:t>Change plan, cancel subscription.</a:t>
+            </a:r>
+          </a:p>
+          <a:p>
+            <a:pPr marL="400050" indent="-293688">
+              <a:lnSpc>
+                <a:spcPct val="110000"/>
+              </a:lnSpc>
+              <a:spcAft>
+                <a:spcPts val="600"/>
+              </a:spcAft>
+              <a:buFont typeface="Wingdings" charset="2"/>
+              <a:buChar char="§"/>
+            </a:pPr>
+            <a:endParaRPr lang="en-US" sz="1400" dirty="0">
+              <a:solidFill>
+                <a:schemeClr val="dk1"/>
+              </a:solidFill>
+              <a:latin typeface="Proxima Nova" charset="0"/>
+              <a:ea typeface="Proxima Nova" charset="0"/>
+              <a:cs typeface="Proxima Nova" charset="0"/>
+              <a:sym typeface="Proxima Nova"/>
+              <a:rtl val="0"/>
+            </a:endParaRPr>
+          </a:p>
+          <a:p>
+            <a:pPr marL="857250" lvl="1" indent="-293688">
+              <a:lnSpc>
+                <a:spcPct val="110000"/>
+              </a:lnSpc>
+              <a:spcAft>
+                <a:spcPts val="600"/>
+              </a:spcAft>
+              <a:buFont typeface="Wingdings" charset="2"/>
+              <a:buChar char="§"/>
+            </a:pPr>
+            <a:endParaRPr lang="en-US" sz="1400" dirty="0">
+              <a:solidFill>
+                <a:schemeClr val="dk1"/>
+              </a:solidFill>
+              <a:latin typeface="Proxima Nova" charset="0"/>
+              <a:ea typeface="Proxima Nova" charset="0"/>
+              <a:cs typeface="Proxima Nova" charset="0"/>
+              <a:sym typeface="Proxima Nova"/>
+              <a:rtl val="0"/>
+            </a:endParaRPr>
+          </a:p>
+        </p:txBody>
+      </p:sp>
+      <p:pic>
+        <p:nvPicPr>
+          <p:cNvPr id="6" name="Picture 5"/>
+          <p:cNvPicPr>
+            <a:picLocks noChangeAspect="1"/>
+          </p:cNvPicPr>
+          <p:nvPr/>
+        </p:nvPicPr>
+        <p:blipFill>
+          <a:blip r:embed="rId3" cstate="print">
+            <a:extLst>
+              <a:ext uri="{28A0092B-C50C-407E-A947-70E740481C1C}">
+                <a14:useLocalDpi xmlns:a14="http://schemas.microsoft.com/office/drawing/2010/main" val="0"/>
+              </a:ext>
+            </a:extLst>
+          </a:blip>
+          <a:stretch>
+            <a:fillRect/>
+          </a:stretch>
+        </p:blipFill>
+        <p:spPr>
+          <a:xfrm>
+            <a:off x="7376038" y="-17104"/>
+            <a:ext cx="1596512" cy="414480"/>
+          </a:xfrm>
+          <a:prstGeom prst="rect">
+            <a:avLst/>
+          </a:prstGeom>
+        </p:spPr>
+      </p:pic>
+      <p:pic>
+        <p:nvPicPr>
+          <p:cNvPr id="2" name="Picture 1"/>
+          <p:cNvPicPr>
+            <a:picLocks noChangeAspect="1"/>
+          </p:cNvPicPr>
+          <p:nvPr/>
+        </p:nvPicPr>
+        <p:blipFill>
+          <a:blip r:embed="rId4"/>
+          <a:stretch>
+            <a:fillRect/>
+          </a:stretch>
+        </p:blipFill>
+        <p:spPr>
+          <a:xfrm>
+            <a:off x="5724128" y="915566"/>
+            <a:ext cx="2752725" cy="4022429"/>
+          </a:xfrm>
+          <a:prstGeom prst="rect">
+            <a:avLst/>
+          </a:prstGeom>
+        </p:spPr>
+      </p:pic>
+    </p:spTree>
+    <p:extLst>
+      <p:ext uri="{BB962C8B-B14F-4D97-AF65-F5344CB8AC3E}">
+        <p14:creationId xmlns:p14="http://schemas.microsoft.com/office/powerpoint/2010/main" val="4051250487"/>
+      </p:ext>
+    </p:extLst>
+  </p:cSld>
+  <p:clrMapOvr>
+    <a:masterClrMapping/>
+  </p:clrMapOvr>
+  <p:transition spd="slow">
+    <p:cut/>
+  </p:transition>
+</p:sld>
+</file>
+
+<file path=ppt/slides/slide8.xml><?xml version="1.0" encoding="utf-8"?>
+<p:sld xmlns:a="http://schemas.openxmlformats.org/drawingml/2006/main" xmlns:r="http://schemas.openxmlformats.org/officeDocument/2006/relationships" xmlns:p="http://schemas.openxmlformats.org/presentationml/2006/main">
+  <p:cSld>
+    <p:spTree>
+      <p:nvGrpSpPr>
+        <p:cNvPr id="1" name="Shape 312"/>
+        <p:cNvGrpSpPr/>
+        <p:nvPr/>
+      </p:nvGrpSpPr>
+      <p:grpSpPr>
+        <a:xfrm>
+          <a:off x="0" y="0"/>
+          <a:ext cx="0" cy="0"/>
+          <a:chOff x="0" y="0"/>
+          <a:chExt cx="0" cy="0"/>
+        </a:xfrm>
+      </p:grpSpPr>
+      <p:sp>
+        <p:nvSpPr>
+          <p:cNvPr id="314" name="Shape 314"/>
+          <p:cNvSpPr txBox="1">
+            <a:spLocks noGrp="1"/>
+          </p:cNvSpPr>
+          <p:nvPr>
+            <p:ph type="ctrTitle"/>
+          </p:nvPr>
+        </p:nvSpPr>
+        <p:spPr>
+          <a:xfrm>
+            <a:off x="0" y="380067"/>
+            <a:ext cx="9144000" cy="535499"/>
+          </a:xfrm>
+          <a:prstGeom prst="rect">
+            <a:avLst/>
+          </a:prstGeom>
+          <a:noFill/>
+          <a:ln>
+            <a:noFill/>
+          </a:ln>
+        </p:spPr>
+        <p:txBody>
+          <a:bodyPr lIns="91425" tIns="91425" rIns="91425" bIns="91425" anchor="ctr" anchorCtr="0">
+            <a:noAutofit/>
+          </a:bodyPr>
+          <a:lstStyle/>
+          <a:p>
+            <a:pPr>
+              <a:buClr>
+                <a:srgbClr val="000000"/>
+              </a:buClr>
+            </a:pPr>
+            <a:r>
+              <a:rPr lang="en-US" sz="3000" dirty="0">
+                <a:solidFill>
+                  <a:srgbClr val="000000"/>
+                </a:solidFill>
+                <a:latin typeface="Montserrat"/>
+                <a:ea typeface="Montserrat"/>
+                <a:cs typeface="Montserrat"/>
+                <a:sym typeface="Montserrat"/>
+              </a:rPr>
+              <a:t>Why rebuild Taskmaster?</a:t>
+            </a:r>
+            <a:endParaRPr lang="en" sz="3000" dirty="0">
+              <a:solidFill>
+                <a:srgbClr val="000000"/>
+              </a:solidFill>
+              <a:latin typeface="Montserrat"/>
+              <a:ea typeface="Montserrat"/>
+              <a:cs typeface="Montserrat"/>
+              <a:sym typeface="Montserrat"/>
+            </a:endParaRPr>
+          </a:p>
+        </p:txBody>
+      </p:sp>
+      <p:cxnSp>
+        <p:nvCxnSpPr>
+          <p:cNvPr id="9" name="Shape 77"/>
+          <p:cNvCxnSpPr/>
+          <p:nvPr/>
+        </p:nvCxnSpPr>
+        <p:spPr>
+          <a:xfrm>
+            <a:off x="171450" y="348637"/>
+            <a:ext cx="8801100" cy="0"/>
+          </a:xfrm>
+          <a:prstGeom prst="straightConnector1">
+            <a:avLst/>
+          </a:prstGeom>
+          <a:noFill/>
+          <a:ln w="9525" cap="flat">
+            <a:solidFill>
+              <a:srgbClr val="D9D9D9"/>
+            </a:solidFill>
+            <a:prstDash val="solid"/>
+            <a:round/>
+            <a:headEnd type="none" w="lg" len="lg"/>
+            <a:tailEnd type="none" w="lg" len="lg"/>
+          </a:ln>
+        </p:spPr>
+      </p:cxnSp>
+      <p:sp>
+        <p:nvSpPr>
+          <p:cNvPr id="10" name="Shape 153"/>
+          <p:cNvSpPr txBox="1"/>
+          <p:nvPr/>
+        </p:nvSpPr>
+        <p:spPr>
+          <a:xfrm>
+            <a:off x="171450" y="1059582"/>
+            <a:ext cx="8801099" cy="720080"/>
+          </a:xfrm>
+          <a:prstGeom prst="rect">
+            <a:avLst/>
+          </a:prstGeom>
+          <a:noFill/>
+          <a:ln>
+            <a:noFill/>
+          </a:ln>
+        </p:spPr>
+        <p:txBody>
+          <a:bodyPr lIns="91425" tIns="91425" rIns="91425" bIns="91425" anchor="t" anchorCtr="0">
+            <a:noAutofit/>
+          </a:bodyPr>
+          <a:lstStyle/>
+          <a:p>
+            <a:pPr marL="400050" indent="-293688">
+              <a:lnSpc>
+                <a:spcPct val="110000"/>
+              </a:lnSpc>
+              <a:spcAft>
+                <a:spcPts val="600"/>
+              </a:spcAft>
+              <a:buFont typeface="Wingdings" charset="2"/>
+              <a:buChar char="§"/>
+            </a:pPr>
+            <a:r>
+              <a:rPr lang="en-US" sz="1400" dirty="0">
+                <a:solidFill>
+                  <a:schemeClr val="dk1"/>
+                </a:solidFill>
+                <a:latin typeface="Proxima Nova" charset="0"/>
+                <a:ea typeface="Proxima Nova" charset="0"/>
+                <a:cs typeface="Proxima Nova" charset="0"/>
+                <a:sym typeface="Proxima Nova"/>
+                <a:rtl val="0"/>
+              </a:rPr>
+              <a:t>Minimize the operation costs by using open source technology stack, feature-packed payments, and cloud platform with integrated data services and a powerful ecosystem for deploying and running modern app. </a:t>
+            </a:r>
+          </a:p>
+          <a:p>
+            <a:pPr marL="857250" lvl="1" indent="-293688">
+              <a:lnSpc>
+                <a:spcPct val="110000"/>
+              </a:lnSpc>
+              <a:spcAft>
+                <a:spcPts val="600"/>
+              </a:spcAft>
+              <a:buFont typeface="Wingdings" charset="2"/>
+              <a:buChar char="§"/>
+            </a:pPr>
+            <a:endParaRPr lang="en-US" sz="1400" dirty="0">
+              <a:solidFill>
+                <a:schemeClr val="dk1"/>
+              </a:solidFill>
+              <a:latin typeface="Proxima Nova" charset="0"/>
+              <a:ea typeface="Proxima Nova" charset="0"/>
+              <a:cs typeface="Proxima Nova" charset="0"/>
+              <a:sym typeface="Proxima Nova"/>
+              <a:rtl val="0"/>
+            </a:endParaRPr>
+          </a:p>
+        </p:txBody>
+      </p:sp>
+      <p:pic>
+        <p:nvPicPr>
+          <p:cNvPr id="6" name="Picture 5"/>
+          <p:cNvPicPr>
+            <a:picLocks noChangeAspect="1"/>
+          </p:cNvPicPr>
+          <p:nvPr/>
+        </p:nvPicPr>
+        <p:blipFill>
+          <a:blip r:embed="rId3" cstate="print">
+            <a:extLst>
+              <a:ext uri="{28A0092B-C50C-407E-A947-70E740481C1C}">
+                <a14:useLocalDpi xmlns:a14="http://schemas.microsoft.com/office/drawing/2010/main" val="0"/>
+              </a:ext>
+            </a:extLst>
+          </a:blip>
+          <a:stretch>
+            <a:fillRect/>
+          </a:stretch>
+        </p:blipFill>
+        <p:spPr>
+          <a:xfrm>
+            <a:off x="7376038" y="-17104"/>
+            <a:ext cx="1596512" cy="414480"/>
+          </a:xfrm>
+          <a:prstGeom prst="rect">
+            <a:avLst/>
+          </a:prstGeom>
+        </p:spPr>
+      </p:pic>
+      <p:pic>
+        <p:nvPicPr>
+          <p:cNvPr id="2" name="Picture 1"/>
+          <p:cNvPicPr>
+            <a:picLocks noChangeAspect="1"/>
+          </p:cNvPicPr>
+          <p:nvPr/>
+        </p:nvPicPr>
+        <p:blipFill>
+          <a:blip r:embed="rId4"/>
+          <a:stretch>
+            <a:fillRect/>
+          </a:stretch>
+        </p:blipFill>
+        <p:spPr>
+          <a:xfrm>
+            <a:off x="5796855" y="1963188"/>
+            <a:ext cx="3095625" cy="3057525"/>
+          </a:xfrm>
+          <a:prstGeom prst="rect">
+            <a:avLst/>
+          </a:prstGeom>
+        </p:spPr>
+      </p:pic>
+      <p:pic>
+        <p:nvPicPr>
+          <p:cNvPr id="3" name="Picture 2"/>
+          <p:cNvPicPr>
+            <a:picLocks noChangeAspect="1"/>
+          </p:cNvPicPr>
+          <p:nvPr/>
+        </p:nvPicPr>
+        <p:blipFill>
+          <a:blip r:embed="rId5"/>
+          <a:stretch>
+            <a:fillRect/>
+          </a:stretch>
+        </p:blipFill>
+        <p:spPr>
+          <a:xfrm>
+            <a:off x="179512" y="1923678"/>
+            <a:ext cx="5400600" cy="3219822"/>
+          </a:xfrm>
+          <a:prstGeom prst="rect">
+            <a:avLst/>
+          </a:prstGeom>
+        </p:spPr>
+      </p:pic>
+    </p:spTree>
+    <p:extLst>
+      <p:ext uri="{BB962C8B-B14F-4D97-AF65-F5344CB8AC3E}">
+        <p14:creationId xmlns:p14="http://schemas.microsoft.com/office/powerpoint/2010/main" val="1663596371"/>
+      </p:ext>
+    </p:extLst>
+  </p:cSld>
+  <p:clrMapOvr>
+    <a:masterClrMapping/>
+  </p:clrMapOvr>
+  <p:transition spd="slow">
+    <p:cut/>
+  </p:transition>
+</p:sld>
+</file>
+
+<file path=ppt/slides/slide9.xml><?xml version="1.0" encoding="utf-8"?>
 <p:sld xmlns:a="http://schemas.openxmlformats.org/drawingml/2006/main" xmlns:r="http://schemas.openxmlformats.org/officeDocument/2006/relationships" xmlns:p="http://schemas.openxmlformats.org/presentationml/2006/main">
   <p:cSld>
     <p:spTree>
@@ -11570,3042 +16341,6 @@
     <p:extLst>
       <p:ext uri="{BB962C8B-B14F-4D97-AF65-F5344CB8AC3E}">
         <p14:creationId xmlns:p14="http://schemas.microsoft.com/office/powerpoint/2010/main" val="1929926664"/>
-      </p:ext>
-    </p:extLst>
-  </p:cSld>
-  <p:clrMapOvr>
-    <a:masterClrMapping/>
-  </p:clrMapOvr>
-  <p:transition spd="slow">
-    <p:cut/>
-  </p:transition>
-</p:sld>
-</file>
-
-<file path=ppt/slides/slide6.xml><?xml version="1.0" encoding="utf-8"?>
-<p:sld xmlns:a="http://schemas.openxmlformats.org/drawingml/2006/main" xmlns:r="http://schemas.openxmlformats.org/officeDocument/2006/relationships" xmlns:p="http://schemas.openxmlformats.org/presentationml/2006/main">
-  <p:cSld>
-    <p:spTree>
-      <p:nvGrpSpPr>
-        <p:cNvPr id="1" name="Shape 312"/>
-        <p:cNvGrpSpPr/>
-        <p:nvPr/>
-      </p:nvGrpSpPr>
-      <p:grpSpPr>
-        <a:xfrm>
-          <a:off x="0" y="0"/>
-          <a:ext cx="0" cy="0"/>
-          <a:chOff x="0" y="0"/>
-          <a:chExt cx="0" cy="0"/>
-        </a:xfrm>
-      </p:grpSpPr>
-      <p:sp>
-        <p:nvSpPr>
-          <p:cNvPr id="18" name="Shape 115"/>
-          <p:cNvSpPr txBox="1">
-            <a:spLocks noGrp="1"/>
-          </p:cNvSpPr>
-          <p:nvPr>
-            <p:ph type="ctrTitle"/>
-          </p:nvPr>
-        </p:nvSpPr>
-        <p:spPr>
-          <a:xfrm>
-            <a:off x="0" y="380067"/>
-            <a:ext cx="9143999" cy="535499"/>
-          </a:xfrm>
-          <a:prstGeom prst="rect">
-            <a:avLst/>
-          </a:prstGeom>
-        </p:spPr>
-        <p:txBody>
-          <a:bodyPr lIns="91425" tIns="91425" rIns="91425" bIns="91425" anchor="ctr" anchorCtr="0">
-            <a:noAutofit/>
-          </a:bodyPr>
-          <a:lstStyle/>
-          <a:p>
-            <a:pPr lvl="0"/>
-            <a:r>
-              <a:rPr lang="en-US" sz="3000" dirty="0">
-                <a:solidFill>
-                  <a:srgbClr val="000000"/>
-                </a:solidFill>
-                <a:latin typeface="Montserrat"/>
-                <a:ea typeface="Montserrat"/>
-                <a:cs typeface="Montserrat"/>
-                <a:sym typeface="Montserrat"/>
-              </a:rPr>
-              <a:t>FEATURE LIST – Core app</a:t>
-            </a:r>
-          </a:p>
-        </p:txBody>
-      </p:sp>
-      <p:cxnSp>
-        <p:nvCxnSpPr>
-          <p:cNvPr id="11" name="Shape 77"/>
-          <p:cNvCxnSpPr/>
-          <p:nvPr/>
-        </p:nvCxnSpPr>
-        <p:spPr>
-          <a:xfrm>
-            <a:off x="171450" y="383240"/>
-            <a:ext cx="8801100" cy="0"/>
-          </a:xfrm>
-          <a:prstGeom prst="straightConnector1">
-            <a:avLst/>
-          </a:prstGeom>
-          <a:noFill/>
-          <a:ln w="9525" cap="flat">
-            <a:solidFill>
-              <a:srgbClr val="D9D9D9"/>
-            </a:solidFill>
-            <a:prstDash val="solid"/>
-            <a:round/>
-            <a:headEnd type="none" w="lg" len="lg"/>
-            <a:tailEnd type="none" w="lg" len="lg"/>
-          </a:ln>
-        </p:spPr>
-      </p:cxnSp>
-      <p:graphicFrame>
-        <p:nvGraphicFramePr>
-          <p:cNvPr id="6" name="Table 5"/>
-          <p:cNvGraphicFramePr>
-            <a:graphicFrameLocks noGrp="1"/>
-          </p:cNvGraphicFramePr>
-          <p:nvPr>
-            <p:extLst>
-              <p:ext uri="{D42A27DB-BD31-4B8C-83A1-F6EECF244321}">
-                <p14:modId xmlns:p14="http://schemas.microsoft.com/office/powerpoint/2010/main" val="3214023739"/>
-              </p:ext>
-            </p:extLst>
-          </p:nvPr>
-        </p:nvGraphicFramePr>
-        <p:xfrm>
-          <a:off x="171450" y="1505550"/>
-          <a:ext cx="8712967" cy="1835923"/>
-        </p:xfrm>
-        <a:graphic>
-          <a:graphicData uri="http://schemas.openxmlformats.org/drawingml/2006/table">
-            <a:tbl>
-              <a:tblPr>
-                <a:tableStyleId>{5C22544A-7EE6-4342-B048-85BDC9FD1C3A}</a:tableStyleId>
-              </a:tblPr>
-              <a:tblGrid>
-                <a:gridCol w="544165">
-                  <a:extLst>
-                    <a:ext uri="{9D8B030D-6E8A-4147-A177-3AD203B41FA5}">
-                      <a16:colId xmlns:a16="http://schemas.microsoft.com/office/drawing/2014/main" val="20000"/>
-                    </a:ext>
-                  </a:extLst>
-                </a:gridCol>
-                <a:gridCol w="1872208">
-                  <a:extLst>
-                    <a:ext uri="{9D8B030D-6E8A-4147-A177-3AD203B41FA5}">
-                      <a16:colId xmlns:a16="http://schemas.microsoft.com/office/drawing/2014/main" val="20001"/>
-                    </a:ext>
-                  </a:extLst>
-                </a:gridCol>
-                <a:gridCol w="6296594">
-                  <a:extLst>
-                    <a:ext uri="{9D8B030D-6E8A-4147-A177-3AD203B41FA5}">
-                      <a16:colId xmlns:a16="http://schemas.microsoft.com/office/drawing/2014/main" val="20002"/>
-                    </a:ext>
-                  </a:extLst>
-                </a:gridCol>
-              </a:tblGrid>
-              <a:tr h="494803">
-                <a:tc>
-                  <a:txBody>
-                    <a:bodyPr/>
-                    <a:lstStyle/>
-                    <a:p>
-                      <a:r>
-                        <a:rPr lang="en-US" sz="1100" b="1" dirty="0">
-                          <a:latin typeface="Proxima Nova" charset="0"/>
-                          <a:ea typeface="Proxima Nova" charset="0"/>
-                          <a:cs typeface="Proxima Nova" charset="0"/>
-                        </a:rPr>
-                        <a:t>R1</a:t>
-                      </a:r>
-                    </a:p>
-                  </a:txBody>
-                  <a:tcPr anchor="ctr">
-                    <a:lnL w="12700" cmpd="sng">
-                      <a:noFill/>
-                    </a:lnL>
-                    <a:lnR w="12700" cmpd="sng">
-                      <a:noFill/>
-                    </a:lnR>
-                    <a:lnT w="12700" cmpd="sng">
-                      <a:noFill/>
-                    </a:lnT>
-                    <a:lnB w="6350" cap="flat" cmpd="sng" algn="ctr">
-                      <a:solidFill>
-                        <a:srgbClr val="3A81BA"/>
-                      </a:solidFill>
-                      <a:prstDash val="sysDash"/>
-                      <a:round/>
-                      <a:headEnd type="none" w="med" len="med"/>
-                      <a:tailEnd type="none" w="med" len="med"/>
-                    </a:lnB>
-                    <a:lnTlToBr w="12700" cmpd="sng">
-                      <a:noFill/>
-                      <a:prstDash val="solid"/>
-                    </a:lnTlToBr>
-                    <a:lnBlToTr w="12700" cmpd="sng">
-                      <a:noFill/>
-                      <a:prstDash val="solid"/>
-                    </a:lnBlToTr>
-                    <a:noFill/>
-                  </a:tcPr>
-                </a:tc>
-                <a:tc>
-                  <a:txBody>
-                    <a:bodyPr/>
-                    <a:lstStyle/>
-                    <a:p>
-                      <a:pPr marL="18288" indent="-18288" algn="l"/>
-                      <a:r>
-                        <a:rPr lang="en-US" sz="1100" b="1" dirty="0">
-                          <a:latin typeface="Proxima Nova" charset="0"/>
-                          <a:ea typeface="Proxima Nova" charset="0"/>
-                          <a:cs typeface="Proxima Nova" charset="0"/>
-                        </a:rPr>
-                        <a:t>Create and edit MODAPTS study</a:t>
-                      </a:r>
-                    </a:p>
-                  </a:txBody>
-                  <a:tcPr anchor="ctr">
-                    <a:lnL w="12700" cmpd="sng">
-                      <a:noFill/>
-                    </a:lnL>
-                    <a:lnR w="12700" cmpd="sng">
-                      <a:noFill/>
-                    </a:lnR>
-                    <a:lnT w="12700" cmpd="sng">
-                      <a:noFill/>
-                    </a:lnT>
-                    <a:lnB w="6350" cap="flat" cmpd="sng" algn="ctr">
-                      <a:solidFill>
-                        <a:srgbClr val="3A81BA"/>
-                      </a:solidFill>
-                      <a:prstDash val="sysDash"/>
-                      <a:round/>
-                      <a:headEnd type="none" w="med" len="med"/>
-                      <a:tailEnd type="none" w="med" len="med"/>
-                    </a:lnB>
-                    <a:lnTlToBr w="12700" cmpd="sng">
-                      <a:noFill/>
-                      <a:prstDash val="solid"/>
-                    </a:lnTlToBr>
-                    <a:lnBlToTr w="12700" cmpd="sng">
-                      <a:noFill/>
-                      <a:prstDash val="solid"/>
-                    </a:lnBlToTr>
-                    <a:noFill/>
-                  </a:tcPr>
-                </a:tc>
-                <a:tc>
-                  <a:txBody>
-                    <a:bodyPr/>
-                    <a:lstStyle/>
-                    <a:p>
-                      <a:pPr marL="171450" indent="-171450">
-                        <a:spcAft>
-                          <a:spcPts val="300"/>
-                        </a:spcAft>
-                        <a:buFont typeface="Arial" charset="0"/>
-                        <a:buChar char="•"/>
-                      </a:pPr>
-                      <a:r>
-                        <a:rPr lang="en-US" sz="1100" b="0" i="0" u="none" strike="noStrike" cap="none" baseline="0" dirty="0">
-                          <a:solidFill>
-                            <a:schemeClr val="dk1"/>
-                          </a:solidFill>
-                          <a:latin typeface="Proxima Nova" charset="0"/>
-                          <a:ea typeface="Proxima Nova" charset="0"/>
-                          <a:cs typeface="Proxima Nova" charset="0"/>
-                          <a:sym typeface="Arial"/>
-                          <a:rtl val="0"/>
-                        </a:rPr>
-                        <a:t>Create and edit study from any device.</a:t>
-                      </a:r>
-                    </a:p>
-                    <a:p>
-                      <a:pPr marL="171450" indent="-171450">
-                        <a:spcAft>
-                          <a:spcPts val="300"/>
-                        </a:spcAft>
-                        <a:buFont typeface="Arial" charset="0"/>
-                        <a:buChar char="•"/>
-                      </a:pPr>
-                      <a:r>
-                        <a:rPr lang="en-US" sz="1100" b="0" i="0" u="none" strike="noStrike" cap="none" baseline="0" dirty="0">
-                          <a:solidFill>
-                            <a:schemeClr val="dk1"/>
-                          </a:solidFill>
-                          <a:latin typeface="Proxima Nova" charset="0"/>
-                          <a:ea typeface="Proxima Nova" charset="0"/>
-                          <a:cs typeface="Proxima Nova" charset="0"/>
-                          <a:sym typeface="Arial"/>
-                          <a:rtl val="0"/>
-                        </a:rPr>
-                        <a:t>Save completed or in process studies.</a:t>
-                      </a:r>
-                    </a:p>
-                    <a:p>
-                      <a:pPr marL="171450" indent="-171450">
-                        <a:spcAft>
-                          <a:spcPts val="300"/>
-                        </a:spcAft>
-                        <a:buFont typeface="Arial" charset="0"/>
-                        <a:buChar char="•"/>
-                      </a:pPr>
-                      <a:r>
-                        <a:rPr lang="en-US" sz="1100" b="0" i="0" u="none" strike="noStrike" cap="none" baseline="0" dirty="0">
-                          <a:solidFill>
-                            <a:schemeClr val="dk1"/>
-                          </a:solidFill>
-                          <a:latin typeface="Proxima Nova" charset="0"/>
-                          <a:ea typeface="Proxima Nova" charset="0"/>
-                          <a:cs typeface="Proxima Nova" charset="0"/>
-                          <a:sym typeface="Arial"/>
-                          <a:rtl val="0"/>
-                        </a:rPr>
-                        <a:t>Copy a study.</a:t>
-                      </a:r>
-                    </a:p>
-                  </a:txBody>
-                  <a:tcPr anchor="ctr">
-                    <a:lnL w="12700" cmpd="sng">
-                      <a:noFill/>
-                    </a:lnL>
-                    <a:lnR w="12700" cmpd="sng">
-                      <a:noFill/>
-                    </a:lnR>
-                    <a:lnT w="12700" cmpd="sng">
-                      <a:noFill/>
-                    </a:lnT>
-                    <a:lnB w="6350" cap="flat" cmpd="sng" algn="ctr">
-                      <a:solidFill>
-                        <a:srgbClr val="3A81BA"/>
-                      </a:solidFill>
-                      <a:prstDash val="sysDash"/>
-                      <a:round/>
-                      <a:headEnd type="none" w="med" len="med"/>
-                      <a:tailEnd type="none" w="med" len="med"/>
-                    </a:lnB>
-                    <a:lnTlToBr w="12700" cmpd="sng">
-                      <a:noFill/>
-                      <a:prstDash val="solid"/>
-                    </a:lnTlToBr>
-                    <a:lnBlToTr w="12700" cmpd="sng">
-                      <a:noFill/>
-                      <a:prstDash val="solid"/>
-                    </a:lnBlToTr>
-                    <a:noFill/>
-                  </a:tcPr>
-                </a:tc>
-                <a:extLst>
-                  <a:ext uri="{0D108BD9-81ED-4DB2-BD59-A6C34878D82A}">
-                    <a16:rowId xmlns:a16="http://schemas.microsoft.com/office/drawing/2014/main" val="10000"/>
-                  </a:ext>
-                </a:extLst>
-              </a:tr>
-              <a:tr h="494803">
-                <a:tc>
-                  <a:txBody>
-                    <a:bodyPr/>
-                    <a:lstStyle/>
-                    <a:p>
-                      <a:r>
-                        <a:rPr lang="en-US" sz="1100" b="1" dirty="0">
-                          <a:latin typeface="Proxima Nova" charset="0"/>
-                          <a:ea typeface="Proxima Nova" charset="0"/>
-                          <a:cs typeface="Proxima Nova" charset="0"/>
-                        </a:rPr>
-                        <a:t>R2</a:t>
-                      </a:r>
-                    </a:p>
-                  </a:txBody>
-                  <a:tcPr anchor="ctr">
-                    <a:lnL w="12700" cmpd="sng">
-                      <a:noFill/>
-                    </a:lnL>
-                    <a:lnR w="12700" cmpd="sng">
-                      <a:noFill/>
-                    </a:lnR>
-                    <a:lnT w="6350" cap="flat" cmpd="sng" algn="ctr">
-                      <a:solidFill>
-                        <a:srgbClr val="3A81BA"/>
-                      </a:solidFill>
-                      <a:prstDash val="sysDash"/>
-                      <a:round/>
-                      <a:headEnd type="none" w="med" len="med"/>
-                      <a:tailEnd type="none" w="med" len="med"/>
-                    </a:lnT>
-                    <a:lnB w="6350" cap="flat" cmpd="sng" algn="ctr">
-                      <a:solidFill>
-                        <a:srgbClr val="3A81BA"/>
-                      </a:solidFill>
-                      <a:prstDash val="sysDash"/>
-                      <a:round/>
-                      <a:headEnd type="none" w="med" len="med"/>
-                      <a:tailEnd type="none" w="med" len="med"/>
-                    </a:lnB>
-                    <a:lnTlToBr w="12700" cmpd="sng">
-                      <a:noFill/>
-                      <a:prstDash val="solid"/>
-                    </a:lnTlToBr>
-                    <a:lnBlToTr w="12700" cmpd="sng">
-                      <a:noFill/>
-                      <a:prstDash val="solid"/>
-                    </a:lnBlToTr>
-                    <a:noFill/>
-                  </a:tcPr>
-                </a:tc>
-                <a:tc>
-                  <a:txBody>
-                    <a:bodyPr/>
-                    <a:lstStyle/>
-                    <a:p>
-                      <a:pPr marL="18288" marR="0" indent="-18288" algn="l" defTabSz="914400" rtl="0" eaLnBrk="1" fontAlgn="auto" latinLnBrk="0" hangingPunct="1">
-                        <a:lnSpc>
-                          <a:spcPct val="100000"/>
-                        </a:lnSpc>
-                        <a:spcBef>
-                          <a:spcPts val="0"/>
-                        </a:spcBef>
-                        <a:spcAft>
-                          <a:spcPts val="0"/>
-                        </a:spcAft>
-                        <a:buClrTx/>
-                        <a:buSzTx/>
-                        <a:buFontTx/>
-                        <a:buNone/>
-                        <a:tabLst/>
-                        <a:defRPr/>
-                      </a:pPr>
-                      <a:r>
-                        <a:rPr lang="en-US" sz="1100" b="1" dirty="0">
-                          <a:latin typeface="Proxima Nova" charset="0"/>
-                          <a:ea typeface="Proxima Nova" charset="0"/>
-                          <a:cs typeface="Proxima Nova" charset="0"/>
-                        </a:rPr>
-                        <a:t>MODAPTS Help guide</a:t>
-                      </a:r>
-                    </a:p>
-                  </a:txBody>
-                  <a:tcPr anchor="ctr">
-                    <a:lnL w="12700" cmpd="sng">
-                      <a:noFill/>
-                    </a:lnL>
-                    <a:lnR w="12700" cmpd="sng">
-                      <a:noFill/>
-                    </a:lnR>
-                    <a:lnT w="6350" cap="flat" cmpd="sng" algn="ctr">
-                      <a:solidFill>
-                        <a:srgbClr val="3A81BA"/>
-                      </a:solidFill>
-                      <a:prstDash val="sysDash"/>
-                      <a:round/>
-                      <a:headEnd type="none" w="med" len="med"/>
-                      <a:tailEnd type="none" w="med" len="med"/>
-                    </a:lnT>
-                    <a:lnB w="6350" cap="flat" cmpd="sng" algn="ctr">
-                      <a:solidFill>
-                        <a:srgbClr val="3A81BA"/>
-                      </a:solidFill>
-                      <a:prstDash val="sysDash"/>
-                      <a:round/>
-                      <a:headEnd type="none" w="med" len="med"/>
-                      <a:tailEnd type="none" w="med" len="med"/>
-                    </a:lnB>
-                    <a:lnTlToBr w="12700" cmpd="sng">
-                      <a:noFill/>
-                      <a:prstDash val="solid"/>
-                    </a:lnTlToBr>
-                    <a:lnBlToTr w="12700" cmpd="sng">
-                      <a:noFill/>
-                      <a:prstDash val="solid"/>
-                    </a:lnBlToTr>
-                    <a:noFill/>
-                  </a:tcPr>
-                </a:tc>
-                <a:tc>
-                  <a:txBody>
-                    <a:bodyPr/>
-                    <a:lstStyle/>
-                    <a:p>
-                      <a:pPr marL="174625" marR="0" indent="-174625" algn="just" defTabSz="914400" rtl="0" eaLnBrk="1" fontAlgn="auto" latinLnBrk="0" hangingPunct="1">
-                        <a:lnSpc>
-                          <a:spcPct val="100000"/>
-                        </a:lnSpc>
-                        <a:spcBef>
-                          <a:spcPts val="0"/>
-                        </a:spcBef>
-                        <a:spcAft>
-                          <a:spcPts val="300"/>
-                        </a:spcAft>
-                        <a:buClrTx/>
-                        <a:buSzTx/>
-                        <a:buFont typeface="Arial"/>
-                        <a:buChar char="•"/>
-                        <a:tabLst/>
-                        <a:defRPr/>
-                      </a:pPr>
-                      <a:r>
-                        <a:rPr lang="en-US" sz="1100" baseline="0" dirty="0">
-                          <a:latin typeface="Proxima Nova" charset="0"/>
-                          <a:ea typeface="Proxima Nova" charset="0"/>
-                          <a:cs typeface="Proxima Nova" charset="0"/>
-                        </a:rPr>
-                        <a:t>Written description with rules and recommendations.</a:t>
-                      </a:r>
-                    </a:p>
-                    <a:p>
-                      <a:pPr marL="174625" marR="0" indent="-174625" algn="just" defTabSz="914400" rtl="0" eaLnBrk="1" fontAlgn="auto" latinLnBrk="0" hangingPunct="1">
-                        <a:lnSpc>
-                          <a:spcPct val="100000"/>
-                        </a:lnSpc>
-                        <a:spcBef>
-                          <a:spcPts val="0"/>
-                        </a:spcBef>
-                        <a:spcAft>
-                          <a:spcPts val="300"/>
-                        </a:spcAft>
-                        <a:buClrTx/>
-                        <a:buSzTx/>
-                        <a:buFont typeface="Arial"/>
-                        <a:buChar char="•"/>
-                        <a:tabLst/>
-                        <a:defRPr/>
-                      </a:pPr>
-                      <a:r>
-                        <a:rPr lang="en-US" sz="1100" baseline="0" dirty="0">
-                          <a:latin typeface="Proxima Nova" charset="0"/>
-                          <a:ea typeface="Proxima Nova" charset="0"/>
-                          <a:cs typeface="Proxima Nova" charset="0"/>
-                        </a:rPr>
-                        <a:t>Very short video for each MODAPTS code.</a:t>
-                      </a:r>
-                    </a:p>
-                  </a:txBody>
-                  <a:tcPr anchor="ctr">
-                    <a:lnL w="12700" cmpd="sng">
-                      <a:noFill/>
-                    </a:lnL>
-                    <a:lnR w="12700" cmpd="sng">
-                      <a:noFill/>
-                    </a:lnR>
-                    <a:lnT w="6350" cap="flat" cmpd="sng" algn="ctr">
-                      <a:solidFill>
-                        <a:srgbClr val="3A81BA"/>
-                      </a:solidFill>
-                      <a:prstDash val="sysDash"/>
-                      <a:round/>
-                      <a:headEnd type="none" w="med" len="med"/>
-                      <a:tailEnd type="none" w="med" len="med"/>
-                    </a:lnT>
-                    <a:lnB w="6350" cap="flat" cmpd="sng" algn="ctr">
-                      <a:solidFill>
-                        <a:srgbClr val="3A81BA"/>
-                      </a:solidFill>
-                      <a:prstDash val="sysDash"/>
-                      <a:round/>
-                      <a:headEnd type="none" w="med" len="med"/>
-                      <a:tailEnd type="none" w="med" len="med"/>
-                    </a:lnB>
-                    <a:lnTlToBr w="12700" cmpd="sng">
-                      <a:noFill/>
-                      <a:prstDash val="solid"/>
-                    </a:lnTlToBr>
-                    <a:lnBlToTr w="12700" cmpd="sng">
-                      <a:noFill/>
-                      <a:prstDash val="solid"/>
-                    </a:lnBlToTr>
-                    <a:noFill/>
-                  </a:tcPr>
-                </a:tc>
-                <a:extLst>
-                  <a:ext uri="{0D108BD9-81ED-4DB2-BD59-A6C34878D82A}">
-                    <a16:rowId xmlns:a16="http://schemas.microsoft.com/office/drawing/2014/main" val="10001"/>
-                  </a:ext>
-                </a:extLst>
-              </a:tr>
-              <a:tr h="494803">
-                <a:tc>
-                  <a:txBody>
-                    <a:bodyPr/>
-                    <a:lstStyle/>
-                    <a:p>
-                      <a:r>
-                        <a:rPr lang="en-US" sz="1100" b="1" dirty="0">
-                          <a:latin typeface="Proxima Nova" charset="0"/>
-                          <a:ea typeface="Proxima Nova" charset="0"/>
-                          <a:cs typeface="Proxima Nova" charset="0"/>
-                        </a:rPr>
-                        <a:t>R3</a:t>
-                      </a:r>
-                    </a:p>
-                  </a:txBody>
-                  <a:tcPr anchor="ctr">
-                    <a:lnL w="12700" cmpd="sng">
-                      <a:noFill/>
-                    </a:lnL>
-                    <a:lnR w="12700" cmpd="sng">
-                      <a:noFill/>
-                    </a:lnR>
-                    <a:lnT w="6350" cap="flat" cmpd="sng" algn="ctr">
-                      <a:solidFill>
-                        <a:srgbClr val="3A81BA"/>
-                      </a:solidFill>
-                      <a:prstDash val="sysDash"/>
-                      <a:round/>
-                      <a:headEnd type="none" w="med" len="med"/>
-                      <a:tailEnd type="none" w="med" len="med"/>
-                    </a:lnT>
-                    <a:lnB w="6350" cap="flat" cmpd="sng" algn="ctr">
-                      <a:solidFill>
-                        <a:srgbClr val="3A81BA"/>
-                      </a:solidFill>
-                      <a:prstDash val="sysDash"/>
-                      <a:round/>
-                      <a:headEnd type="none" w="med" len="med"/>
-                      <a:tailEnd type="none" w="med" len="med"/>
-                    </a:lnB>
-                    <a:lnTlToBr w="12700" cmpd="sng">
-                      <a:noFill/>
-                      <a:prstDash val="solid"/>
-                    </a:lnTlToBr>
-                    <a:lnBlToTr w="12700" cmpd="sng">
-                      <a:noFill/>
-                      <a:prstDash val="solid"/>
-                    </a:lnBlToTr>
-                    <a:noFill/>
-                  </a:tcPr>
-                </a:tc>
-                <a:tc>
-                  <a:txBody>
-                    <a:bodyPr/>
-                    <a:lstStyle/>
-                    <a:p>
-                      <a:pPr marL="182880" marR="0" indent="-457200" algn="l" defTabSz="914400" rtl="0" eaLnBrk="1" fontAlgn="auto" latinLnBrk="0" hangingPunct="1">
-                        <a:lnSpc>
-                          <a:spcPct val="100000"/>
-                        </a:lnSpc>
-                        <a:spcBef>
-                          <a:spcPts val="0"/>
-                        </a:spcBef>
-                        <a:spcAft>
-                          <a:spcPts val="0"/>
-                        </a:spcAft>
-                        <a:buClrTx/>
-                        <a:buSzTx/>
-                        <a:buFontTx/>
-                        <a:buNone/>
-                        <a:tabLst/>
-                        <a:defRPr/>
-                      </a:pPr>
-                      <a:r>
-                        <a:rPr lang="en-US" sz="1100" b="1" dirty="0">
-                          <a:latin typeface="Proxima Nova" charset="0"/>
-                          <a:ea typeface="Proxima Nova" charset="0"/>
-                          <a:cs typeface="Proxima Nova" charset="0"/>
-                        </a:rPr>
-                        <a:t>MODAPTS string input</a:t>
-                      </a:r>
-                    </a:p>
-                  </a:txBody>
-                  <a:tcPr anchor="ctr">
-                    <a:lnL w="12700" cmpd="sng">
-                      <a:noFill/>
-                    </a:lnL>
-                    <a:lnR w="12700" cmpd="sng">
-                      <a:noFill/>
-                    </a:lnR>
-                    <a:lnT w="6350" cap="flat" cmpd="sng" algn="ctr">
-                      <a:solidFill>
-                        <a:srgbClr val="3A81BA"/>
-                      </a:solidFill>
-                      <a:prstDash val="sysDash"/>
-                      <a:round/>
-                      <a:headEnd type="none" w="med" len="med"/>
-                      <a:tailEnd type="none" w="med" len="med"/>
-                    </a:lnT>
-                    <a:lnB w="6350" cap="flat" cmpd="sng" algn="ctr">
-                      <a:solidFill>
-                        <a:srgbClr val="3A81BA"/>
-                      </a:solidFill>
-                      <a:prstDash val="sysDash"/>
-                      <a:round/>
-                      <a:headEnd type="none" w="med" len="med"/>
-                      <a:tailEnd type="none" w="med" len="med"/>
-                    </a:lnB>
-                    <a:lnTlToBr w="12700" cmpd="sng">
-                      <a:noFill/>
-                      <a:prstDash val="solid"/>
-                    </a:lnTlToBr>
-                    <a:lnBlToTr w="12700" cmpd="sng">
-                      <a:noFill/>
-                      <a:prstDash val="solid"/>
-                    </a:lnBlToTr>
-                    <a:noFill/>
-                  </a:tcPr>
-                </a:tc>
-                <a:tc>
-                  <a:txBody>
-                    <a:bodyPr/>
-                    <a:lstStyle/>
-                    <a:p>
-                      <a:pPr marL="174625" indent="-174625" algn="just">
-                        <a:spcBef>
-                          <a:spcPts val="0"/>
-                        </a:spcBef>
-                        <a:spcAft>
-                          <a:spcPts val="300"/>
-                        </a:spcAft>
-                        <a:buFont typeface="Arial" panose="020B0604020202020204" pitchFamily="34" charset="0"/>
-                        <a:buChar char="•"/>
-                        <a:tabLst/>
-                      </a:pPr>
-                      <a:r>
-                        <a:rPr lang="en-US" sz="1100" baseline="0" dirty="0">
-                          <a:latin typeface="Proxima Nova" charset="0"/>
-                          <a:ea typeface="Proxima Nova" charset="0"/>
-                          <a:cs typeface="Proxima Nova" charset="0"/>
-                        </a:rPr>
-                        <a:t>User selects MODAPTS code in pairing mode to build MODAPTS string. </a:t>
-                      </a:r>
-                    </a:p>
-                    <a:p>
-                      <a:pPr marL="174625" indent="-174625" algn="just">
-                        <a:spcBef>
-                          <a:spcPts val="0"/>
-                        </a:spcBef>
-                        <a:spcAft>
-                          <a:spcPts val="300"/>
-                        </a:spcAft>
-                        <a:buFont typeface="Arial" panose="020B0604020202020204" pitchFamily="34" charset="0"/>
-                        <a:buChar char="•"/>
-                        <a:tabLst/>
-                      </a:pPr>
-                      <a:r>
-                        <a:rPr lang="en-US" sz="1100" baseline="0" dirty="0">
-                          <a:latin typeface="Proxima Nova" charset="0"/>
-                          <a:ea typeface="Proxima Nova" charset="0"/>
-                          <a:cs typeface="Proxima Nova" charset="0"/>
-                        </a:rPr>
-                        <a:t>Rules for low/high conscience and simultaneous motions will be enforced upon each selection.</a:t>
-                      </a:r>
-                    </a:p>
-                    <a:p>
-                      <a:pPr marL="174625" indent="-174625" algn="just">
-                        <a:spcBef>
-                          <a:spcPts val="0"/>
-                        </a:spcBef>
-                        <a:spcAft>
-                          <a:spcPts val="300"/>
-                        </a:spcAft>
-                        <a:buFont typeface="Arial" panose="020B0604020202020204" pitchFamily="34" charset="0"/>
-                        <a:buChar char="•"/>
-                        <a:tabLst/>
-                      </a:pPr>
-                      <a:r>
-                        <a:rPr lang="en-US" sz="1100" baseline="0" dirty="0">
-                          <a:latin typeface="Proxima Nova" charset="0"/>
-                          <a:ea typeface="Proxima Nova" charset="0"/>
-                          <a:cs typeface="Proxima Nova" charset="0"/>
-                        </a:rPr>
-                        <a:t>Translating MODAPTS string to modules and time.</a:t>
-                      </a:r>
-                    </a:p>
-                  </a:txBody>
-                  <a:tcPr anchor="ctr">
-                    <a:lnL w="12700" cmpd="sng">
-                      <a:noFill/>
-                    </a:lnL>
-                    <a:lnR w="12700" cmpd="sng">
-                      <a:noFill/>
-                    </a:lnR>
-                    <a:lnT w="6350" cap="flat" cmpd="sng" algn="ctr">
-                      <a:solidFill>
-                        <a:srgbClr val="3A81BA"/>
-                      </a:solidFill>
-                      <a:prstDash val="sysDash"/>
-                      <a:round/>
-                      <a:headEnd type="none" w="med" len="med"/>
-                      <a:tailEnd type="none" w="med" len="med"/>
-                    </a:lnT>
-                    <a:lnB w="6350" cap="flat" cmpd="sng" algn="ctr">
-                      <a:solidFill>
-                        <a:srgbClr val="3A81BA"/>
-                      </a:solidFill>
-                      <a:prstDash val="sysDash"/>
-                      <a:round/>
-                      <a:headEnd type="none" w="med" len="med"/>
-                      <a:tailEnd type="none" w="med" len="med"/>
-                    </a:lnB>
-                    <a:lnTlToBr w="12700" cmpd="sng">
-                      <a:noFill/>
-                      <a:prstDash val="solid"/>
-                    </a:lnTlToBr>
-                    <a:lnBlToTr w="12700" cmpd="sng">
-                      <a:noFill/>
-                      <a:prstDash val="solid"/>
-                    </a:lnBlToTr>
-                    <a:noFill/>
-                  </a:tcPr>
-                </a:tc>
-                <a:extLst>
-                  <a:ext uri="{0D108BD9-81ED-4DB2-BD59-A6C34878D82A}">
-                    <a16:rowId xmlns:a16="http://schemas.microsoft.com/office/drawing/2014/main" val="10002"/>
-                  </a:ext>
-                </a:extLst>
-              </a:tr>
-            </a:tbl>
-          </a:graphicData>
-        </a:graphic>
-      </p:graphicFrame>
-      <p:pic>
-        <p:nvPicPr>
-          <p:cNvPr id="7" name="Picture 6"/>
-          <p:cNvPicPr>
-            <a:picLocks noChangeAspect="1"/>
-          </p:cNvPicPr>
-          <p:nvPr/>
-        </p:nvPicPr>
-        <p:blipFill>
-          <a:blip r:embed="rId3" cstate="print">
-            <a:extLst>
-              <a:ext uri="{28A0092B-C50C-407E-A947-70E740481C1C}">
-                <a14:useLocalDpi xmlns:a14="http://schemas.microsoft.com/office/drawing/2010/main" val="0"/>
-              </a:ext>
-            </a:extLst>
-          </a:blip>
-          <a:stretch>
-            <a:fillRect/>
-          </a:stretch>
-        </p:blipFill>
-        <p:spPr>
-          <a:xfrm>
-            <a:off x="7376038" y="-17104"/>
-            <a:ext cx="1596512" cy="414480"/>
-          </a:xfrm>
-          <a:prstGeom prst="rect">
-            <a:avLst/>
-          </a:prstGeom>
-        </p:spPr>
-      </p:pic>
-      <p:sp>
-        <p:nvSpPr>
-          <p:cNvPr id="9" name="TextBox 8"/>
-          <p:cNvSpPr txBox="1"/>
-          <p:nvPr/>
-        </p:nvSpPr>
-        <p:spPr>
-          <a:xfrm>
-            <a:off x="-1" y="1009060"/>
-            <a:ext cx="9143999" cy="338554"/>
-          </a:xfrm>
-          <a:prstGeom prst="rect">
-            <a:avLst/>
-          </a:prstGeom>
-          <a:noFill/>
-        </p:spPr>
-        <p:txBody>
-          <a:bodyPr wrap="square" rtlCol="0">
-            <a:spAutoFit/>
-          </a:bodyPr>
-          <a:lstStyle/>
-          <a:p>
-            <a:pPr algn="ctr"/>
-            <a:r>
-              <a:rPr lang="en-US" sz="1600" dirty="0">
-                <a:latin typeface="Proxima Nova" charset="0"/>
-                <a:ea typeface="Proxima Nova" charset="0"/>
-                <a:cs typeface="Proxima Nova" charset="0"/>
-              </a:rPr>
-              <a:t>Study Management </a:t>
-            </a:r>
-          </a:p>
-        </p:txBody>
-      </p:sp>
-    </p:spTree>
-    <p:extLst>
-      <p:ext uri="{BB962C8B-B14F-4D97-AF65-F5344CB8AC3E}">
-        <p14:creationId xmlns:p14="http://schemas.microsoft.com/office/powerpoint/2010/main" val="610664424"/>
-      </p:ext>
-    </p:extLst>
-  </p:cSld>
-  <p:clrMapOvr>
-    <a:masterClrMapping/>
-  </p:clrMapOvr>
-  <p:transition spd="slow">
-    <p:cut/>
-  </p:transition>
-</p:sld>
-</file>
-
-<file path=ppt/slides/slide7.xml><?xml version="1.0" encoding="utf-8"?>
-<p:sld xmlns:a="http://schemas.openxmlformats.org/drawingml/2006/main" xmlns:r="http://schemas.openxmlformats.org/officeDocument/2006/relationships" xmlns:p="http://schemas.openxmlformats.org/presentationml/2006/main">
-  <p:cSld>
-    <p:spTree>
-      <p:nvGrpSpPr>
-        <p:cNvPr id="1" name="Shape 312"/>
-        <p:cNvGrpSpPr/>
-        <p:nvPr/>
-      </p:nvGrpSpPr>
-      <p:grpSpPr>
-        <a:xfrm>
-          <a:off x="0" y="0"/>
-          <a:ext cx="0" cy="0"/>
-          <a:chOff x="0" y="0"/>
-          <a:chExt cx="0" cy="0"/>
-        </a:xfrm>
-      </p:grpSpPr>
-      <p:sp>
-        <p:nvSpPr>
-          <p:cNvPr id="18" name="Shape 115"/>
-          <p:cNvSpPr txBox="1">
-            <a:spLocks noGrp="1"/>
-          </p:cNvSpPr>
-          <p:nvPr>
-            <p:ph type="ctrTitle"/>
-          </p:nvPr>
-        </p:nvSpPr>
-        <p:spPr>
-          <a:xfrm>
-            <a:off x="0" y="380067"/>
-            <a:ext cx="9143999" cy="535499"/>
-          </a:xfrm>
-          <a:prstGeom prst="rect">
-            <a:avLst/>
-          </a:prstGeom>
-        </p:spPr>
-        <p:txBody>
-          <a:bodyPr lIns="91425" tIns="91425" rIns="91425" bIns="91425" anchor="ctr" anchorCtr="0">
-            <a:noAutofit/>
-          </a:bodyPr>
-          <a:lstStyle/>
-          <a:p>
-            <a:pPr lvl="0"/>
-            <a:r>
-              <a:rPr lang="en-US" sz="3000" dirty="0">
-                <a:solidFill>
-                  <a:srgbClr val="000000"/>
-                </a:solidFill>
-                <a:latin typeface="Montserrat"/>
-                <a:ea typeface="Montserrat"/>
-                <a:cs typeface="Montserrat"/>
-                <a:sym typeface="Montserrat"/>
-              </a:rPr>
-              <a:t>FEATURE LIST – Core app</a:t>
-            </a:r>
-          </a:p>
-        </p:txBody>
-      </p:sp>
-      <p:cxnSp>
-        <p:nvCxnSpPr>
-          <p:cNvPr id="11" name="Shape 77"/>
-          <p:cNvCxnSpPr/>
-          <p:nvPr/>
-        </p:nvCxnSpPr>
-        <p:spPr>
-          <a:xfrm>
-            <a:off x="171450" y="383240"/>
-            <a:ext cx="8801100" cy="0"/>
-          </a:xfrm>
-          <a:prstGeom prst="straightConnector1">
-            <a:avLst/>
-          </a:prstGeom>
-          <a:noFill/>
-          <a:ln w="9525" cap="flat">
-            <a:solidFill>
-              <a:srgbClr val="D9D9D9"/>
-            </a:solidFill>
-            <a:prstDash val="solid"/>
-            <a:round/>
-            <a:headEnd type="none" w="lg" len="lg"/>
-            <a:tailEnd type="none" w="lg" len="lg"/>
-          </a:ln>
-        </p:spPr>
-      </p:cxnSp>
-      <p:graphicFrame>
-        <p:nvGraphicFramePr>
-          <p:cNvPr id="6" name="Table 5"/>
-          <p:cNvGraphicFramePr>
-            <a:graphicFrameLocks noGrp="1"/>
-          </p:cNvGraphicFramePr>
-          <p:nvPr>
-            <p:extLst>
-              <p:ext uri="{D42A27DB-BD31-4B8C-83A1-F6EECF244321}">
-                <p14:modId xmlns:p14="http://schemas.microsoft.com/office/powerpoint/2010/main" val="2790852012"/>
-              </p:ext>
-            </p:extLst>
-          </p:nvPr>
-        </p:nvGraphicFramePr>
-        <p:xfrm>
-          <a:off x="171450" y="1505550"/>
-          <a:ext cx="8712967" cy="989606"/>
-        </p:xfrm>
-        <a:graphic>
-          <a:graphicData uri="http://schemas.openxmlformats.org/drawingml/2006/table">
-            <a:tbl>
-              <a:tblPr>
-                <a:tableStyleId>{5C22544A-7EE6-4342-B048-85BDC9FD1C3A}</a:tableStyleId>
-              </a:tblPr>
-              <a:tblGrid>
-                <a:gridCol w="544165">
-                  <a:extLst>
-                    <a:ext uri="{9D8B030D-6E8A-4147-A177-3AD203B41FA5}">
-                      <a16:colId xmlns:a16="http://schemas.microsoft.com/office/drawing/2014/main" val="20000"/>
-                    </a:ext>
-                  </a:extLst>
-                </a:gridCol>
-                <a:gridCol w="1872208">
-                  <a:extLst>
-                    <a:ext uri="{9D8B030D-6E8A-4147-A177-3AD203B41FA5}">
-                      <a16:colId xmlns:a16="http://schemas.microsoft.com/office/drawing/2014/main" val="20001"/>
-                    </a:ext>
-                  </a:extLst>
-                </a:gridCol>
-                <a:gridCol w="6296594">
-                  <a:extLst>
-                    <a:ext uri="{9D8B030D-6E8A-4147-A177-3AD203B41FA5}">
-                      <a16:colId xmlns:a16="http://schemas.microsoft.com/office/drawing/2014/main" val="20002"/>
-                    </a:ext>
-                  </a:extLst>
-                </a:gridCol>
-              </a:tblGrid>
-              <a:tr h="494803">
-                <a:tc>
-                  <a:txBody>
-                    <a:bodyPr/>
-                    <a:lstStyle/>
-                    <a:p>
-                      <a:r>
-                        <a:rPr lang="en-US" sz="1100" b="1" dirty="0">
-                          <a:latin typeface="Proxima Nova" charset="0"/>
-                          <a:ea typeface="Proxima Nova" charset="0"/>
-                          <a:cs typeface="Proxima Nova" charset="0"/>
-                        </a:rPr>
-                        <a:t>R4</a:t>
-                      </a:r>
-                    </a:p>
-                  </a:txBody>
-                  <a:tcPr anchor="ctr">
-                    <a:lnL w="12700" cmpd="sng">
-                      <a:noFill/>
-                    </a:lnL>
-                    <a:lnR w="12700" cmpd="sng">
-                      <a:noFill/>
-                    </a:lnR>
-                    <a:lnT w="12700" cmpd="sng">
-                      <a:noFill/>
-                    </a:lnT>
-                    <a:lnB w="6350" cap="flat" cmpd="sng" algn="ctr">
-                      <a:solidFill>
-                        <a:srgbClr val="3A81BA"/>
-                      </a:solidFill>
-                      <a:prstDash val="sysDash"/>
-                      <a:round/>
-                      <a:headEnd type="none" w="med" len="med"/>
-                      <a:tailEnd type="none" w="med" len="med"/>
-                    </a:lnB>
-                    <a:lnTlToBr w="12700" cmpd="sng">
-                      <a:noFill/>
-                      <a:prstDash val="solid"/>
-                    </a:lnTlToBr>
-                    <a:lnBlToTr w="12700" cmpd="sng">
-                      <a:noFill/>
-                      <a:prstDash val="solid"/>
-                    </a:lnBlToTr>
-                    <a:noFill/>
-                  </a:tcPr>
-                </a:tc>
-                <a:tc>
-                  <a:txBody>
-                    <a:bodyPr/>
-                    <a:lstStyle/>
-                    <a:p>
-                      <a:pPr marL="18288" indent="-18288" algn="l"/>
-                      <a:r>
-                        <a:rPr lang="en-US" sz="1100" b="1" dirty="0">
-                          <a:latin typeface="Proxima Nova" charset="0"/>
-                          <a:ea typeface="Proxima Nova" charset="0"/>
-                          <a:cs typeface="Proxima Nova" charset="0"/>
-                        </a:rPr>
-                        <a:t>Work elements &amp; steps</a:t>
-                      </a:r>
-                    </a:p>
-                  </a:txBody>
-                  <a:tcPr anchor="ctr">
-                    <a:lnL w="12700" cmpd="sng">
-                      <a:noFill/>
-                    </a:lnL>
-                    <a:lnR w="12700" cmpd="sng">
-                      <a:noFill/>
-                    </a:lnR>
-                    <a:lnT w="12700" cmpd="sng">
-                      <a:noFill/>
-                    </a:lnT>
-                    <a:lnB w="6350" cap="flat" cmpd="sng" algn="ctr">
-                      <a:solidFill>
-                        <a:srgbClr val="3A81BA"/>
-                      </a:solidFill>
-                      <a:prstDash val="sysDash"/>
-                      <a:round/>
-                      <a:headEnd type="none" w="med" len="med"/>
-                      <a:tailEnd type="none" w="med" len="med"/>
-                    </a:lnB>
-                    <a:lnTlToBr w="12700" cmpd="sng">
-                      <a:noFill/>
-                      <a:prstDash val="solid"/>
-                    </a:lnTlToBr>
-                    <a:lnBlToTr w="12700" cmpd="sng">
-                      <a:noFill/>
-                      <a:prstDash val="solid"/>
-                    </a:lnBlToTr>
-                    <a:noFill/>
-                  </a:tcPr>
-                </a:tc>
-                <a:tc>
-                  <a:txBody>
-                    <a:bodyPr/>
-                    <a:lstStyle/>
-                    <a:p>
-                      <a:pPr marL="171450" indent="-171450">
-                        <a:spcAft>
-                          <a:spcPts val="300"/>
-                        </a:spcAft>
-                        <a:buFont typeface="Arial" charset="0"/>
-                        <a:buChar char="•"/>
-                      </a:pPr>
-                      <a:r>
-                        <a:rPr lang="en-US" sz="1100" b="0" i="0" u="none" strike="noStrike" cap="none" baseline="0" dirty="0">
-                          <a:solidFill>
-                            <a:schemeClr val="dk1"/>
-                          </a:solidFill>
-                          <a:latin typeface="Proxima Nova" charset="0"/>
-                          <a:ea typeface="Proxima Nova" charset="0"/>
-                          <a:cs typeface="Proxima Nova" charset="0"/>
-                          <a:sym typeface="Arial"/>
-                          <a:rtl val="0"/>
-                        </a:rPr>
-                        <a:t>Order work elements and work steps by drag and drop operations.</a:t>
-                      </a:r>
-                    </a:p>
-                  </a:txBody>
-                  <a:tcPr anchor="ctr">
-                    <a:lnL w="12700" cmpd="sng">
-                      <a:noFill/>
-                    </a:lnL>
-                    <a:lnR w="12700" cmpd="sng">
-                      <a:noFill/>
-                    </a:lnR>
-                    <a:lnT w="12700" cmpd="sng">
-                      <a:noFill/>
-                    </a:lnT>
-                    <a:lnB w="6350" cap="flat" cmpd="sng" algn="ctr">
-                      <a:solidFill>
-                        <a:srgbClr val="3A81BA"/>
-                      </a:solidFill>
-                      <a:prstDash val="sysDash"/>
-                      <a:round/>
-                      <a:headEnd type="none" w="med" len="med"/>
-                      <a:tailEnd type="none" w="med" len="med"/>
-                    </a:lnB>
-                    <a:lnTlToBr w="12700" cmpd="sng">
-                      <a:noFill/>
-                      <a:prstDash val="solid"/>
-                    </a:lnTlToBr>
-                    <a:lnBlToTr w="12700" cmpd="sng">
-                      <a:noFill/>
-                      <a:prstDash val="solid"/>
-                    </a:lnBlToTr>
-                    <a:noFill/>
-                  </a:tcPr>
-                </a:tc>
-                <a:extLst>
-                  <a:ext uri="{0D108BD9-81ED-4DB2-BD59-A6C34878D82A}">
-                    <a16:rowId xmlns:a16="http://schemas.microsoft.com/office/drawing/2014/main" val="10000"/>
-                  </a:ext>
-                </a:extLst>
-              </a:tr>
-              <a:tr h="494803">
-                <a:tc>
-                  <a:txBody>
-                    <a:bodyPr/>
-                    <a:lstStyle/>
-                    <a:p>
-                      <a:r>
-                        <a:rPr lang="en-US" sz="1100" b="1" dirty="0">
-                          <a:latin typeface="Proxima Nova" charset="0"/>
-                          <a:ea typeface="Proxima Nova" charset="0"/>
-                          <a:cs typeface="Proxima Nova" charset="0"/>
-                        </a:rPr>
-                        <a:t>R5</a:t>
-                      </a:r>
-                    </a:p>
-                  </a:txBody>
-                  <a:tcPr anchor="ctr">
-                    <a:lnL w="12700" cmpd="sng">
-                      <a:noFill/>
-                    </a:lnL>
-                    <a:lnR w="12700" cmpd="sng">
-                      <a:noFill/>
-                    </a:lnR>
-                    <a:lnT w="6350" cap="flat" cmpd="sng" algn="ctr">
-                      <a:solidFill>
-                        <a:srgbClr val="3A81BA"/>
-                      </a:solidFill>
-                      <a:prstDash val="sysDash"/>
-                      <a:round/>
-                      <a:headEnd type="none" w="med" len="med"/>
-                      <a:tailEnd type="none" w="med" len="med"/>
-                    </a:lnT>
-                    <a:lnB w="6350" cap="flat" cmpd="sng" algn="ctr">
-                      <a:solidFill>
-                        <a:srgbClr val="3A81BA"/>
-                      </a:solidFill>
-                      <a:prstDash val="sysDash"/>
-                      <a:round/>
-                      <a:headEnd type="none" w="med" len="med"/>
-                      <a:tailEnd type="none" w="med" len="med"/>
-                    </a:lnB>
-                    <a:lnTlToBr w="12700" cmpd="sng">
-                      <a:noFill/>
-                      <a:prstDash val="solid"/>
-                    </a:lnTlToBr>
-                    <a:lnBlToTr w="12700" cmpd="sng">
-                      <a:noFill/>
-                      <a:prstDash val="solid"/>
-                    </a:lnBlToTr>
-                    <a:noFill/>
-                  </a:tcPr>
-                </a:tc>
-                <a:tc>
-                  <a:txBody>
-                    <a:bodyPr/>
-                    <a:lstStyle/>
-                    <a:p>
-                      <a:pPr marL="18288" marR="0" indent="-18288" algn="l" defTabSz="914400" rtl="0" eaLnBrk="1" fontAlgn="auto" latinLnBrk="0" hangingPunct="1">
-                        <a:lnSpc>
-                          <a:spcPct val="100000"/>
-                        </a:lnSpc>
-                        <a:spcBef>
-                          <a:spcPts val="0"/>
-                        </a:spcBef>
-                        <a:spcAft>
-                          <a:spcPts val="0"/>
-                        </a:spcAft>
-                        <a:buClrTx/>
-                        <a:buSzTx/>
-                        <a:buFontTx/>
-                        <a:buNone/>
-                        <a:tabLst/>
-                        <a:defRPr/>
-                      </a:pPr>
-                      <a:r>
-                        <a:rPr lang="en-US" sz="1100" b="1" dirty="0">
-                          <a:latin typeface="Proxima Nova" charset="0"/>
-                          <a:ea typeface="Proxima Nova" charset="0"/>
-                          <a:cs typeface="Proxima Nova" charset="0"/>
-                        </a:rPr>
-                        <a:t>MODAPTS Study</a:t>
-                      </a:r>
-                      <a:r>
-                        <a:rPr lang="en-US" sz="1100" b="1" baseline="0" dirty="0">
-                          <a:latin typeface="Proxima Nova" charset="0"/>
-                          <a:ea typeface="Proxima Nova" charset="0"/>
-                          <a:cs typeface="Proxima Nova" charset="0"/>
-                        </a:rPr>
-                        <a:t> storage</a:t>
-                      </a:r>
-                      <a:endParaRPr lang="en-US" sz="1100" b="1" dirty="0">
-                        <a:latin typeface="Proxima Nova" charset="0"/>
-                        <a:ea typeface="Proxima Nova" charset="0"/>
-                        <a:cs typeface="Proxima Nova" charset="0"/>
-                      </a:endParaRPr>
-                    </a:p>
-                  </a:txBody>
-                  <a:tcPr anchor="ctr">
-                    <a:lnL w="12700" cmpd="sng">
-                      <a:noFill/>
-                    </a:lnL>
-                    <a:lnR w="12700" cmpd="sng">
-                      <a:noFill/>
-                    </a:lnR>
-                    <a:lnT w="6350" cap="flat" cmpd="sng" algn="ctr">
-                      <a:solidFill>
-                        <a:srgbClr val="3A81BA"/>
-                      </a:solidFill>
-                      <a:prstDash val="sysDash"/>
-                      <a:round/>
-                      <a:headEnd type="none" w="med" len="med"/>
-                      <a:tailEnd type="none" w="med" len="med"/>
-                    </a:lnT>
-                    <a:lnB w="6350" cap="flat" cmpd="sng" algn="ctr">
-                      <a:solidFill>
-                        <a:srgbClr val="3A81BA"/>
-                      </a:solidFill>
-                      <a:prstDash val="sysDash"/>
-                      <a:round/>
-                      <a:headEnd type="none" w="med" len="med"/>
-                      <a:tailEnd type="none" w="med" len="med"/>
-                    </a:lnB>
-                    <a:lnTlToBr w="12700" cmpd="sng">
-                      <a:noFill/>
-                      <a:prstDash val="solid"/>
-                    </a:lnTlToBr>
-                    <a:lnBlToTr w="12700" cmpd="sng">
-                      <a:noFill/>
-                      <a:prstDash val="solid"/>
-                    </a:lnBlToTr>
-                    <a:noFill/>
-                  </a:tcPr>
-                </a:tc>
-                <a:tc>
-                  <a:txBody>
-                    <a:bodyPr/>
-                    <a:lstStyle/>
-                    <a:p>
-                      <a:pPr marL="174625" marR="0" indent="-174625" algn="just" defTabSz="914400" rtl="0" eaLnBrk="1" fontAlgn="auto" latinLnBrk="0" hangingPunct="1">
-                        <a:lnSpc>
-                          <a:spcPct val="100000"/>
-                        </a:lnSpc>
-                        <a:spcBef>
-                          <a:spcPts val="0"/>
-                        </a:spcBef>
-                        <a:spcAft>
-                          <a:spcPts val="300"/>
-                        </a:spcAft>
-                        <a:buClrTx/>
-                        <a:buSzTx/>
-                        <a:buFont typeface="Arial"/>
-                        <a:buChar char="•"/>
-                        <a:tabLst/>
-                        <a:defRPr/>
-                      </a:pPr>
-                      <a:r>
-                        <a:rPr lang="en-US" sz="1100" baseline="0" dirty="0">
-                          <a:latin typeface="Proxima Nova" charset="0"/>
-                          <a:ea typeface="Proxima Nova" charset="0"/>
-                          <a:cs typeface="Proxima Nova" charset="0"/>
-                        </a:rPr>
-                        <a:t>Store MODAPTS studies by plant, department/area, team/zone, station/operation.</a:t>
-                      </a:r>
-                    </a:p>
-                  </a:txBody>
-                  <a:tcPr anchor="ctr">
-                    <a:lnL w="12700" cmpd="sng">
-                      <a:noFill/>
-                    </a:lnL>
-                    <a:lnR w="12700" cmpd="sng">
-                      <a:noFill/>
-                    </a:lnR>
-                    <a:lnT w="6350" cap="flat" cmpd="sng" algn="ctr">
-                      <a:solidFill>
-                        <a:srgbClr val="3A81BA"/>
-                      </a:solidFill>
-                      <a:prstDash val="sysDash"/>
-                      <a:round/>
-                      <a:headEnd type="none" w="med" len="med"/>
-                      <a:tailEnd type="none" w="med" len="med"/>
-                    </a:lnT>
-                    <a:lnB w="6350" cap="flat" cmpd="sng" algn="ctr">
-                      <a:solidFill>
-                        <a:srgbClr val="3A81BA"/>
-                      </a:solidFill>
-                      <a:prstDash val="sysDash"/>
-                      <a:round/>
-                      <a:headEnd type="none" w="med" len="med"/>
-                      <a:tailEnd type="none" w="med" len="med"/>
-                    </a:lnB>
-                    <a:lnTlToBr w="12700" cmpd="sng">
-                      <a:noFill/>
-                      <a:prstDash val="solid"/>
-                    </a:lnTlToBr>
-                    <a:lnBlToTr w="12700" cmpd="sng">
-                      <a:noFill/>
-                      <a:prstDash val="solid"/>
-                    </a:lnBlToTr>
-                    <a:noFill/>
-                  </a:tcPr>
-                </a:tc>
-                <a:extLst>
-                  <a:ext uri="{0D108BD9-81ED-4DB2-BD59-A6C34878D82A}">
-                    <a16:rowId xmlns:a16="http://schemas.microsoft.com/office/drawing/2014/main" val="10001"/>
-                  </a:ext>
-                </a:extLst>
-              </a:tr>
-            </a:tbl>
-          </a:graphicData>
-        </a:graphic>
-      </p:graphicFrame>
-      <p:pic>
-        <p:nvPicPr>
-          <p:cNvPr id="7" name="Picture 6"/>
-          <p:cNvPicPr>
-            <a:picLocks noChangeAspect="1"/>
-          </p:cNvPicPr>
-          <p:nvPr/>
-        </p:nvPicPr>
-        <p:blipFill>
-          <a:blip r:embed="rId3" cstate="print">
-            <a:extLst>
-              <a:ext uri="{28A0092B-C50C-407E-A947-70E740481C1C}">
-                <a14:useLocalDpi xmlns:a14="http://schemas.microsoft.com/office/drawing/2010/main" val="0"/>
-              </a:ext>
-            </a:extLst>
-          </a:blip>
-          <a:stretch>
-            <a:fillRect/>
-          </a:stretch>
-        </p:blipFill>
-        <p:spPr>
-          <a:xfrm>
-            <a:off x="7376038" y="-17104"/>
-            <a:ext cx="1596512" cy="414480"/>
-          </a:xfrm>
-          <a:prstGeom prst="rect">
-            <a:avLst/>
-          </a:prstGeom>
-        </p:spPr>
-      </p:pic>
-      <p:sp>
-        <p:nvSpPr>
-          <p:cNvPr id="9" name="TextBox 8"/>
-          <p:cNvSpPr txBox="1"/>
-          <p:nvPr/>
-        </p:nvSpPr>
-        <p:spPr>
-          <a:xfrm>
-            <a:off x="-1" y="1009060"/>
-            <a:ext cx="9143999" cy="338554"/>
-          </a:xfrm>
-          <a:prstGeom prst="rect">
-            <a:avLst/>
-          </a:prstGeom>
-          <a:noFill/>
-        </p:spPr>
-        <p:txBody>
-          <a:bodyPr wrap="square" rtlCol="0">
-            <a:spAutoFit/>
-          </a:bodyPr>
-          <a:lstStyle/>
-          <a:p>
-            <a:pPr algn="ctr"/>
-            <a:r>
-              <a:rPr lang="en-US" sz="1600" dirty="0">
-                <a:latin typeface="Proxima Nova" charset="0"/>
-                <a:ea typeface="Proxima Nova" charset="0"/>
-                <a:cs typeface="Proxima Nova" charset="0"/>
-              </a:rPr>
-              <a:t>Studies Organization </a:t>
-            </a:r>
-          </a:p>
-        </p:txBody>
-      </p:sp>
-    </p:spTree>
-    <p:extLst>
-      <p:ext uri="{BB962C8B-B14F-4D97-AF65-F5344CB8AC3E}">
-        <p14:creationId xmlns:p14="http://schemas.microsoft.com/office/powerpoint/2010/main" val="3953802187"/>
-      </p:ext>
-    </p:extLst>
-  </p:cSld>
-  <p:clrMapOvr>
-    <a:masterClrMapping/>
-  </p:clrMapOvr>
-  <p:transition spd="slow">
-    <p:cut/>
-  </p:transition>
-</p:sld>
-</file>
-
-<file path=ppt/slides/slide8.xml><?xml version="1.0" encoding="utf-8"?>
-<p:sld xmlns:a="http://schemas.openxmlformats.org/drawingml/2006/main" xmlns:r="http://schemas.openxmlformats.org/officeDocument/2006/relationships" xmlns:p="http://schemas.openxmlformats.org/presentationml/2006/main">
-  <p:cSld>
-    <p:spTree>
-      <p:nvGrpSpPr>
-        <p:cNvPr id="1" name="Shape 312"/>
-        <p:cNvGrpSpPr/>
-        <p:nvPr/>
-      </p:nvGrpSpPr>
-      <p:grpSpPr>
-        <a:xfrm>
-          <a:off x="0" y="0"/>
-          <a:ext cx="0" cy="0"/>
-          <a:chOff x="0" y="0"/>
-          <a:chExt cx="0" cy="0"/>
-        </a:xfrm>
-      </p:grpSpPr>
-      <p:sp>
-        <p:nvSpPr>
-          <p:cNvPr id="18" name="Shape 115"/>
-          <p:cNvSpPr txBox="1">
-            <a:spLocks noGrp="1"/>
-          </p:cNvSpPr>
-          <p:nvPr>
-            <p:ph type="ctrTitle"/>
-          </p:nvPr>
-        </p:nvSpPr>
-        <p:spPr>
-          <a:xfrm>
-            <a:off x="0" y="380067"/>
-            <a:ext cx="9143999" cy="535499"/>
-          </a:xfrm>
-          <a:prstGeom prst="rect">
-            <a:avLst/>
-          </a:prstGeom>
-        </p:spPr>
-        <p:txBody>
-          <a:bodyPr lIns="91425" tIns="91425" rIns="91425" bIns="91425" anchor="ctr" anchorCtr="0">
-            <a:noAutofit/>
-          </a:bodyPr>
-          <a:lstStyle/>
-          <a:p>
-            <a:pPr lvl="0"/>
-            <a:r>
-              <a:rPr lang="en-US" sz="3000" dirty="0">
-                <a:solidFill>
-                  <a:srgbClr val="000000"/>
-                </a:solidFill>
-                <a:latin typeface="Montserrat"/>
-                <a:ea typeface="Montserrat"/>
-                <a:cs typeface="Montserrat"/>
-                <a:sym typeface="Montserrat"/>
-              </a:rPr>
-              <a:t>FEATURE LIST – Core app</a:t>
-            </a:r>
-          </a:p>
-        </p:txBody>
-      </p:sp>
-      <p:cxnSp>
-        <p:nvCxnSpPr>
-          <p:cNvPr id="11" name="Shape 77"/>
-          <p:cNvCxnSpPr/>
-          <p:nvPr/>
-        </p:nvCxnSpPr>
-        <p:spPr>
-          <a:xfrm>
-            <a:off x="171450" y="383240"/>
-            <a:ext cx="8801100" cy="0"/>
-          </a:xfrm>
-          <a:prstGeom prst="straightConnector1">
-            <a:avLst/>
-          </a:prstGeom>
-          <a:noFill/>
-          <a:ln w="9525" cap="flat">
-            <a:solidFill>
-              <a:srgbClr val="D9D9D9"/>
-            </a:solidFill>
-            <a:prstDash val="solid"/>
-            <a:round/>
-            <a:headEnd type="none" w="lg" len="lg"/>
-            <a:tailEnd type="none" w="lg" len="lg"/>
-          </a:ln>
-        </p:spPr>
-      </p:cxnSp>
-      <p:graphicFrame>
-        <p:nvGraphicFramePr>
-          <p:cNvPr id="6" name="Table 5"/>
-          <p:cNvGraphicFramePr>
-            <a:graphicFrameLocks noGrp="1"/>
-          </p:cNvGraphicFramePr>
-          <p:nvPr>
-            <p:extLst>
-              <p:ext uri="{D42A27DB-BD31-4B8C-83A1-F6EECF244321}">
-                <p14:modId xmlns:p14="http://schemas.microsoft.com/office/powerpoint/2010/main" val="681479539"/>
-              </p:ext>
-            </p:extLst>
-          </p:nvPr>
-        </p:nvGraphicFramePr>
-        <p:xfrm>
-          <a:off x="171450" y="1505550"/>
-          <a:ext cx="8712967" cy="1498248"/>
-        </p:xfrm>
-        <a:graphic>
-          <a:graphicData uri="http://schemas.openxmlformats.org/drawingml/2006/table">
-            <a:tbl>
-              <a:tblPr>
-                <a:tableStyleId>{5C22544A-7EE6-4342-B048-85BDC9FD1C3A}</a:tableStyleId>
-              </a:tblPr>
-              <a:tblGrid>
-                <a:gridCol w="544165">
-                  <a:extLst>
-                    <a:ext uri="{9D8B030D-6E8A-4147-A177-3AD203B41FA5}">
-                      <a16:colId xmlns:a16="http://schemas.microsoft.com/office/drawing/2014/main" val="20000"/>
-                    </a:ext>
-                  </a:extLst>
-                </a:gridCol>
-                <a:gridCol w="1872208">
-                  <a:extLst>
-                    <a:ext uri="{9D8B030D-6E8A-4147-A177-3AD203B41FA5}">
-                      <a16:colId xmlns:a16="http://schemas.microsoft.com/office/drawing/2014/main" val="20001"/>
-                    </a:ext>
-                  </a:extLst>
-                </a:gridCol>
-                <a:gridCol w="6296594">
-                  <a:extLst>
-                    <a:ext uri="{9D8B030D-6E8A-4147-A177-3AD203B41FA5}">
-                      <a16:colId xmlns:a16="http://schemas.microsoft.com/office/drawing/2014/main" val="20002"/>
-                    </a:ext>
-                  </a:extLst>
-                </a:gridCol>
-              </a:tblGrid>
-              <a:tr h="494803">
-                <a:tc>
-                  <a:txBody>
-                    <a:bodyPr/>
-                    <a:lstStyle/>
-                    <a:p>
-                      <a:r>
-                        <a:rPr lang="en-US" sz="1100" b="1" dirty="0">
-                          <a:latin typeface="Proxima Nova" charset="0"/>
-                          <a:ea typeface="Proxima Nova" charset="0"/>
-                          <a:cs typeface="Proxima Nova" charset="0"/>
-                        </a:rPr>
-                        <a:t>R6</a:t>
-                      </a:r>
-                    </a:p>
-                  </a:txBody>
-                  <a:tcPr anchor="ctr">
-                    <a:lnL w="12700" cmpd="sng">
-                      <a:noFill/>
-                    </a:lnL>
-                    <a:lnR w="12700" cmpd="sng">
-                      <a:noFill/>
-                    </a:lnR>
-                    <a:lnT w="12700" cmpd="sng">
-                      <a:noFill/>
-                    </a:lnT>
-                    <a:lnB w="6350" cap="flat" cmpd="sng" algn="ctr">
-                      <a:solidFill>
-                        <a:srgbClr val="3A81BA"/>
-                      </a:solidFill>
-                      <a:prstDash val="sysDash"/>
-                      <a:round/>
-                      <a:headEnd type="none" w="med" len="med"/>
-                      <a:tailEnd type="none" w="med" len="med"/>
-                    </a:lnB>
-                    <a:lnTlToBr w="12700" cmpd="sng">
-                      <a:noFill/>
-                      <a:prstDash val="solid"/>
-                    </a:lnTlToBr>
-                    <a:lnBlToTr w="12700" cmpd="sng">
-                      <a:noFill/>
-                      <a:prstDash val="solid"/>
-                    </a:lnBlToTr>
-                    <a:noFill/>
-                  </a:tcPr>
-                </a:tc>
-                <a:tc>
-                  <a:txBody>
-                    <a:bodyPr/>
-                    <a:lstStyle/>
-                    <a:p>
-                      <a:pPr marL="18288" indent="-18288" algn="l"/>
-                      <a:r>
-                        <a:rPr lang="en-US" sz="1100" b="1" dirty="0">
-                          <a:latin typeface="Proxima Nova" charset="0"/>
-                          <a:ea typeface="Proxima Nova" charset="0"/>
-                          <a:cs typeface="Proxima Nova" charset="0"/>
-                        </a:rPr>
-                        <a:t>OIS report</a:t>
-                      </a:r>
-                    </a:p>
-                  </a:txBody>
-                  <a:tcPr anchor="ctr">
-                    <a:lnL w="12700" cmpd="sng">
-                      <a:noFill/>
-                    </a:lnL>
-                    <a:lnR w="12700" cmpd="sng">
-                      <a:noFill/>
-                    </a:lnR>
-                    <a:lnT w="12700" cmpd="sng">
-                      <a:noFill/>
-                    </a:lnT>
-                    <a:lnB w="6350" cap="flat" cmpd="sng" algn="ctr">
-                      <a:solidFill>
-                        <a:srgbClr val="3A81BA"/>
-                      </a:solidFill>
-                      <a:prstDash val="sysDash"/>
-                      <a:round/>
-                      <a:headEnd type="none" w="med" len="med"/>
-                      <a:tailEnd type="none" w="med" len="med"/>
-                    </a:lnB>
-                    <a:lnTlToBr w="12700" cmpd="sng">
-                      <a:noFill/>
-                      <a:prstDash val="solid"/>
-                    </a:lnTlToBr>
-                    <a:lnBlToTr w="12700" cmpd="sng">
-                      <a:noFill/>
-                      <a:prstDash val="solid"/>
-                    </a:lnBlToTr>
-                    <a:noFill/>
-                  </a:tcPr>
-                </a:tc>
-                <a:tc>
-                  <a:txBody>
-                    <a:bodyPr/>
-                    <a:lstStyle/>
-                    <a:p>
-                      <a:pPr marL="171450" indent="-171450">
-                        <a:spcAft>
-                          <a:spcPts val="300"/>
-                        </a:spcAft>
-                        <a:buFont typeface="Arial" charset="0"/>
-                        <a:buChar char="•"/>
-                      </a:pPr>
-                      <a:r>
-                        <a:rPr lang="en-US" sz="1100" b="0" i="0" u="none" strike="noStrike" cap="none" baseline="0" dirty="0">
-                          <a:solidFill>
-                            <a:schemeClr val="dk1"/>
-                          </a:solidFill>
-                          <a:latin typeface="Proxima Nova" charset="0"/>
-                          <a:ea typeface="Proxima Nova" charset="0"/>
-                          <a:cs typeface="Proxima Nova" charset="0"/>
-                          <a:sym typeface="Arial"/>
-                          <a:rtl val="0"/>
-                        </a:rPr>
-                        <a:t>Operator Instruction Sheet generated from the element description fields.</a:t>
-                      </a:r>
-                    </a:p>
-                  </a:txBody>
-                  <a:tcPr anchor="ctr">
-                    <a:lnL w="12700" cmpd="sng">
-                      <a:noFill/>
-                    </a:lnL>
-                    <a:lnR w="12700" cmpd="sng">
-                      <a:noFill/>
-                    </a:lnR>
-                    <a:lnT w="12700" cmpd="sng">
-                      <a:noFill/>
-                    </a:lnT>
-                    <a:lnB w="6350" cap="flat" cmpd="sng" algn="ctr">
-                      <a:solidFill>
-                        <a:srgbClr val="3A81BA"/>
-                      </a:solidFill>
-                      <a:prstDash val="sysDash"/>
-                      <a:round/>
-                      <a:headEnd type="none" w="med" len="med"/>
-                      <a:tailEnd type="none" w="med" len="med"/>
-                    </a:lnB>
-                    <a:lnTlToBr w="12700" cmpd="sng">
-                      <a:noFill/>
-                      <a:prstDash val="solid"/>
-                    </a:lnTlToBr>
-                    <a:lnBlToTr w="12700" cmpd="sng">
-                      <a:noFill/>
-                      <a:prstDash val="solid"/>
-                    </a:lnBlToTr>
-                    <a:noFill/>
-                  </a:tcPr>
-                </a:tc>
-                <a:extLst>
-                  <a:ext uri="{0D108BD9-81ED-4DB2-BD59-A6C34878D82A}">
-                    <a16:rowId xmlns:a16="http://schemas.microsoft.com/office/drawing/2014/main" val="10000"/>
-                  </a:ext>
-                </a:extLst>
-              </a:tr>
-              <a:tr h="499389">
-                <a:tc>
-                  <a:txBody>
-                    <a:bodyPr/>
-                    <a:lstStyle/>
-                    <a:p>
-                      <a:r>
-                        <a:rPr lang="en-US" sz="1100" b="1" i="0" u="none" strike="noStrike" cap="none" baseline="0" dirty="0">
-                          <a:solidFill>
-                            <a:schemeClr val="dk1"/>
-                          </a:solidFill>
-                          <a:latin typeface="Proxima Nova" charset="0"/>
-                          <a:ea typeface="Proxima Nova" charset="0"/>
-                          <a:cs typeface="Proxima Nova" charset="0"/>
-                          <a:sym typeface="Arial"/>
-                          <a:rtl val="0"/>
-                        </a:rPr>
-                        <a:t>R7</a:t>
-                      </a:r>
-                    </a:p>
-                  </a:txBody>
-                  <a:tcPr anchor="ctr">
-                    <a:lnL w="12700" cmpd="sng">
-                      <a:noFill/>
-                    </a:lnL>
-                    <a:lnR w="12700" cmpd="sng">
-                      <a:noFill/>
-                    </a:lnR>
-                    <a:lnT w="6350" cap="flat" cmpd="sng" algn="ctr">
-                      <a:solidFill>
-                        <a:srgbClr val="3A81BA"/>
-                      </a:solidFill>
-                      <a:prstDash val="sysDash"/>
-                      <a:round/>
-                      <a:headEnd type="none" w="med" len="med"/>
-                      <a:tailEnd type="none" w="med" len="med"/>
-                    </a:lnT>
-                    <a:lnB w="6350" cap="flat" cmpd="sng" algn="ctr">
-                      <a:solidFill>
-                        <a:srgbClr val="3A81BA"/>
-                      </a:solidFill>
-                      <a:prstDash val="sysDash"/>
-                      <a:round/>
-                      <a:headEnd type="none" w="med" len="med"/>
-                      <a:tailEnd type="none" w="med" len="med"/>
-                    </a:lnB>
-                    <a:lnTlToBr w="12700" cmpd="sng">
-                      <a:noFill/>
-                      <a:prstDash val="solid"/>
-                    </a:lnTlToBr>
-                    <a:lnBlToTr w="12700" cmpd="sng">
-                      <a:noFill/>
-                      <a:prstDash val="solid"/>
-                    </a:lnBlToTr>
-                    <a:noFill/>
-                  </a:tcPr>
-                </a:tc>
-                <a:tc>
-                  <a:txBody>
-                    <a:bodyPr/>
-                    <a:lstStyle/>
-                    <a:p>
-                      <a:pPr marL="18288" marR="0" indent="-18288" algn="l" defTabSz="914400" rtl="0" eaLnBrk="1" fontAlgn="auto" latinLnBrk="0" hangingPunct="1">
-                        <a:lnSpc>
-                          <a:spcPct val="100000"/>
-                        </a:lnSpc>
-                        <a:spcBef>
-                          <a:spcPts val="0"/>
-                        </a:spcBef>
-                        <a:spcAft>
-                          <a:spcPts val="0"/>
-                        </a:spcAft>
-                        <a:buClrTx/>
-                        <a:buSzTx/>
-                        <a:buFontTx/>
-                        <a:buNone/>
-                        <a:tabLst/>
-                        <a:defRPr/>
-                      </a:pPr>
-                      <a:r>
-                        <a:rPr lang="en-US" sz="1100" b="1" dirty="0">
-                          <a:latin typeface="Proxima Nova" charset="0"/>
-                          <a:ea typeface="Proxima Nova" charset="0"/>
-                          <a:cs typeface="Proxima Nova" charset="0"/>
-                        </a:rPr>
-                        <a:t>Operator Utilization %</a:t>
-                      </a:r>
-                    </a:p>
-                  </a:txBody>
-                  <a:tcPr anchor="ctr">
-                    <a:lnL w="12700" cmpd="sng">
-                      <a:noFill/>
-                    </a:lnL>
-                    <a:lnR w="12700" cmpd="sng">
-                      <a:noFill/>
-                    </a:lnR>
-                    <a:lnT w="6350" cap="flat" cmpd="sng" algn="ctr">
-                      <a:solidFill>
-                        <a:srgbClr val="3A81BA"/>
-                      </a:solidFill>
-                      <a:prstDash val="sysDash"/>
-                      <a:round/>
-                      <a:headEnd type="none" w="med" len="med"/>
-                      <a:tailEnd type="none" w="med" len="med"/>
-                    </a:lnT>
-                    <a:lnB w="6350" cap="flat" cmpd="sng" algn="ctr">
-                      <a:solidFill>
-                        <a:srgbClr val="3A81BA"/>
-                      </a:solidFill>
-                      <a:prstDash val="sysDash"/>
-                      <a:round/>
-                      <a:headEnd type="none" w="med" len="med"/>
-                      <a:tailEnd type="none" w="med" len="med"/>
-                    </a:lnB>
-                    <a:lnTlToBr w="12700" cmpd="sng">
-                      <a:noFill/>
-                      <a:prstDash val="solid"/>
-                    </a:lnTlToBr>
-                    <a:lnBlToTr w="12700" cmpd="sng">
-                      <a:noFill/>
-                      <a:prstDash val="solid"/>
-                    </a:lnBlToTr>
-                    <a:noFill/>
-                  </a:tcPr>
-                </a:tc>
-                <a:tc>
-                  <a:txBody>
-                    <a:bodyPr/>
-                    <a:lstStyle/>
-                    <a:p>
-                      <a:pPr marL="171450" indent="-171450">
-                        <a:spcAft>
-                          <a:spcPts val="300"/>
-                        </a:spcAft>
-                        <a:buFont typeface="Arial" charset="0"/>
-                        <a:buChar char="•"/>
-                      </a:pPr>
-                      <a:r>
-                        <a:rPr lang="en-US" sz="1100" b="0" i="0" u="none" strike="noStrike" cap="none" baseline="0" dirty="0">
-                          <a:solidFill>
-                            <a:schemeClr val="dk1"/>
-                          </a:solidFill>
-                          <a:latin typeface="Proxima Nova" charset="0"/>
-                          <a:ea typeface="Proxima Nova" charset="0"/>
-                          <a:cs typeface="Proxima Nova" charset="0"/>
-                          <a:sym typeface="Arial"/>
-                          <a:rtl val="0"/>
-                        </a:rPr>
-                        <a:t>Unit Cycle Time, Cost Per Piece.</a:t>
-                      </a:r>
-                    </a:p>
-                  </a:txBody>
-                  <a:tcPr anchor="ctr">
-                    <a:lnL w="12700" cmpd="sng">
-                      <a:noFill/>
-                    </a:lnL>
-                    <a:lnR w="12700" cmpd="sng">
-                      <a:noFill/>
-                    </a:lnR>
-                    <a:lnT w="6350" cap="flat" cmpd="sng" algn="ctr">
-                      <a:solidFill>
-                        <a:srgbClr val="3A81BA"/>
-                      </a:solidFill>
-                      <a:prstDash val="sysDash"/>
-                      <a:round/>
-                      <a:headEnd type="none" w="med" len="med"/>
-                      <a:tailEnd type="none" w="med" len="med"/>
-                    </a:lnT>
-                    <a:lnB w="6350" cap="flat" cmpd="sng" algn="ctr">
-                      <a:solidFill>
-                        <a:srgbClr val="3A81BA"/>
-                      </a:solidFill>
-                      <a:prstDash val="sysDash"/>
-                      <a:round/>
-                      <a:headEnd type="none" w="med" len="med"/>
-                      <a:tailEnd type="none" w="med" len="med"/>
-                    </a:lnB>
-                    <a:lnTlToBr w="12700" cmpd="sng">
-                      <a:noFill/>
-                      <a:prstDash val="solid"/>
-                    </a:lnTlToBr>
-                    <a:lnBlToTr w="12700" cmpd="sng">
-                      <a:noFill/>
-                      <a:prstDash val="solid"/>
-                    </a:lnBlToTr>
-                    <a:noFill/>
-                  </a:tcPr>
-                </a:tc>
-                <a:extLst>
-                  <a:ext uri="{0D108BD9-81ED-4DB2-BD59-A6C34878D82A}">
-                    <a16:rowId xmlns:a16="http://schemas.microsoft.com/office/drawing/2014/main" val="10001"/>
-                  </a:ext>
-                </a:extLst>
-              </a:tr>
-              <a:tr h="504056">
-                <a:tc>
-                  <a:txBody>
-                    <a:bodyPr/>
-                    <a:lstStyle/>
-                    <a:p>
-                      <a:r>
-                        <a:rPr lang="en-US" sz="1100" b="1" dirty="0">
-                          <a:latin typeface="Proxima Nova" charset="0"/>
-                          <a:ea typeface="Proxima Nova" charset="0"/>
-                          <a:cs typeface="Proxima Nova" charset="0"/>
-                        </a:rPr>
-                        <a:t>R8</a:t>
-                      </a:r>
-                    </a:p>
-                  </a:txBody>
-                  <a:tcPr anchor="ctr">
-                    <a:lnL w="12700" cmpd="sng">
-                      <a:noFill/>
-                    </a:lnL>
-                    <a:lnR w="12700" cmpd="sng">
-                      <a:noFill/>
-                    </a:lnR>
-                    <a:lnT w="6350" cap="flat" cmpd="sng" algn="ctr">
-                      <a:solidFill>
-                        <a:srgbClr val="3A81BA"/>
-                      </a:solidFill>
-                      <a:prstDash val="sysDash"/>
-                      <a:round/>
-                      <a:headEnd type="none" w="med" len="med"/>
-                      <a:tailEnd type="none" w="med" len="med"/>
-                    </a:lnT>
-                    <a:lnB w="6350" cap="flat" cmpd="sng" algn="ctr">
-                      <a:solidFill>
-                        <a:srgbClr val="3A81BA"/>
-                      </a:solidFill>
-                      <a:prstDash val="sysDash"/>
-                      <a:round/>
-                      <a:headEnd type="none" w="med" len="med"/>
-                      <a:tailEnd type="none" w="med" len="med"/>
-                    </a:lnB>
-                    <a:lnTlToBr w="12700" cmpd="sng">
-                      <a:noFill/>
-                      <a:prstDash val="solid"/>
-                    </a:lnTlToBr>
-                    <a:lnBlToTr w="12700" cmpd="sng">
-                      <a:noFill/>
-                      <a:prstDash val="solid"/>
-                    </a:lnBlToTr>
-                    <a:noFill/>
-                  </a:tcPr>
-                </a:tc>
-                <a:tc>
-                  <a:txBody>
-                    <a:bodyPr/>
-                    <a:lstStyle/>
-                    <a:p>
-                      <a:pPr marL="18288" marR="0" indent="-18288" algn="l" defTabSz="914400" rtl="0" eaLnBrk="1" fontAlgn="auto" latinLnBrk="0" hangingPunct="1">
-                        <a:lnSpc>
-                          <a:spcPct val="100000"/>
-                        </a:lnSpc>
-                        <a:spcBef>
-                          <a:spcPts val="0"/>
-                        </a:spcBef>
-                        <a:spcAft>
-                          <a:spcPts val="0"/>
-                        </a:spcAft>
-                        <a:buClrTx/>
-                        <a:buSzTx/>
-                        <a:buFontTx/>
-                        <a:buNone/>
-                        <a:tabLst/>
-                        <a:defRPr/>
-                      </a:pPr>
-                      <a:r>
-                        <a:rPr lang="en-US" sz="1100" b="1" dirty="0">
-                          <a:latin typeface="Proxima Nova" charset="0"/>
-                          <a:ea typeface="Proxima Nova" charset="0"/>
-                          <a:cs typeface="Proxima Nova" charset="0"/>
-                        </a:rPr>
-                        <a:t>Work Balance Board</a:t>
-                      </a:r>
-                    </a:p>
-                  </a:txBody>
-                  <a:tcPr anchor="ctr">
-                    <a:lnL w="12700" cmpd="sng">
-                      <a:noFill/>
-                    </a:lnL>
-                    <a:lnR w="12700" cmpd="sng">
-                      <a:noFill/>
-                    </a:lnR>
-                    <a:lnT w="6350" cap="flat" cmpd="sng" algn="ctr">
-                      <a:solidFill>
-                        <a:srgbClr val="3A81BA"/>
-                      </a:solidFill>
-                      <a:prstDash val="sysDash"/>
-                      <a:round/>
-                      <a:headEnd type="none" w="med" len="med"/>
-                      <a:tailEnd type="none" w="med" len="med"/>
-                    </a:lnT>
-                    <a:lnB w="6350" cap="flat" cmpd="sng" algn="ctr">
-                      <a:solidFill>
-                        <a:srgbClr val="3A81BA"/>
-                      </a:solidFill>
-                      <a:prstDash val="sysDash"/>
-                      <a:round/>
-                      <a:headEnd type="none" w="med" len="med"/>
-                      <a:tailEnd type="none" w="med" len="med"/>
-                    </a:lnB>
-                    <a:lnTlToBr w="12700" cmpd="sng">
-                      <a:noFill/>
-                      <a:prstDash val="solid"/>
-                    </a:lnTlToBr>
-                    <a:lnBlToTr w="12700" cmpd="sng">
-                      <a:noFill/>
-                      <a:prstDash val="solid"/>
-                    </a:lnBlToTr>
-                    <a:noFill/>
-                  </a:tcPr>
-                </a:tc>
-                <a:tc>
-                  <a:txBody>
-                    <a:bodyPr/>
-                    <a:lstStyle/>
-                    <a:p>
-                      <a:pPr marL="171450" indent="-171450">
-                        <a:spcAft>
-                          <a:spcPts val="300"/>
-                        </a:spcAft>
-                        <a:buFont typeface="Arial" charset="0"/>
-                        <a:buChar char="•"/>
-                      </a:pPr>
-                      <a:r>
-                        <a:rPr lang="en-US" sz="1100" b="0" i="0" u="none" strike="noStrike" cap="none" baseline="0" dirty="0">
-                          <a:solidFill>
-                            <a:schemeClr val="dk1"/>
-                          </a:solidFill>
-                          <a:latin typeface="Proxima Nova" charset="0"/>
-                          <a:ea typeface="Proxima Nova" charset="0"/>
-                          <a:cs typeface="Proxima Nova" charset="0"/>
-                          <a:sym typeface="Arial"/>
-                          <a:rtl val="0"/>
-                        </a:rPr>
-                        <a:t>Bar chart for each station showing VA, NVA, NVABN.</a:t>
-                      </a:r>
-                    </a:p>
-                    <a:p>
-                      <a:pPr marL="171450" indent="-171450">
-                        <a:spcAft>
-                          <a:spcPts val="300"/>
-                        </a:spcAft>
-                        <a:buFont typeface="Arial" charset="0"/>
-                        <a:buChar char="•"/>
-                      </a:pPr>
-                      <a:r>
-                        <a:rPr lang="en-US" sz="1100" b="0" i="0" u="none" strike="noStrike" cap="none" baseline="0" dirty="0">
-                          <a:solidFill>
-                            <a:schemeClr val="dk1"/>
-                          </a:solidFill>
-                          <a:latin typeface="Proxima Nova" charset="0"/>
-                          <a:ea typeface="Proxima Nova" charset="0"/>
-                          <a:cs typeface="Proxima Nova" charset="0"/>
-                          <a:sym typeface="Arial"/>
-                          <a:rtl val="0"/>
-                        </a:rPr>
-                        <a:t>Bar chart with the element description and time.</a:t>
-                      </a:r>
-                    </a:p>
-                  </a:txBody>
-                  <a:tcPr anchor="ctr">
-                    <a:lnL w="12700" cmpd="sng">
-                      <a:noFill/>
-                    </a:lnL>
-                    <a:lnR w="12700" cmpd="sng">
-                      <a:noFill/>
-                    </a:lnR>
-                    <a:lnT w="6350" cap="flat" cmpd="sng" algn="ctr">
-                      <a:solidFill>
-                        <a:srgbClr val="3A81BA"/>
-                      </a:solidFill>
-                      <a:prstDash val="sysDash"/>
-                      <a:round/>
-                      <a:headEnd type="none" w="med" len="med"/>
-                      <a:tailEnd type="none" w="med" len="med"/>
-                    </a:lnT>
-                    <a:lnB w="6350" cap="flat" cmpd="sng" algn="ctr">
-                      <a:solidFill>
-                        <a:srgbClr val="3A81BA"/>
-                      </a:solidFill>
-                      <a:prstDash val="sysDash"/>
-                      <a:round/>
-                      <a:headEnd type="none" w="med" len="med"/>
-                      <a:tailEnd type="none" w="med" len="med"/>
-                    </a:lnB>
-                    <a:lnTlToBr w="12700" cmpd="sng">
-                      <a:noFill/>
-                      <a:prstDash val="solid"/>
-                    </a:lnTlToBr>
-                    <a:lnBlToTr w="12700" cmpd="sng">
-                      <a:noFill/>
-                      <a:prstDash val="solid"/>
-                    </a:lnBlToTr>
-                    <a:noFill/>
-                  </a:tcPr>
-                </a:tc>
-                <a:extLst>
-                  <a:ext uri="{0D108BD9-81ED-4DB2-BD59-A6C34878D82A}">
-                    <a16:rowId xmlns:a16="http://schemas.microsoft.com/office/drawing/2014/main" val="3674994167"/>
-                  </a:ext>
-                </a:extLst>
-              </a:tr>
-            </a:tbl>
-          </a:graphicData>
-        </a:graphic>
-      </p:graphicFrame>
-      <p:pic>
-        <p:nvPicPr>
-          <p:cNvPr id="7" name="Picture 6"/>
-          <p:cNvPicPr>
-            <a:picLocks noChangeAspect="1"/>
-          </p:cNvPicPr>
-          <p:nvPr/>
-        </p:nvPicPr>
-        <p:blipFill>
-          <a:blip r:embed="rId3" cstate="print">
-            <a:extLst>
-              <a:ext uri="{28A0092B-C50C-407E-A947-70E740481C1C}">
-                <a14:useLocalDpi xmlns:a14="http://schemas.microsoft.com/office/drawing/2010/main" val="0"/>
-              </a:ext>
-            </a:extLst>
-          </a:blip>
-          <a:stretch>
-            <a:fillRect/>
-          </a:stretch>
-        </p:blipFill>
-        <p:spPr>
-          <a:xfrm>
-            <a:off x="7376038" y="-17104"/>
-            <a:ext cx="1596512" cy="414480"/>
-          </a:xfrm>
-          <a:prstGeom prst="rect">
-            <a:avLst/>
-          </a:prstGeom>
-        </p:spPr>
-      </p:pic>
-      <p:sp>
-        <p:nvSpPr>
-          <p:cNvPr id="9" name="TextBox 8"/>
-          <p:cNvSpPr txBox="1"/>
-          <p:nvPr/>
-        </p:nvSpPr>
-        <p:spPr>
-          <a:xfrm>
-            <a:off x="-1" y="1009060"/>
-            <a:ext cx="9143999" cy="338554"/>
-          </a:xfrm>
-          <a:prstGeom prst="rect">
-            <a:avLst/>
-          </a:prstGeom>
-          <a:noFill/>
-        </p:spPr>
-        <p:txBody>
-          <a:bodyPr wrap="square" rtlCol="0">
-            <a:spAutoFit/>
-          </a:bodyPr>
-          <a:lstStyle/>
-          <a:p>
-            <a:pPr algn="ctr"/>
-            <a:r>
-              <a:rPr lang="en-US" sz="1600" dirty="0">
-                <a:latin typeface="Proxima Nova" charset="0"/>
-                <a:ea typeface="Proxima Nova" charset="0"/>
-                <a:cs typeface="Proxima Nova" charset="0"/>
-              </a:rPr>
-              <a:t>Productivity reports </a:t>
-            </a:r>
-          </a:p>
-        </p:txBody>
-      </p:sp>
-    </p:spTree>
-    <p:extLst>
-      <p:ext uri="{BB962C8B-B14F-4D97-AF65-F5344CB8AC3E}">
-        <p14:creationId xmlns:p14="http://schemas.microsoft.com/office/powerpoint/2010/main" val="2902144735"/>
-      </p:ext>
-    </p:extLst>
-  </p:cSld>
-  <p:clrMapOvr>
-    <a:masterClrMapping/>
-  </p:clrMapOvr>
-  <p:transition spd="slow">
-    <p:cut/>
-  </p:transition>
-</p:sld>
-</file>
-
-<file path=ppt/slides/slide9.xml><?xml version="1.0" encoding="utf-8"?>
-<p:sld xmlns:a="http://schemas.openxmlformats.org/drawingml/2006/main" xmlns:r="http://schemas.openxmlformats.org/officeDocument/2006/relationships" xmlns:p="http://schemas.openxmlformats.org/presentationml/2006/main">
-  <p:cSld>
-    <p:spTree>
-      <p:nvGrpSpPr>
-        <p:cNvPr id="1" name="Shape 312"/>
-        <p:cNvGrpSpPr/>
-        <p:nvPr/>
-      </p:nvGrpSpPr>
-      <p:grpSpPr>
-        <a:xfrm>
-          <a:off x="0" y="0"/>
-          <a:ext cx="0" cy="0"/>
-          <a:chOff x="0" y="0"/>
-          <a:chExt cx="0" cy="0"/>
-        </a:xfrm>
-      </p:grpSpPr>
-      <p:sp>
-        <p:nvSpPr>
-          <p:cNvPr id="18" name="Shape 115"/>
-          <p:cNvSpPr txBox="1">
-            <a:spLocks noGrp="1"/>
-          </p:cNvSpPr>
-          <p:nvPr>
-            <p:ph type="ctrTitle"/>
-          </p:nvPr>
-        </p:nvSpPr>
-        <p:spPr>
-          <a:xfrm>
-            <a:off x="0" y="380067"/>
-            <a:ext cx="9143999" cy="535499"/>
-          </a:xfrm>
-          <a:prstGeom prst="rect">
-            <a:avLst/>
-          </a:prstGeom>
-        </p:spPr>
-        <p:txBody>
-          <a:bodyPr lIns="91425" tIns="91425" rIns="91425" bIns="91425" anchor="ctr" anchorCtr="0">
-            <a:noAutofit/>
-          </a:bodyPr>
-          <a:lstStyle/>
-          <a:p>
-            <a:pPr lvl="0"/>
-            <a:r>
-              <a:rPr lang="en-US" sz="3000" dirty="0">
-                <a:solidFill>
-                  <a:srgbClr val="000000"/>
-                </a:solidFill>
-                <a:latin typeface="Montserrat"/>
-                <a:ea typeface="Montserrat"/>
-                <a:cs typeface="Montserrat"/>
-                <a:sym typeface="Montserrat"/>
-              </a:rPr>
-              <a:t>FEATURE LIST – Payments</a:t>
-            </a:r>
-          </a:p>
-        </p:txBody>
-      </p:sp>
-      <p:cxnSp>
-        <p:nvCxnSpPr>
-          <p:cNvPr id="11" name="Shape 77"/>
-          <p:cNvCxnSpPr/>
-          <p:nvPr/>
-        </p:nvCxnSpPr>
-        <p:spPr>
-          <a:xfrm>
-            <a:off x="171450" y="383240"/>
-            <a:ext cx="8801100" cy="0"/>
-          </a:xfrm>
-          <a:prstGeom prst="straightConnector1">
-            <a:avLst/>
-          </a:prstGeom>
-          <a:noFill/>
-          <a:ln w="9525" cap="flat">
-            <a:solidFill>
-              <a:srgbClr val="D9D9D9"/>
-            </a:solidFill>
-            <a:prstDash val="solid"/>
-            <a:round/>
-            <a:headEnd type="none" w="lg" len="lg"/>
-            <a:tailEnd type="none" w="lg" len="lg"/>
-          </a:ln>
-        </p:spPr>
-      </p:cxnSp>
-      <p:graphicFrame>
-        <p:nvGraphicFramePr>
-          <p:cNvPr id="6" name="Table 5"/>
-          <p:cNvGraphicFramePr>
-            <a:graphicFrameLocks noGrp="1"/>
-          </p:cNvGraphicFramePr>
-          <p:nvPr>
-            <p:extLst>
-              <p:ext uri="{D42A27DB-BD31-4B8C-83A1-F6EECF244321}">
-                <p14:modId xmlns:p14="http://schemas.microsoft.com/office/powerpoint/2010/main" val="2428122490"/>
-              </p:ext>
-            </p:extLst>
-          </p:nvPr>
-        </p:nvGraphicFramePr>
-        <p:xfrm>
-          <a:off x="171450" y="1505550"/>
-          <a:ext cx="8712967" cy="1664752"/>
-        </p:xfrm>
-        <a:graphic>
-          <a:graphicData uri="http://schemas.openxmlformats.org/drawingml/2006/table">
-            <a:tbl>
-              <a:tblPr>
-                <a:tableStyleId>{5C22544A-7EE6-4342-B048-85BDC9FD1C3A}</a:tableStyleId>
-              </a:tblPr>
-              <a:tblGrid>
-                <a:gridCol w="544165">
-                  <a:extLst>
-                    <a:ext uri="{9D8B030D-6E8A-4147-A177-3AD203B41FA5}">
-                      <a16:colId xmlns:a16="http://schemas.microsoft.com/office/drawing/2014/main" val="20000"/>
-                    </a:ext>
-                  </a:extLst>
-                </a:gridCol>
-                <a:gridCol w="1872208">
-                  <a:extLst>
-                    <a:ext uri="{9D8B030D-6E8A-4147-A177-3AD203B41FA5}">
-                      <a16:colId xmlns:a16="http://schemas.microsoft.com/office/drawing/2014/main" val="20001"/>
-                    </a:ext>
-                  </a:extLst>
-                </a:gridCol>
-                <a:gridCol w="6296594">
-                  <a:extLst>
-                    <a:ext uri="{9D8B030D-6E8A-4147-A177-3AD203B41FA5}">
-                      <a16:colId xmlns:a16="http://schemas.microsoft.com/office/drawing/2014/main" val="20002"/>
-                    </a:ext>
-                  </a:extLst>
-                </a:gridCol>
-              </a:tblGrid>
-              <a:tr h="494803">
-                <a:tc>
-                  <a:txBody>
-                    <a:bodyPr/>
-                    <a:lstStyle/>
-                    <a:p>
-                      <a:r>
-                        <a:rPr lang="en-US" sz="1100" b="1" dirty="0">
-                          <a:latin typeface="Proxima Nova" charset="0"/>
-                          <a:ea typeface="Proxima Nova" charset="0"/>
-                          <a:cs typeface="Proxima Nova" charset="0"/>
-                        </a:rPr>
-                        <a:t>R9</a:t>
-                      </a:r>
-                    </a:p>
-                  </a:txBody>
-                  <a:tcPr anchor="ctr">
-                    <a:lnL w="12700" cmpd="sng">
-                      <a:noFill/>
-                    </a:lnL>
-                    <a:lnR w="12700" cmpd="sng">
-                      <a:noFill/>
-                    </a:lnR>
-                    <a:lnT w="12700" cmpd="sng">
-                      <a:noFill/>
-                    </a:lnT>
-                    <a:lnB w="6350" cap="flat" cmpd="sng" algn="ctr">
-                      <a:solidFill>
-                        <a:srgbClr val="3A81BA"/>
-                      </a:solidFill>
-                      <a:prstDash val="sysDash"/>
-                      <a:round/>
-                      <a:headEnd type="none" w="med" len="med"/>
-                      <a:tailEnd type="none" w="med" len="med"/>
-                    </a:lnB>
-                    <a:lnTlToBr w="12700" cmpd="sng">
-                      <a:noFill/>
-                      <a:prstDash val="solid"/>
-                    </a:lnTlToBr>
-                    <a:lnBlToTr w="12700" cmpd="sng">
-                      <a:noFill/>
-                      <a:prstDash val="solid"/>
-                    </a:lnBlToTr>
-                    <a:noFill/>
-                  </a:tcPr>
-                </a:tc>
-                <a:tc>
-                  <a:txBody>
-                    <a:bodyPr/>
-                    <a:lstStyle/>
-                    <a:p>
-                      <a:pPr marL="18288" indent="-18288" algn="l"/>
-                      <a:r>
-                        <a:rPr lang="en-US" sz="1100" b="1" dirty="0">
-                          <a:latin typeface="Proxima Nova" charset="0"/>
-                          <a:ea typeface="Proxima Nova" charset="0"/>
-                          <a:cs typeface="Proxima Nova" charset="0"/>
-                        </a:rPr>
-                        <a:t>Subscription billing</a:t>
-                      </a:r>
-                    </a:p>
-                  </a:txBody>
-                  <a:tcPr anchor="ctr">
-                    <a:lnL w="12700" cmpd="sng">
-                      <a:noFill/>
-                    </a:lnL>
-                    <a:lnR w="12700" cmpd="sng">
-                      <a:noFill/>
-                    </a:lnR>
-                    <a:lnT w="12700" cmpd="sng">
-                      <a:noFill/>
-                    </a:lnT>
-                    <a:lnB w="6350" cap="flat" cmpd="sng" algn="ctr">
-                      <a:solidFill>
-                        <a:srgbClr val="3A81BA"/>
-                      </a:solidFill>
-                      <a:prstDash val="sysDash"/>
-                      <a:round/>
-                      <a:headEnd type="none" w="med" len="med"/>
-                      <a:tailEnd type="none" w="med" len="med"/>
-                    </a:lnB>
-                    <a:lnTlToBr w="12700" cmpd="sng">
-                      <a:noFill/>
-                      <a:prstDash val="solid"/>
-                    </a:lnTlToBr>
-                    <a:lnBlToTr w="12700" cmpd="sng">
-                      <a:noFill/>
-                      <a:prstDash val="solid"/>
-                    </a:lnBlToTr>
-                    <a:noFill/>
-                  </a:tcPr>
-                </a:tc>
-                <a:tc>
-                  <a:txBody>
-                    <a:bodyPr/>
-                    <a:lstStyle/>
-                    <a:p>
-                      <a:pPr marL="171450" indent="-171450">
-                        <a:spcAft>
-                          <a:spcPts val="300"/>
-                        </a:spcAft>
-                        <a:buFont typeface="Arial" charset="0"/>
-                        <a:buChar char="•"/>
-                      </a:pPr>
-                      <a:r>
-                        <a:rPr lang="en-US" sz="1100" b="0" i="0" u="none" strike="noStrike" cap="none" baseline="0" dirty="0">
-                          <a:solidFill>
-                            <a:schemeClr val="dk1"/>
-                          </a:solidFill>
-                          <a:latin typeface="Proxima Nova" charset="0"/>
-                          <a:ea typeface="Proxima Nova" charset="0"/>
-                          <a:cs typeface="Proxima Nova" charset="0"/>
-                          <a:sym typeface="Arial"/>
-                          <a:rtl val="0"/>
-                        </a:rPr>
-                        <a:t>Plans management.</a:t>
-                      </a:r>
-                    </a:p>
-                    <a:p>
-                      <a:pPr marL="171450" indent="-171450">
-                        <a:spcAft>
-                          <a:spcPts val="300"/>
-                        </a:spcAft>
-                        <a:buFont typeface="Arial" charset="0"/>
-                        <a:buChar char="•"/>
-                      </a:pPr>
-                      <a:r>
-                        <a:rPr lang="en-US" sz="1100" b="0" i="0" u="none" strike="noStrike" cap="none" baseline="0" dirty="0">
-                          <a:solidFill>
-                            <a:schemeClr val="dk1"/>
-                          </a:solidFill>
-                          <a:latin typeface="Proxima Nova" charset="0"/>
-                          <a:ea typeface="Proxima Nova" charset="0"/>
-                          <a:cs typeface="Proxima Nova" charset="0"/>
-                          <a:sym typeface="Arial"/>
-                          <a:rtl val="0"/>
-                        </a:rPr>
-                        <a:t>Collect billing information.</a:t>
-                      </a:r>
-                    </a:p>
-                  </a:txBody>
-                  <a:tcPr anchor="ctr">
-                    <a:lnL w="12700" cmpd="sng">
-                      <a:noFill/>
-                    </a:lnL>
-                    <a:lnR w="12700" cmpd="sng">
-                      <a:noFill/>
-                    </a:lnR>
-                    <a:lnT w="12700" cmpd="sng">
-                      <a:noFill/>
-                    </a:lnT>
-                    <a:lnB w="6350" cap="flat" cmpd="sng" algn="ctr">
-                      <a:solidFill>
-                        <a:srgbClr val="3A81BA"/>
-                      </a:solidFill>
-                      <a:prstDash val="sysDash"/>
-                      <a:round/>
-                      <a:headEnd type="none" w="med" len="med"/>
-                      <a:tailEnd type="none" w="med" len="med"/>
-                    </a:lnB>
-                    <a:lnTlToBr w="12700" cmpd="sng">
-                      <a:noFill/>
-                      <a:prstDash val="solid"/>
-                    </a:lnTlToBr>
-                    <a:lnBlToTr w="12700" cmpd="sng">
-                      <a:noFill/>
-                      <a:prstDash val="solid"/>
-                    </a:lnBlToTr>
-                    <a:noFill/>
-                  </a:tcPr>
-                </a:tc>
-                <a:extLst>
-                  <a:ext uri="{0D108BD9-81ED-4DB2-BD59-A6C34878D82A}">
-                    <a16:rowId xmlns:a16="http://schemas.microsoft.com/office/drawing/2014/main" val="10000"/>
-                  </a:ext>
-                </a:extLst>
-              </a:tr>
-              <a:tr h="499389">
-                <a:tc>
-                  <a:txBody>
-                    <a:bodyPr/>
-                    <a:lstStyle/>
-                    <a:p>
-                      <a:r>
-                        <a:rPr lang="en-US" sz="1100" b="1" i="0" u="none" strike="noStrike" cap="none" baseline="0" dirty="0">
-                          <a:solidFill>
-                            <a:schemeClr val="dk1"/>
-                          </a:solidFill>
-                          <a:latin typeface="Proxima Nova" charset="0"/>
-                          <a:ea typeface="Proxima Nova" charset="0"/>
-                          <a:cs typeface="Proxima Nova" charset="0"/>
-                          <a:sym typeface="Arial"/>
-                          <a:rtl val="0"/>
-                        </a:rPr>
-                        <a:t>R10</a:t>
-                      </a:r>
-                    </a:p>
-                  </a:txBody>
-                  <a:tcPr anchor="ctr">
-                    <a:lnL w="12700" cmpd="sng">
-                      <a:noFill/>
-                    </a:lnL>
-                    <a:lnR w="12700" cmpd="sng">
-                      <a:noFill/>
-                    </a:lnR>
-                    <a:lnT w="6350" cap="flat" cmpd="sng" algn="ctr">
-                      <a:solidFill>
-                        <a:srgbClr val="3A81BA"/>
-                      </a:solidFill>
-                      <a:prstDash val="sysDash"/>
-                      <a:round/>
-                      <a:headEnd type="none" w="med" len="med"/>
-                      <a:tailEnd type="none" w="med" len="med"/>
-                    </a:lnT>
-                    <a:lnB w="6350" cap="flat" cmpd="sng" algn="ctr">
-                      <a:solidFill>
-                        <a:srgbClr val="3A81BA"/>
-                      </a:solidFill>
-                      <a:prstDash val="sysDash"/>
-                      <a:round/>
-                      <a:headEnd type="none" w="med" len="med"/>
-                      <a:tailEnd type="none" w="med" len="med"/>
-                    </a:lnB>
-                    <a:lnTlToBr w="12700" cmpd="sng">
-                      <a:noFill/>
-                      <a:prstDash val="solid"/>
-                    </a:lnTlToBr>
-                    <a:lnBlToTr w="12700" cmpd="sng">
-                      <a:noFill/>
-                      <a:prstDash val="solid"/>
-                    </a:lnBlToTr>
-                    <a:noFill/>
-                  </a:tcPr>
-                </a:tc>
-                <a:tc>
-                  <a:txBody>
-                    <a:bodyPr/>
-                    <a:lstStyle/>
-                    <a:p>
-                      <a:pPr marL="18288" marR="0" indent="-18288" algn="l" defTabSz="914400" rtl="0" eaLnBrk="1" fontAlgn="auto" latinLnBrk="0" hangingPunct="1">
-                        <a:lnSpc>
-                          <a:spcPct val="100000"/>
-                        </a:lnSpc>
-                        <a:spcBef>
-                          <a:spcPts val="0"/>
-                        </a:spcBef>
-                        <a:spcAft>
-                          <a:spcPts val="0"/>
-                        </a:spcAft>
-                        <a:buClrTx/>
-                        <a:buSzTx/>
-                        <a:buFontTx/>
-                        <a:buNone/>
-                        <a:tabLst/>
-                        <a:defRPr/>
-                      </a:pPr>
-                      <a:r>
-                        <a:rPr lang="en-US" sz="1100" b="1" dirty="0">
-                          <a:latin typeface="Proxima Nova" charset="0"/>
-                          <a:ea typeface="Proxima Nova" charset="0"/>
-                          <a:cs typeface="Proxima Nova" charset="0"/>
-                        </a:rPr>
-                        <a:t>Process payment</a:t>
-                      </a:r>
-                    </a:p>
-                  </a:txBody>
-                  <a:tcPr anchor="ctr">
-                    <a:lnL w="12700" cmpd="sng">
-                      <a:noFill/>
-                    </a:lnL>
-                    <a:lnR w="12700" cmpd="sng">
-                      <a:noFill/>
-                    </a:lnR>
-                    <a:lnT w="6350" cap="flat" cmpd="sng" algn="ctr">
-                      <a:solidFill>
-                        <a:srgbClr val="3A81BA"/>
-                      </a:solidFill>
-                      <a:prstDash val="sysDash"/>
-                      <a:round/>
-                      <a:headEnd type="none" w="med" len="med"/>
-                      <a:tailEnd type="none" w="med" len="med"/>
-                    </a:lnT>
-                    <a:lnB w="6350" cap="flat" cmpd="sng" algn="ctr">
-                      <a:solidFill>
-                        <a:srgbClr val="3A81BA"/>
-                      </a:solidFill>
-                      <a:prstDash val="sysDash"/>
-                      <a:round/>
-                      <a:headEnd type="none" w="med" len="med"/>
-                      <a:tailEnd type="none" w="med" len="med"/>
-                    </a:lnB>
-                    <a:lnTlToBr w="12700" cmpd="sng">
-                      <a:noFill/>
-                      <a:prstDash val="solid"/>
-                    </a:lnTlToBr>
-                    <a:lnBlToTr w="12700" cmpd="sng">
-                      <a:noFill/>
-                      <a:prstDash val="solid"/>
-                    </a:lnBlToTr>
-                    <a:noFill/>
-                  </a:tcPr>
-                </a:tc>
-                <a:tc>
-                  <a:txBody>
-                    <a:bodyPr/>
-                    <a:lstStyle/>
-                    <a:p>
-                      <a:pPr marL="171450" indent="-171450">
-                        <a:spcAft>
-                          <a:spcPts val="300"/>
-                        </a:spcAft>
-                        <a:buFont typeface="Arial" charset="0"/>
-                        <a:buChar char="•"/>
-                      </a:pPr>
-                      <a:r>
-                        <a:rPr lang="en-US" sz="1100" b="0" i="0" u="none" strike="noStrike" cap="none" baseline="0" dirty="0">
-                          <a:solidFill>
-                            <a:schemeClr val="dk1"/>
-                          </a:solidFill>
-                          <a:latin typeface="Proxima Nova" charset="0"/>
-                          <a:ea typeface="Proxima Nova" charset="0"/>
-                          <a:cs typeface="Proxima Nova" charset="0"/>
-                          <a:sym typeface="Arial"/>
-                          <a:rtl val="0"/>
-                        </a:rPr>
-                        <a:t>Invoice payment succeeded or failed.</a:t>
-                      </a:r>
-                    </a:p>
-                  </a:txBody>
-                  <a:tcPr anchor="ctr">
-                    <a:lnL w="12700" cmpd="sng">
-                      <a:noFill/>
-                    </a:lnL>
-                    <a:lnR w="12700" cmpd="sng">
-                      <a:noFill/>
-                    </a:lnR>
-                    <a:lnT w="6350" cap="flat" cmpd="sng" algn="ctr">
-                      <a:solidFill>
-                        <a:srgbClr val="3A81BA"/>
-                      </a:solidFill>
-                      <a:prstDash val="sysDash"/>
-                      <a:round/>
-                      <a:headEnd type="none" w="med" len="med"/>
-                      <a:tailEnd type="none" w="med" len="med"/>
-                    </a:lnT>
-                    <a:lnB w="6350" cap="flat" cmpd="sng" algn="ctr">
-                      <a:solidFill>
-                        <a:srgbClr val="3A81BA"/>
-                      </a:solidFill>
-                      <a:prstDash val="sysDash"/>
-                      <a:round/>
-                      <a:headEnd type="none" w="med" len="med"/>
-                      <a:tailEnd type="none" w="med" len="med"/>
-                    </a:lnB>
-                    <a:lnTlToBr w="12700" cmpd="sng">
-                      <a:noFill/>
-                      <a:prstDash val="solid"/>
-                    </a:lnTlToBr>
-                    <a:lnBlToTr w="12700" cmpd="sng">
-                      <a:noFill/>
-                      <a:prstDash val="solid"/>
-                    </a:lnBlToTr>
-                    <a:noFill/>
-                  </a:tcPr>
-                </a:tc>
-                <a:extLst>
-                  <a:ext uri="{0D108BD9-81ED-4DB2-BD59-A6C34878D82A}">
-                    <a16:rowId xmlns:a16="http://schemas.microsoft.com/office/drawing/2014/main" val="10001"/>
-                  </a:ext>
-                </a:extLst>
-              </a:tr>
-              <a:tr h="504056">
-                <a:tc>
-                  <a:txBody>
-                    <a:bodyPr/>
-                    <a:lstStyle/>
-                    <a:p>
-                      <a:r>
-                        <a:rPr lang="en-US" sz="1100" b="1" dirty="0">
-                          <a:latin typeface="Proxima Nova" charset="0"/>
-                          <a:ea typeface="Proxima Nova" charset="0"/>
-                          <a:cs typeface="Proxima Nova" charset="0"/>
-                        </a:rPr>
-                        <a:t>R11</a:t>
-                      </a:r>
-                    </a:p>
-                  </a:txBody>
-                  <a:tcPr anchor="ctr">
-                    <a:lnL w="12700" cmpd="sng">
-                      <a:noFill/>
-                    </a:lnL>
-                    <a:lnR w="12700" cmpd="sng">
-                      <a:noFill/>
-                    </a:lnR>
-                    <a:lnT w="6350" cap="flat" cmpd="sng" algn="ctr">
-                      <a:solidFill>
-                        <a:srgbClr val="3A81BA"/>
-                      </a:solidFill>
-                      <a:prstDash val="sysDash"/>
-                      <a:round/>
-                      <a:headEnd type="none" w="med" len="med"/>
-                      <a:tailEnd type="none" w="med" len="med"/>
-                    </a:lnT>
-                    <a:lnB w="6350" cap="flat" cmpd="sng" algn="ctr">
-                      <a:solidFill>
-                        <a:srgbClr val="3A81BA"/>
-                      </a:solidFill>
-                      <a:prstDash val="sysDash"/>
-                      <a:round/>
-                      <a:headEnd type="none" w="med" len="med"/>
-                      <a:tailEnd type="none" w="med" len="med"/>
-                    </a:lnB>
-                    <a:lnTlToBr w="12700" cmpd="sng">
-                      <a:noFill/>
-                      <a:prstDash val="solid"/>
-                    </a:lnTlToBr>
-                    <a:lnBlToTr w="12700" cmpd="sng">
-                      <a:noFill/>
-                      <a:prstDash val="solid"/>
-                    </a:lnBlToTr>
-                    <a:noFill/>
-                  </a:tcPr>
-                </a:tc>
-                <a:tc>
-                  <a:txBody>
-                    <a:bodyPr/>
-                    <a:lstStyle/>
-                    <a:p>
-                      <a:pPr marL="18288" marR="0" indent="-18288" algn="l" defTabSz="914400" rtl="0" eaLnBrk="1" fontAlgn="auto" latinLnBrk="0" hangingPunct="1">
-                        <a:lnSpc>
-                          <a:spcPct val="100000"/>
-                        </a:lnSpc>
-                        <a:spcBef>
-                          <a:spcPts val="0"/>
-                        </a:spcBef>
-                        <a:spcAft>
-                          <a:spcPts val="0"/>
-                        </a:spcAft>
-                        <a:buClrTx/>
-                        <a:buSzTx/>
-                        <a:buFontTx/>
-                        <a:buNone/>
-                        <a:tabLst/>
-                        <a:defRPr/>
-                      </a:pPr>
-                      <a:r>
-                        <a:rPr lang="en-US" sz="1100" b="1" dirty="0">
-                          <a:latin typeface="Proxima Nova" charset="0"/>
-                          <a:ea typeface="Proxima Nova" charset="0"/>
-                          <a:cs typeface="Proxima Nova" charset="0"/>
-                        </a:rPr>
-                        <a:t>Subscription events</a:t>
-                      </a:r>
-                    </a:p>
-                  </a:txBody>
-                  <a:tcPr anchor="ctr">
-                    <a:lnL w="12700" cmpd="sng">
-                      <a:noFill/>
-                    </a:lnL>
-                    <a:lnR w="12700" cmpd="sng">
-                      <a:noFill/>
-                    </a:lnR>
-                    <a:lnT w="6350" cap="flat" cmpd="sng" algn="ctr">
-                      <a:solidFill>
-                        <a:srgbClr val="3A81BA"/>
-                      </a:solidFill>
-                      <a:prstDash val="sysDash"/>
-                      <a:round/>
-                      <a:headEnd type="none" w="med" len="med"/>
-                      <a:tailEnd type="none" w="med" len="med"/>
-                    </a:lnT>
-                    <a:lnB w="6350" cap="flat" cmpd="sng" algn="ctr">
-                      <a:solidFill>
-                        <a:srgbClr val="3A81BA"/>
-                      </a:solidFill>
-                      <a:prstDash val="sysDash"/>
-                      <a:round/>
-                      <a:headEnd type="none" w="med" len="med"/>
-                      <a:tailEnd type="none" w="med" len="med"/>
-                    </a:lnB>
-                    <a:lnTlToBr w="12700" cmpd="sng">
-                      <a:noFill/>
-                      <a:prstDash val="solid"/>
-                    </a:lnTlToBr>
-                    <a:lnBlToTr w="12700" cmpd="sng">
-                      <a:noFill/>
-                      <a:prstDash val="solid"/>
-                    </a:lnBlToTr>
-                    <a:noFill/>
-                  </a:tcPr>
-                </a:tc>
-                <a:tc>
-                  <a:txBody>
-                    <a:bodyPr/>
-                    <a:lstStyle/>
-                    <a:p>
-                      <a:pPr marL="171450" indent="-171450">
-                        <a:spcAft>
-                          <a:spcPts val="300"/>
-                        </a:spcAft>
-                        <a:buFont typeface="Arial" charset="0"/>
-                        <a:buChar char="•"/>
-                      </a:pPr>
-                      <a:r>
-                        <a:rPr lang="en-US" sz="1100" b="0" i="0" u="none" strike="noStrike" cap="none" baseline="0" dirty="0">
-                          <a:solidFill>
-                            <a:schemeClr val="dk1"/>
-                          </a:solidFill>
-                          <a:latin typeface="Proxima Nova" charset="0"/>
-                          <a:ea typeface="Proxima Nova" charset="0"/>
-                          <a:cs typeface="Proxima Nova" charset="0"/>
-                          <a:sym typeface="Arial"/>
-                          <a:rtl val="0"/>
-                        </a:rPr>
-                        <a:t>Subscription trial.</a:t>
-                      </a:r>
-                    </a:p>
-                    <a:p>
-                      <a:pPr marL="171450" indent="-171450">
-                        <a:spcAft>
-                          <a:spcPts val="300"/>
-                        </a:spcAft>
-                        <a:buFont typeface="Arial" charset="0"/>
-                        <a:buChar char="•"/>
-                      </a:pPr>
-                      <a:r>
-                        <a:rPr lang="en-US" sz="1100" b="0" i="0" u="none" strike="noStrike" cap="none" baseline="0" dirty="0">
-                          <a:solidFill>
-                            <a:schemeClr val="dk1"/>
-                          </a:solidFill>
-                          <a:latin typeface="Proxima Nova" charset="0"/>
-                          <a:ea typeface="Proxima Nova" charset="0"/>
-                          <a:cs typeface="Proxima Nova" charset="0"/>
-                          <a:sym typeface="Arial"/>
-                          <a:rtl val="0"/>
-                        </a:rPr>
-                        <a:t>Change plan.</a:t>
-                      </a:r>
-                    </a:p>
-                    <a:p>
-                      <a:pPr marL="171450" indent="-171450">
-                        <a:spcAft>
-                          <a:spcPts val="300"/>
-                        </a:spcAft>
-                        <a:buFont typeface="Arial" charset="0"/>
-                        <a:buChar char="•"/>
-                      </a:pPr>
-                      <a:r>
-                        <a:rPr lang="en-US" sz="1100" b="0" i="0" u="none" strike="noStrike" cap="none" baseline="0" dirty="0">
-                          <a:solidFill>
-                            <a:schemeClr val="dk1"/>
-                          </a:solidFill>
-                          <a:latin typeface="Proxima Nova" charset="0"/>
-                          <a:ea typeface="Proxima Nova" charset="0"/>
-                          <a:cs typeface="Proxima Nova" charset="0"/>
-                          <a:sym typeface="Arial"/>
-                          <a:rtl val="0"/>
-                        </a:rPr>
-                        <a:t>Cancel plan.</a:t>
-                      </a:r>
-                    </a:p>
-                  </a:txBody>
-                  <a:tcPr anchor="ctr">
-                    <a:lnL w="12700" cmpd="sng">
-                      <a:noFill/>
-                    </a:lnL>
-                    <a:lnR w="12700" cmpd="sng">
-                      <a:noFill/>
-                    </a:lnR>
-                    <a:lnT w="6350" cap="flat" cmpd="sng" algn="ctr">
-                      <a:solidFill>
-                        <a:srgbClr val="3A81BA"/>
-                      </a:solidFill>
-                      <a:prstDash val="sysDash"/>
-                      <a:round/>
-                      <a:headEnd type="none" w="med" len="med"/>
-                      <a:tailEnd type="none" w="med" len="med"/>
-                    </a:lnT>
-                    <a:lnB w="6350" cap="flat" cmpd="sng" algn="ctr">
-                      <a:solidFill>
-                        <a:srgbClr val="3A81BA"/>
-                      </a:solidFill>
-                      <a:prstDash val="sysDash"/>
-                      <a:round/>
-                      <a:headEnd type="none" w="med" len="med"/>
-                      <a:tailEnd type="none" w="med" len="med"/>
-                    </a:lnB>
-                    <a:lnTlToBr w="12700" cmpd="sng">
-                      <a:noFill/>
-                      <a:prstDash val="solid"/>
-                    </a:lnTlToBr>
-                    <a:lnBlToTr w="12700" cmpd="sng">
-                      <a:noFill/>
-                      <a:prstDash val="solid"/>
-                    </a:lnBlToTr>
-                    <a:noFill/>
-                  </a:tcPr>
-                </a:tc>
-                <a:extLst>
-                  <a:ext uri="{0D108BD9-81ED-4DB2-BD59-A6C34878D82A}">
-                    <a16:rowId xmlns:a16="http://schemas.microsoft.com/office/drawing/2014/main" val="3674994167"/>
-                  </a:ext>
-                </a:extLst>
-              </a:tr>
-            </a:tbl>
-          </a:graphicData>
-        </a:graphic>
-      </p:graphicFrame>
-      <p:pic>
-        <p:nvPicPr>
-          <p:cNvPr id="7" name="Picture 6"/>
-          <p:cNvPicPr>
-            <a:picLocks noChangeAspect="1"/>
-          </p:cNvPicPr>
-          <p:nvPr/>
-        </p:nvPicPr>
-        <p:blipFill>
-          <a:blip r:embed="rId3" cstate="print">
-            <a:extLst>
-              <a:ext uri="{28A0092B-C50C-407E-A947-70E740481C1C}">
-                <a14:useLocalDpi xmlns:a14="http://schemas.microsoft.com/office/drawing/2010/main" val="0"/>
-              </a:ext>
-            </a:extLst>
-          </a:blip>
-          <a:stretch>
-            <a:fillRect/>
-          </a:stretch>
-        </p:blipFill>
-        <p:spPr>
-          <a:xfrm>
-            <a:off x="7376038" y="-17104"/>
-            <a:ext cx="1596512" cy="414480"/>
-          </a:xfrm>
-          <a:prstGeom prst="rect">
-            <a:avLst/>
-          </a:prstGeom>
-        </p:spPr>
-      </p:pic>
-      <p:sp>
-        <p:nvSpPr>
-          <p:cNvPr id="9" name="TextBox 8"/>
-          <p:cNvSpPr txBox="1"/>
-          <p:nvPr/>
-        </p:nvSpPr>
-        <p:spPr>
-          <a:xfrm>
-            <a:off x="-1" y="1009060"/>
-            <a:ext cx="9143999" cy="338554"/>
-          </a:xfrm>
-          <a:prstGeom prst="rect">
-            <a:avLst/>
-          </a:prstGeom>
-          <a:noFill/>
-        </p:spPr>
-        <p:txBody>
-          <a:bodyPr wrap="square" rtlCol="0">
-            <a:spAutoFit/>
-          </a:bodyPr>
-          <a:lstStyle/>
-          <a:p>
-            <a:pPr algn="ctr"/>
-            <a:r>
-              <a:rPr lang="en-US" sz="1600" dirty="0">
-                <a:latin typeface="Proxima Nova" charset="0"/>
-                <a:ea typeface="Proxima Nova" charset="0"/>
-                <a:cs typeface="Proxima Nova" charset="0"/>
-              </a:rPr>
-              <a:t>Subscription Billing </a:t>
-            </a:r>
-          </a:p>
-        </p:txBody>
-      </p:sp>
-    </p:spTree>
-    <p:extLst>
-      <p:ext uri="{BB962C8B-B14F-4D97-AF65-F5344CB8AC3E}">
-        <p14:creationId xmlns:p14="http://schemas.microsoft.com/office/powerpoint/2010/main" val="1382403587"/>
       </p:ext>
     </p:extLst>
   </p:cSld>

--- a/WorkEstimate/Code Gate Proposal to Eisbrennerpg for Modapts App.pptx
+++ b/WorkEstimate/Code Gate Proposal to Eisbrennerpg for Modapts App.pptx
@@ -5,10 +5,10 @@
     <p:sldMasterId id="2147483660" r:id="rId1"/>
   </p:sldMasterIdLst>
   <p:notesMasterIdLst>
-    <p:notesMasterId r:id="rId20"/>
+    <p:notesMasterId r:id="rId21"/>
   </p:notesMasterIdLst>
   <p:handoutMasterIdLst>
-    <p:handoutMasterId r:id="rId21"/>
+    <p:handoutMasterId r:id="rId22"/>
   </p:handoutMasterIdLst>
   <p:sldIdLst>
     <p:sldId id="348" r:id="rId2"/>
@@ -28,7 +28,8 @@
     <p:sldId id="482" r:id="rId16"/>
     <p:sldId id="506" r:id="rId17"/>
     <p:sldId id="460" r:id="rId18"/>
-    <p:sldId id="355" r:id="rId19"/>
+    <p:sldId id="529" r:id="rId19"/>
+    <p:sldId id="355" r:id="rId20"/>
   </p:sldIdLst>
   <p:sldSz cx="9144000" cy="5143500" type="screen16x9"/>
   <p:notesSz cx="6858000" cy="9144000"/>
@@ -1591,32 +1592,32 @@
     </dgm:pt>
   </dgm:ptLst>
   <dgm:cxnLst>
-    <dgm:cxn modelId="{07885882-8A79-4DFB-B26B-F74490DEB3EB}" srcId="{DB006076-C4EE-FB43-B651-C19A4355D01D}" destId="{7789AF55-7036-4D56-A800-2D242C7F73BA}" srcOrd="1" destOrd="0" parTransId="{886A9988-3E0A-4200-A6AD-922B3497B50D}" sibTransId="{D6CF8ED4-2E10-49C7-9871-F72B54D25712}"/>
-    <dgm:cxn modelId="{D030096E-0A13-4769-BD97-AD4A97C853BF}" srcId="{15158CD5-5036-7F4F-833E-D2F3F6E94817}" destId="{BD3BD290-C72E-4177-8989-830BC6EAB69C}" srcOrd="1" destOrd="0" parTransId="{5005AB87-428E-4F8A-ADCC-BDF9ADFD9993}" sibTransId="{625A9D60-0E90-4850-8C13-D8425429B721}"/>
-    <dgm:cxn modelId="{29E89F4E-B98A-491B-9FAB-FE5524C896BD}" type="presOf" srcId="{E579A04B-2FE6-4FF0-85F0-C396C36EAB31}" destId="{28376B70-F0AD-4AB7-B686-C2B23BD8FF96}" srcOrd="0" destOrd="0" presId="urn:microsoft.com/office/officeart/2005/8/layout/lProcess2"/>
-    <dgm:cxn modelId="{03C8213E-1440-4A95-B1A4-BE99B0B5FB7C}" type="presOf" srcId="{DB006076-C4EE-FB43-B651-C19A4355D01D}" destId="{DAF47AD8-C39F-42C4-B6DC-7E02A93C0B98}" srcOrd="1" destOrd="0" presId="urn:microsoft.com/office/officeart/2005/8/layout/lProcess2"/>
-    <dgm:cxn modelId="{84C633C6-8275-5241-B819-6CF4BEE95246}" srcId="{0F79B6C1-6FC8-0E49-A571-B8A4C65F941F}" destId="{E75835CB-F0A8-524F-811C-BE6D0347BD95}" srcOrd="0" destOrd="0" parTransId="{9BF83AA9-6CFA-F340-9D93-F4975B84C982}" sibTransId="{1C15B4A9-E1C8-6E43-A550-CF2EBA01724D}"/>
-    <dgm:cxn modelId="{704CA3C7-2065-1B45-A3CE-CD94F94C3928}" type="presOf" srcId="{B5F762A7-CA73-E24F-8C8A-83BED812B611}" destId="{025F1818-EE30-EF4C-8E2C-9B6EC72D5FDA}" srcOrd="0" destOrd="0" presId="urn:microsoft.com/office/officeart/2005/8/layout/lProcess2"/>
-    <dgm:cxn modelId="{643733B8-5DFA-D947-906F-B6B05B851D6E}" srcId="{D7569426-2470-E543-B176-167358857A7E}" destId="{DB006076-C4EE-FB43-B651-C19A4355D01D}" srcOrd="1" destOrd="0" parTransId="{FD7E9F50-57EB-404A-9A75-AE9B13F032F6}" sibTransId="{B8E9CA3C-2CFA-CA45-97BA-2328AB1EB4D3}"/>
-    <dgm:cxn modelId="{6A144F32-7C26-4354-81C4-1466FB8B6AC9}" type="presOf" srcId="{BD3BD290-C72E-4177-8989-830BC6EAB69C}" destId="{D6B01CFE-C009-4AE7-92D6-25C02E80AB3E}" srcOrd="0" destOrd="0" presId="urn:microsoft.com/office/officeart/2005/8/layout/lProcess2"/>
-    <dgm:cxn modelId="{D73204E9-DABD-4DF8-8391-1832797387A9}" type="presOf" srcId="{4E442D17-0831-F341-AB5B-D5D6F83154E7}" destId="{6EC4EA53-06F8-0949-8BC9-ADE8842FA5D5}" srcOrd="0" destOrd="0" presId="urn:microsoft.com/office/officeart/2005/8/layout/lProcess2"/>
+    <dgm:cxn modelId="{0DCA4F47-EF86-E747-A548-CF0EEA4D73CA}" srcId="{0F79B6C1-6FC8-0E49-A571-B8A4C65F941F}" destId="{B5F762A7-CA73-E24F-8C8A-83BED812B611}" srcOrd="1" destOrd="0" parTransId="{E3FA84BD-0962-6D4C-831E-C0CA090A8B50}" sibTransId="{06D280A4-12C6-5946-B767-5F5D278F6701}"/>
+    <dgm:cxn modelId="{C938C47C-7CF5-C847-A43B-0CE11F2F4261}" type="presOf" srcId="{5D92AF42-CCEF-A54B-80FD-AEF53107D49D}" destId="{C12D1CED-58BD-7B4C-88CF-BDC94F42DE5F}" srcOrd="0" destOrd="0" presId="urn:microsoft.com/office/officeart/2005/8/layout/lProcess2"/>
     <dgm:cxn modelId="{313C5EFD-2167-3840-84B4-3D69B53A7956}" type="presOf" srcId="{D7569426-2470-E543-B176-167358857A7E}" destId="{2F5CDB75-A159-2047-A59C-FFEAF060B73D}" srcOrd="0" destOrd="0" presId="urn:microsoft.com/office/officeart/2005/8/layout/lProcess2"/>
     <dgm:cxn modelId="{57D2448B-1178-F049-A2CC-1418B87479E8}" srcId="{0F79B6C1-6FC8-0E49-A571-B8A4C65F941F}" destId="{5D92AF42-CCEF-A54B-80FD-AEF53107D49D}" srcOrd="2" destOrd="0" parTransId="{7633A116-919D-1542-955C-9C91DBC4142A}" sibTransId="{509D02D2-B474-6642-B194-1D8568698474}"/>
+    <dgm:cxn modelId="{2683D7A6-67E3-4CE6-9E67-FF0FDFAA28AA}" type="presOf" srcId="{DB006076-C4EE-FB43-B651-C19A4355D01D}" destId="{21946D00-D9DE-42FE-8C8F-FCD7D9A7BA2A}" srcOrd="0" destOrd="0" presId="urn:microsoft.com/office/officeart/2005/8/layout/lProcess2"/>
+    <dgm:cxn modelId="{F314B935-2040-438B-9010-48361D4CBAE4}" srcId="{DB006076-C4EE-FB43-B651-C19A4355D01D}" destId="{AEB670EB-E9C6-4792-B32C-E5C336500FD5}" srcOrd="0" destOrd="0" parTransId="{716767EA-E06E-455A-A7E9-210270045B7C}" sibTransId="{5C2F27C3-E7B1-4954-9FB3-4B6EE26E126C}"/>
     <dgm:cxn modelId="{E3AC7574-FD6D-49FB-9B68-3575A8078E7A}" type="presOf" srcId="{AEB670EB-E9C6-4792-B32C-E5C336500FD5}" destId="{12D9F88B-B804-4A2C-8BA3-90AA17D96FE0}" srcOrd="0" destOrd="0" presId="urn:microsoft.com/office/officeart/2005/8/layout/lProcess2"/>
-    <dgm:cxn modelId="{F314B935-2040-438B-9010-48361D4CBAE4}" srcId="{DB006076-C4EE-FB43-B651-C19A4355D01D}" destId="{AEB670EB-E9C6-4792-B32C-E5C336500FD5}" srcOrd="0" destOrd="0" parTransId="{716767EA-E06E-455A-A7E9-210270045B7C}" sibTransId="{5C2F27C3-E7B1-4954-9FB3-4B6EE26E126C}"/>
+    <dgm:cxn modelId="{310815DE-546D-484A-8D46-3A69CA946A19}" type="presOf" srcId="{15158CD5-5036-7F4F-833E-D2F3F6E94817}" destId="{859DB472-E0EB-4137-9C97-0FB26220B085}" srcOrd="0" destOrd="0" presId="urn:microsoft.com/office/officeart/2005/8/layout/lProcess2"/>
+    <dgm:cxn modelId="{704CA3C7-2065-1B45-A3CE-CD94F94C3928}" type="presOf" srcId="{B5F762A7-CA73-E24F-8C8A-83BED812B611}" destId="{025F1818-EE30-EF4C-8E2C-9B6EC72D5FDA}" srcOrd="0" destOrd="0" presId="urn:microsoft.com/office/officeart/2005/8/layout/lProcess2"/>
     <dgm:cxn modelId="{59F73B20-A287-45CB-92DA-06D65D6EC4D3}" type="presOf" srcId="{7789AF55-7036-4D56-A800-2D242C7F73BA}" destId="{D4B4B978-DB59-4E1C-A3DD-73309F1B5F60}" srcOrd="0" destOrd="0" presId="urn:microsoft.com/office/officeart/2005/8/layout/lProcess2"/>
+    <dgm:cxn modelId="{D73204E9-DABD-4DF8-8391-1832797387A9}" type="presOf" srcId="{4E442D17-0831-F341-AB5B-D5D6F83154E7}" destId="{6EC4EA53-06F8-0949-8BC9-ADE8842FA5D5}" srcOrd="0" destOrd="0" presId="urn:microsoft.com/office/officeart/2005/8/layout/lProcess2"/>
+    <dgm:cxn modelId="{643733B8-5DFA-D947-906F-B6B05B851D6E}" srcId="{D7569426-2470-E543-B176-167358857A7E}" destId="{DB006076-C4EE-FB43-B651-C19A4355D01D}" srcOrd="1" destOrd="0" parTransId="{FD7E9F50-57EB-404A-9A75-AE9B13F032F6}" sibTransId="{B8E9CA3C-2CFA-CA45-97BA-2328AB1EB4D3}"/>
+    <dgm:cxn modelId="{07885882-8A79-4DFB-B26B-F74490DEB3EB}" srcId="{DB006076-C4EE-FB43-B651-C19A4355D01D}" destId="{7789AF55-7036-4D56-A800-2D242C7F73BA}" srcOrd="1" destOrd="0" parTransId="{886A9988-3E0A-4200-A6AD-922B3497B50D}" sibTransId="{D6CF8ED4-2E10-49C7-9871-F72B54D25712}"/>
+    <dgm:cxn modelId="{470EE5A6-F6FE-FD48-874E-FC2000A968B9}" srcId="{D7569426-2470-E543-B176-167358857A7E}" destId="{15158CD5-5036-7F4F-833E-D2F3F6E94817}" srcOrd="2" destOrd="0" parTransId="{DF65AE08-D937-6E44-949D-1BC6C2A3FE0E}" sibTransId="{F7A592D9-9165-284C-A051-50F2DE5015CF}"/>
+    <dgm:cxn modelId="{29E89F4E-B98A-491B-9FAB-FE5524C896BD}" type="presOf" srcId="{E579A04B-2FE6-4FF0-85F0-C396C36EAB31}" destId="{28376B70-F0AD-4AB7-B686-C2B23BD8FF96}" srcOrd="0" destOrd="0" presId="urn:microsoft.com/office/officeart/2005/8/layout/lProcess2"/>
+    <dgm:cxn modelId="{70700FA9-BEFB-9E4D-9FAC-F3E4BC6ECF4B}" srcId="{15158CD5-5036-7F4F-833E-D2F3F6E94817}" destId="{4E442D17-0831-F341-AB5B-D5D6F83154E7}" srcOrd="0" destOrd="0" parTransId="{929366D5-F25D-A649-9186-A5A8168BE968}" sibTransId="{E204CE1D-4681-CE4C-8863-1C7D8C6A70CB}"/>
+    <dgm:cxn modelId="{03C8213E-1440-4A95-B1A4-BE99B0B5FB7C}" type="presOf" srcId="{DB006076-C4EE-FB43-B651-C19A4355D01D}" destId="{DAF47AD8-C39F-42C4-B6DC-7E02A93C0B98}" srcOrd="1" destOrd="0" presId="urn:microsoft.com/office/officeart/2005/8/layout/lProcess2"/>
+    <dgm:cxn modelId="{C19F1033-1C86-AB4E-89A2-2C2E1E3D8FBA}" type="presOf" srcId="{0F79B6C1-6FC8-0E49-A571-B8A4C65F941F}" destId="{E7B81BAE-61D5-BE40-A90F-A67B5E60B38D}" srcOrd="1" destOrd="0" presId="urn:microsoft.com/office/officeart/2005/8/layout/lProcess2"/>
+    <dgm:cxn modelId="{BEA30033-8407-3C47-AB0E-AE2CAE2CA3F9}" srcId="{D7569426-2470-E543-B176-167358857A7E}" destId="{0F79B6C1-6FC8-0E49-A571-B8A4C65F941F}" srcOrd="0" destOrd="0" parTransId="{CBB58016-F00B-E041-9ABA-C1CD9A7B9120}" sibTransId="{5BE79BAF-5C6B-514B-8A9E-ED4AB1676ECF}"/>
+    <dgm:cxn modelId="{6C233F44-17B8-B843-BA85-346EE44F8EEA}" type="presOf" srcId="{0F79B6C1-6FC8-0E49-A571-B8A4C65F941F}" destId="{91C72D2C-2F9D-9F40-A5F8-1992A8D4D65A}" srcOrd="0" destOrd="0" presId="urn:microsoft.com/office/officeart/2005/8/layout/lProcess2"/>
+    <dgm:cxn modelId="{CCF542CA-66B4-4B98-A225-9619EF1E6B89}" srcId="{DB006076-C4EE-FB43-B651-C19A4355D01D}" destId="{E579A04B-2FE6-4FF0-85F0-C396C36EAB31}" srcOrd="2" destOrd="0" parTransId="{92F13800-BC6C-4291-AADA-934463F3D295}" sibTransId="{020B4B67-9FB2-4238-A85D-0C4EF8C14FBB}"/>
+    <dgm:cxn modelId="{84C633C6-8275-5241-B819-6CF4BEE95246}" srcId="{0F79B6C1-6FC8-0E49-A571-B8A4C65F941F}" destId="{E75835CB-F0A8-524F-811C-BE6D0347BD95}" srcOrd="0" destOrd="0" parTransId="{9BF83AA9-6CFA-F340-9D93-F4975B84C982}" sibTransId="{1C15B4A9-E1C8-6E43-A550-CF2EBA01724D}"/>
     <dgm:cxn modelId="{8BD1E72D-E20C-F347-90AB-22BF055D31F6}" type="presOf" srcId="{E75835CB-F0A8-524F-811C-BE6D0347BD95}" destId="{6011F80E-D04F-BD40-8DC8-C329610B98AC}" srcOrd="0" destOrd="0" presId="urn:microsoft.com/office/officeart/2005/8/layout/lProcess2"/>
+    <dgm:cxn modelId="{D030096E-0A13-4769-BD97-AD4A97C853BF}" srcId="{15158CD5-5036-7F4F-833E-D2F3F6E94817}" destId="{BD3BD290-C72E-4177-8989-830BC6EAB69C}" srcOrd="1" destOrd="0" parTransId="{5005AB87-428E-4F8A-ADCC-BDF9ADFD9993}" sibTransId="{625A9D60-0E90-4850-8C13-D8425429B721}"/>
     <dgm:cxn modelId="{4F6CA3E1-318D-4602-B36D-3B36D461EA8A}" type="presOf" srcId="{15158CD5-5036-7F4F-833E-D2F3F6E94817}" destId="{FFF168A4-BFCA-4A5F-B0E3-E575E5CB6D70}" srcOrd="1" destOrd="0" presId="urn:microsoft.com/office/officeart/2005/8/layout/lProcess2"/>
-    <dgm:cxn modelId="{470EE5A6-F6FE-FD48-874E-FC2000A968B9}" srcId="{D7569426-2470-E543-B176-167358857A7E}" destId="{15158CD5-5036-7F4F-833E-D2F3F6E94817}" srcOrd="2" destOrd="0" parTransId="{DF65AE08-D937-6E44-949D-1BC6C2A3FE0E}" sibTransId="{F7A592D9-9165-284C-A051-50F2DE5015CF}"/>
-    <dgm:cxn modelId="{0DCA4F47-EF86-E747-A548-CF0EEA4D73CA}" srcId="{0F79B6C1-6FC8-0E49-A571-B8A4C65F941F}" destId="{B5F762A7-CA73-E24F-8C8A-83BED812B611}" srcOrd="1" destOrd="0" parTransId="{E3FA84BD-0962-6D4C-831E-C0CA090A8B50}" sibTransId="{06D280A4-12C6-5946-B767-5F5D278F6701}"/>
-    <dgm:cxn modelId="{2683D7A6-67E3-4CE6-9E67-FF0FDFAA28AA}" type="presOf" srcId="{DB006076-C4EE-FB43-B651-C19A4355D01D}" destId="{21946D00-D9DE-42FE-8C8F-FCD7D9A7BA2A}" srcOrd="0" destOrd="0" presId="urn:microsoft.com/office/officeart/2005/8/layout/lProcess2"/>
-    <dgm:cxn modelId="{70700FA9-BEFB-9E4D-9FAC-F3E4BC6ECF4B}" srcId="{15158CD5-5036-7F4F-833E-D2F3F6E94817}" destId="{4E442D17-0831-F341-AB5B-D5D6F83154E7}" srcOrd="0" destOrd="0" parTransId="{929366D5-F25D-A649-9186-A5A8168BE968}" sibTransId="{E204CE1D-4681-CE4C-8863-1C7D8C6A70CB}"/>
-    <dgm:cxn modelId="{310815DE-546D-484A-8D46-3A69CA946A19}" type="presOf" srcId="{15158CD5-5036-7F4F-833E-D2F3F6E94817}" destId="{859DB472-E0EB-4137-9C97-0FB26220B085}" srcOrd="0" destOrd="0" presId="urn:microsoft.com/office/officeart/2005/8/layout/lProcess2"/>
-    <dgm:cxn modelId="{6C233F44-17B8-B843-BA85-346EE44F8EEA}" type="presOf" srcId="{0F79B6C1-6FC8-0E49-A571-B8A4C65F941F}" destId="{91C72D2C-2F9D-9F40-A5F8-1992A8D4D65A}" srcOrd="0" destOrd="0" presId="urn:microsoft.com/office/officeart/2005/8/layout/lProcess2"/>
-    <dgm:cxn modelId="{BEA30033-8407-3C47-AB0E-AE2CAE2CA3F9}" srcId="{D7569426-2470-E543-B176-167358857A7E}" destId="{0F79B6C1-6FC8-0E49-A571-B8A4C65F941F}" srcOrd="0" destOrd="0" parTransId="{CBB58016-F00B-E041-9ABA-C1CD9A7B9120}" sibTransId="{5BE79BAF-5C6B-514B-8A9E-ED4AB1676ECF}"/>
-    <dgm:cxn modelId="{CCF542CA-66B4-4B98-A225-9619EF1E6B89}" srcId="{DB006076-C4EE-FB43-B651-C19A4355D01D}" destId="{E579A04B-2FE6-4FF0-85F0-C396C36EAB31}" srcOrd="2" destOrd="0" parTransId="{92F13800-BC6C-4291-AADA-934463F3D295}" sibTransId="{020B4B67-9FB2-4238-A85D-0C4EF8C14FBB}"/>
-    <dgm:cxn modelId="{C19F1033-1C86-AB4E-89A2-2C2E1E3D8FBA}" type="presOf" srcId="{0F79B6C1-6FC8-0E49-A571-B8A4C65F941F}" destId="{E7B81BAE-61D5-BE40-A90F-A67B5E60B38D}" srcOrd="1" destOrd="0" presId="urn:microsoft.com/office/officeart/2005/8/layout/lProcess2"/>
-    <dgm:cxn modelId="{C938C47C-7CF5-C847-A43B-0CE11F2F4261}" type="presOf" srcId="{5D92AF42-CCEF-A54B-80FD-AEF53107D49D}" destId="{C12D1CED-58BD-7B4C-88CF-BDC94F42DE5F}" srcOrd="0" destOrd="0" presId="urn:microsoft.com/office/officeart/2005/8/layout/lProcess2"/>
+    <dgm:cxn modelId="{6A144F32-7C26-4354-81C4-1466FB8B6AC9}" type="presOf" srcId="{BD3BD290-C72E-4177-8989-830BC6EAB69C}" destId="{D6B01CFE-C009-4AE7-92D6-25C02E80AB3E}" srcOrd="0" destOrd="0" presId="urn:microsoft.com/office/officeart/2005/8/layout/lProcess2"/>
     <dgm:cxn modelId="{63233EF4-0EA0-464E-A65E-6F4F025701E6}" type="presParOf" srcId="{2F5CDB75-A159-2047-A59C-FFEAF060B73D}" destId="{40BFA76C-B610-B244-87DF-6592AB1CB3E8}" srcOrd="0" destOrd="0" presId="urn:microsoft.com/office/officeart/2005/8/layout/lProcess2"/>
     <dgm:cxn modelId="{1A2B8182-7CF9-4E41-A30E-E12110D73A61}" type="presParOf" srcId="{40BFA76C-B610-B244-87DF-6592AB1CB3E8}" destId="{91C72D2C-2F9D-9F40-A5F8-1992A8D4D65A}" srcOrd="0" destOrd="0" presId="urn:microsoft.com/office/officeart/2005/8/layout/lProcess2"/>
     <dgm:cxn modelId="{D79F9042-C5F7-6B4D-B561-7AFBF42B4D36}" type="presParOf" srcId="{40BFA76C-B610-B244-87DF-6592AB1CB3E8}" destId="{E7B81BAE-61D5-BE40-A90F-A67B5E60B38D}" srcOrd="1" destOrd="0" presId="urn:microsoft.com/office/officeart/2005/8/layout/lProcess2"/>
@@ -3904,7 +3905,7 @@
           <a:p>
             <a:fld id="{DF988260-A97E-4A0F-9CFB-70FB264335D6}" type="datetimeFigureOut">
               <a:rPr lang="en-US" smtClean="0"/>
-              <a:t>9/19/2016</a:t>
+              <a:t>9/30/2016</a:t>
             </a:fld>
             <a:endParaRPr lang="en-US"/>
           </a:p>
@@ -4070,7 +4071,7 @@
           <a:p>
             <a:fld id="{5F1CBD95-E902-A149-AE90-305C920D7D58}" type="datetimeFigureOut">
               <a:rPr lang="en-US" smtClean="0"/>
-              <a:t>9/19/2016</a:t>
+              <a:t>9/30/2016</a:t>
             </a:fld>
             <a:endParaRPr lang="en-US" dirty="0"/>
           </a:p>
@@ -5383,6 +5384,122 @@
 </file>
 
 <file path=ppt/notesSlides/notesSlide18.xml><?xml version="1.0" encoding="utf-8"?>
+<p:notes xmlns:a="http://schemas.openxmlformats.org/drawingml/2006/main" xmlns:r="http://schemas.openxmlformats.org/officeDocument/2006/relationships" xmlns:p="http://schemas.openxmlformats.org/presentationml/2006/main" showMasterSp="0" showMasterPhAnim="0">
+  <p:cSld>
+    <p:spTree>
+      <p:nvGrpSpPr>
+        <p:cNvPr id="1" name="Shape 328"/>
+        <p:cNvGrpSpPr/>
+        <p:nvPr/>
+      </p:nvGrpSpPr>
+      <p:grpSpPr>
+        <a:xfrm>
+          <a:off x="0" y="0"/>
+          <a:ext cx="0" cy="0"/>
+          <a:chOff x="0" y="0"/>
+          <a:chExt cx="0" cy="0"/>
+        </a:xfrm>
+      </p:grpSpPr>
+      <p:sp>
+        <p:nvSpPr>
+          <p:cNvPr id="329" name="Shape 329"/>
+          <p:cNvSpPr>
+            <a:spLocks noGrp="1" noRot="1" noChangeAspect="1"/>
+          </p:cNvSpPr>
+          <p:nvPr>
+            <p:ph type="sldImg" idx="2"/>
+          </p:nvPr>
+        </p:nvSpPr>
+        <p:spPr>
+          <a:xfrm>
+            <a:off x="381000" y="685800"/>
+            <a:ext cx="6096000" cy="3429000"/>
+          </a:xfrm>
+          <a:custGeom>
+            <a:avLst/>
+            <a:gdLst/>
+            <a:ahLst/>
+            <a:cxnLst/>
+            <a:rect l="0" t="0" r="0" b="0"/>
+            <a:pathLst>
+              <a:path w="120000" h="120000" extrusionOk="0">
+                <a:moveTo>
+                  <a:pt x="0" y="0"/>
+                </a:moveTo>
+                <a:lnTo>
+                  <a:pt x="120000" y="0"/>
+                </a:lnTo>
+                <a:lnTo>
+                  <a:pt x="120000" y="120000"/>
+                </a:lnTo>
+                <a:lnTo>
+                  <a:pt x="0" y="120000"/>
+                </a:lnTo>
+                <a:close/>
+              </a:path>
+            </a:pathLst>
+          </a:custGeom>
+          <a:noFill/>
+          <a:ln w="9525" cap="flat">
+            <a:solidFill>
+              <a:srgbClr val="000000"/>
+            </a:solidFill>
+            <a:prstDash val="solid"/>
+            <a:round/>
+            <a:headEnd type="none" w="med" len="med"/>
+            <a:tailEnd type="none" w="med" len="med"/>
+          </a:ln>
+        </p:spPr>
+      </p:sp>
+      <p:sp>
+        <p:nvSpPr>
+          <p:cNvPr id="330" name="Shape 330"/>
+          <p:cNvSpPr txBox="1">
+            <a:spLocks noGrp="1"/>
+          </p:cNvSpPr>
+          <p:nvPr>
+            <p:ph type="body" idx="1"/>
+          </p:nvPr>
+        </p:nvSpPr>
+        <p:spPr>
+          <a:xfrm>
+            <a:off x="685800" y="4343400"/>
+            <a:ext cx="5486399" cy="4114800"/>
+          </a:xfrm>
+          <a:prstGeom prst="rect">
+            <a:avLst/>
+          </a:prstGeom>
+        </p:spPr>
+        <p:txBody>
+          <a:bodyPr lIns="91425" tIns="91425" rIns="91425" bIns="91425" anchor="t" anchorCtr="0">
+            <a:noAutofit/>
+          </a:bodyPr>
+          <a:lstStyle/>
+          <a:p>
+            <a:pPr lvl="0" rtl="0">
+              <a:spcBef>
+                <a:spcPts val="0"/>
+              </a:spcBef>
+              <a:buNone/>
+            </a:pPr>
+            <a:endParaRPr/>
+          </a:p>
+        </p:txBody>
+      </p:sp>
+    </p:spTree>
+    <p:extLst>
+      <p:ext uri="{BB962C8B-B14F-4D97-AF65-F5344CB8AC3E}">
+        <p14:creationId xmlns:p14="http://schemas.microsoft.com/office/powerpoint/2010/main" val="2537106110"/>
+      </p:ext>
+    </p:extLst>
+  </p:cSld>
+  <p:clrMapOvr>
+    <a:masterClrMapping/>
+  </p:clrMapOvr>
+</p:notes>
+</file>
+
+<file path=ppt/notesSlides/notesSlide19.xml><?xml version="1.0" encoding="utf-8"?>
 <p:notes xmlns:a="http://schemas.openxmlformats.org/drawingml/2006/main" xmlns:r="http://schemas.openxmlformats.org/officeDocument/2006/relationships" xmlns:p="http://schemas.openxmlformats.org/presentationml/2006/main" showMasterSp="0" showMasterPhAnim="0">
   <p:cSld>
     <p:spTree>
@@ -12893,7 +13010,31 @@
                 <a:cs typeface="Proxima Nova Regular"/>
                 <a:sym typeface="Montserrat"/>
               </a:rPr>
-              <a:t>Budgetary and Time Estimate</a:t>
+              <a:t>Time </a:t>
+            </a:r>
+            <a:r>
+              <a:rPr lang="en-US" sz="2400" b="0" dirty="0">
+                <a:solidFill>
+                  <a:srgbClr val="DA3424"/>
+                </a:solidFill>
+                <a:latin typeface="Proxima Nova Regular"/>
+                <a:ea typeface="Montserrat"/>
+                <a:cs typeface="Proxima Nova Regular"/>
+                <a:sym typeface="Montserrat"/>
+              </a:rPr>
+              <a:t>and Budgetary </a:t>
+            </a:r>
+            <a:r>
+              <a:rPr lang="en-US" sz="2400" b="0" kern="1200" dirty="0">
+                <a:solidFill>
+                  <a:srgbClr val="DA3424"/>
+                </a:solidFill>
+                <a:latin typeface="Proxima Nova Regular"/>
+                <a:ea typeface="Montserrat"/>
+                <a:cs typeface="Proxima Nova Regular"/>
+                <a:sym typeface="Montserrat"/>
+              </a:rPr>
+              <a:t>Estimate</a:t>
             </a:r>
             <a:endParaRPr lang="en" sz="2400" b="0" kern="1200" dirty="0">
               <a:solidFill>
@@ -13038,7 +13179,7 @@
                 <a:cs typeface="Montserrat"/>
                 <a:sym typeface="Montserrat"/>
               </a:rPr>
-              <a:t>BUDGETARY EFFORT ESTIMATES</a:t>
+              <a:t>TIME EFFORT ESTIMATES</a:t>
             </a:r>
           </a:p>
         </p:txBody>
@@ -13565,6 +13706,629 @@
 </file>
 
 <file path=ppt/slides/slide18.xml><?xml version="1.0" encoding="utf-8"?>
+<p:sld xmlns:a="http://schemas.openxmlformats.org/drawingml/2006/main" xmlns:r="http://schemas.openxmlformats.org/officeDocument/2006/relationships" xmlns:p="http://schemas.openxmlformats.org/presentationml/2006/main">
+  <p:cSld>
+    <p:spTree>
+      <p:nvGrpSpPr>
+        <p:cNvPr id="1" name="Shape 312"/>
+        <p:cNvGrpSpPr/>
+        <p:nvPr/>
+      </p:nvGrpSpPr>
+      <p:grpSpPr>
+        <a:xfrm>
+          <a:off x="0" y="0"/>
+          <a:ext cx="0" cy="0"/>
+          <a:chOff x="0" y="0"/>
+          <a:chExt cx="0" cy="0"/>
+        </a:xfrm>
+      </p:grpSpPr>
+      <p:sp>
+        <p:nvSpPr>
+          <p:cNvPr id="18" name="Shape 115"/>
+          <p:cNvSpPr txBox="1">
+            <a:spLocks noGrp="1"/>
+          </p:cNvSpPr>
+          <p:nvPr>
+            <p:ph type="ctrTitle"/>
+          </p:nvPr>
+        </p:nvSpPr>
+        <p:spPr>
+          <a:xfrm>
+            <a:off x="1" y="411510"/>
+            <a:ext cx="9144000" cy="535499"/>
+          </a:xfrm>
+          <a:prstGeom prst="rect">
+            <a:avLst/>
+          </a:prstGeom>
+        </p:spPr>
+        <p:txBody>
+          <a:bodyPr lIns="91425" tIns="91425" rIns="91425" bIns="91425" anchor="ctr" anchorCtr="0">
+            <a:noAutofit/>
+          </a:bodyPr>
+          <a:lstStyle/>
+          <a:p>
+            <a:pPr lvl="0"/>
+            <a:r>
+              <a:rPr lang="en-US" sz="3000">
+                <a:solidFill>
+                  <a:srgbClr val="000000"/>
+                </a:solidFill>
+                <a:latin typeface="Montserrat"/>
+                <a:ea typeface="Montserrat"/>
+                <a:cs typeface="Montserrat"/>
+                <a:sym typeface="Montserrat"/>
+              </a:rPr>
+              <a:t>BUDGETARY ESTIMATES</a:t>
+            </a:r>
+            <a:endParaRPr lang="en-US" sz="3000" dirty="0">
+              <a:solidFill>
+                <a:srgbClr val="000000"/>
+              </a:solidFill>
+              <a:latin typeface="Montserrat"/>
+              <a:ea typeface="Montserrat"/>
+              <a:cs typeface="Montserrat"/>
+              <a:sym typeface="Montserrat"/>
+            </a:endParaRPr>
+          </a:p>
+        </p:txBody>
+      </p:sp>
+      <p:graphicFrame>
+        <p:nvGraphicFramePr>
+          <p:cNvPr id="2" name="Table 1"/>
+          <p:cNvGraphicFramePr>
+            <a:graphicFrameLocks noGrp="1"/>
+          </p:cNvGraphicFramePr>
+          <p:nvPr>
+            <p:extLst>
+              <p:ext uri="{D42A27DB-BD31-4B8C-83A1-F6EECF244321}">
+                <p14:modId xmlns:p14="http://schemas.microsoft.com/office/powerpoint/2010/main" val="1794839937"/>
+              </p:ext>
+            </p:extLst>
+          </p:nvPr>
+        </p:nvGraphicFramePr>
+        <p:xfrm>
+          <a:off x="819522" y="1298986"/>
+          <a:ext cx="6992838" cy="2723589"/>
+        </p:xfrm>
+        <a:graphic>
+          <a:graphicData uri="http://schemas.openxmlformats.org/drawingml/2006/table">
+            <a:tbl>
+              <a:tblPr firstRow="1" lastRow="1">
+                <a:tableStyleId>{69012ECD-51FC-41F1-AA8D-1B2483CD663E}</a:tableStyleId>
+              </a:tblPr>
+              <a:tblGrid>
+                <a:gridCol w="3176414">
+                  <a:extLst>
+                    <a:ext uri="{9D8B030D-6E8A-4147-A177-3AD203B41FA5}">
+                      <a16:colId xmlns:a16="http://schemas.microsoft.com/office/drawing/2014/main" val="20000"/>
+                    </a:ext>
+                  </a:extLst>
+                </a:gridCol>
+                <a:gridCol w="1080120">
+                  <a:extLst>
+                    <a:ext uri="{9D8B030D-6E8A-4147-A177-3AD203B41FA5}">
+                      <a16:colId xmlns:a16="http://schemas.microsoft.com/office/drawing/2014/main" val="20001"/>
+                    </a:ext>
+                  </a:extLst>
+                </a:gridCol>
+                <a:gridCol w="1080120">
+                  <a:extLst>
+                    <a:ext uri="{9D8B030D-6E8A-4147-A177-3AD203B41FA5}">
+                      <a16:colId xmlns:a16="http://schemas.microsoft.com/office/drawing/2014/main" val="1034828102"/>
+                    </a:ext>
+                  </a:extLst>
+                </a:gridCol>
+                <a:gridCol w="1656184">
+                  <a:extLst>
+                    <a:ext uri="{9D8B030D-6E8A-4147-A177-3AD203B41FA5}">
+                      <a16:colId xmlns:a16="http://schemas.microsoft.com/office/drawing/2014/main" val="4260155438"/>
+                    </a:ext>
+                  </a:extLst>
+                </a:gridCol>
+              </a:tblGrid>
+              <a:tr h="696700">
+                <a:tc>
+                  <a:txBody>
+                    <a:bodyPr/>
+                    <a:lstStyle/>
+                    <a:p>
+                      <a:pPr marL="18288" indent="-18288" algn="l"/>
+                      <a:r>
+                        <a:rPr lang="en-US" sz="1400" dirty="0">
+                          <a:latin typeface="Proxima Nova Regular"/>
+                        </a:rPr>
+                        <a:t>Project Activities</a:t>
+                      </a:r>
+                      <a:endParaRPr lang="en-US" sz="1400" dirty="0">
+                        <a:latin typeface="Proxima Nova Regular"/>
+                        <a:cs typeface="Proxima Nova Regular"/>
+                      </a:endParaRPr>
+                    </a:p>
+                  </a:txBody>
+                  <a:tcPr anchor="ctr">
+                    <a:lnR w="12700" cap="flat" cmpd="sng" algn="ctr">
+                      <a:solidFill>
+                        <a:schemeClr val="bg1"/>
+                      </a:solidFill>
+                      <a:prstDash val="solid"/>
+                      <a:round/>
+                      <a:headEnd type="none" w="med" len="med"/>
+                      <a:tailEnd type="none" w="med" len="med"/>
+                    </a:lnR>
+                  </a:tcPr>
+                </a:tc>
+                <a:tc>
+                  <a:txBody>
+                    <a:bodyPr/>
+                    <a:lstStyle/>
+                    <a:p>
+                      <a:pPr algn="ctr"/>
+                      <a:r>
+                        <a:rPr lang="en-US" sz="1400" dirty="0">
+                          <a:latin typeface="Proxima Nova Regular"/>
+                          <a:cs typeface="Proxima Nova Regular"/>
+                        </a:rPr>
+                        <a:t>Total</a:t>
+                      </a:r>
+                      <a:r>
+                        <a:rPr lang="en-US" sz="1400" baseline="0" dirty="0">
+                          <a:latin typeface="Proxima Nova Regular"/>
+                          <a:cs typeface="Proxima Nova Regular"/>
+                        </a:rPr>
+                        <a:t> Time</a:t>
+                      </a:r>
+                      <a:endParaRPr lang="en-US" sz="1400" dirty="0">
+                        <a:latin typeface="Proxima Nova Regular"/>
+                        <a:cs typeface="Proxima Nova Regular"/>
+                      </a:endParaRPr>
+                    </a:p>
+                  </a:txBody>
+                  <a:tcPr anchor="ctr">
+                    <a:lnL w="12700" cap="flat" cmpd="sng" algn="ctr">
+                      <a:solidFill>
+                        <a:schemeClr val="bg1"/>
+                      </a:solidFill>
+                      <a:prstDash val="solid"/>
+                      <a:round/>
+                      <a:headEnd type="none" w="med" len="med"/>
+                      <a:tailEnd type="none" w="med" len="med"/>
+                    </a:lnL>
+                    <a:lnR w="12700" cap="flat" cmpd="sng" algn="ctr">
+                      <a:solidFill>
+                        <a:schemeClr val="bg1"/>
+                      </a:solidFill>
+                      <a:prstDash val="solid"/>
+                      <a:round/>
+                      <a:headEnd type="none" w="med" len="med"/>
+                      <a:tailEnd type="none" w="med" len="med"/>
+                    </a:lnR>
+                  </a:tcPr>
+                </a:tc>
+                <a:tc>
+                  <a:txBody>
+                    <a:bodyPr/>
+                    <a:lstStyle/>
+                    <a:p>
+                      <a:pPr algn="ctr"/>
+                      <a:r>
+                        <a:rPr lang="en-US" sz="1400" dirty="0">
+                          <a:latin typeface="Proxima Nova Regular"/>
+                          <a:cs typeface="Proxima Nova Regular"/>
+                        </a:rPr>
+                        <a:t>Cost per H</a:t>
+                      </a:r>
+                    </a:p>
+                  </a:txBody>
+                  <a:tcPr anchor="ctr">
+                    <a:lnL w="12700" cap="flat" cmpd="sng" algn="ctr">
+                      <a:solidFill>
+                        <a:schemeClr val="bg1"/>
+                      </a:solidFill>
+                      <a:prstDash val="solid"/>
+                      <a:round/>
+                      <a:headEnd type="none" w="med" len="med"/>
+                      <a:tailEnd type="none" w="med" len="med"/>
+                    </a:lnL>
+                    <a:lnR w="12700" cap="flat" cmpd="sng" algn="ctr">
+                      <a:solidFill>
+                        <a:schemeClr val="bg1"/>
+                      </a:solidFill>
+                      <a:prstDash val="solid"/>
+                      <a:round/>
+                      <a:headEnd type="none" w="med" len="med"/>
+                      <a:tailEnd type="none" w="med" len="med"/>
+                    </a:lnR>
+                  </a:tcPr>
+                </a:tc>
+                <a:tc>
+                  <a:txBody>
+                    <a:bodyPr/>
+                    <a:lstStyle/>
+                    <a:p>
+                      <a:pPr algn="ctr"/>
+                      <a:r>
+                        <a:rPr lang="en-US" sz="1400" dirty="0">
+                          <a:latin typeface="Proxima Nova Regular"/>
+                          <a:cs typeface="Proxima Nova Regular"/>
+                        </a:rPr>
+                        <a:t> Total Cost</a:t>
+                      </a:r>
+                    </a:p>
+                  </a:txBody>
+                  <a:tcPr anchor="ctr">
+                    <a:lnL w="12700" cap="flat" cmpd="sng" algn="ctr">
+                      <a:solidFill>
+                        <a:schemeClr val="bg1"/>
+                      </a:solidFill>
+                      <a:prstDash val="solid"/>
+                      <a:round/>
+                      <a:headEnd type="none" w="med" len="med"/>
+                      <a:tailEnd type="none" w="med" len="med"/>
+                    </a:lnL>
+                    <a:lnR w="12700" cap="flat" cmpd="sng" algn="ctr">
+                      <a:solidFill>
+                        <a:schemeClr val="bg1"/>
+                      </a:solidFill>
+                      <a:prstDash val="solid"/>
+                      <a:round/>
+                      <a:headEnd type="none" w="med" len="med"/>
+                      <a:tailEnd type="none" w="med" len="med"/>
+                    </a:lnR>
+                  </a:tcPr>
+                </a:tc>
+                <a:extLst>
+                  <a:ext uri="{0D108BD9-81ED-4DB2-BD59-A6C34878D82A}">
+                    <a16:rowId xmlns:a16="http://schemas.microsoft.com/office/drawing/2014/main" val="10000"/>
+                  </a:ext>
+                </a:extLst>
+              </a:tr>
+              <a:tr h="700052">
+                <a:tc>
+                  <a:txBody>
+                    <a:bodyPr/>
+                    <a:lstStyle/>
+                    <a:p>
+                      <a:pPr marL="18288" indent="-18288" algn="l"/>
+                      <a:r>
+                        <a:rPr lang="en-US" sz="1400" dirty="0">
+                          <a:latin typeface="Proxima Nova Regular"/>
+                          <a:cs typeface="Proxima Nova Regular"/>
+                        </a:rPr>
+                        <a:t>Taskmaster 2020 project</a:t>
+                      </a:r>
+                    </a:p>
+                  </a:txBody>
+                  <a:tcPr anchor="ctr"/>
+                </a:tc>
+                <a:tc>
+                  <a:txBody>
+                    <a:bodyPr/>
+                    <a:lstStyle/>
+                    <a:p>
+                      <a:pPr marL="0" marR="0" indent="0" algn="r" defTabSz="914400" rtl="0" eaLnBrk="1" fontAlgn="auto" latinLnBrk="0" hangingPunct="1">
+                        <a:lnSpc>
+                          <a:spcPct val="100000"/>
+                        </a:lnSpc>
+                        <a:spcBef>
+                          <a:spcPts val="0"/>
+                        </a:spcBef>
+                        <a:spcAft>
+                          <a:spcPts val="0"/>
+                        </a:spcAft>
+                        <a:buClrTx/>
+                        <a:buSzTx/>
+                        <a:buFontTx/>
+                        <a:buNone/>
+                        <a:tabLst/>
+                        <a:defRPr/>
+                      </a:pPr>
+                      <a:r>
+                        <a:rPr lang="en-US" sz="1400" dirty="0">
+                          <a:latin typeface="Proxima Nova Regular"/>
+                          <a:cs typeface="Proxima Nova Regular"/>
+                        </a:rPr>
+                        <a:t>660.00 H</a:t>
+                      </a:r>
+                    </a:p>
+                  </a:txBody>
+                  <a:tcPr anchor="ctr"/>
+                </a:tc>
+                <a:tc>
+                  <a:txBody>
+                    <a:bodyPr/>
+                    <a:lstStyle/>
+                    <a:p>
+                      <a:pPr marL="0" marR="0" indent="0" algn="r" defTabSz="914400" rtl="0" eaLnBrk="1" fontAlgn="auto" latinLnBrk="0" hangingPunct="1">
+                        <a:lnSpc>
+                          <a:spcPct val="100000"/>
+                        </a:lnSpc>
+                        <a:spcBef>
+                          <a:spcPts val="0"/>
+                        </a:spcBef>
+                        <a:spcAft>
+                          <a:spcPts val="0"/>
+                        </a:spcAft>
+                        <a:buClrTx/>
+                        <a:buSzTx/>
+                        <a:buFontTx/>
+                        <a:buNone/>
+                        <a:tabLst/>
+                        <a:defRPr/>
+                      </a:pPr>
+                      <a:r>
+                        <a:rPr lang="en-US" sz="1400" dirty="0">
+                          <a:latin typeface="Proxima Nova Regular"/>
+                          <a:cs typeface="Proxima Nova Regular"/>
+                        </a:rPr>
+                        <a:t>$70.00 / H</a:t>
+                      </a:r>
+                    </a:p>
+                  </a:txBody>
+                  <a:tcPr anchor="ctr"/>
+                </a:tc>
+                <a:tc>
+                  <a:txBody>
+                    <a:bodyPr/>
+                    <a:lstStyle/>
+                    <a:p>
+                      <a:pPr marL="0" marR="0" indent="0" algn="r" defTabSz="914400" rtl="0" eaLnBrk="1" fontAlgn="auto" latinLnBrk="0" hangingPunct="1">
+                        <a:lnSpc>
+                          <a:spcPct val="100000"/>
+                        </a:lnSpc>
+                        <a:spcBef>
+                          <a:spcPts val="0"/>
+                        </a:spcBef>
+                        <a:spcAft>
+                          <a:spcPts val="0"/>
+                        </a:spcAft>
+                        <a:buClrTx/>
+                        <a:buSzTx/>
+                        <a:buFontTx/>
+                        <a:buNone/>
+                        <a:tabLst/>
+                        <a:defRPr/>
+                      </a:pPr>
+                      <a:r>
+                        <a:rPr lang="en-US" sz="1400" dirty="0">
+                          <a:latin typeface="Proxima Nova Regular"/>
+                          <a:cs typeface="Proxima Nova Regular"/>
+                        </a:rPr>
+                        <a:t>$46,200.00</a:t>
+                      </a:r>
+                    </a:p>
+                  </a:txBody>
+                  <a:tcPr anchor="ctr"/>
+                </a:tc>
+                <a:extLst>
+                  <a:ext uri="{0D108BD9-81ED-4DB2-BD59-A6C34878D82A}">
+                    <a16:rowId xmlns:a16="http://schemas.microsoft.com/office/drawing/2014/main" val="10001"/>
+                  </a:ext>
+                </a:extLst>
+              </a:tr>
+              <a:tr h="626785">
+                <a:tc>
+                  <a:txBody>
+                    <a:bodyPr/>
+                    <a:lstStyle/>
+                    <a:p>
+                      <a:pPr marL="18288" indent="-18288" algn="l"/>
+                      <a:r>
+                        <a:rPr lang="en-US" sz="1400" dirty="0">
+                          <a:latin typeface="Proxima Nova Regular"/>
+                          <a:cs typeface="Proxima Nova Regular"/>
+                        </a:rPr>
+                        <a:t>Maintenance support</a:t>
+                      </a:r>
+                    </a:p>
+                  </a:txBody>
+                  <a:tcPr anchor="ctr"/>
+                </a:tc>
+                <a:tc>
+                  <a:txBody>
+                    <a:bodyPr/>
+                    <a:lstStyle/>
+                    <a:p>
+                      <a:pPr algn="r"/>
+                      <a:r>
+                        <a:rPr lang="en-US" sz="1400" dirty="0">
+                          <a:latin typeface="Proxima Nova Regular"/>
+                          <a:cs typeface="Proxima Nova Regular"/>
+                        </a:rPr>
+                        <a:t>1 Year</a:t>
+                      </a:r>
+                    </a:p>
+                  </a:txBody>
+                  <a:tcPr anchor="ctr"/>
+                </a:tc>
+                <a:tc>
+                  <a:txBody>
+                    <a:bodyPr/>
+                    <a:lstStyle/>
+                    <a:p>
+                      <a:pPr algn="r"/>
+                      <a:r>
+                        <a:rPr lang="en-US" sz="1400" dirty="0">
+                          <a:latin typeface="Proxima Nova Regular"/>
+                          <a:cs typeface="Proxima Nova Regular"/>
+                        </a:rPr>
+                        <a:t>$0.00 / H</a:t>
+                      </a:r>
+                    </a:p>
+                  </a:txBody>
+                  <a:tcPr anchor="ctr"/>
+                </a:tc>
+                <a:tc>
+                  <a:txBody>
+                    <a:bodyPr/>
+                    <a:lstStyle/>
+                    <a:p>
+                      <a:pPr algn="r"/>
+                      <a:r>
+                        <a:rPr lang="en-US" sz="1400" dirty="0">
+                          <a:latin typeface="Proxima Nova Regular"/>
+                          <a:cs typeface="Proxima Nova Regular"/>
+                        </a:rPr>
+                        <a:t>$         0.00</a:t>
+                      </a:r>
+                    </a:p>
+                  </a:txBody>
+                  <a:tcPr anchor="ctr"/>
+                </a:tc>
+                <a:extLst>
+                  <a:ext uri="{0D108BD9-81ED-4DB2-BD59-A6C34878D82A}">
+                    <a16:rowId xmlns:a16="http://schemas.microsoft.com/office/drawing/2014/main" val="728229305"/>
+                  </a:ext>
+                </a:extLst>
+              </a:tr>
+              <a:tr h="700052">
+                <a:tc>
+                  <a:txBody>
+                    <a:bodyPr/>
+                    <a:lstStyle/>
+                    <a:p>
+                      <a:pPr marL="18288" indent="-18288" algn="l"/>
+                      <a:r>
+                        <a:rPr lang="en-US" sz="1400" dirty="0">
+                          <a:latin typeface="Proxima Nova Regular"/>
+                        </a:rPr>
+                        <a:t>Total Cost</a:t>
+                      </a:r>
+                      <a:endParaRPr lang="en-US" sz="1400" dirty="0">
+                        <a:latin typeface="Proxima Nova Regular"/>
+                        <a:cs typeface="Proxima Nova Regular"/>
+                      </a:endParaRPr>
+                    </a:p>
+                  </a:txBody>
+                  <a:tcPr anchor="ctr"/>
+                </a:tc>
+                <a:tc>
+                  <a:txBody>
+                    <a:bodyPr/>
+                    <a:lstStyle/>
+                    <a:p>
+                      <a:pPr algn="r"/>
+                      <a:endParaRPr lang="en-US" sz="1400" dirty="0">
+                        <a:latin typeface="Proxima Nova Regular"/>
+                        <a:cs typeface="Proxima Nova Regular"/>
+                      </a:endParaRPr>
+                    </a:p>
+                  </a:txBody>
+                  <a:tcPr anchor="ctr"/>
+                </a:tc>
+                <a:tc>
+                  <a:txBody>
+                    <a:bodyPr/>
+                    <a:lstStyle/>
+                    <a:p>
+                      <a:pPr algn="r"/>
+                      <a:endParaRPr lang="en-US" sz="1400" dirty="0">
+                        <a:latin typeface="Proxima Nova Regular"/>
+                        <a:cs typeface="Proxima Nova Regular"/>
+                      </a:endParaRPr>
+                    </a:p>
+                  </a:txBody>
+                  <a:tcPr anchor="ctr"/>
+                </a:tc>
+                <a:tc>
+                  <a:txBody>
+                    <a:bodyPr/>
+                    <a:lstStyle/>
+                    <a:p>
+                      <a:pPr algn="r"/>
+                      <a:r>
+                        <a:rPr lang="en-US" sz="1400" dirty="0">
+                          <a:latin typeface="Proxima Nova Regular"/>
+                          <a:cs typeface="Proxima Nova Regular"/>
+                        </a:rPr>
+                        <a:t>$46,200.00</a:t>
+                      </a:r>
+                    </a:p>
+                  </a:txBody>
+                  <a:tcPr anchor="ctr"/>
+                </a:tc>
+                <a:extLst>
+                  <a:ext uri="{0D108BD9-81ED-4DB2-BD59-A6C34878D82A}">
+                    <a16:rowId xmlns:a16="http://schemas.microsoft.com/office/drawing/2014/main" val="10005"/>
+                  </a:ext>
+                </a:extLst>
+              </a:tr>
+            </a:tbl>
+          </a:graphicData>
+        </a:graphic>
+      </p:graphicFrame>
+      <p:cxnSp>
+        <p:nvCxnSpPr>
+          <p:cNvPr id="11" name="Shape 77"/>
+          <p:cNvCxnSpPr/>
+          <p:nvPr/>
+        </p:nvCxnSpPr>
+        <p:spPr>
+          <a:xfrm>
+            <a:off x="171450" y="383240"/>
+            <a:ext cx="8801100" cy="0"/>
+          </a:xfrm>
+          <a:prstGeom prst="straightConnector1">
+            <a:avLst/>
+          </a:prstGeom>
+          <a:noFill/>
+          <a:ln w="9525" cap="flat">
+            <a:solidFill>
+              <a:srgbClr val="D9D9D9"/>
+            </a:solidFill>
+            <a:prstDash val="solid"/>
+            <a:round/>
+            <a:headEnd type="none" w="lg" len="lg"/>
+            <a:tailEnd type="none" w="lg" len="lg"/>
+          </a:ln>
+        </p:spPr>
+      </p:cxnSp>
+      <p:pic>
+        <p:nvPicPr>
+          <p:cNvPr id="7" name="Picture 6"/>
+          <p:cNvPicPr>
+            <a:picLocks noChangeAspect="1"/>
+          </p:cNvPicPr>
+          <p:nvPr/>
+        </p:nvPicPr>
+        <p:blipFill>
+          <a:blip r:embed="rId3" cstate="print">
+            <a:extLst>
+              <a:ext uri="{28A0092B-C50C-407E-A947-70E740481C1C}">
+                <a14:useLocalDpi xmlns:a14="http://schemas.microsoft.com/office/drawing/2010/main" val="0"/>
+              </a:ext>
+            </a:extLst>
+          </a:blip>
+          <a:stretch>
+            <a:fillRect/>
+          </a:stretch>
+        </p:blipFill>
+        <p:spPr>
+          <a:xfrm>
+            <a:off x="7376038" y="-17104"/>
+            <a:ext cx="1596512" cy="414480"/>
+          </a:xfrm>
+          <a:prstGeom prst="rect">
+            <a:avLst/>
+          </a:prstGeom>
+        </p:spPr>
+      </p:pic>
+    </p:spTree>
+    <p:extLst>
+      <p:ext uri="{BB962C8B-B14F-4D97-AF65-F5344CB8AC3E}">
+        <p14:creationId xmlns:p14="http://schemas.microsoft.com/office/powerpoint/2010/main" val="21814948"/>
+      </p:ext>
+    </p:extLst>
+  </p:cSld>
+  <p:clrMapOvr>
+    <a:masterClrMapping/>
+  </p:clrMapOvr>
+  <p:transition spd="slow">
+    <p:cut/>
+  </p:transition>
+</p:sld>
+</file>
+
+<file path=ppt/slides/slide19.xml><?xml version="1.0" encoding="utf-8"?>
 <p:sld xmlns:a="http://schemas.openxmlformats.org/drawingml/2006/main" xmlns:r="http://schemas.openxmlformats.org/officeDocument/2006/relationships" xmlns:p="http://schemas.openxmlformats.org/presentationml/2006/main">
   <p:cSld>
     <p:bg>
